--- a/presentation/Introduction to XProc 3.0.pptx
+++ b/presentation/Introduction to XProc 3.0.pptx
@@ -5,10 +5,10 @@
     <p:sldMasterId id="2147483648" r:id="rId1"/>
   </p:sldMasterIdLst>
   <p:notesMasterIdLst>
-    <p:notesMasterId r:id="rId49"/>
+    <p:notesMasterId r:id="rId51"/>
   </p:notesMasterIdLst>
   <p:handoutMasterIdLst>
-    <p:handoutMasterId r:id="rId50"/>
+    <p:handoutMasterId r:id="rId52"/>
   </p:handoutMasterIdLst>
   <p:sldIdLst>
     <p:sldId id="256" r:id="rId2"/>
@@ -50,14 +50,16 @@
     <p:sldId id="318" r:id="rId38"/>
     <p:sldId id="319" r:id="rId39"/>
     <p:sldId id="279" r:id="rId40"/>
-    <p:sldId id="322" r:id="rId41"/>
-    <p:sldId id="324" r:id="rId42"/>
-    <p:sldId id="323" r:id="rId43"/>
-    <p:sldId id="325" r:id="rId44"/>
-    <p:sldId id="326" r:id="rId45"/>
-    <p:sldId id="329" r:id="rId46"/>
-    <p:sldId id="327" r:id="rId47"/>
-    <p:sldId id="328" r:id="rId48"/>
+    <p:sldId id="331" r:id="rId41"/>
+    <p:sldId id="322" r:id="rId42"/>
+    <p:sldId id="324" r:id="rId43"/>
+    <p:sldId id="323" r:id="rId44"/>
+    <p:sldId id="325" r:id="rId45"/>
+    <p:sldId id="326" r:id="rId46"/>
+    <p:sldId id="329" r:id="rId47"/>
+    <p:sldId id="327" r:id="rId48"/>
+    <p:sldId id="328" r:id="rId49"/>
+    <p:sldId id="330" r:id="rId50"/>
   </p:sldIdLst>
   <p:sldSz cx="12192000" cy="6858000"/>
   <p:notesSz cx="6858000" cy="9144000"/>
@@ -2115,7 +2117,7 @@
           <a:p>
             <a:fld id="{210C85D1-D769-4E3C-BD67-6FCFE11EFBEA}" type="slidenum">
               <a:rPr lang="en-NL" smtClean="0"/>
-              <a:t>41</a:t>
+              <a:t>40</a:t>
             </a:fld>
             <a:endParaRPr lang="en-NL"/>
           </a:p>
@@ -2124,7 +2126,7 @@
     </p:spTree>
     <p:extLst>
       <p:ext uri="{BB962C8B-B14F-4D97-AF65-F5344CB8AC3E}">
-        <p14:creationId xmlns:p14="http://schemas.microsoft.com/office/powerpoint/2010/main" val="2413318873"/>
+        <p14:creationId xmlns:p14="http://schemas.microsoft.com/office/powerpoint/2010/main" val="3271088514"/>
       </p:ext>
     </p:extLst>
   </p:cSld>
@@ -2208,7 +2210,7 @@
     </p:spTree>
     <p:extLst>
       <p:ext uri="{BB962C8B-B14F-4D97-AF65-F5344CB8AC3E}">
-        <p14:creationId xmlns:p14="http://schemas.microsoft.com/office/powerpoint/2010/main" val="560483706"/>
+        <p14:creationId xmlns:p14="http://schemas.microsoft.com/office/powerpoint/2010/main" val="2413318873"/>
       </p:ext>
     </p:extLst>
   </p:cSld>
@@ -2292,7 +2294,7 @@
     </p:spTree>
     <p:extLst>
       <p:ext uri="{BB962C8B-B14F-4D97-AF65-F5344CB8AC3E}">
-        <p14:creationId xmlns:p14="http://schemas.microsoft.com/office/powerpoint/2010/main" val="1100069351"/>
+        <p14:creationId xmlns:p14="http://schemas.microsoft.com/office/powerpoint/2010/main" val="560483706"/>
       </p:ext>
     </p:extLst>
   </p:cSld>
@@ -2376,7 +2378,7 @@
     </p:spTree>
     <p:extLst>
       <p:ext uri="{BB962C8B-B14F-4D97-AF65-F5344CB8AC3E}">
-        <p14:creationId xmlns:p14="http://schemas.microsoft.com/office/powerpoint/2010/main" val="1715813653"/>
+        <p14:creationId xmlns:p14="http://schemas.microsoft.com/office/powerpoint/2010/main" val="1100069351"/>
       </p:ext>
     </p:extLst>
   </p:cSld>
@@ -2451,7 +2453,7 @@
           <a:p>
             <a:fld id="{210C85D1-D769-4E3C-BD67-6FCFE11EFBEA}" type="slidenum">
               <a:rPr lang="en-NL" smtClean="0"/>
-              <a:t>46</a:t>
+              <a:t>45</a:t>
             </a:fld>
             <a:endParaRPr lang="en-NL"/>
           </a:p>
@@ -2460,7 +2462,7 @@
     </p:spTree>
     <p:extLst>
       <p:ext uri="{BB962C8B-B14F-4D97-AF65-F5344CB8AC3E}">
-        <p14:creationId xmlns:p14="http://schemas.microsoft.com/office/powerpoint/2010/main" val="3065958474"/>
+        <p14:creationId xmlns:p14="http://schemas.microsoft.com/office/powerpoint/2010/main" val="1715813653"/>
       </p:ext>
     </p:extLst>
   </p:cSld>
@@ -2544,7 +2546,7 @@
     </p:spTree>
     <p:extLst>
       <p:ext uri="{BB962C8B-B14F-4D97-AF65-F5344CB8AC3E}">
-        <p14:creationId xmlns:p14="http://schemas.microsoft.com/office/powerpoint/2010/main" val="2265448447"/>
+        <p14:creationId xmlns:p14="http://schemas.microsoft.com/office/powerpoint/2010/main" val="3065958474"/>
       </p:ext>
     </p:extLst>
   </p:cSld>
@@ -2629,6 +2631,90 @@
     <p:extLst>
       <p:ext uri="{BB962C8B-B14F-4D97-AF65-F5344CB8AC3E}">
         <p14:creationId xmlns:p14="http://schemas.microsoft.com/office/powerpoint/2010/main" val="628706222"/>
+      </p:ext>
+    </p:extLst>
+  </p:cSld>
+  <p:clrMapOvr>
+    <a:masterClrMapping/>
+  </p:clrMapOvr>
+</p:notes>
+</file>
+
+<file path=ppt/notesSlides/notesSlide30.xml><?xml version="1.0" encoding="utf-8"?>
+<p:notes xmlns:a="http://schemas.openxmlformats.org/drawingml/2006/main" xmlns:r="http://schemas.openxmlformats.org/officeDocument/2006/relationships" xmlns:p="http://schemas.openxmlformats.org/presentationml/2006/main">
+  <p:cSld>
+    <p:spTree>
+      <p:nvGrpSpPr>
+        <p:cNvPr id="1" name=""/>
+        <p:cNvGrpSpPr/>
+        <p:nvPr/>
+      </p:nvGrpSpPr>
+      <p:grpSpPr>
+        <a:xfrm>
+          <a:off x="0" y="0"/>
+          <a:ext cx="0" cy="0"/>
+          <a:chOff x="0" y="0"/>
+          <a:chExt cx="0" cy="0"/>
+        </a:xfrm>
+      </p:grpSpPr>
+      <p:sp>
+        <p:nvSpPr>
+          <p:cNvPr id="2" name="Slide Image Placeholder 1"/>
+          <p:cNvSpPr>
+            <a:spLocks noGrp="1" noRot="1" noChangeAspect="1"/>
+          </p:cNvSpPr>
+          <p:nvPr>
+            <p:ph type="sldImg"/>
+          </p:nvPr>
+        </p:nvSpPr>
+        <p:spPr/>
+      </p:sp>
+      <p:sp>
+        <p:nvSpPr>
+          <p:cNvPr id="3" name="Notes Placeholder 2"/>
+          <p:cNvSpPr>
+            <a:spLocks noGrp="1"/>
+          </p:cNvSpPr>
+          <p:nvPr>
+            <p:ph type="body" idx="1"/>
+          </p:nvPr>
+        </p:nvSpPr>
+        <p:spPr/>
+        <p:txBody>
+          <a:bodyPr/>
+          <a:lstStyle/>
+          <a:p>
+            <a:endParaRPr lang="en-NL" dirty="0"/>
+          </a:p>
+        </p:txBody>
+      </p:sp>
+      <p:sp>
+        <p:nvSpPr>
+          <p:cNvPr id="4" name="Slide Number Placeholder 3"/>
+          <p:cNvSpPr>
+            <a:spLocks noGrp="1"/>
+          </p:cNvSpPr>
+          <p:nvPr>
+            <p:ph type="sldNum" sz="quarter" idx="5"/>
+          </p:nvPr>
+        </p:nvSpPr>
+        <p:spPr/>
+        <p:txBody>
+          <a:bodyPr/>
+          <a:lstStyle/>
+          <a:p>
+            <a:fld id="{210C85D1-D769-4E3C-BD67-6FCFE11EFBEA}" type="slidenum">
+              <a:rPr lang="en-NL" smtClean="0"/>
+              <a:t>48</a:t>
+            </a:fld>
+            <a:endParaRPr lang="en-NL"/>
+          </a:p>
+        </p:txBody>
+      </p:sp>
+    </p:spTree>
+    <p:extLst>
+      <p:ext uri="{BB962C8B-B14F-4D97-AF65-F5344CB8AC3E}">
+        <p14:creationId xmlns:p14="http://schemas.microsoft.com/office/powerpoint/2010/main" val="2265448447"/>
       </p:ext>
     </p:extLst>
   </p:cSld>
@@ -26608,6 +26694,322 @@
           <p:cNvPr id="2" name="Title 1">
             <a:extLst>
               <a:ext uri="{FF2B5EF4-FFF2-40B4-BE49-F238E27FC236}">
+                <a16:creationId xmlns:a16="http://schemas.microsoft.com/office/drawing/2014/main" id="{B8FA095C-EE14-4C64-A02D-B32CC9B61E44}"/>
+              </a:ext>
+            </a:extLst>
+          </p:cNvPr>
+          <p:cNvSpPr>
+            <a:spLocks noGrp="1"/>
+          </p:cNvSpPr>
+          <p:nvPr>
+            <p:ph type="title"/>
+          </p:nvPr>
+        </p:nvSpPr>
+        <p:spPr>
+          <a:xfrm>
+            <a:off x="259260" y="202806"/>
+            <a:ext cx="10515600" cy="1117393"/>
+          </a:xfrm>
+        </p:spPr>
+        <p:txBody>
+          <a:bodyPr/>
+          <a:lstStyle/>
+          <a:p>
+            <a:r>
+              <a:rPr lang="en-US" b="1" dirty="0"/>
+              <a:t>Intermezzo: The step libraries</a:t>
+            </a:r>
+            <a:endParaRPr lang="en-NL" b="1" dirty="0"/>
+          </a:p>
+        </p:txBody>
+      </p:sp>
+      <p:sp>
+        <p:nvSpPr>
+          <p:cNvPr id="3" name="Content Placeholder 2">
+            <a:extLst>
+              <a:ext uri="{FF2B5EF4-FFF2-40B4-BE49-F238E27FC236}">
+                <a16:creationId xmlns:a16="http://schemas.microsoft.com/office/drawing/2014/main" id="{8591E13D-132A-46FD-877C-B13B078D0BA2}"/>
+              </a:ext>
+            </a:extLst>
+          </p:cNvPr>
+          <p:cNvSpPr>
+            <a:spLocks noGrp="1"/>
+          </p:cNvSpPr>
+          <p:nvPr>
+            <p:ph idx="1"/>
+          </p:nvPr>
+        </p:nvSpPr>
+        <p:spPr>
+          <a:xfrm>
+            <a:off x="345830" y="1722822"/>
+            <a:ext cx="11287069" cy="4351338"/>
+          </a:xfrm>
+        </p:spPr>
+        <p:txBody>
+          <a:bodyPr/>
+          <a:lstStyle/>
+          <a:p>
+            <a:r>
+              <a:rPr lang="en-US" dirty="0"/>
+              <a:t>Standard steps, see </a:t>
+            </a:r>
+            <a:r>
+              <a:rPr lang="nl-NL" dirty="0">
+                <a:hlinkClick r:id="rId3"/>
+              </a:rPr>
+              <a:t>http://spec.xproc.org/master/head/steps/</a:t>
+            </a:r>
+            <a:endParaRPr lang="nl-NL" dirty="0"/>
+          </a:p>
+          <a:p>
+            <a:pPr lvl="1"/>
+            <a:r>
+              <a:rPr lang="nl-NL" dirty="0"/>
+              <a:t>These steps </a:t>
+            </a:r>
+            <a:r>
+              <a:rPr lang="nl-NL" i="1" dirty="0"/>
+              <a:t>must</a:t>
+            </a:r>
+            <a:r>
+              <a:rPr lang="nl-NL" dirty="0"/>
+              <a:t> </a:t>
+            </a:r>
+            <a:r>
+              <a:rPr lang="nl-NL" dirty="0" err="1"/>
+              <a:t>be</a:t>
+            </a:r>
+            <a:r>
+              <a:rPr lang="nl-NL" dirty="0"/>
+              <a:t> </a:t>
+            </a:r>
+            <a:r>
+              <a:rPr lang="nl-NL" dirty="0" err="1"/>
+              <a:t>there</a:t>
+            </a:r>
+            <a:r>
+              <a:rPr lang="nl-NL" dirty="0"/>
+              <a:t> in a </a:t>
+            </a:r>
+            <a:r>
+              <a:rPr lang="nl-NL" dirty="0" err="1"/>
+              <a:t>conformant</a:t>
+            </a:r>
+            <a:r>
+              <a:rPr lang="nl-NL" dirty="0"/>
+              <a:t> XProc processor!</a:t>
+            </a:r>
+          </a:p>
+          <a:p>
+            <a:pPr lvl="1"/>
+            <a:endParaRPr lang="nl-NL" dirty="0"/>
+          </a:p>
+          <a:p>
+            <a:r>
+              <a:rPr lang="nl-NL" dirty="0" err="1"/>
+              <a:t>Additional</a:t>
+            </a:r>
+            <a:r>
+              <a:rPr lang="nl-NL" dirty="0"/>
+              <a:t> steps, </a:t>
+            </a:r>
+            <a:r>
+              <a:rPr lang="nl-NL" dirty="0" err="1"/>
+              <a:t>see</a:t>
+            </a:r>
+            <a:r>
+              <a:rPr lang="nl-NL" dirty="0"/>
+              <a:t> </a:t>
+            </a:r>
+            <a:r>
+              <a:rPr lang="nl-NL" dirty="0">
+                <a:hlinkClick r:id="rId4"/>
+              </a:rPr>
+              <a:t>http://spec.xproc.org/master/head/#steps/</a:t>
+            </a:r>
+            <a:endParaRPr lang="nl-NL" dirty="0"/>
+          </a:p>
+          <a:p>
+            <a:pPr lvl="1"/>
+            <a:r>
+              <a:rPr lang="nl-NL" dirty="0" err="1"/>
+              <a:t>Implementation</a:t>
+            </a:r>
+            <a:r>
+              <a:rPr lang="nl-NL" dirty="0"/>
+              <a:t> is </a:t>
+            </a:r>
+            <a:r>
+              <a:rPr lang="nl-NL" dirty="0" err="1"/>
+              <a:t>optional</a:t>
+            </a:r>
+            <a:r>
+              <a:rPr lang="nl-NL" dirty="0"/>
+              <a:t> (but </a:t>
+            </a:r>
+            <a:r>
+              <a:rPr lang="nl-NL" dirty="0" err="1"/>
+              <a:t>recommended</a:t>
+            </a:r>
+            <a:r>
+              <a:rPr lang="nl-NL" dirty="0"/>
+              <a:t>)</a:t>
+            </a:r>
+          </a:p>
+          <a:p>
+            <a:pPr lvl="1"/>
+            <a:r>
+              <a:rPr lang="nl-NL" dirty="0" err="1"/>
+              <a:t>If</a:t>
+            </a:r>
+            <a:r>
+              <a:rPr lang="nl-NL" dirty="0"/>
+              <a:t> </a:t>
+            </a:r>
+            <a:r>
+              <a:rPr lang="nl-NL" dirty="0" err="1"/>
+              <a:t>such</a:t>
+            </a:r>
+            <a:r>
+              <a:rPr lang="nl-NL" dirty="0"/>
+              <a:t> a step is </a:t>
+            </a:r>
+            <a:r>
+              <a:rPr lang="nl-NL" dirty="0" err="1"/>
+              <a:t>implemented</a:t>
+            </a:r>
+            <a:r>
+              <a:rPr lang="nl-NL" dirty="0"/>
+              <a:t> </a:t>
+            </a:r>
+            <a:r>
+              <a:rPr lang="nl-NL" dirty="0" err="1"/>
+              <a:t>it</a:t>
+            </a:r>
+            <a:r>
+              <a:rPr lang="nl-NL" dirty="0"/>
+              <a:t> must conform </a:t>
+            </a:r>
+            <a:r>
+              <a:rPr lang="nl-NL" dirty="0" err="1"/>
+              <a:t>to</a:t>
+            </a:r>
+            <a:r>
+              <a:rPr lang="nl-NL" dirty="0"/>
+              <a:t> </a:t>
+            </a:r>
+            <a:r>
+              <a:rPr lang="nl-NL" dirty="0" err="1"/>
+              <a:t>what</a:t>
+            </a:r>
+            <a:r>
+              <a:rPr lang="nl-NL" dirty="0"/>
+              <a:t> is </a:t>
+            </a:r>
+            <a:r>
+              <a:rPr lang="nl-NL" dirty="0" err="1"/>
+              <a:t>written</a:t>
+            </a:r>
+            <a:r>
+              <a:rPr lang="nl-NL" dirty="0"/>
+              <a:t> </a:t>
+            </a:r>
+            <a:r>
+              <a:rPr lang="nl-NL" dirty="0" err="1"/>
+              <a:t>there</a:t>
+            </a:r>
+            <a:endParaRPr lang="en-NL" dirty="0"/>
+          </a:p>
+        </p:txBody>
+      </p:sp>
+      <p:sp>
+        <p:nvSpPr>
+          <p:cNvPr id="4" name="Speech Bubble: Oval 3">
+            <a:extLst>
+              <a:ext uri="{FF2B5EF4-FFF2-40B4-BE49-F238E27FC236}">
+                <a16:creationId xmlns:a16="http://schemas.microsoft.com/office/drawing/2014/main" id="{8767B247-4A83-4338-AE98-EDEB14D8EFCE}"/>
+              </a:ext>
+            </a:extLst>
+          </p:cNvPr>
+          <p:cNvSpPr/>
+          <p:nvPr/>
+        </p:nvSpPr>
+        <p:spPr>
+          <a:xfrm>
+            <a:off x="9081287" y="5093390"/>
+            <a:ext cx="2900190" cy="1213908"/>
+          </a:xfrm>
+          <a:prstGeom prst="wedgeEllipseCallout">
+            <a:avLst>
+              <a:gd name="adj1" fmla="val 37884"/>
+              <a:gd name="adj2" fmla="val 69662"/>
+            </a:avLst>
+          </a:prstGeom>
+        </p:spPr>
+        <p:style>
+          <a:lnRef idx="2">
+            <a:schemeClr val="accent1">
+              <a:shade val="50000"/>
+            </a:schemeClr>
+          </a:lnRef>
+          <a:fillRef idx="1">
+            <a:schemeClr val="accent1"/>
+          </a:fillRef>
+          <a:effectRef idx="0">
+            <a:schemeClr val="accent1"/>
+          </a:effectRef>
+          <a:fontRef idx="minor">
+            <a:schemeClr val="lt1"/>
+          </a:fontRef>
+        </p:style>
+        <p:txBody>
+          <a:bodyPr rtlCol="0" anchor="ctr"/>
+          <a:lstStyle/>
+          <a:p>
+            <a:pPr algn="ctr"/>
+            <a:r>
+              <a:rPr lang="en-US" sz="1600" dirty="0"/>
+              <a:t>There are over 45 standard steps!</a:t>
+            </a:r>
+            <a:endParaRPr lang="en-NL" sz="1600" dirty="0"/>
+          </a:p>
+        </p:txBody>
+      </p:sp>
+    </p:spTree>
+    <p:extLst>
+      <p:ext uri="{BB962C8B-B14F-4D97-AF65-F5344CB8AC3E}">
+        <p14:creationId xmlns:p14="http://schemas.microsoft.com/office/powerpoint/2010/main" val="3366633011"/>
+      </p:ext>
+    </p:extLst>
+  </p:cSld>
+  <p:clrMapOvr>
+    <a:masterClrMapping/>
+  </p:clrMapOvr>
+</p:sld>
+</file>
+
+<file path=ppt/slides/slide41.xml><?xml version="1.0" encoding="utf-8"?>
+<p:sld xmlns:a="http://schemas.openxmlformats.org/drawingml/2006/main" xmlns:r="http://schemas.openxmlformats.org/officeDocument/2006/relationships" xmlns:p="http://schemas.openxmlformats.org/presentationml/2006/main">
+  <p:cSld>
+    <p:spTree>
+      <p:nvGrpSpPr>
+        <p:cNvPr id="1" name=""/>
+        <p:cNvGrpSpPr/>
+        <p:nvPr/>
+      </p:nvGrpSpPr>
+      <p:grpSpPr>
+        <a:xfrm>
+          <a:off x="0" y="0"/>
+          <a:ext cx="0" cy="0"/>
+          <a:chOff x="0" y="0"/>
+          <a:chExt cx="0" cy="0"/>
+        </a:xfrm>
+      </p:grpSpPr>
+      <p:sp>
+        <p:nvSpPr>
+          <p:cNvPr id="2" name="Title 1">
+            <a:extLst>
+              <a:ext uri="{FF2B5EF4-FFF2-40B4-BE49-F238E27FC236}">
                 <a16:creationId xmlns:a16="http://schemas.microsoft.com/office/drawing/2014/main" id="{B5E7A0F1-ED9A-40A0-95DF-22F0282A722B}"/>
               </a:ext>
             </a:extLst>
@@ -26764,7 +27166,7 @@
 </p:sld>
 </file>
 
-<file path=ppt/slides/slide41.xml><?xml version="1.0" encoding="utf-8"?>
+<file path=ppt/slides/slide42.xml><?xml version="1.0" encoding="utf-8"?>
 <p:sld xmlns:a="http://schemas.openxmlformats.org/drawingml/2006/main" xmlns:r="http://schemas.openxmlformats.org/officeDocument/2006/relationships" xmlns:p="http://schemas.openxmlformats.org/presentationml/2006/main">
   <p:cSld>
     <p:spTree>
@@ -27127,7 +27529,7 @@
 </p:sld>
 </file>
 
-<file path=ppt/slides/slide42.xml><?xml version="1.0" encoding="utf-8"?>
+<file path=ppt/slides/slide43.xml><?xml version="1.0" encoding="utf-8"?>
 <p:sld xmlns:a="http://schemas.openxmlformats.org/drawingml/2006/main" xmlns:r="http://schemas.openxmlformats.org/officeDocument/2006/relationships" xmlns:p="http://schemas.openxmlformats.org/presentationml/2006/main">
   <p:cSld>
     <p:spTree>
@@ -27695,7 +28097,7 @@
 </p:sld>
 </file>
 
-<file path=ppt/slides/slide43.xml><?xml version="1.0" encoding="utf-8"?>
+<file path=ppt/slides/slide44.xml><?xml version="1.0" encoding="utf-8"?>
 <p:sld xmlns:a="http://schemas.openxmlformats.org/drawingml/2006/main" xmlns:r="http://schemas.openxmlformats.org/officeDocument/2006/relationships" xmlns:p="http://schemas.openxmlformats.org/presentationml/2006/main">
   <p:cSld>
     <p:spTree>
@@ -27958,7 +28360,7 @@
 </p:sld>
 </file>
 
-<file path=ppt/slides/slide44.xml><?xml version="1.0" encoding="utf-8"?>
+<file path=ppt/slides/slide45.xml><?xml version="1.0" encoding="utf-8"?>
 <p:sld xmlns:a="http://schemas.openxmlformats.org/drawingml/2006/main" xmlns:r="http://schemas.openxmlformats.org/officeDocument/2006/relationships" xmlns:p="http://schemas.openxmlformats.org/presentationml/2006/main">
   <p:cSld>
     <p:spTree>
@@ -28410,7 +28812,7 @@
 </p:sld>
 </file>
 
-<file path=ppt/slides/slide45.xml><?xml version="1.0" encoding="utf-8"?>
+<file path=ppt/slides/slide46.xml><?xml version="1.0" encoding="utf-8"?>
 <p:sld xmlns:a="http://schemas.openxmlformats.org/drawingml/2006/main" xmlns:r="http://schemas.openxmlformats.org/officeDocument/2006/relationships" xmlns:p="http://schemas.openxmlformats.org/presentationml/2006/main">
   <p:cSld>
     <p:spTree>
@@ -28573,7 +28975,7 @@
             <a:pPr algn="ctr"/>
             <a:r>
               <a:rPr lang="en-US" sz="2000" dirty="0"/>
-              <a:t>p:insert</a:t>
+              <a:t>p:wrap-sequence</a:t>
             </a:r>
           </a:p>
         </p:txBody>
@@ -28948,13 +29350,18 @@
           <a:p>
             <a:pPr algn="ctr"/>
             <a:r>
-              <a:rPr lang="en-US" sz="1400" dirty="0">
+              <a:rPr lang="en-US" sz="1400">
                 <a:solidFill>
                   <a:schemeClr val="tx1"/>
                 </a:solidFill>
               </a:rPr>
-              <a:t>Single, wrapped, document</a:t>
-            </a:r>
+              <a:t>wrapped document(s)</a:t>
+            </a:r>
+            <a:endParaRPr lang="en-US" sz="1400" dirty="0">
+              <a:solidFill>
+                <a:schemeClr val="tx1"/>
+              </a:solidFill>
+            </a:endParaRPr>
           </a:p>
         </p:txBody>
       </p:sp>
@@ -29597,7 +30004,7 @@
 </p:sld>
 </file>
 
-<file path=ppt/slides/slide46.xml><?xml version="1.0" encoding="utf-8"?>
+<file path=ppt/slides/slide47.xml><?xml version="1.0" encoding="utf-8"?>
 <p:sld xmlns:a="http://schemas.openxmlformats.org/drawingml/2006/main" xmlns:r="http://schemas.openxmlformats.org/officeDocument/2006/relationships" xmlns:p="http://schemas.openxmlformats.org/presentationml/2006/main">
   <p:cSld>
     <p:spTree>
@@ -29820,7 +30227,7 @@
 </p:sld>
 </file>
 
-<file path=ppt/slides/slide47.xml><?xml version="1.0" encoding="utf-8"?>
+<file path=ppt/slides/slide48.xml><?xml version="1.0" encoding="utf-8"?>
 <p:sld xmlns:a="http://schemas.openxmlformats.org/drawingml/2006/main" xmlns:r="http://schemas.openxmlformats.org/officeDocument/2006/relationships" xmlns:p="http://schemas.openxmlformats.org/presentationml/2006/main">
   <p:cSld>
     <p:spTree>
@@ -30245,6 +30652,498 @@
   <p:clrMapOvr>
     <a:masterClrMapping/>
   </p:clrMapOvr>
+</p:sld>
+</file>
+
+<file path=ppt/slides/slide49.xml><?xml version="1.0" encoding="utf-8"?>
+<p:sld xmlns:a="http://schemas.openxmlformats.org/drawingml/2006/main" xmlns:r="http://schemas.openxmlformats.org/officeDocument/2006/relationships" xmlns:p="http://schemas.openxmlformats.org/presentationml/2006/main">
+  <p:cSld>
+    <p:spTree>
+      <p:nvGrpSpPr>
+        <p:cNvPr id="1" name=""/>
+        <p:cNvGrpSpPr/>
+        <p:nvPr/>
+      </p:nvGrpSpPr>
+      <p:grpSpPr>
+        <a:xfrm>
+          <a:off x="0" y="0"/>
+          <a:ext cx="0" cy="0"/>
+          <a:chOff x="0" y="0"/>
+          <a:chExt cx="0" cy="0"/>
+        </a:xfrm>
+      </p:grpSpPr>
+      <p:sp>
+        <p:nvSpPr>
+          <p:cNvPr id="2" name="Title 1">
+            <a:extLst>
+              <a:ext uri="{FF2B5EF4-FFF2-40B4-BE49-F238E27FC236}">
+                <a16:creationId xmlns:a16="http://schemas.microsoft.com/office/drawing/2014/main" id="{69C1F8C1-9C4C-4D54-8868-98D27E1594F0}"/>
+              </a:ext>
+            </a:extLst>
+          </p:cNvPr>
+          <p:cNvSpPr>
+            <a:spLocks noGrp="1"/>
+          </p:cNvSpPr>
+          <p:nvPr>
+            <p:ph type="title"/>
+          </p:nvPr>
+        </p:nvSpPr>
+        <p:spPr>
+          <a:xfrm>
+            <a:off x="199743" y="148699"/>
+            <a:ext cx="10515600" cy="868503"/>
+          </a:xfrm>
+        </p:spPr>
+        <p:txBody>
+          <a:bodyPr/>
+          <a:lstStyle/>
+          <a:p>
+            <a:r>
+              <a:rPr lang="en-US" b="1" dirty="0"/>
+              <a:t>Goodbye and thank the fish!</a:t>
+            </a:r>
+            <a:endParaRPr lang="en-NL" b="1" dirty="0"/>
+          </a:p>
+        </p:txBody>
+      </p:sp>
+      <p:sp>
+        <p:nvSpPr>
+          <p:cNvPr id="3" name="Content Placeholder 2">
+            <a:extLst>
+              <a:ext uri="{FF2B5EF4-FFF2-40B4-BE49-F238E27FC236}">
+                <a16:creationId xmlns:a16="http://schemas.microsoft.com/office/drawing/2014/main" id="{EB447546-94E1-423A-8164-617B557A77FC}"/>
+              </a:ext>
+            </a:extLst>
+          </p:cNvPr>
+          <p:cNvSpPr>
+            <a:spLocks noGrp="1"/>
+          </p:cNvSpPr>
+          <p:nvPr>
+            <p:ph idx="1"/>
+          </p:nvPr>
+        </p:nvSpPr>
+        <p:spPr>
+          <a:xfrm>
+            <a:off x="713755" y="1253331"/>
+            <a:ext cx="10515600" cy="5093362"/>
+          </a:xfrm>
+        </p:spPr>
+        <p:txBody>
+          <a:bodyPr>
+            <a:normAutofit/>
+          </a:bodyPr>
+          <a:lstStyle/>
+          <a:p>
+            <a:r>
+              <a:rPr lang="en-US" dirty="0"/>
+              <a:t>Specification in the making: </a:t>
+            </a:r>
+            <a:r>
+              <a:rPr lang="nl-NL" dirty="0">
+                <a:hlinkClick r:id="rId2"/>
+              </a:rPr>
+              <a:t>http://spec.xproc.org/</a:t>
+            </a:r>
+            <a:endParaRPr lang="nl-NL" dirty="0"/>
+          </a:p>
+          <a:p>
+            <a:pPr lvl="1"/>
+            <a:r>
+              <a:rPr lang="en-US" dirty="0"/>
+              <a:t>Norman Walsh, Achim </a:t>
+            </a:r>
+            <a:r>
+              <a:rPr lang="en-US" dirty="0" err="1"/>
+              <a:t>Berndzen</a:t>
+            </a:r>
+            <a:r>
+              <a:rPr lang="en-US" dirty="0"/>
+              <a:t>, Gerrit </a:t>
+            </a:r>
+            <a:r>
+              <a:rPr lang="en-US" dirty="0" err="1"/>
+              <a:t>Imsieke</a:t>
+            </a:r>
+            <a:r>
+              <a:rPr lang="en-US" dirty="0"/>
+              <a:t>, Erik Siegel</a:t>
+            </a:r>
+          </a:p>
+          <a:p>
+            <a:r>
+              <a:rPr lang="nl-NL" dirty="0"/>
+              <a:t>We hope </a:t>
+            </a:r>
+            <a:r>
+              <a:rPr lang="nl-NL" dirty="0" err="1"/>
+              <a:t>to</a:t>
+            </a:r>
+            <a:r>
+              <a:rPr lang="nl-NL" dirty="0"/>
+              <a:t> finish </a:t>
+            </a:r>
+            <a:r>
+              <a:rPr lang="nl-NL" dirty="0" err="1"/>
+              <a:t>before</a:t>
+            </a:r>
+            <a:r>
+              <a:rPr lang="nl-NL" dirty="0"/>
+              <a:t> end 2019</a:t>
+            </a:r>
+          </a:p>
+          <a:p>
+            <a:pPr lvl="1"/>
+            <a:r>
+              <a:rPr lang="en-US" dirty="0"/>
+              <a:t>Next meeting of the XProc 3.0 working group: November 9-10, Cologne</a:t>
+            </a:r>
+            <a:endParaRPr lang="nl-NL" dirty="0"/>
+          </a:p>
+          <a:p>
+            <a:r>
+              <a:rPr lang="nl-NL" dirty="0"/>
+              <a:t>On </a:t>
+            </a:r>
+            <a:r>
+              <a:rPr lang="nl-NL" dirty="0" err="1"/>
+              <a:t>its</a:t>
+            </a:r>
+            <a:r>
+              <a:rPr lang="nl-NL" dirty="0"/>
+              <a:t> way, </a:t>
+            </a:r>
+            <a:r>
+              <a:rPr lang="nl-NL" dirty="0" err="1"/>
+              <a:t>beside</a:t>
+            </a:r>
+            <a:r>
+              <a:rPr lang="nl-NL" dirty="0"/>
+              <a:t> </a:t>
+            </a:r>
+            <a:r>
+              <a:rPr lang="nl-NL" dirty="0" err="1"/>
+              <a:t>the</a:t>
+            </a:r>
+            <a:r>
+              <a:rPr lang="nl-NL" dirty="0"/>
+              <a:t> </a:t>
+            </a:r>
+            <a:r>
+              <a:rPr lang="nl-NL" dirty="0" err="1"/>
+              <a:t>specification</a:t>
+            </a:r>
+            <a:r>
+              <a:rPr lang="nl-NL" dirty="0"/>
+              <a:t>:</a:t>
+            </a:r>
+          </a:p>
+          <a:p>
+            <a:pPr lvl="1"/>
+            <a:r>
+              <a:rPr lang="nl-NL" dirty="0" err="1"/>
+              <a:t>Two</a:t>
+            </a:r>
+            <a:r>
+              <a:rPr lang="nl-NL" dirty="0"/>
+              <a:t> processor </a:t>
+            </a:r>
+            <a:r>
+              <a:rPr lang="nl-NL" dirty="0" err="1"/>
+              <a:t>implementations</a:t>
+            </a:r>
+            <a:endParaRPr lang="nl-NL" dirty="0"/>
+          </a:p>
+          <a:p>
+            <a:pPr lvl="2"/>
+            <a:r>
+              <a:rPr lang="nl-NL" dirty="0">
+                <a:hlinkClick r:id="rId3"/>
+              </a:rPr>
+              <a:t>https://www.xml-project.com/</a:t>
+            </a:r>
+            <a:r>
+              <a:rPr lang="nl-NL" dirty="0"/>
+              <a:t> (</a:t>
+            </a:r>
+            <a:r>
+              <a:rPr lang="nl-NL" dirty="0" err="1"/>
+              <a:t>MorganaXProc</a:t>
+            </a:r>
+            <a:r>
+              <a:rPr lang="nl-NL" dirty="0"/>
+              <a:t>)</a:t>
+            </a:r>
+          </a:p>
+          <a:p>
+            <a:pPr lvl="2"/>
+            <a:r>
+              <a:rPr lang="nl-NL" dirty="0">
+                <a:hlinkClick r:id="rId4"/>
+              </a:rPr>
+              <a:t>https://xmlcalabash.com/</a:t>
+            </a:r>
+            <a:r>
+              <a:rPr lang="nl-NL" dirty="0"/>
+              <a:t> (XML </a:t>
+            </a:r>
+            <a:r>
+              <a:rPr lang="nl-NL" dirty="0" err="1"/>
+              <a:t>Calabash</a:t>
+            </a:r>
+            <a:r>
+              <a:rPr lang="nl-NL" dirty="0"/>
+              <a:t>)</a:t>
+            </a:r>
+          </a:p>
+          <a:p>
+            <a:pPr lvl="1"/>
+            <a:r>
+              <a:rPr lang="nl-NL" dirty="0"/>
+              <a:t>A Programmer’s Reference Guide </a:t>
+            </a:r>
+          </a:p>
+          <a:p>
+            <a:pPr lvl="2"/>
+            <a:r>
+              <a:rPr lang="nl-NL" dirty="0" err="1"/>
+              <a:t>To</a:t>
+            </a:r>
+            <a:r>
+              <a:rPr lang="nl-NL" dirty="0"/>
+              <a:t> </a:t>
+            </a:r>
+            <a:r>
+              <a:rPr lang="nl-NL" dirty="0" err="1"/>
+              <a:t>be</a:t>
+            </a:r>
+            <a:r>
+              <a:rPr lang="nl-NL" dirty="0"/>
+              <a:t> </a:t>
+            </a:r>
+            <a:r>
+              <a:rPr lang="nl-NL" dirty="0" err="1"/>
+              <a:t>published</a:t>
+            </a:r>
+            <a:r>
+              <a:rPr lang="nl-NL" dirty="0"/>
+              <a:t> </a:t>
+            </a:r>
+            <a:r>
+              <a:rPr lang="nl-NL" dirty="0" err="1"/>
+              <a:t>by</a:t>
+            </a:r>
+            <a:r>
+              <a:rPr lang="nl-NL" dirty="0"/>
+              <a:t> XML Press </a:t>
+            </a:r>
+            <a:r>
+              <a:rPr lang="nl-NL" dirty="0" err="1"/>
+              <a:t>beginning</a:t>
+            </a:r>
+            <a:r>
+              <a:rPr lang="nl-NL" dirty="0"/>
+              <a:t> 2020</a:t>
+            </a:r>
+          </a:p>
+          <a:p>
+            <a:r>
+              <a:rPr lang="nl-NL" dirty="0" err="1"/>
+              <a:t>Your</a:t>
+            </a:r>
+            <a:r>
+              <a:rPr lang="nl-NL" dirty="0"/>
+              <a:t> guide </a:t>
+            </a:r>
+            <a:r>
+              <a:rPr lang="nl-NL" dirty="0" err="1"/>
+              <a:t>today</a:t>
+            </a:r>
+            <a:r>
+              <a:rPr lang="nl-NL" dirty="0"/>
+              <a:t>: Erik Siegel – </a:t>
+            </a:r>
+            <a:r>
+              <a:rPr lang="nl-NL" dirty="0">
+                <a:hlinkClick r:id="rId5"/>
+              </a:rPr>
+              <a:t>erik@xatapult.nl</a:t>
+            </a:r>
+            <a:endParaRPr lang="nl-NL" dirty="0"/>
+          </a:p>
+          <a:p>
+            <a:endParaRPr lang="nl-NL" dirty="0"/>
+          </a:p>
+          <a:p>
+            <a:endParaRPr lang="nl-NL" dirty="0"/>
+          </a:p>
+          <a:p>
+            <a:endParaRPr lang="en-NL" dirty="0"/>
+          </a:p>
+        </p:txBody>
+      </p:sp>
+      <p:sp>
+        <p:nvSpPr>
+          <p:cNvPr id="4" name="Speech Bubble: Oval 3">
+            <a:extLst>
+              <a:ext uri="{FF2B5EF4-FFF2-40B4-BE49-F238E27FC236}">
+                <a16:creationId xmlns:a16="http://schemas.microsoft.com/office/drawing/2014/main" id="{75A921EF-31BA-4A7F-95D3-A57EFDE6D66D}"/>
+              </a:ext>
+            </a:extLst>
+          </p:cNvPr>
+          <p:cNvSpPr/>
+          <p:nvPr/>
+        </p:nvSpPr>
+        <p:spPr>
+          <a:xfrm>
+            <a:off x="9079072" y="5272588"/>
+            <a:ext cx="2840673" cy="1020000"/>
+          </a:xfrm>
+          <a:prstGeom prst="wedgeEllipseCallout">
+            <a:avLst>
+              <a:gd name="adj1" fmla="val 38547"/>
+              <a:gd name="adj2" fmla="val 76440"/>
+            </a:avLst>
+          </a:prstGeom>
+        </p:spPr>
+        <p:style>
+          <a:lnRef idx="2">
+            <a:schemeClr val="accent1">
+              <a:shade val="50000"/>
+            </a:schemeClr>
+          </a:lnRef>
+          <a:fillRef idx="1">
+            <a:schemeClr val="accent1"/>
+          </a:fillRef>
+          <a:effectRef idx="0">
+            <a:schemeClr val="accent1"/>
+          </a:effectRef>
+          <a:fontRef idx="minor">
+            <a:schemeClr val="lt1"/>
+          </a:fontRef>
+        </p:style>
+        <p:txBody>
+          <a:bodyPr rtlCol="0" anchor="ctr"/>
+          <a:lstStyle/>
+          <a:p>
+            <a:pPr algn="ctr"/>
+            <a:r>
+              <a:rPr lang="en-US" sz="1600" dirty="0"/>
+              <a:t>Goodbye,</a:t>
+            </a:r>
+          </a:p>
+          <a:p>
+            <a:pPr algn="ctr"/>
+            <a:r>
+              <a:rPr lang="en-US" dirty="0"/>
+              <a:t>XProc</a:t>
+            </a:r>
+            <a:r>
+              <a:rPr lang="en-US" sz="1600" dirty="0"/>
+              <a:t> rocks!</a:t>
+            </a:r>
+            <a:endParaRPr lang="en-NL" sz="1600" dirty="0"/>
+          </a:p>
+        </p:txBody>
+      </p:sp>
+    </p:spTree>
+    <p:extLst>
+      <p:ext uri="{BB962C8B-B14F-4D97-AF65-F5344CB8AC3E}">
+        <p14:creationId xmlns:p14="http://schemas.microsoft.com/office/powerpoint/2010/main" val="3036039419"/>
+      </p:ext>
+    </p:extLst>
+  </p:cSld>
+  <p:clrMapOvr>
+    <a:masterClrMapping/>
+  </p:clrMapOvr>
+  <p:timing>
+    <p:tnLst>
+      <p:par>
+        <p:cTn id="1" dur="indefinite" restart="never" nodeType="tmRoot">
+          <p:childTnLst>
+            <p:seq concurrent="1" nextAc="seek">
+              <p:cTn id="2" dur="indefinite" nodeType="mainSeq">
+                <p:childTnLst>
+                  <p:par>
+                    <p:cTn id="3" fill="hold">
+                      <p:stCondLst>
+                        <p:cond delay="indefinite"/>
+                        <p:cond evt="onBegin" delay="0">
+                          <p:tn val="2"/>
+                        </p:cond>
+                      </p:stCondLst>
+                      <p:childTnLst>
+                        <p:par>
+                          <p:cTn id="4" fill="hold">
+                            <p:stCondLst>
+                              <p:cond delay="0"/>
+                            </p:stCondLst>
+                            <p:childTnLst>
+                              <p:par>
+                                <p:cTn id="5" presetID="10" presetClass="entr" presetSubtype="0" fill="hold" grpId="0" nodeType="withEffect">
+                                  <p:stCondLst>
+                                    <p:cond delay="4000"/>
+                                  </p:stCondLst>
+                                  <p:childTnLst>
+                                    <p:set>
+                                      <p:cBhvr>
+                                        <p:cTn id="6" dur="1" fill="hold">
+                                          <p:stCondLst>
+                                            <p:cond delay="0"/>
+                                          </p:stCondLst>
+                                        </p:cTn>
+                                        <p:tgtEl>
+                                          <p:spTgt spid="4"/>
+                                        </p:tgtEl>
+                                        <p:attrNameLst>
+                                          <p:attrName>style.visibility</p:attrName>
+                                        </p:attrNameLst>
+                                      </p:cBhvr>
+                                      <p:to>
+                                        <p:strVal val="visible"/>
+                                      </p:to>
+                                    </p:set>
+                                    <p:animEffect transition="in" filter="fade">
+                                      <p:cBhvr>
+                                        <p:cTn id="7" dur="2000"/>
+                                        <p:tgtEl>
+                                          <p:spTgt spid="4"/>
+                                        </p:tgtEl>
+                                      </p:cBhvr>
+                                    </p:animEffect>
+                                  </p:childTnLst>
+                                </p:cTn>
+                              </p:par>
+                            </p:childTnLst>
+                          </p:cTn>
+                        </p:par>
+                      </p:childTnLst>
+                    </p:cTn>
+                  </p:par>
+                </p:childTnLst>
+              </p:cTn>
+              <p:prevCondLst>
+                <p:cond evt="onPrev" delay="0">
+                  <p:tgtEl>
+                    <p:sldTgt/>
+                  </p:tgtEl>
+                </p:cond>
+              </p:prevCondLst>
+              <p:nextCondLst>
+                <p:cond evt="onNext" delay="0">
+                  <p:tgtEl>
+                    <p:sldTgt/>
+                  </p:tgtEl>
+                </p:cond>
+              </p:nextCondLst>
+            </p:seq>
+          </p:childTnLst>
+        </p:cTn>
+      </p:par>
+    </p:tnLst>
+    <p:bldLst>
+      <p:bldP spid="4" grpId="0" animBg="1"/>
+    </p:bldLst>
+  </p:timing>
 </p:sld>
 </file>
 
@@ -30966,7 +31865,9 @@
             </a:r>
           </a:p>
           <a:p>
-            <a:pPr lvl="1"/>
+            <a:pPr marL="457200" lvl="1" indent="0">
+              <a:buNone/>
+            </a:pPr>
             <a:r>
               <a:rPr lang="en-US" dirty="0">
                 <a:hlinkClick r:id="rId2"/>
@@ -31181,7 +32082,7 @@
               <a:rPr lang="nl-NL" dirty="0">
                 <a:hlinkClick r:id="rId5"/>
               </a:rPr>
-              <a:t>https://www.xml-project.com/morganaxproc/</a:t>
+              <a:t>https://www.xml-project.com/</a:t>
             </a:r>
             <a:endParaRPr lang="en-US" dirty="0"/>
           </a:p>

--- a/presentation/Introduction to XProc 3.0.pptx
+++ b/presentation/Introduction to XProc 3.0.pptx
@@ -12,11 +12,11 @@
   </p:handoutMasterIdLst>
   <p:sldIdLst>
     <p:sldId id="256" r:id="rId2"/>
-    <p:sldId id="290" r:id="rId3"/>
-    <p:sldId id="291" r:id="rId4"/>
-    <p:sldId id="258" r:id="rId5"/>
-    <p:sldId id="259" r:id="rId6"/>
-    <p:sldId id="292" r:id="rId7"/>
+    <p:sldId id="292" r:id="rId3"/>
+    <p:sldId id="290" r:id="rId4"/>
+    <p:sldId id="291" r:id="rId5"/>
+    <p:sldId id="258" r:id="rId6"/>
+    <p:sldId id="259" r:id="rId7"/>
     <p:sldId id="293" r:id="rId8"/>
     <p:sldId id="294" r:id="rId9"/>
     <p:sldId id="260" r:id="rId10"/>
@@ -9211,6 +9211,130 @@
   <p:clrMapOvr>
     <a:masterClrMapping/>
   </p:clrMapOvr>
+  <p:timing>
+    <p:tnLst>
+      <p:par>
+        <p:cTn id="1" dur="indefinite" restart="never" nodeType="tmRoot">
+          <p:childTnLst>
+            <p:seq concurrent="1" nextAc="seek">
+              <p:cTn id="2" dur="indefinite" nodeType="mainSeq">
+                <p:childTnLst>
+                  <p:par>
+                    <p:cTn id="3" fill="hold">
+                      <p:stCondLst>
+                        <p:cond delay="indefinite"/>
+                      </p:stCondLst>
+                      <p:childTnLst>
+                        <p:par>
+                          <p:cTn id="4" fill="hold">
+                            <p:stCondLst>
+                              <p:cond delay="0"/>
+                            </p:stCondLst>
+                            <p:childTnLst>
+                              <p:par>
+                                <p:cTn id="5" presetID="1" presetClass="entr" presetSubtype="0" fill="hold" grpId="0" nodeType="clickEffect">
+                                  <p:stCondLst>
+                                    <p:cond delay="0"/>
+                                  </p:stCondLst>
+                                  <p:childTnLst>
+                                    <p:set>
+                                      <p:cBhvr>
+                                        <p:cTn id="6" dur="1" fill="hold">
+                                          <p:stCondLst>
+                                            <p:cond delay="0"/>
+                                          </p:stCondLst>
+                                        </p:cTn>
+                                        <p:tgtEl>
+                                          <p:spTgt spid="5"/>
+                                        </p:tgtEl>
+                                        <p:attrNameLst>
+                                          <p:attrName>style.visibility</p:attrName>
+                                        </p:attrNameLst>
+                                      </p:cBhvr>
+                                      <p:to>
+                                        <p:strVal val="visible"/>
+                                      </p:to>
+                                    </p:set>
+                                  </p:childTnLst>
+                                </p:cTn>
+                              </p:par>
+                            </p:childTnLst>
+                          </p:cTn>
+                        </p:par>
+                      </p:childTnLst>
+                    </p:cTn>
+                  </p:par>
+                  <p:par>
+                    <p:cTn id="7" fill="hold">
+                      <p:stCondLst>
+                        <p:cond delay="indefinite"/>
+                      </p:stCondLst>
+                      <p:childTnLst>
+                        <p:par>
+                          <p:cTn id="8" fill="hold">
+                            <p:stCondLst>
+                              <p:cond delay="0"/>
+                            </p:stCondLst>
+                            <p:childTnLst>
+                              <p:par>
+                                <p:cTn id="9" presetID="1" presetClass="entr" presetSubtype="0" fill="hold" grpId="0" nodeType="clickEffect">
+                                  <p:stCondLst>
+                                    <p:cond delay="0"/>
+                                  </p:stCondLst>
+                                  <p:childTnLst>
+                                    <p:set>
+                                      <p:cBhvr>
+                                        <p:cTn id="10" dur="1" fill="hold">
+                                          <p:stCondLst>
+                                            <p:cond delay="0"/>
+                                          </p:stCondLst>
+                                        </p:cTn>
+                                        <p:tgtEl>
+                                          <p:spTgt spid="6"/>
+                                        </p:tgtEl>
+                                        <p:attrNameLst>
+                                          <p:attrName>style.visibility</p:attrName>
+                                        </p:attrNameLst>
+                                      </p:cBhvr>
+                                      <p:to>
+                                        <p:strVal val="visible"/>
+                                      </p:to>
+                                    </p:set>
+                                  </p:childTnLst>
+                                </p:cTn>
+                              </p:par>
+                            </p:childTnLst>
+                          </p:cTn>
+                        </p:par>
+                      </p:childTnLst>
+                    </p:cTn>
+                  </p:par>
+                </p:childTnLst>
+              </p:cTn>
+              <p:prevCondLst>
+                <p:cond evt="onPrev" delay="0">
+                  <p:tgtEl>
+                    <p:sldTgt/>
+                  </p:tgtEl>
+                </p:cond>
+              </p:prevCondLst>
+              <p:nextCondLst>
+                <p:cond evt="onNext" delay="0">
+                  <p:tgtEl>
+                    <p:sldTgt/>
+                  </p:tgtEl>
+                </p:cond>
+              </p:nextCondLst>
+            </p:seq>
+          </p:childTnLst>
+        </p:cTn>
+      </p:par>
+    </p:tnLst>
+    <p:bldLst>
+      <p:bldP spid="5" grpId="0" animBg="1"/>
+      <p:bldP spid="6" grpId="0" animBg="1"/>
+    </p:bldLst>
+  </p:timing>
 </p:sld>
 </file>
 
@@ -10171,6 +10295,176 @@
   <p:clrMapOvr>
     <a:masterClrMapping/>
   </p:clrMapOvr>
+  <p:timing>
+    <p:tnLst>
+      <p:par>
+        <p:cTn id="1" dur="indefinite" restart="never" nodeType="tmRoot">
+          <p:childTnLst>
+            <p:seq concurrent="1" nextAc="seek">
+              <p:cTn id="2" dur="indefinite" nodeType="mainSeq">
+                <p:childTnLst>
+                  <p:par>
+                    <p:cTn id="3" fill="hold">
+                      <p:stCondLst>
+                        <p:cond delay="indefinite"/>
+                      </p:stCondLst>
+                      <p:childTnLst>
+                        <p:par>
+                          <p:cTn id="4" fill="hold">
+                            <p:stCondLst>
+                              <p:cond delay="0"/>
+                            </p:stCondLst>
+                            <p:childTnLst>
+                              <p:par>
+                                <p:cTn id="5" presetID="1" presetClass="entr" presetSubtype="0" fill="hold" grpId="0" nodeType="clickEffect">
+                                  <p:stCondLst>
+                                    <p:cond delay="0"/>
+                                  </p:stCondLst>
+                                  <p:childTnLst>
+                                    <p:set>
+                                      <p:cBhvr>
+                                        <p:cTn id="6" dur="1" fill="hold">
+                                          <p:stCondLst>
+                                            <p:cond delay="0"/>
+                                          </p:stCondLst>
+                                        </p:cTn>
+                                        <p:tgtEl>
+                                          <p:spTgt spid="7"/>
+                                        </p:tgtEl>
+                                        <p:attrNameLst>
+                                          <p:attrName>style.visibility</p:attrName>
+                                        </p:attrNameLst>
+                                      </p:cBhvr>
+                                      <p:to>
+                                        <p:strVal val="visible"/>
+                                      </p:to>
+                                    </p:set>
+                                  </p:childTnLst>
+                                </p:cTn>
+                              </p:par>
+                            </p:childTnLst>
+                          </p:cTn>
+                        </p:par>
+                      </p:childTnLst>
+                    </p:cTn>
+                  </p:par>
+                  <p:par>
+                    <p:cTn id="7" fill="hold">
+                      <p:stCondLst>
+                        <p:cond delay="indefinite"/>
+                      </p:stCondLst>
+                      <p:childTnLst>
+                        <p:par>
+                          <p:cTn id="8" fill="hold">
+                            <p:stCondLst>
+                              <p:cond delay="0"/>
+                            </p:stCondLst>
+                            <p:childTnLst>
+                              <p:par>
+                                <p:cTn id="9" presetID="1" presetClass="entr" presetSubtype="0" fill="hold" grpId="0" nodeType="clickEffect">
+                                  <p:stCondLst>
+                                    <p:cond delay="0"/>
+                                  </p:stCondLst>
+                                  <p:childTnLst>
+                                    <p:set>
+                                      <p:cBhvr>
+                                        <p:cTn id="10" dur="1" fill="hold">
+                                          <p:stCondLst>
+                                            <p:cond delay="0"/>
+                                          </p:stCondLst>
+                                        </p:cTn>
+                                        <p:tgtEl>
+                                          <p:spTgt spid="10"/>
+                                        </p:tgtEl>
+                                        <p:attrNameLst>
+                                          <p:attrName>style.visibility</p:attrName>
+                                        </p:attrNameLst>
+                                      </p:cBhvr>
+                                      <p:to>
+                                        <p:strVal val="visible"/>
+                                      </p:to>
+                                    </p:set>
+                                  </p:childTnLst>
+                                </p:cTn>
+                              </p:par>
+                            </p:childTnLst>
+                          </p:cTn>
+                        </p:par>
+                      </p:childTnLst>
+                    </p:cTn>
+                  </p:par>
+                  <p:par>
+                    <p:cTn id="11" fill="hold">
+                      <p:stCondLst>
+                        <p:cond delay="indefinite"/>
+                      </p:stCondLst>
+                      <p:childTnLst>
+                        <p:par>
+                          <p:cTn id="12" fill="hold">
+                            <p:stCondLst>
+                              <p:cond delay="0"/>
+                            </p:stCondLst>
+                            <p:childTnLst>
+                              <p:par>
+                                <p:cTn id="13" presetID="1" presetClass="entr" presetSubtype="0" fill="hold" grpId="0" nodeType="clickEffect">
+                                  <p:stCondLst>
+                                    <p:cond delay="0"/>
+                                  </p:stCondLst>
+                                  <p:childTnLst>
+                                    <p:set>
+                                      <p:cBhvr>
+                                        <p:cTn id="14" dur="1" fill="hold">
+                                          <p:stCondLst>
+                                            <p:cond delay="0"/>
+                                          </p:stCondLst>
+                                        </p:cTn>
+                                        <p:tgtEl>
+                                          <p:spTgt spid="8"/>
+                                        </p:tgtEl>
+                                        <p:attrNameLst>
+                                          <p:attrName>style.visibility</p:attrName>
+                                        </p:attrNameLst>
+                                      </p:cBhvr>
+                                      <p:to>
+                                        <p:strVal val="visible"/>
+                                      </p:to>
+                                    </p:set>
+                                  </p:childTnLst>
+                                </p:cTn>
+                              </p:par>
+                            </p:childTnLst>
+                          </p:cTn>
+                        </p:par>
+                      </p:childTnLst>
+                    </p:cTn>
+                  </p:par>
+                </p:childTnLst>
+              </p:cTn>
+              <p:prevCondLst>
+                <p:cond evt="onPrev" delay="0">
+                  <p:tgtEl>
+                    <p:sldTgt/>
+                  </p:tgtEl>
+                </p:cond>
+              </p:prevCondLst>
+              <p:nextCondLst>
+                <p:cond evt="onNext" delay="0">
+                  <p:tgtEl>
+                    <p:sldTgt/>
+                  </p:tgtEl>
+                </p:cond>
+              </p:nextCondLst>
+            </p:seq>
+          </p:childTnLst>
+        </p:cTn>
+      </p:par>
+    </p:tnLst>
+    <p:bldLst>
+      <p:bldP spid="7" grpId="0" animBg="1"/>
+      <p:bldP spid="8" grpId="0" animBg="1"/>
+      <p:bldP spid="10" grpId="0" animBg="1"/>
+    </p:bldLst>
+  </p:timing>
 </p:sld>
 </file>
 
@@ -12065,6 +12359,51 @@
                                           </p:stCondLst>
                                         </p:cTn>
                                         <p:tgtEl>
+                                          <p:spTgt spid="6"/>
+                                        </p:tgtEl>
+                                        <p:attrNameLst>
+                                          <p:attrName>style.visibility</p:attrName>
+                                        </p:attrNameLst>
+                                      </p:cBhvr>
+                                      <p:to>
+                                        <p:strVal val="visible"/>
+                                      </p:to>
+                                    </p:set>
+                                  </p:childTnLst>
+                                </p:cTn>
+                              </p:par>
+                            </p:childTnLst>
+                          </p:cTn>
+                        </p:par>
+                      </p:childTnLst>
+                    </p:cTn>
+                  </p:par>
+                  <p:par>
+                    <p:cTn id="7" fill="hold">
+                      <p:stCondLst>
+                        <p:cond delay="indefinite"/>
+                      </p:stCondLst>
+                      <p:childTnLst>
+                        <p:par>
+                          <p:cTn id="8" fill="hold">
+                            <p:stCondLst>
+                              <p:cond delay="0"/>
+                            </p:stCondLst>
+                            <p:childTnLst>
+                              <p:par>
+                                <p:cTn id="9" presetID="1" presetClass="entr" presetSubtype="0" fill="hold" grpId="0" nodeType="clickEffect">
+                                  <p:stCondLst>
+                                    <p:cond delay="0"/>
+                                  </p:stCondLst>
+                                  <p:childTnLst>
+                                    <p:set>
+                                      <p:cBhvr>
+                                        <p:cTn id="10" dur="1" fill="hold">
+                                          <p:stCondLst>
+                                            <p:cond delay="0"/>
+                                          </p:stCondLst>
+                                        </p:cTn>
+                                        <p:tgtEl>
                                           <p:spTgt spid="3"/>
                                         </p:tgtEl>
                                         <p:attrNameLst>
@@ -12107,6 +12446,7 @@
     </p:tnLst>
     <p:bldLst>
       <p:bldP spid="3" grpId="0" animBg="1"/>
+      <p:bldP spid="6" grpId="0" animBg="1"/>
     </p:bldLst>
   </p:timing>
 </p:sld>
@@ -14028,6 +14368,112 @@
   <p:clrMapOvr>
     <a:masterClrMapping/>
   </p:clrMapOvr>
+  <p:timing>
+    <p:tnLst>
+      <p:par>
+        <p:cTn id="1" dur="indefinite" restart="never" nodeType="tmRoot">
+          <p:childTnLst>
+            <p:seq concurrent="1" nextAc="seek">
+              <p:cTn id="2" dur="indefinite" nodeType="mainSeq">
+                <p:childTnLst>
+                  <p:par>
+                    <p:cTn id="3" fill="hold">
+                      <p:stCondLst>
+                        <p:cond delay="indefinite"/>
+                      </p:stCondLst>
+                      <p:childTnLst>
+                        <p:par>
+                          <p:cTn id="4" fill="hold">
+                            <p:stCondLst>
+                              <p:cond delay="0"/>
+                            </p:stCondLst>
+                            <p:childTnLst>
+                              <p:par>
+                                <p:cTn id="5" presetID="1" presetClass="entr" presetSubtype="0" fill="hold" grpId="0" nodeType="clickEffect">
+                                  <p:stCondLst>
+                                    <p:cond delay="0"/>
+                                  </p:stCondLst>
+                                  <p:childTnLst>
+                                    <p:set>
+                                      <p:cBhvr>
+                                        <p:cTn id="6" dur="1" fill="hold">
+                                          <p:stCondLst>
+                                            <p:cond delay="0"/>
+                                          </p:stCondLst>
+                                        </p:cTn>
+                                        <p:tgtEl>
+                                          <p:spTgt spid="8"/>
+                                        </p:tgtEl>
+                                        <p:attrNameLst>
+                                          <p:attrName>style.visibility</p:attrName>
+                                        </p:attrNameLst>
+                                      </p:cBhvr>
+                                      <p:to>
+                                        <p:strVal val="visible"/>
+                                      </p:to>
+                                    </p:set>
+                                  </p:childTnLst>
+                                </p:cTn>
+                              </p:par>
+                              <p:par>
+                                <p:cTn id="7" presetID="1" presetClass="entr" presetSubtype="0" fill="hold" grpId="0" nodeType="withEffect">
+                                  <p:stCondLst>
+                                    <p:cond delay="0"/>
+                                  </p:stCondLst>
+                                  <p:childTnLst>
+                                    <p:set>
+                                      <p:cBhvr>
+                                        <p:cTn id="8" dur="1" fill="hold">
+                                          <p:stCondLst>
+                                            <p:cond delay="0"/>
+                                          </p:stCondLst>
+                                        </p:cTn>
+                                        <p:tgtEl>
+                                          <p:spTgt spid="6"/>
+                                        </p:tgtEl>
+                                        <p:attrNameLst>
+                                          <p:attrName>style.visibility</p:attrName>
+                                        </p:attrNameLst>
+                                      </p:cBhvr>
+                                      <p:to>
+                                        <p:strVal val="visible"/>
+                                      </p:to>
+                                    </p:set>
+                                  </p:childTnLst>
+                                </p:cTn>
+                              </p:par>
+                            </p:childTnLst>
+                          </p:cTn>
+                        </p:par>
+                      </p:childTnLst>
+                    </p:cTn>
+                  </p:par>
+                </p:childTnLst>
+              </p:cTn>
+              <p:prevCondLst>
+                <p:cond evt="onPrev" delay="0">
+                  <p:tgtEl>
+                    <p:sldTgt/>
+                  </p:tgtEl>
+                </p:cond>
+              </p:prevCondLst>
+              <p:nextCondLst>
+                <p:cond evt="onNext" delay="0">
+                  <p:tgtEl>
+                    <p:sldTgt/>
+                  </p:tgtEl>
+                </p:cond>
+              </p:nextCondLst>
+            </p:seq>
+          </p:childTnLst>
+        </p:cTn>
+      </p:par>
+    </p:tnLst>
+    <p:bldLst>
+      <p:bldP spid="8" grpId="0" animBg="1"/>
+      <p:bldP spid="6" grpId="0" animBg="1"/>
+    </p:bldLst>
+  </p:timing>
 </p:sld>
 </file>
 
@@ -14053,7 +14499,7 @@
           <p:cNvPr id="2" name="Title 1">
             <a:extLst>
               <a:ext uri="{FF2B5EF4-FFF2-40B4-BE49-F238E27FC236}">
-                <a16:creationId xmlns:a16="http://schemas.microsoft.com/office/drawing/2014/main" id="{DA1B0687-9FA5-4319-911B-AD25E7C55984}"/>
+                <a16:creationId xmlns:a16="http://schemas.microsoft.com/office/drawing/2014/main" id="{9C7D9E39-AC31-4065-84F2-01C2DA93A3CD}"/>
               </a:ext>
             </a:extLst>
           </p:cNvPr>
@@ -14066,8 +14512,8 @@
         </p:nvSpPr>
         <p:spPr>
           <a:xfrm>
-            <a:off x="525050" y="155596"/>
-            <a:ext cx="10515600" cy="1325563"/>
+            <a:off x="838200" y="365126"/>
+            <a:ext cx="10515600" cy="948902"/>
           </a:xfrm>
         </p:spPr>
         <p:txBody>
@@ -14076,7 +14522,7 @@
           <a:p>
             <a:r>
               <a:rPr lang="en-US" b="1" dirty="0"/>
-              <a:t>XProc?</a:t>
+              <a:t>Who Am I?</a:t>
             </a:r>
             <a:endParaRPr lang="en-NL" b="1" dirty="0"/>
           </a:p>
@@ -14087,7 +14533,7 @@
           <p:cNvPr id="3" name="Content Placeholder 2">
             <a:extLst>
               <a:ext uri="{FF2B5EF4-FFF2-40B4-BE49-F238E27FC236}">
-                <a16:creationId xmlns:a16="http://schemas.microsoft.com/office/drawing/2014/main" id="{35759DFE-054C-462C-8123-0C8D2411A9D6}"/>
+                <a16:creationId xmlns:a16="http://schemas.microsoft.com/office/drawing/2014/main" id="{110338D2-8565-4AF9-91CE-CD583FB0EBFE}"/>
               </a:ext>
             </a:extLst>
           </p:cNvPr>
@@ -14100,99 +14546,143 @@
         </p:nvSpPr>
         <p:spPr>
           <a:xfrm>
-            <a:off x="763043" y="1481159"/>
-            <a:ext cx="10515600" cy="3241153"/>
+            <a:off x="397933" y="1314028"/>
+            <a:ext cx="10515600" cy="4351338"/>
           </a:xfrm>
         </p:spPr>
         <p:txBody>
-          <a:bodyPr/>
+          <a:bodyPr>
+            <a:normAutofit fontScale="92500" lnSpcReduction="10000"/>
+          </a:bodyPr>
           <a:lstStyle/>
           <a:p>
             <a:r>
               <a:rPr lang="en-US" dirty="0"/>
-              <a:t>XProc is an XML based programming language for complex data processing - pipelining</a:t>
+              <a:t>Erik Siegel</a:t>
             </a:r>
           </a:p>
           <a:p>
             <a:r>
               <a:rPr lang="en-US" dirty="0"/>
-              <a:t>Extensible set of small, sharp tools for creating and transforming XML and other documents</a:t>
+              <a:t>Content Engineer and XML specialist</a:t>
             </a:r>
           </a:p>
           <a:p>
             <a:r>
               <a:rPr lang="en-US" dirty="0"/>
-              <a:t>V1.0 available (two processor implementations to run your pipelines)</a:t>
-            </a:r>
-          </a:p>
-          <a:p>
+              <a:t>One-man company: Xatapult</a:t>
+            </a:r>
+          </a:p>
+          <a:p>
+            <a:pPr lvl="1"/>
             <a:r>
               <a:rPr lang="en-US" dirty="0"/>
-              <a:t>Specification and implementation V3.0 under development</a:t>
-            </a:r>
-          </a:p>
-          <a:p>
+              <a:t>Groningen, The Netherlands</a:t>
+            </a:r>
+          </a:p>
+          <a:p>
+            <a:r>
+              <a:rPr lang="en-US" dirty="0"/>
+              <a:t>Customers mostly in publishing and standardization</a:t>
+            </a:r>
+          </a:p>
+          <a:p>
+            <a:r>
+              <a:rPr lang="en-US" dirty="0"/>
+              <a:t>Part of the XProc 3.0 editing committee</a:t>
+            </a:r>
+          </a:p>
+          <a:p>
+            <a:r>
+              <a:rPr lang="en-US" dirty="0"/>
+              <a:t>Contact:</a:t>
+            </a:r>
+          </a:p>
+          <a:p>
+            <a:pPr marL="457200" lvl="1" indent="0">
+              <a:buNone/>
+            </a:pPr>
+            <a:r>
+              <a:rPr lang="en-US" dirty="0">
+                <a:hlinkClick r:id="rId2"/>
+              </a:rPr>
+              <a:t>erik@xatapult.nl</a:t>
+            </a:r>
+            <a:br>
+              <a:rPr lang="en-US" dirty="0"/>
+            </a:br>
+            <a:r>
+              <a:rPr lang="en-US" dirty="0">
+                <a:hlinkClick r:id="rId3"/>
+              </a:rPr>
+              <a:t>www.xatapult.com</a:t>
+            </a:r>
+            <a:br>
+              <a:rPr lang="en-US" dirty="0"/>
+            </a:br>
+            <a:r>
+              <a:rPr lang="nl-NL" dirty="0">
+                <a:hlinkClick r:id="rId4"/>
+              </a:rPr>
+              <a:t>www.linkedin.com/in/esiegel/</a:t>
+            </a:r>
+            <a:br>
+              <a:rPr lang="en-US" dirty="0"/>
+            </a:br>
+            <a:r>
+              <a:rPr lang="en-US" sz="2200" dirty="0"/>
+              <a:t>+31 6 53260792</a:t>
+            </a:r>
             <a:endParaRPr lang="en-NL" dirty="0"/>
           </a:p>
         </p:txBody>
       </p:sp>
-      <p:sp>
-        <p:nvSpPr>
-          <p:cNvPr id="4" name="Speech Bubble: Oval 3">
+      <p:pic>
+        <p:nvPicPr>
+          <p:cNvPr id="5" name="Picture 4" descr="A picture containing person, tree, outdoor, plant&#10;&#10;Description automatically generated">
             <a:extLst>
               <a:ext uri="{FF2B5EF4-FFF2-40B4-BE49-F238E27FC236}">
-                <a16:creationId xmlns:a16="http://schemas.microsoft.com/office/drawing/2014/main" id="{2721F1B1-1297-4F86-95C5-A246308E3BA4}"/>
+                <a16:creationId xmlns:a16="http://schemas.microsoft.com/office/drawing/2014/main" id="{3FF018FF-B684-4C34-8584-00C9F7DBB523}"/>
               </a:ext>
             </a:extLst>
           </p:cNvPr>
-          <p:cNvSpPr/>
+          <p:cNvPicPr>
+            <a:picLocks noChangeAspect="1"/>
+          </p:cNvPicPr>
           <p:nvPr/>
-        </p:nvSpPr>
+        </p:nvPicPr>
+        <p:blipFill>
+          <a:blip r:embed="rId5">
+            <a:extLst>
+              <a:ext uri="{28A0092B-C50C-407E-A947-70E740481C1C}">
+                <a14:useLocalDpi xmlns:a14="http://schemas.microsoft.com/office/drawing/2010/main" val="0"/>
+              </a:ext>
+            </a:extLst>
+          </a:blip>
+          <a:stretch>
+            <a:fillRect/>
+          </a:stretch>
+        </p:blipFill>
         <p:spPr>
-          <a:xfrm>
-            <a:off x="7872607" y="5376841"/>
-            <a:ext cx="2868461" cy="951978"/>
+          <a:xfrm rot="5400000">
+            <a:off x="7598268" y="901631"/>
+            <a:ext cx="4292039" cy="3219029"/>
           </a:xfrm>
-          <a:prstGeom prst="wedgeEllipseCallout">
-            <a:avLst>
-              <a:gd name="adj1" fmla="val 79273"/>
-              <a:gd name="adj2" fmla="val 78942"/>
-            </a:avLst>
+          <a:prstGeom prst="rect">
+            <a:avLst/>
           </a:prstGeom>
+          <a:ln>
+            <a:noFill/>
+          </a:ln>
+          <a:effectLst>
+            <a:softEdge rad="112500"/>
+          </a:effectLst>
         </p:spPr>
-        <p:style>
-          <a:lnRef idx="2">
-            <a:schemeClr val="accent1">
-              <a:shade val="50000"/>
-            </a:schemeClr>
-          </a:lnRef>
-          <a:fillRef idx="1">
-            <a:schemeClr val="accent1"/>
-          </a:fillRef>
-          <a:effectRef idx="0">
-            <a:schemeClr val="accent1"/>
-          </a:effectRef>
-          <a:fontRef idx="minor">
-            <a:schemeClr val="lt1"/>
-          </a:fontRef>
-        </p:style>
-        <p:txBody>
-          <a:bodyPr rtlCol="0" anchor="ctr"/>
-          <a:lstStyle/>
-          <a:p>
-            <a:pPr algn="ctr"/>
-            <a:r>
-              <a:rPr lang="en-US" sz="1600" dirty="0"/>
-              <a:t>I’ll show where to find all this on the web in a few slides</a:t>
-            </a:r>
-            <a:endParaRPr lang="en-NL" sz="1600" dirty="0"/>
-          </a:p>
-        </p:txBody>
-      </p:sp>
+      </p:pic>
     </p:spTree>
     <p:extLst>
       <p:ext uri="{BB962C8B-B14F-4D97-AF65-F5344CB8AC3E}">
-        <p14:creationId xmlns:p14="http://schemas.microsoft.com/office/powerpoint/2010/main" val="545629648"/>
+        <p14:creationId xmlns:p14="http://schemas.microsoft.com/office/powerpoint/2010/main" val="372394686"/>
       </p:ext>
     </p:extLst>
   </p:cSld>
@@ -15947,33 +16437,15 @@
                                   </p:childTnLst>
                                 </p:cTn>
                               </p:par>
-                            </p:childTnLst>
-                          </p:cTn>
-                        </p:par>
-                      </p:childTnLst>
-                    </p:cTn>
-                  </p:par>
-                  <p:par>
-                    <p:cTn id="14" fill="hold">
-                      <p:stCondLst>
-                        <p:cond delay="indefinite"/>
-                      </p:stCondLst>
-                      <p:childTnLst>
-                        <p:par>
-                          <p:cTn id="15" fill="hold">
-                            <p:stCondLst>
-                              <p:cond delay="0"/>
-                            </p:stCondLst>
-                            <p:childTnLst>
                               <p:par>
-                                <p:cTn id="16" presetID="10" presetClass="entr" presetSubtype="0" fill="hold" grpId="0" nodeType="clickEffect">
+                                <p:cTn id="14" presetID="10" presetClass="entr" presetSubtype="0" fill="hold" grpId="0" nodeType="withEffect">
                                   <p:stCondLst>
-                                    <p:cond delay="0"/>
+                                    <p:cond delay="2000"/>
                                   </p:stCondLst>
                                   <p:childTnLst>
                                     <p:set>
                                       <p:cBhvr>
-                                        <p:cTn id="17" dur="1" fill="hold">
+                                        <p:cTn id="15" dur="1" fill="hold">
                                           <p:stCondLst>
                                             <p:cond delay="0"/>
                                           </p:stCondLst>
@@ -15991,7 +16463,7 @@
                                     </p:set>
                                     <p:animEffect transition="in" filter="fade">
                                       <p:cBhvr>
-                                        <p:cTn id="18" dur="2000"/>
+                                        <p:cTn id="16" dur="2000"/>
                                         <p:tgtEl>
                                           <p:spTgt spid="15"/>
                                         </p:tgtEl>
@@ -19626,6 +20098,51 @@
                                           </p:stCondLst>
                                         </p:cTn>
                                         <p:tgtEl>
+                                          <p:spTgt spid="7"/>
+                                        </p:tgtEl>
+                                        <p:attrNameLst>
+                                          <p:attrName>style.visibility</p:attrName>
+                                        </p:attrNameLst>
+                                      </p:cBhvr>
+                                      <p:to>
+                                        <p:strVal val="visible"/>
+                                      </p:to>
+                                    </p:set>
+                                  </p:childTnLst>
+                                </p:cTn>
+                              </p:par>
+                            </p:childTnLst>
+                          </p:cTn>
+                        </p:par>
+                      </p:childTnLst>
+                    </p:cTn>
+                  </p:par>
+                  <p:par>
+                    <p:cTn id="7" fill="hold">
+                      <p:stCondLst>
+                        <p:cond delay="indefinite"/>
+                      </p:stCondLst>
+                      <p:childTnLst>
+                        <p:par>
+                          <p:cTn id="8" fill="hold">
+                            <p:stCondLst>
+                              <p:cond delay="0"/>
+                            </p:stCondLst>
+                            <p:childTnLst>
+                              <p:par>
+                                <p:cTn id="9" presetID="1" presetClass="entr" presetSubtype="0" fill="hold" grpId="0" nodeType="clickEffect">
+                                  <p:stCondLst>
+                                    <p:cond delay="0"/>
+                                  </p:stCondLst>
+                                  <p:childTnLst>
+                                    <p:set>
+                                      <p:cBhvr>
+                                        <p:cTn id="10" dur="1" fill="hold">
+                                          <p:stCondLst>
+                                            <p:cond delay="0"/>
+                                          </p:stCondLst>
+                                        </p:cTn>
+                                        <p:tgtEl>
                                           <p:spTgt spid="8"/>
                                         </p:tgtEl>
                                         <p:attrNameLst>
@@ -19667,6 +20184,7 @@
       </p:par>
     </p:tnLst>
     <p:bldLst>
+      <p:bldP spid="7" grpId="0" animBg="1"/>
       <p:bldP spid="8" grpId="0" animBg="1"/>
     </p:bldLst>
   </p:timing>
@@ -19977,7 +20495,7 @@
           <p:cNvPr id="2" name="Title 1">
             <a:extLst>
               <a:ext uri="{FF2B5EF4-FFF2-40B4-BE49-F238E27FC236}">
-                <a16:creationId xmlns:a16="http://schemas.microsoft.com/office/drawing/2014/main" id="{5932F04C-64E6-4073-BD78-F756A1AF117C}"/>
+                <a16:creationId xmlns:a16="http://schemas.microsoft.com/office/drawing/2014/main" id="{DA1B0687-9FA5-4319-911B-AD25E7C55984}"/>
               </a:ext>
             </a:extLst>
           </p:cNvPr>
@@ -19990,7 +20508,7 @@
         </p:nvSpPr>
         <p:spPr>
           <a:xfrm>
-            <a:off x="437367" y="89552"/>
+            <a:off x="525050" y="155596"/>
             <a:ext cx="10515600" cy="1325563"/>
           </a:xfrm>
         </p:spPr>
@@ -20000,7 +20518,7 @@
           <a:p>
             <a:r>
               <a:rPr lang="en-US" b="1" dirty="0"/>
-              <a:t>Why should I bother?</a:t>
+              <a:t>XProc?</a:t>
             </a:r>
             <a:endParaRPr lang="en-NL" b="1" dirty="0"/>
           </a:p>
@@ -20011,7 +20529,7 @@
           <p:cNvPr id="3" name="Content Placeholder 2">
             <a:extLst>
               <a:ext uri="{FF2B5EF4-FFF2-40B4-BE49-F238E27FC236}">
-                <a16:creationId xmlns:a16="http://schemas.microsoft.com/office/drawing/2014/main" id="{FF031072-9F3A-4533-98E6-F13BF85D65CC}"/>
+                <a16:creationId xmlns:a16="http://schemas.microsoft.com/office/drawing/2014/main" id="{35759DFE-054C-462C-8123-0C8D2411A9D6}"/>
               </a:ext>
             </a:extLst>
           </p:cNvPr>
@@ -20024,8 +20542,8 @@
         </p:nvSpPr>
         <p:spPr>
           <a:xfrm>
-            <a:off x="806885" y="1656524"/>
-            <a:ext cx="8869471" cy="4351338"/>
+            <a:off x="763043" y="1481159"/>
+            <a:ext cx="10515600" cy="3241153"/>
           </a:xfrm>
         </p:spPr>
         <p:txBody>
@@ -20034,156 +20552,38 @@
           <a:p>
             <a:r>
               <a:rPr lang="en-US" dirty="0"/>
-              <a:t>Pipelines are ubiquitous all around us</a:t>
+              <a:t>XProc is an XML based programming language for complex data processing - pipelining</a:t>
             </a:r>
           </a:p>
           <a:p>
             <a:r>
               <a:rPr lang="en-US" dirty="0"/>
-              <a:t>Solve problems with a set of small, sharp tools that combine in many ways</a:t>
-            </a:r>
-          </a:p>
-          <a:p>
-            <a:pPr lvl="1"/>
+              <a:t>Extensible set of small, sharp tools for creating and transforming XML and other documents</a:t>
+            </a:r>
+          </a:p>
+          <a:p>
             <a:r>
               <a:rPr lang="en-US" dirty="0"/>
-              <a:t>Like the UNIX command line</a:t>
+              <a:t>V1.0 available (two processor implementations to run your pipelines)</a:t>
             </a:r>
           </a:p>
           <a:p>
             <a:r>
               <a:rPr lang="en-US" dirty="0"/>
-              <a:t>Very natural choice for document processing</a:t>
-            </a:r>
-          </a:p>
-          <a:p>
-            <a:r>
-              <a:rPr lang="en-US" dirty="0"/>
-              <a:t>Compose small tools into something bigger, pipelines…</a:t>
-            </a:r>
-          </a:p>
-          <a:p>
-            <a:r>
-              <a:rPr lang="en-US" dirty="0"/>
-              <a:t>XProc beats the alternatives</a:t>
-            </a:r>
+              <a:t>Specification and implementation V3.0 under development</a:t>
+            </a:r>
+          </a:p>
+          <a:p>
             <a:endParaRPr lang="en-NL" dirty="0"/>
           </a:p>
         </p:txBody>
       </p:sp>
-      <p:pic>
-        <p:nvPicPr>
-          <p:cNvPr id="7" name="Picture 6" descr="A factory next to a fence&#10;&#10;Description automatically generated">
+      <p:sp>
+        <p:nvSpPr>
+          <p:cNvPr id="4" name="Speech Bubble: Oval 3">
             <a:extLst>
               <a:ext uri="{FF2B5EF4-FFF2-40B4-BE49-F238E27FC236}">
-                <a16:creationId xmlns:a16="http://schemas.microsoft.com/office/drawing/2014/main" id="{5A6F02A3-55AE-406D-9533-E86CE4C49388}"/>
-              </a:ext>
-            </a:extLst>
-          </p:cNvPr>
-          <p:cNvPicPr>
-            <a:picLocks noChangeAspect="1"/>
-          </p:cNvPicPr>
-          <p:nvPr/>
-        </p:nvPicPr>
-        <p:blipFill>
-          <a:blip r:embed="rId2">
-            <a:extLst>
-              <a:ext uri="{28A0092B-C50C-407E-A947-70E740481C1C}">
-                <a14:useLocalDpi xmlns:a14="http://schemas.microsoft.com/office/drawing/2010/main" val="0"/>
-              </a:ext>
-            </a:extLst>
-          </a:blip>
-          <a:stretch>
-            <a:fillRect/>
-          </a:stretch>
-        </p:blipFill>
-        <p:spPr>
-          <a:xfrm>
-            <a:off x="6683913" y="70437"/>
-            <a:ext cx="3270144" cy="1839456"/>
-          </a:xfrm>
-          <a:prstGeom prst="roundRect">
-            <a:avLst>
-              <a:gd name="adj" fmla="val 16667"/>
-            </a:avLst>
-          </a:prstGeom>
-          <a:ln>
-            <a:noFill/>
-          </a:ln>
-          <a:effectLst>
-            <a:outerShdw blurRad="76200" dist="38100" dir="7800000" algn="tl" rotWithShape="0">
-              <a:srgbClr val="000000">
-                <a:alpha val="40000"/>
-              </a:srgbClr>
-            </a:outerShdw>
-          </a:effectLst>
-          <a:scene3d>
-            <a:camera prst="orthographicFront"/>
-            <a:lightRig rig="contrasting" dir="t">
-              <a:rot lat="0" lon="0" rev="4200000"/>
-            </a:lightRig>
-          </a:scene3d>
-          <a:sp3d prstMaterial="plastic">
-            <a:bevelT w="381000" h="114300" prst="relaxedInset"/>
-            <a:contourClr>
-              <a:srgbClr val="969696"/>
-            </a:contourClr>
-          </a:sp3d>
-        </p:spPr>
-      </p:pic>
-      <p:pic>
-        <p:nvPicPr>
-          <p:cNvPr id="1026" name="Picture 2">
-            <a:extLst>
-              <a:ext uri="{FF2B5EF4-FFF2-40B4-BE49-F238E27FC236}">
-                <a16:creationId xmlns:a16="http://schemas.microsoft.com/office/drawing/2014/main" id="{3FE5053B-0583-41D9-8FB2-4432BE4FB7E2}"/>
-              </a:ext>
-            </a:extLst>
-          </p:cNvPr>
-          <p:cNvPicPr>
-            <a:picLocks noChangeAspect="1" noChangeArrowheads="1"/>
-          </p:cNvPicPr>
-          <p:nvPr/>
-        </p:nvPicPr>
-        <p:blipFill>
-          <a:blip r:embed="rId3">
-            <a:extLst>
-              <a:ext uri="{28A0092B-C50C-407E-A947-70E740481C1C}">
-                <a14:useLocalDpi xmlns:a14="http://schemas.microsoft.com/office/drawing/2010/main" val="0"/>
-              </a:ext>
-            </a:extLst>
-          </a:blip>
-          <a:srcRect/>
-          <a:stretch>
-            <a:fillRect/>
-          </a:stretch>
-        </p:blipFill>
-        <p:spPr bwMode="auto">
-          <a:xfrm>
-            <a:off x="9954057" y="1596134"/>
-            <a:ext cx="2170576" cy="1358302"/>
-          </a:xfrm>
-          <a:prstGeom prst="rect">
-            <a:avLst/>
-          </a:prstGeom>
-          <a:noFill/>
-          <a:extLst>
-            <a:ext uri="{909E8E84-426E-40DD-AFC4-6F175D3DCCD1}">
-              <a14:hiddenFill xmlns:a14="http://schemas.microsoft.com/office/drawing/2010/main">
-                <a:solidFill>
-                  <a:srgbClr val="FFFFFF"/>
-                </a:solidFill>
-              </a14:hiddenFill>
-            </a:ext>
-          </a:extLst>
-        </p:spPr>
-      </p:pic>
-      <p:sp>
-        <p:nvSpPr>
-          <p:cNvPr id="8" name="Speech Bubble: Oval 7">
-            <a:extLst>
-              <a:ext uri="{FF2B5EF4-FFF2-40B4-BE49-F238E27FC236}">
-                <a16:creationId xmlns:a16="http://schemas.microsoft.com/office/drawing/2014/main" id="{BBE5BE1E-FB12-471A-88C9-6C5F44060095}"/>
+                <a16:creationId xmlns:a16="http://schemas.microsoft.com/office/drawing/2014/main" id="{2721F1B1-1297-4F86-95C5-A246308E3BA4}"/>
               </a:ext>
             </a:extLst>
           </p:cNvPr>
@@ -20192,13 +20592,13 @@
         </p:nvSpPr>
         <p:spPr>
           <a:xfrm>
-            <a:off x="3720231" y="5505189"/>
-            <a:ext cx="7478038" cy="1213111"/>
+            <a:off x="7872607" y="5376841"/>
+            <a:ext cx="2868461" cy="951978"/>
           </a:xfrm>
           <a:prstGeom prst="wedgeEllipseCallout">
             <a:avLst>
-              <a:gd name="adj1" fmla="val 55382"/>
-              <a:gd name="adj2" fmla="val 42179"/>
+              <a:gd name="adj1" fmla="val 79273"/>
+              <a:gd name="adj2" fmla="val 78942"/>
             </a:avLst>
           </a:prstGeom>
         </p:spPr>
@@ -20225,93 +20625,16 @@
             <a:pPr algn="ctr"/>
             <a:r>
               <a:rPr lang="en-US" sz="1600" dirty="0"/>
-              <a:t>A successful example of large-scale application of XProc (1.0) pipelines doing document engineering: </a:t>
-            </a:r>
-          </a:p>
-          <a:p>
-            <a:pPr algn="ctr"/>
-            <a:r>
-              <a:rPr lang="en-US" sz="1600" dirty="0"/>
-              <a:t>https://www.le-tex.de/en/transpect.html</a:t>
+              <a:t>I’ll show where to find all this on the web in a few slides</a:t>
             </a:r>
             <a:endParaRPr lang="en-NL" sz="1600" dirty="0"/>
           </a:p>
         </p:txBody>
       </p:sp>
-      <p:pic>
-        <p:nvPicPr>
-          <p:cNvPr id="1028" name="Picture 4" descr="Afbeeldingsresultaat voor automotive industry">
-            <a:extLst>
-              <a:ext uri="{FF2B5EF4-FFF2-40B4-BE49-F238E27FC236}">
-                <a16:creationId xmlns:a16="http://schemas.microsoft.com/office/drawing/2014/main" id="{9AED3A8E-A72F-4225-9963-5DFF255EEC9E}"/>
-              </a:ext>
-            </a:extLst>
-          </p:cNvPr>
-          <p:cNvPicPr>
-            <a:picLocks noChangeAspect="1" noChangeArrowheads="1"/>
-          </p:cNvPicPr>
-          <p:nvPr/>
-        </p:nvPicPr>
-        <p:blipFill>
-          <a:blip r:embed="rId4">
-            <a:extLst>
-              <a:ext uri="{28A0092B-C50C-407E-A947-70E740481C1C}">
-                <a14:useLocalDpi xmlns:a14="http://schemas.microsoft.com/office/drawing/2010/main" val="0"/>
-              </a:ext>
-            </a:extLst>
-          </a:blip>
-          <a:srcRect/>
-          <a:stretch>
-            <a:fillRect/>
-          </a:stretch>
-        </p:blipFill>
-        <p:spPr bwMode="auto">
-          <a:xfrm>
-            <a:off x="9344938" y="2990665"/>
-            <a:ext cx="2464301" cy="1642867"/>
-          </a:xfrm>
-          <a:prstGeom prst="roundRect">
-            <a:avLst>
-              <a:gd name="adj" fmla="val 16667"/>
-            </a:avLst>
-          </a:prstGeom>
-          <a:ln>
-            <a:noFill/>
-          </a:ln>
-          <a:effectLst>
-            <a:outerShdw blurRad="76200" dist="38100" dir="7800000" algn="tl" rotWithShape="0">
-              <a:srgbClr val="000000">
-                <a:alpha val="40000"/>
-              </a:srgbClr>
-            </a:outerShdw>
-          </a:effectLst>
-          <a:scene3d>
-            <a:camera prst="orthographicFront"/>
-            <a:lightRig rig="contrasting" dir="t">
-              <a:rot lat="0" lon="0" rev="4200000"/>
-            </a:lightRig>
-          </a:scene3d>
-          <a:sp3d prstMaterial="plastic">
-            <a:bevelT w="381000" h="114300" prst="relaxedInset"/>
-            <a:contourClr>
-              <a:srgbClr val="969696"/>
-            </a:contourClr>
-          </a:sp3d>
-          <a:extLst>
-            <a:ext uri="{909E8E84-426E-40DD-AFC4-6F175D3DCCD1}">
-              <a14:hiddenFill xmlns:a14="http://schemas.microsoft.com/office/drawing/2010/main">
-                <a:solidFill>
-                  <a:srgbClr val="FFFFFF"/>
-                </a:solidFill>
-              </a14:hiddenFill>
-            </a:ext>
-          </a:extLst>
-        </p:spPr>
-      </p:pic>
     </p:spTree>
     <p:extLst>
       <p:ext uri="{BB962C8B-B14F-4D97-AF65-F5344CB8AC3E}">
-        <p14:creationId xmlns:p14="http://schemas.microsoft.com/office/powerpoint/2010/main" val="3310173582"/>
+        <p14:creationId xmlns:p14="http://schemas.microsoft.com/office/powerpoint/2010/main" val="545629648"/>
       </p:ext>
     </p:extLst>
   </p:cSld>
@@ -21450,6 +21773,130 @@
   <p:clrMapOvr>
     <a:masterClrMapping/>
   </p:clrMapOvr>
+  <p:timing>
+    <p:tnLst>
+      <p:par>
+        <p:cTn id="1" dur="indefinite" restart="never" nodeType="tmRoot">
+          <p:childTnLst>
+            <p:seq concurrent="1" nextAc="seek">
+              <p:cTn id="2" dur="indefinite" nodeType="mainSeq">
+                <p:childTnLst>
+                  <p:par>
+                    <p:cTn id="3" fill="hold">
+                      <p:stCondLst>
+                        <p:cond delay="indefinite"/>
+                      </p:stCondLst>
+                      <p:childTnLst>
+                        <p:par>
+                          <p:cTn id="4" fill="hold">
+                            <p:stCondLst>
+                              <p:cond delay="0"/>
+                            </p:stCondLst>
+                            <p:childTnLst>
+                              <p:par>
+                                <p:cTn id="5" presetID="1" presetClass="entr" presetSubtype="0" fill="hold" grpId="0" nodeType="clickEffect">
+                                  <p:stCondLst>
+                                    <p:cond delay="0"/>
+                                  </p:stCondLst>
+                                  <p:childTnLst>
+                                    <p:set>
+                                      <p:cBhvr>
+                                        <p:cTn id="6" dur="1" fill="hold">
+                                          <p:stCondLst>
+                                            <p:cond delay="0"/>
+                                          </p:stCondLst>
+                                        </p:cTn>
+                                        <p:tgtEl>
+                                          <p:spTgt spid="5"/>
+                                        </p:tgtEl>
+                                        <p:attrNameLst>
+                                          <p:attrName>style.visibility</p:attrName>
+                                        </p:attrNameLst>
+                                      </p:cBhvr>
+                                      <p:to>
+                                        <p:strVal val="visible"/>
+                                      </p:to>
+                                    </p:set>
+                                  </p:childTnLst>
+                                </p:cTn>
+                              </p:par>
+                            </p:childTnLst>
+                          </p:cTn>
+                        </p:par>
+                      </p:childTnLst>
+                    </p:cTn>
+                  </p:par>
+                  <p:par>
+                    <p:cTn id="7" fill="hold">
+                      <p:stCondLst>
+                        <p:cond delay="indefinite"/>
+                      </p:stCondLst>
+                      <p:childTnLst>
+                        <p:par>
+                          <p:cTn id="8" fill="hold">
+                            <p:stCondLst>
+                              <p:cond delay="0"/>
+                            </p:stCondLst>
+                            <p:childTnLst>
+                              <p:par>
+                                <p:cTn id="9" presetID="1" presetClass="entr" presetSubtype="0" fill="hold" grpId="0" nodeType="clickEffect">
+                                  <p:stCondLst>
+                                    <p:cond delay="0"/>
+                                  </p:stCondLst>
+                                  <p:childTnLst>
+                                    <p:set>
+                                      <p:cBhvr>
+                                        <p:cTn id="10" dur="1" fill="hold">
+                                          <p:stCondLst>
+                                            <p:cond delay="0"/>
+                                          </p:stCondLst>
+                                        </p:cTn>
+                                        <p:tgtEl>
+                                          <p:spTgt spid="6"/>
+                                        </p:tgtEl>
+                                        <p:attrNameLst>
+                                          <p:attrName>style.visibility</p:attrName>
+                                        </p:attrNameLst>
+                                      </p:cBhvr>
+                                      <p:to>
+                                        <p:strVal val="visible"/>
+                                      </p:to>
+                                    </p:set>
+                                  </p:childTnLst>
+                                </p:cTn>
+                              </p:par>
+                            </p:childTnLst>
+                          </p:cTn>
+                        </p:par>
+                      </p:childTnLst>
+                    </p:cTn>
+                  </p:par>
+                </p:childTnLst>
+              </p:cTn>
+              <p:prevCondLst>
+                <p:cond evt="onPrev" delay="0">
+                  <p:tgtEl>
+                    <p:sldTgt/>
+                  </p:tgtEl>
+                </p:cond>
+              </p:prevCondLst>
+              <p:nextCondLst>
+                <p:cond evt="onNext" delay="0">
+                  <p:tgtEl>
+                    <p:sldTgt/>
+                  </p:tgtEl>
+                </p:cond>
+              </p:nextCondLst>
+            </p:seq>
+          </p:childTnLst>
+        </p:cTn>
+      </p:par>
+    </p:tnLst>
+    <p:bldLst>
+      <p:bldP spid="5" grpId="0" animBg="1"/>
+      <p:bldP spid="6" grpId="0" animBg="1"/>
+    </p:bldLst>
+  </p:timing>
 </p:sld>
 </file>
 
@@ -22181,6 +22628,96 @@
                                     <p:set>
                                       <p:cBhvr>
                                         <p:cTn id="6" dur="1" fill="hold">
+                                          <p:stCondLst>
+                                            <p:cond delay="0"/>
+                                          </p:stCondLst>
+                                        </p:cTn>
+                                        <p:tgtEl>
+                                          <p:spTgt spid="5"/>
+                                        </p:tgtEl>
+                                        <p:attrNameLst>
+                                          <p:attrName>style.visibility</p:attrName>
+                                        </p:attrNameLst>
+                                      </p:cBhvr>
+                                      <p:to>
+                                        <p:strVal val="visible"/>
+                                      </p:to>
+                                    </p:set>
+                                  </p:childTnLst>
+                                </p:cTn>
+                              </p:par>
+                            </p:childTnLst>
+                          </p:cTn>
+                        </p:par>
+                      </p:childTnLst>
+                    </p:cTn>
+                  </p:par>
+                  <p:par>
+                    <p:cTn id="7" fill="hold">
+                      <p:stCondLst>
+                        <p:cond delay="indefinite"/>
+                      </p:stCondLst>
+                      <p:childTnLst>
+                        <p:par>
+                          <p:cTn id="8" fill="hold">
+                            <p:stCondLst>
+                              <p:cond delay="0"/>
+                            </p:stCondLst>
+                            <p:childTnLst>
+                              <p:par>
+                                <p:cTn id="9" presetID="1" presetClass="entr" presetSubtype="0" fill="hold" grpId="0" nodeType="clickEffect">
+                                  <p:stCondLst>
+                                    <p:cond delay="0"/>
+                                  </p:stCondLst>
+                                  <p:childTnLst>
+                                    <p:set>
+                                      <p:cBhvr>
+                                        <p:cTn id="10" dur="1" fill="hold">
+                                          <p:stCondLst>
+                                            <p:cond delay="0"/>
+                                          </p:stCondLst>
+                                        </p:cTn>
+                                        <p:tgtEl>
+                                          <p:spTgt spid="6"/>
+                                        </p:tgtEl>
+                                        <p:attrNameLst>
+                                          <p:attrName>style.visibility</p:attrName>
+                                        </p:attrNameLst>
+                                      </p:cBhvr>
+                                      <p:to>
+                                        <p:strVal val="visible"/>
+                                      </p:to>
+                                    </p:set>
+                                  </p:childTnLst>
+                                </p:cTn>
+                              </p:par>
+                            </p:childTnLst>
+                          </p:cTn>
+                        </p:par>
+                      </p:childTnLst>
+                    </p:cTn>
+                  </p:par>
+                  <p:par>
+                    <p:cTn id="11" fill="hold">
+                      <p:stCondLst>
+                        <p:cond delay="indefinite"/>
+                      </p:stCondLst>
+                      <p:childTnLst>
+                        <p:par>
+                          <p:cTn id="12" fill="hold">
+                            <p:stCondLst>
+                              <p:cond delay="0"/>
+                            </p:stCondLst>
+                            <p:childTnLst>
+                              <p:par>
+                                <p:cTn id="13" presetID="1" presetClass="entr" presetSubtype="0" fill="hold" grpId="0" nodeType="clickEffect">
+                                  <p:stCondLst>
+                                    <p:cond delay="0"/>
+                                  </p:stCondLst>
+                                  <p:childTnLst>
+                                    <p:set>
+                                      <p:cBhvr>
+                                        <p:cTn id="14" dur="1" fill="hold">
                                           <p:stCondLst>
                                             <p:cond delay="0"/>
                                           </p:stCondLst>
@@ -22227,6 +22764,8 @@
       </p:par>
     </p:tnLst>
     <p:bldLst>
+      <p:bldP spid="5" grpId="0" animBg="1"/>
+      <p:bldP spid="6" grpId="0" animBg="1"/>
       <p:bldP spid="11" grpId="0" animBg="1"/>
     </p:bldLst>
   </p:timing>
@@ -22298,7 +22837,7 @@
         </p:nvSpPr>
         <p:spPr>
           <a:xfrm>
-            <a:off x="399487" y="2898344"/>
+            <a:off x="594166" y="3677059"/>
             <a:ext cx="10447748" cy="338554"/>
           </a:xfrm>
           <a:prstGeom prst="rect">
@@ -22354,7 +22893,7 @@
         </p:nvSpPr>
         <p:spPr>
           <a:xfrm>
-            <a:off x="6730223" y="1874709"/>
+            <a:off x="6924902" y="2653424"/>
             <a:ext cx="3033209" cy="673959"/>
           </a:xfrm>
           <a:prstGeom prst="wedgeRoundRectCallout">
@@ -22444,6 +22983,154 @@
               <a:t>You can even base its value on something flowing from another output port</a:t>
             </a:r>
             <a:endParaRPr lang="en-NL" sz="1600" dirty="0"/>
+          </a:p>
+        </p:txBody>
+      </p:sp>
+      <p:sp>
+        <p:nvSpPr>
+          <p:cNvPr id="6" name="TextBox 5">
+            <a:extLst>
+              <a:ext uri="{FF2B5EF4-FFF2-40B4-BE49-F238E27FC236}">
+                <a16:creationId xmlns:a16="http://schemas.microsoft.com/office/drawing/2014/main" id="{DA382953-55E3-4092-AD42-94F757324089}"/>
+              </a:ext>
+            </a:extLst>
+          </p:cNvPr>
+          <p:cNvSpPr txBox="1"/>
+          <p:nvPr/>
+        </p:nvSpPr>
+        <p:spPr>
+          <a:xfrm>
+            <a:off x="1796243" y="1992618"/>
+            <a:ext cx="3583970" cy="830997"/>
+          </a:xfrm>
+          <a:prstGeom prst="rect">
+            <a:avLst/>
+          </a:prstGeom>
+          <a:solidFill>
+            <a:schemeClr val="bg1">
+              <a:lumMod val="85000"/>
+            </a:schemeClr>
+          </a:solidFill>
+        </p:spPr>
+        <p:txBody>
+          <a:bodyPr wrap="square" rtlCol="0">
+            <a:spAutoFit/>
+          </a:bodyPr>
+          <a:lstStyle/>
+          <a:p>
+            <a:r>
+              <a:rPr lang="nl-NL" sz="1600" b="1" dirty="0">
+                <a:latin typeface="Courier New" panose="02070309020205020404" pitchFamily="49" charset="0"/>
+                <a:cs typeface="Courier New" panose="02070309020205020404" pitchFamily="49" charset="0"/>
+              </a:rPr>
+              <a:t>&lt;</a:t>
+            </a:r>
+            <a:r>
+              <a:rPr lang="nl-NL" sz="1600" b="1" dirty="0" err="1">
+                <a:latin typeface="Courier New" panose="02070309020205020404" pitchFamily="49" charset="0"/>
+                <a:cs typeface="Courier New" panose="02070309020205020404" pitchFamily="49" charset="0"/>
+              </a:rPr>
+              <a:t>some</a:t>
+            </a:r>
+            <a:r>
+              <a:rPr lang="nl-NL" sz="1600" b="1" dirty="0">
+                <a:latin typeface="Courier New" panose="02070309020205020404" pitchFamily="49" charset="0"/>
+                <a:cs typeface="Courier New" panose="02070309020205020404" pitchFamily="49" charset="0"/>
+              </a:rPr>
+              <a:t>-root status="</a:t>
+            </a:r>
+            <a:r>
+              <a:rPr lang="nl-NL" sz="1600" b="1" dirty="0" err="1">
+                <a:latin typeface="Courier New" panose="02070309020205020404" pitchFamily="49" charset="0"/>
+                <a:cs typeface="Courier New" panose="02070309020205020404" pitchFamily="49" charset="0"/>
+              </a:rPr>
+              <a:t>final</a:t>
+            </a:r>
+            <a:r>
+              <a:rPr lang="nl-NL" sz="1600" b="1" dirty="0">
+                <a:latin typeface="Courier New" panose="02070309020205020404" pitchFamily="49" charset="0"/>
+                <a:cs typeface="Courier New" panose="02070309020205020404" pitchFamily="49" charset="0"/>
+              </a:rPr>
+              <a:t>"&gt;</a:t>
+            </a:r>
+          </a:p>
+          <a:p>
+            <a:r>
+              <a:rPr lang="nl-NL" sz="1600" b="1" dirty="0">
+                <a:latin typeface="Courier New" panose="02070309020205020404" pitchFamily="49" charset="0"/>
+                <a:cs typeface="Courier New" panose="02070309020205020404" pitchFamily="49" charset="0"/>
+              </a:rPr>
+              <a:t>  …</a:t>
+            </a:r>
+          </a:p>
+          <a:p>
+            <a:r>
+              <a:rPr lang="nl-NL" sz="1600" b="1" dirty="0">
+                <a:latin typeface="Courier New" panose="02070309020205020404" pitchFamily="49" charset="0"/>
+                <a:cs typeface="Courier New" panose="02070309020205020404" pitchFamily="49" charset="0"/>
+              </a:rPr>
+              <a:t>&lt;/</a:t>
+            </a:r>
+            <a:r>
+              <a:rPr lang="nl-NL" sz="1600" b="1" dirty="0" err="1">
+                <a:latin typeface="Courier New" panose="02070309020205020404" pitchFamily="49" charset="0"/>
+                <a:cs typeface="Courier New" panose="02070309020205020404" pitchFamily="49" charset="0"/>
+              </a:rPr>
+              <a:t>p:some-root</a:t>
+            </a:r>
+            <a:r>
+              <a:rPr lang="nl-NL" sz="1600" b="1" dirty="0">
+                <a:latin typeface="Courier New" panose="02070309020205020404" pitchFamily="49" charset="0"/>
+                <a:cs typeface="Courier New" panose="02070309020205020404" pitchFamily="49" charset="0"/>
+              </a:rPr>
+              <a:t>&gt;</a:t>
+            </a:r>
+          </a:p>
+        </p:txBody>
+      </p:sp>
+      <p:sp>
+        <p:nvSpPr>
+          <p:cNvPr id="3" name="Arrow: Down 2">
+            <a:extLst>
+              <a:ext uri="{FF2B5EF4-FFF2-40B4-BE49-F238E27FC236}">
+                <a16:creationId xmlns:a16="http://schemas.microsoft.com/office/drawing/2014/main" id="{AE8EEB35-0B67-43EF-A7EE-3B8287F00166}"/>
+              </a:ext>
+            </a:extLst>
+          </p:cNvPr>
+          <p:cNvSpPr/>
+          <p:nvPr/>
+        </p:nvSpPr>
+        <p:spPr>
+          <a:xfrm>
+            <a:off x="3020470" y="2990403"/>
+            <a:ext cx="253672" cy="578707"/>
+          </a:xfrm>
+          <a:prstGeom prst="downArrow">
+            <a:avLst/>
+          </a:prstGeom>
+        </p:spPr>
+        <p:style>
+          <a:lnRef idx="2">
+            <a:schemeClr val="accent1">
+              <a:shade val="50000"/>
+            </a:schemeClr>
+          </a:lnRef>
+          <a:fillRef idx="1">
+            <a:schemeClr val="accent1"/>
+          </a:fillRef>
+          <a:effectRef idx="0">
+            <a:schemeClr val="accent1"/>
+          </a:effectRef>
+          <a:fontRef idx="minor">
+            <a:schemeClr val="lt1"/>
+          </a:fontRef>
+        </p:style>
+        <p:txBody>
+          <a:bodyPr rtlCol="0" anchor="ctr"/>
+          <a:lstStyle/>
+          <a:p>
+            <a:pPr algn="ctr"/>
+            <a:endParaRPr lang="en-NL"/>
           </a:p>
         </p:txBody>
       </p:sp>
@@ -23806,6 +24493,41 @@
                                   </p:childTnLst>
                                 </p:cTn>
                               </p:par>
+                              <p:par>
+                                <p:cTn id="27" presetID="10" presetClass="entr" presetSubtype="0" fill="hold" grpId="0" nodeType="withEffect">
+                                  <p:stCondLst>
+                                    <p:cond delay="1000"/>
+                                  </p:stCondLst>
+                                  <p:childTnLst>
+                                    <p:set>
+                                      <p:cBhvr>
+                                        <p:cTn id="28" dur="1" fill="hold">
+                                          <p:stCondLst>
+                                            <p:cond delay="0"/>
+                                          </p:stCondLst>
+                                        </p:cTn>
+                                        <p:tgtEl>
+                                          <p:spTgt spid="44"/>
+                                        </p:tgtEl>
+                                        <p:attrNameLst>
+                                          <p:attrName>style.visibility</p:attrName>
+                                        </p:attrNameLst>
+                                      </p:cBhvr>
+                                      <p:to>
+                                        <p:strVal val="visible"/>
+                                      </p:to>
+                                    </p:set>
+                                    <p:animEffect transition="in" filter="fade">
+                                      <p:cBhvr>
+                                        <p:cTn id="29" dur="500"/>
+                                        <p:tgtEl>
+                                          <p:spTgt spid="44"/>
+                                        </p:tgtEl>
+                                      </p:cBhvr>
+                                    </p:animEffect>
+                                  </p:childTnLst>
+                                </p:cTn>
+                              </p:par>
                             </p:childTnLst>
                           </p:cTn>
                         </p:par>
@@ -23813,26 +24535,26 @@
                     </p:cTn>
                   </p:par>
                   <p:par>
-                    <p:cTn id="27" fill="hold">
+                    <p:cTn id="30" fill="hold">
                       <p:stCondLst>
                         <p:cond delay="indefinite"/>
                       </p:stCondLst>
                       <p:childTnLst>
                         <p:par>
-                          <p:cTn id="28" fill="hold">
+                          <p:cTn id="31" fill="hold">
                             <p:stCondLst>
                               <p:cond delay="0"/>
                             </p:stCondLst>
                             <p:childTnLst>
                               <p:par>
-                                <p:cTn id="29" presetID="1" presetClass="entr" presetSubtype="0" fill="hold" grpId="0" nodeType="clickEffect">
+                                <p:cTn id="32" presetID="1" presetClass="entr" presetSubtype="0" fill="hold" grpId="0" nodeType="clickEffect">
                                   <p:stCondLst>
                                     <p:cond delay="0"/>
                                   </p:stCondLst>
                                   <p:childTnLst>
                                     <p:set>
                                       <p:cBhvr>
-                                        <p:cTn id="30" dur="1" fill="hold">
+                                        <p:cTn id="33" dur="1" fill="hold">
                                           <p:stCondLst>
                                             <p:cond delay="0"/>
                                           </p:stCondLst>
@@ -23852,14 +24574,14 @@
                                 </p:cTn>
                               </p:par>
                               <p:par>
-                                <p:cTn id="31" presetID="1" presetClass="entr" presetSubtype="0" fill="hold" grpId="0" nodeType="withEffect">
+                                <p:cTn id="34" presetID="1" presetClass="entr" presetSubtype="0" fill="hold" grpId="0" nodeType="withEffect">
                                   <p:stCondLst>
                                     <p:cond delay="0"/>
                                   </p:stCondLst>
                                   <p:childTnLst>
                                     <p:set>
                                       <p:cBhvr>
-                                        <p:cTn id="32" dur="1" fill="hold">
+                                        <p:cTn id="35" dur="1" fill="hold">
                                           <p:stCondLst>
                                             <p:cond delay="0"/>
                                           </p:stCondLst>
@@ -23879,14 +24601,14 @@
                                 </p:cTn>
                               </p:par>
                               <p:par>
-                                <p:cTn id="33" presetID="1" presetClass="entr" presetSubtype="0" fill="hold" grpId="0" nodeType="withEffect">
+                                <p:cTn id="36" presetID="1" presetClass="entr" presetSubtype="0" fill="hold" grpId="0" nodeType="withEffect">
                                   <p:stCondLst>
                                     <p:cond delay="0"/>
                                   </p:stCondLst>
                                   <p:childTnLst>
                                     <p:set>
                                       <p:cBhvr>
-                                        <p:cTn id="34" dur="1" fill="hold">
+                                        <p:cTn id="37" dur="1" fill="hold">
                                           <p:stCondLst>
                                             <p:cond delay="0"/>
                                           </p:stCondLst>
@@ -23906,14 +24628,14 @@
                                 </p:cTn>
                               </p:par>
                               <p:par>
-                                <p:cTn id="35" presetID="1" presetClass="entr" presetSubtype="0" fill="hold" grpId="0" nodeType="withEffect">
+                                <p:cTn id="38" presetID="1" presetClass="entr" presetSubtype="0" fill="hold" grpId="0" nodeType="withEffect">
                                   <p:stCondLst>
                                     <p:cond delay="0"/>
                                   </p:stCondLst>
                                   <p:childTnLst>
                                     <p:set>
                                       <p:cBhvr>
-                                        <p:cTn id="36" dur="1" fill="hold">
+                                        <p:cTn id="39" dur="1" fill="hold">
                                           <p:stCondLst>
                                             <p:cond delay="0"/>
                                           </p:stCondLst>
@@ -23933,14 +24655,14 @@
                                 </p:cTn>
                               </p:par>
                               <p:par>
-                                <p:cTn id="37" presetID="1" presetClass="entr" presetSubtype="0" fill="hold" grpId="0" nodeType="withEffect">
+                                <p:cTn id="40" presetID="1" presetClass="entr" presetSubtype="0" fill="hold" grpId="0" nodeType="withEffect">
                                   <p:stCondLst>
                                     <p:cond delay="0"/>
                                   </p:stCondLst>
                                   <p:childTnLst>
                                     <p:set>
                                       <p:cBhvr>
-                                        <p:cTn id="38" dur="1" fill="hold">
+                                        <p:cTn id="41" dur="1" fill="hold">
                                           <p:stCondLst>
                                             <p:cond delay="0"/>
                                           </p:stCondLst>
@@ -23960,14 +24682,14 @@
                                 </p:cTn>
                               </p:par>
                               <p:par>
-                                <p:cTn id="39" presetID="1" presetClass="entr" presetSubtype="0" fill="hold" grpId="0" nodeType="withEffect">
+                                <p:cTn id="42" presetID="1" presetClass="entr" presetSubtype="0" fill="hold" grpId="0" nodeType="withEffect">
                                   <p:stCondLst>
                                     <p:cond delay="0"/>
                                   </p:stCondLst>
                                   <p:childTnLst>
                                     <p:set>
                                       <p:cBhvr>
-                                        <p:cTn id="40" dur="1" fill="hold">
+                                        <p:cTn id="43" dur="1" fill="hold">
                                           <p:stCondLst>
                                             <p:cond delay="0"/>
                                           </p:stCondLst>
@@ -24029,6 +24751,7 @@
       <p:bldP spid="54" grpId="0" animBg="1"/>
       <p:bldP spid="55" grpId="0"/>
       <p:bldP spid="6" grpId="0"/>
+      <p:bldP spid="44" grpId="0" animBg="1"/>
     </p:bldLst>
   </p:timing>
 </p:sld>
@@ -24477,6 +25200,166 @@
   <p:clrMapOvr>
     <a:masterClrMapping/>
   </p:clrMapOvr>
+  <p:timing>
+    <p:tnLst>
+      <p:par>
+        <p:cTn id="1" dur="indefinite" restart="never" nodeType="tmRoot">
+          <p:childTnLst>
+            <p:seq concurrent="1" nextAc="seek">
+              <p:cTn id="2" dur="indefinite" nodeType="mainSeq">
+                <p:childTnLst>
+                  <p:par>
+                    <p:cTn id="3" fill="hold">
+                      <p:stCondLst>
+                        <p:cond delay="indefinite"/>
+                      </p:stCondLst>
+                      <p:childTnLst>
+                        <p:par>
+                          <p:cTn id="4" fill="hold">
+                            <p:stCondLst>
+                              <p:cond delay="0"/>
+                            </p:stCondLst>
+                            <p:childTnLst>
+                              <p:par>
+                                <p:cTn id="5" presetID="1" presetClass="entr" presetSubtype="0" fill="hold" grpId="0" nodeType="clickEffect">
+                                  <p:stCondLst>
+                                    <p:cond delay="0"/>
+                                  </p:stCondLst>
+                                  <p:childTnLst>
+                                    <p:set>
+                                      <p:cBhvr>
+                                        <p:cTn id="6" dur="1" fill="hold">
+                                          <p:stCondLst>
+                                            <p:cond delay="0"/>
+                                          </p:stCondLst>
+                                        </p:cTn>
+                                        <p:tgtEl>
+                                          <p:spTgt spid="5"/>
+                                        </p:tgtEl>
+                                        <p:attrNameLst>
+                                          <p:attrName>style.visibility</p:attrName>
+                                        </p:attrNameLst>
+                                      </p:cBhvr>
+                                      <p:to>
+                                        <p:strVal val="visible"/>
+                                      </p:to>
+                                    </p:set>
+                                  </p:childTnLst>
+                                </p:cTn>
+                              </p:par>
+                            </p:childTnLst>
+                          </p:cTn>
+                        </p:par>
+                      </p:childTnLst>
+                    </p:cTn>
+                  </p:par>
+                  <p:par>
+                    <p:cTn id="7" fill="hold">
+                      <p:stCondLst>
+                        <p:cond delay="indefinite"/>
+                      </p:stCondLst>
+                      <p:childTnLst>
+                        <p:par>
+                          <p:cTn id="8" fill="hold">
+                            <p:stCondLst>
+                              <p:cond delay="0"/>
+                            </p:stCondLst>
+                            <p:childTnLst>
+                              <p:par>
+                                <p:cTn id="9" presetID="1" presetClass="entr" presetSubtype="0" fill="hold" grpId="0" nodeType="clickEffect">
+                                  <p:stCondLst>
+                                    <p:cond delay="0"/>
+                                  </p:stCondLst>
+                                  <p:childTnLst>
+                                    <p:set>
+                                      <p:cBhvr>
+                                        <p:cTn id="10" dur="1" fill="hold">
+                                          <p:stCondLst>
+                                            <p:cond delay="0"/>
+                                          </p:stCondLst>
+                                        </p:cTn>
+                                        <p:tgtEl>
+                                          <p:spTgt spid="6"/>
+                                        </p:tgtEl>
+                                        <p:attrNameLst>
+                                          <p:attrName>style.visibility</p:attrName>
+                                        </p:attrNameLst>
+                                      </p:cBhvr>
+                                      <p:to>
+                                        <p:strVal val="visible"/>
+                                      </p:to>
+                                    </p:set>
+                                  </p:childTnLst>
+                                </p:cTn>
+                              </p:par>
+                              <p:par>
+                                <p:cTn id="11" presetID="10" presetClass="entr" presetSubtype="0" fill="hold" grpId="0" nodeType="withEffect">
+                                  <p:stCondLst>
+                                    <p:cond delay="0"/>
+                                  </p:stCondLst>
+                                  <p:childTnLst>
+                                    <p:set>
+                                      <p:cBhvr>
+                                        <p:cTn id="12" dur="1" fill="hold">
+                                          <p:stCondLst>
+                                            <p:cond delay="0"/>
+                                          </p:stCondLst>
+                                        </p:cTn>
+                                        <p:tgtEl>
+                                          <p:spTgt spid="7"/>
+                                        </p:tgtEl>
+                                        <p:attrNameLst>
+                                          <p:attrName>style.visibility</p:attrName>
+                                        </p:attrNameLst>
+                                      </p:cBhvr>
+                                      <p:to>
+                                        <p:strVal val="visible"/>
+                                      </p:to>
+                                    </p:set>
+                                    <p:animEffect transition="in" filter="fade">
+                                      <p:cBhvr>
+                                        <p:cTn id="13" dur="500"/>
+                                        <p:tgtEl>
+                                          <p:spTgt spid="7"/>
+                                        </p:tgtEl>
+                                      </p:cBhvr>
+                                    </p:animEffect>
+                                  </p:childTnLst>
+                                </p:cTn>
+                              </p:par>
+                            </p:childTnLst>
+                          </p:cTn>
+                        </p:par>
+                      </p:childTnLst>
+                    </p:cTn>
+                  </p:par>
+                </p:childTnLst>
+              </p:cTn>
+              <p:prevCondLst>
+                <p:cond evt="onPrev" delay="0">
+                  <p:tgtEl>
+                    <p:sldTgt/>
+                  </p:tgtEl>
+                </p:cond>
+              </p:prevCondLst>
+              <p:nextCondLst>
+                <p:cond evt="onNext" delay="0">
+                  <p:tgtEl>
+                    <p:sldTgt/>
+                  </p:tgtEl>
+                </p:cond>
+              </p:nextCondLst>
+            </p:seq>
+          </p:childTnLst>
+        </p:cTn>
+      </p:par>
+    </p:tnLst>
+    <p:bldLst>
+      <p:bldP spid="5" grpId="0" animBg="1"/>
+      <p:bldP spid="6" grpId="0" animBg="1"/>
+      <p:bldP spid="7" grpId="0" animBg="1"/>
+    </p:bldLst>
+  </p:timing>
 </p:sld>
 </file>
 
@@ -25394,7 +26277,7 @@
         <p:spPr>
           <a:xfrm>
             <a:off x="838199" y="1825624"/>
-            <a:ext cx="11060799" cy="4548771"/>
+            <a:ext cx="10435468" cy="4548771"/>
           </a:xfrm>
         </p:spPr>
         <p:txBody>
@@ -25568,14 +26451,7 @@
           <a:p>
             <a:r>
               <a:rPr lang="en-GB" dirty="0"/>
-              <a:t>Can you add a variable with the name of the file </a:t>
-            </a:r>
-            <a:br>
-              <a:rPr lang="en-GB" dirty="0"/>
-            </a:br>
-            <a:r>
-              <a:rPr lang="en-GB" dirty="0"/>
-              <a:t>and use that to reference it?</a:t>
+              <a:t>Can you add a variable with the name of the file and use that to reference it?</a:t>
             </a:r>
           </a:p>
           <a:p>
@@ -26489,10 +27365,10 @@
       </p:grpSpPr>
       <p:sp>
         <p:nvSpPr>
-          <p:cNvPr id="2" name="Titel 1">
+          <p:cNvPr id="2" name="Title 1">
             <a:extLst>
               <a:ext uri="{FF2B5EF4-FFF2-40B4-BE49-F238E27FC236}">
-                <a16:creationId xmlns:a16="http://schemas.microsoft.com/office/drawing/2014/main" id="{C9B9EEED-95C7-4E0A-A6C4-175591825244}"/>
+                <a16:creationId xmlns:a16="http://schemas.microsoft.com/office/drawing/2014/main" id="{5932F04C-64E6-4073-BD78-F756A1AF117C}"/>
               </a:ext>
             </a:extLst>
           </p:cNvPr>
@@ -26505,8 +27381,8 @@
         </p:nvSpPr>
         <p:spPr>
           <a:xfrm>
-            <a:off x="226322" y="137787"/>
-            <a:ext cx="10515600" cy="1033397"/>
+            <a:off x="437367" y="89552"/>
+            <a:ext cx="10515600" cy="1325563"/>
           </a:xfrm>
         </p:spPr>
         <p:txBody>
@@ -26515,17 +27391,18 @@
           <a:p>
             <a:r>
               <a:rPr lang="en-US" b="1" dirty="0"/>
-              <a:t>History and status 1</a:t>
-            </a:r>
-          </a:p>
-        </p:txBody>
-      </p:sp>
-      <p:sp>
-        <p:nvSpPr>
-          <p:cNvPr id="3" name="Tijdelijke aanduiding voor inhoud 2">
+              <a:t>Why should I bother?</a:t>
+            </a:r>
+            <a:endParaRPr lang="en-NL" b="1" dirty="0"/>
+          </a:p>
+        </p:txBody>
+      </p:sp>
+      <p:sp>
+        <p:nvSpPr>
+          <p:cNvPr id="3" name="Content Placeholder 2">
             <a:extLst>
               <a:ext uri="{FF2B5EF4-FFF2-40B4-BE49-F238E27FC236}">
-                <a16:creationId xmlns:a16="http://schemas.microsoft.com/office/drawing/2014/main" id="{A68F1236-684E-498D-BA85-B79575DEE565}"/>
+                <a16:creationId xmlns:a16="http://schemas.microsoft.com/office/drawing/2014/main" id="{FF031072-9F3A-4533-98E6-F13BF85D65CC}"/>
               </a:ext>
             </a:extLst>
           </p:cNvPr>
@@ -26538,131 +27415,294 @@
         </p:nvSpPr>
         <p:spPr>
           <a:xfrm>
-            <a:off x="538018" y="1253330"/>
-            <a:ext cx="10515600" cy="5092051"/>
+            <a:off x="806885" y="1656524"/>
+            <a:ext cx="8869471" cy="4351338"/>
           </a:xfrm>
         </p:spPr>
         <p:txBody>
-          <a:bodyPr>
-            <a:normAutofit fontScale="92500" lnSpcReduction="10000"/>
-          </a:bodyPr>
+          <a:bodyPr/>
           <a:lstStyle/>
           <a:p>
             <a:r>
               <a:rPr lang="en-US" dirty="0"/>
-              <a:t>V1 (2010) turned out to be </a:t>
+              <a:t>Pipelines are ubiquitous all around us</a:t>
+            </a:r>
+          </a:p>
+          <a:p>
+            <a:r>
+              <a:rPr lang="en-US" dirty="0"/>
+              <a:t>Solve problems with a set of small, sharp tools that combine in many ways</a:t>
             </a:r>
           </a:p>
           <a:p>
             <a:pPr lvl="1"/>
             <a:r>
               <a:rPr lang="en-US" dirty="0"/>
-              <a:t>hard to use and understand</a:t>
-            </a:r>
-          </a:p>
-          <a:p>
-            <a:pPr lvl="1"/>
+              <a:t>Like the UNIX command line</a:t>
+            </a:r>
+          </a:p>
+          <a:p>
             <a:r>
               <a:rPr lang="en-US" dirty="0"/>
-              <a:t>verbose</a:t>
-            </a:r>
-          </a:p>
-          <a:p>
-            <a:pPr lvl="1"/>
+              <a:t>Very natural choice for document processing</a:t>
+            </a:r>
+          </a:p>
+          <a:p>
             <a:r>
               <a:rPr lang="en-US" dirty="0"/>
-              <a:t>Became outdated with respect to underlying standards</a:t>
+              <a:t>Compose small tools into something bigger, pipelines…</a:t>
             </a:r>
           </a:p>
           <a:p>
             <a:r>
               <a:rPr lang="en-US" dirty="0"/>
-              <a:t>V2 Initiative (non-XML) – not enough support	</a:t>
-            </a:r>
-          </a:p>
-          <a:p>
-            <a:pPr lvl="1"/>
-            <a:r>
-              <a:rPr lang="en-US" dirty="0"/>
-              <a:t>And, besides, all the important XML standards used 3.x …</a:t>
-            </a:r>
-          </a:p>
-          <a:p>
-            <a:r>
-              <a:rPr lang="en-US" dirty="0"/>
-              <a:t>V3 Initiative (2016) - W3C Community Group</a:t>
-            </a:r>
-          </a:p>
-          <a:p>
-            <a:pPr lvl="1"/>
-            <a:r>
-              <a:rPr lang="en-US" dirty="0"/>
-              <a:t>Stay close to existing syntax</a:t>
-            </a:r>
-          </a:p>
-          <a:p>
-            <a:pPr lvl="1"/>
-            <a:r>
-              <a:rPr lang="en-US" dirty="0"/>
-              <a:t>Make language more usable, understandable and concise</a:t>
-            </a:r>
-          </a:p>
-          <a:p>
-            <a:pPr lvl="1"/>
-            <a:r>
-              <a:rPr lang="en-US" dirty="0"/>
-              <a:t>Update underlying standards</a:t>
-            </a:r>
-          </a:p>
-          <a:p>
-            <a:pPr lvl="1"/>
-            <a:r>
-              <a:rPr lang="en-US" dirty="0"/>
-              <a:t>Allow other document types to flow through</a:t>
-            </a:r>
-          </a:p>
-          <a:p>
-            <a:pPr lvl="1"/>
-            <a:r>
-              <a:rPr lang="en-US" dirty="0"/>
-              <a:t>Clean up loose ends </a:t>
-            </a:r>
-          </a:p>
-          <a:p>
-            <a:r>
-              <a:rPr lang="en-US" dirty="0"/>
-              <a:t>Editors</a:t>
-            </a:r>
-          </a:p>
-          <a:p>
-            <a:pPr lvl="1"/>
-            <a:r>
-              <a:rPr lang="en-US" dirty="0"/>
-              <a:t>Norman Walsh, Achim </a:t>
-            </a:r>
-            <a:r>
-              <a:rPr lang="en-US" dirty="0" err="1"/>
-              <a:t>Berndzen</a:t>
-            </a:r>
-            <a:r>
-              <a:rPr lang="en-US" dirty="0"/>
-              <a:t>, Gerrit </a:t>
-            </a:r>
-            <a:r>
-              <a:rPr lang="en-US" dirty="0" err="1"/>
-              <a:t>Imsieke</a:t>
-            </a:r>
-            <a:r>
-              <a:rPr lang="en-US" dirty="0"/>
-              <a:t>, Erik Siegel</a:t>
-            </a:r>
-          </a:p>
-        </p:txBody>
-      </p:sp>
+              <a:t>XProc beats the alternatives</a:t>
+            </a:r>
+            <a:endParaRPr lang="en-NL" dirty="0"/>
+          </a:p>
+        </p:txBody>
+      </p:sp>
+      <p:pic>
+        <p:nvPicPr>
+          <p:cNvPr id="7" name="Picture 6" descr="A factory next to a fence&#10;&#10;Description automatically generated">
+            <a:extLst>
+              <a:ext uri="{FF2B5EF4-FFF2-40B4-BE49-F238E27FC236}">
+                <a16:creationId xmlns:a16="http://schemas.microsoft.com/office/drawing/2014/main" id="{5A6F02A3-55AE-406D-9533-E86CE4C49388}"/>
+              </a:ext>
+            </a:extLst>
+          </p:cNvPr>
+          <p:cNvPicPr>
+            <a:picLocks noChangeAspect="1"/>
+          </p:cNvPicPr>
+          <p:nvPr/>
+        </p:nvPicPr>
+        <p:blipFill>
+          <a:blip r:embed="rId2">
+            <a:extLst>
+              <a:ext uri="{28A0092B-C50C-407E-A947-70E740481C1C}">
+                <a14:useLocalDpi xmlns:a14="http://schemas.microsoft.com/office/drawing/2010/main" val="0"/>
+              </a:ext>
+            </a:extLst>
+          </a:blip>
+          <a:stretch>
+            <a:fillRect/>
+          </a:stretch>
+        </p:blipFill>
+        <p:spPr>
+          <a:xfrm>
+            <a:off x="6683913" y="70437"/>
+            <a:ext cx="3270144" cy="1839456"/>
+          </a:xfrm>
+          <a:prstGeom prst="roundRect">
+            <a:avLst>
+              <a:gd name="adj" fmla="val 16667"/>
+            </a:avLst>
+          </a:prstGeom>
+          <a:ln>
+            <a:noFill/>
+          </a:ln>
+          <a:effectLst>
+            <a:outerShdw blurRad="76200" dist="38100" dir="7800000" algn="tl" rotWithShape="0">
+              <a:srgbClr val="000000">
+                <a:alpha val="40000"/>
+              </a:srgbClr>
+            </a:outerShdw>
+          </a:effectLst>
+          <a:scene3d>
+            <a:camera prst="orthographicFront"/>
+            <a:lightRig rig="contrasting" dir="t">
+              <a:rot lat="0" lon="0" rev="4200000"/>
+            </a:lightRig>
+          </a:scene3d>
+          <a:sp3d prstMaterial="plastic">
+            <a:bevelT w="381000" h="114300" prst="relaxedInset"/>
+            <a:contourClr>
+              <a:srgbClr val="969696"/>
+            </a:contourClr>
+          </a:sp3d>
+        </p:spPr>
+      </p:pic>
+      <p:pic>
+        <p:nvPicPr>
+          <p:cNvPr id="1026" name="Picture 2">
+            <a:extLst>
+              <a:ext uri="{FF2B5EF4-FFF2-40B4-BE49-F238E27FC236}">
+                <a16:creationId xmlns:a16="http://schemas.microsoft.com/office/drawing/2014/main" id="{3FE5053B-0583-41D9-8FB2-4432BE4FB7E2}"/>
+              </a:ext>
+            </a:extLst>
+          </p:cNvPr>
+          <p:cNvPicPr>
+            <a:picLocks noChangeAspect="1" noChangeArrowheads="1"/>
+          </p:cNvPicPr>
+          <p:nvPr/>
+        </p:nvPicPr>
+        <p:blipFill>
+          <a:blip r:embed="rId3">
+            <a:extLst>
+              <a:ext uri="{28A0092B-C50C-407E-A947-70E740481C1C}">
+                <a14:useLocalDpi xmlns:a14="http://schemas.microsoft.com/office/drawing/2010/main" val="0"/>
+              </a:ext>
+            </a:extLst>
+          </a:blip>
+          <a:srcRect/>
+          <a:stretch>
+            <a:fillRect/>
+          </a:stretch>
+        </p:blipFill>
+        <p:spPr bwMode="auto">
+          <a:xfrm>
+            <a:off x="9954057" y="1596134"/>
+            <a:ext cx="2170576" cy="1358302"/>
+          </a:xfrm>
+          <a:prstGeom prst="rect">
+            <a:avLst/>
+          </a:prstGeom>
+          <a:noFill/>
+          <a:extLst>
+            <a:ext uri="{909E8E84-426E-40DD-AFC4-6F175D3DCCD1}">
+              <a14:hiddenFill xmlns:a14="http://schemas.microsoft.com/office/drawing/2010/main">
+                <a:solidFill>
+                  <a:srgbClr val="FFFFFF"/>
+                </a:solidFill>
+              </a14:hiddenFill>
+            </a:ext>
+          </a:extLst>
+        </p:spPr>
+      </p:pic>
+      <p:sp>
+        <p:nvSpPr>
+          <p:cNvPr id="8" name="Speech Bubble: Oval 7">
+            <a:extLst>
+              <a:ext uri="{FF2B5EF4-FFF2-40B4-BE49-F238E27FC236}">
+                <a16:creationId xmlns:a16="http://schemas.microsoft.com/office/drawing/2014/main" id="{BBE5BE1E-FB12-471A-88C9-6C5F44060095}"/>
+              </a:ext>
+            </a:extLst>
+          </p:cNvPr>
+          <p:cNvSpPr/>
+          <p:nvPr/>
+        </p:nvSpPr>
+        <p:spPr>
+          <a:xfrm>
+            <a:off x="3720231" y="5505189"/>
+            <a:ext cx="7478038" cy="1213111"/>
+          </a:xfrm>
+          <a:prstGeom prst="wedgeEllipseCallout">
+            <a:avLst>
+              <a:gd name="adj1" fmla="val 55382"/>
+              <a:gd name="adj2" fmla="val 42179"/>
+            </a:avLst>
+          </a:prstGeom>
+        </p:spPr>
+        <p:style>
+          <a:lnRef idx="2">
+            <a:schemeClr val="accent1">
+              <a:shade val="50000"/>
+            </a:schemeClr>
+          </a:lnRef>
+          <a:fillRef idx="1">
+            <a:schemeClr val="accent1"/>
+          </a:fillRef>
+          <a:effectRef idx="0">
+            <a:schemeClr val="accent1"/>
+          </a:effectRef>
+          <a:fontRef idx="minor">
+            <a:schemeClr val="lt1"/>
+          </a:fontRef>
+        </p:style>
+        <p:txBody>
+          <a:bodyPr rtlCol="0" anchor="ctr"/>
+          <a:lstStyle/>
+          <a:p>
+            <a:pPr algn="ctr"/>
+            <a:r>
+              <a:rPr lang="en-US" sz="1600" dirty="0"/>
+              <a:t>A successful example of large-scale application of XProc (1.0) pipelines doing document engineering: </a:t>
+            </a:r>
+          </a:p>
+          <a:p>
+            <a:pPr algn="ctr"/>
+            <a:r>
+              <a:rPr lang="en-US" sz="1600" dirty="0"/>
+              <a:t>https://www.le-tex.de/en/transpect.html</a:t>
+            </a:r>
+            <a:endParaRPr lang="en-NL" sz="1600" dirty="0"/>
+          </a:p>
+        </p:txBody>
+      </p:sp>
+      <p:pic>
+        <p:nvPicPr>
+          <p:cNvPr id="1028" name="Picture 4" descr="Afbeeldingsresultaat voor automotive industry">
+            <a:extLst>
+              <a:ext uri="{FF2B5EF4-FFF2-40B4-BE49-F238E27FC236}">
+                <a16:creationId xmlns:a16="http://schemas.microsoft.com/office/drawing/2014/main" id="{9AED3A8E-A72F-4225-9963-5DFF255EEC9E}"/>
+              </a:ext>
+            </a:extLst>
+          </p:cNvPr>
+          <p:cNvPicPr>
+            <a:picLocks noChangeAspect="1" noChangeArrowheads="1"/>
+          </p:cNvPicPr>
+          <p:nvPr/>
+        </p:nvPicPr>
+        <p:blipFill>
+          <a:blip r:embed="rId4">
+            <a:extLst>
+              <a:ext uri="{28A0092B-C50C-407E-A947-70E740481C1C}">
+                <a14:useLocalDpi xmlns:a14="http://schemas.microsoft.com/office/drawing/2010/main" val="0"/>
+              </a:ext>
+            </a:extLst>
+          </a:blip>
+          <a:srcRect/>
+          <a:stretch>
+            <a:fillRect/>
+          </a:stretch>
+        </p:blipFill>
+        <p:spPr bwMode="auto">
+          <a:xfrm>
+            <a:off x="9344938" y="2990665"/>
+            <a:ext cx="2464301" cy="1642867"/>
+          </a:xfrm>
+          <a:prstGeom prst="roundRect">
+            <a:avLst>
+              <a:gd name="adj" fmla="val 16667"/>
+            </a:avLst>
+          </a:prstGeom>
+          <a:ln>
+            <a:noFill/>
+          </a:ln>
+          <a:effectLst>
+            <a:outerShdw blurRad="76200" dist="38100" dir="7800000" algn="tl" rotWithShape="0">
+              <a:srgbClr val="000000">
+                <a:alpha val="40000"/>
+              </a:srgbClr>
+            </a:outerShdw>
+          </a:effectLst>
+          <a:scene3d>
+            <a:camera prst="orthographicFront"/>
+            <a:lightRig rig="contrasting" dir="t">
+              <a:rot lat="0" lon="0" rev="4200000"/>
+            </a:lightRig>
+          </a:scene3d>
+          <a:sp3d prstMaterial="plastic">
+            <a:bevelT w="381000" h="114300" prst="relaxedInset"/>
+            <a:contourClr>
+              <a:srgbClr val="969696"/>
+            </a:contourClr>
+          </a:sp3d>
+          <a:extLst>
+            <a:ext uri="{909E8E84-426E-40DD-AFC4-6F175D3DCCD1}">
+              <a14:hiddenFill xmlns:a14="http://schemas.microsoft.com/office/drawing/2010/main">
+                <a:solidFill>
+                  <a:srgbClr val="FFFFFF"/>
+                </a:solidFill>
+              </a14:hiddenFill>
+            </a:ext>
+          </a:extLst>
+        </p:spPr>
+      </p:pic>
     </p:spTree>
     <p:extLst>
       <p:ext uri="{BB962C8B-B14F-4D97-AF65-F5344CB8AC3E}">
-        <p14:creationId xmlns:p14="http://schemas.microsoft.com/office/powerpoint/2010/main" val="1116302824"/>
+        <p14:creationId xmlns:p14="http://schemas.microsoft.com/office/powerpoint/2010/main" val="3310173582"/>
       </p:ext>
     </p:extLst>
   </p:cSld>
@@ -27061,38 +28101,80 @@
           <a:lstStyle/>
           <a:p>
             <a:r>
+              <a:rPr lang="en-US" b="1" dirty="0">
+                <a:latin typeface="Courier New" panose="02070309020205020404" pitchFamily="49" charset="0"/>
+                <a:cs typeface="Courier New" panose="02070309020205020404" pitchFamily="49" charset="0"/>
+              </a:rPr>
+              <a:t>p:for-each</a:t>
+            </a:r>
+            <a:r>
               <a:rPr lang="en-US" dirty="0"/>
-              <a:t>p:for-each</a:t>
-            </a:r>
-          </a:p>
-          <a:p>
+              <a:t>: loop over multiple documents or parts of a document</a:t>
+            </a:r>
+          </a:p>
+          <a:p>
+            <a:r>
+              <a:rPr lang="en-US" b="1" dirty="0">
+                <a:latin typeface="Courier New" panose="02070309020205020404" pitchFamily="49" charset="0"/>
+                <a:cs typeface="Courier New" panose="02070309020205020404" pitchFamily="49" charset="0"/>
+              </a:rPr>
+              <a:t>p:choose / p:when / p:otherwise</a:t>
+            </a:r>
             <a:r>
               <a:rPr lang="en-US" dirty="0"/>
-              <a:t>p:choose / p:when / p:otherwise</a:t>
-            </a:r>
-          </a:p>
-          <a:p>
+              <a:t>: Make choices</a:t>
+            </a:r>
+          </a:p>
+          <a:p>
+            <a:r>
+              <a:rPr lang="en-US" b="1" dirty="0">
+                <a:latin typeface="Courier New" panose="02070309020205020404" pitchFamily="49" charset="0"/>
+                <a:cs typeface="Courier New" panose="02070309020205020404" pitchFamily="49" charset="0"/>
+              </a:rPr>
+              <a:t>p:if</a:t>
+            </a:r>
             <a:r>
               <a:rPr lang="en-US" dirty="0"/>
-              <a:t>p:if</a:t>
-            </a:r>
-          </a:p>
-          <a:p>
+              <a:t>: Make a single choice (there is no else)</a:t>
+            </a:r>
+          </a:p>
+          <a:p>
+            <a:r>
+              <a:rPr lang="en-US" b="1" dirty="0">
+                <a:latin typeface="Courier New" panose="02070309020205020404" pitchFamily="49" charset="0"/>
+                <a:cs typeface="Courier New" panose="02070309020205020404" pitchFamily="49" charset="0"/>
+              </a:rPr>
+              <a:t>p:viewport</a:t>
+            </a:r>
             <a:r>
               <a:rPr lang="en-US" dirty="0"/>
-              <a:t>p:viewport</a:t>
-            </a:r>
-          </a:p>
-          <a:p>
+              <a:t>: Work on only a part of a document</a:t>
+            </a:r>
+          </a:p>
+          <a:p>
+            <a:r>
+              <a:rPr lang="en-US" b="1" dirty="0">
+                <a:latin typeface="Courier New" panose="02070309020205020404" pitchFamily="49" charset="0"/>
+                <a:cs typeface="Courier New" panose="02070309020205020404" pitchFamily="49" charset="0"/>
+              </a:rPr>
+              <a:t>p:try / p:cat</a:t>
+            </a:r>
             <a:r>
               <a:rPr lang="en-US" dirty="0"/>
-              <a:t>p:try / p:catch</a:t>
-            </a:r>
-          </a:p>
-          <a:p>
+              <a:t>ch: Error catching and handling</a:t>
+            </a:r>
+          </a:p>
+          <a:p>
+            <a:r>
+              <a:rPr lang="en-US" b="1" dirty="0">
+                <a:latin typeface="Courier New" panose="02070309020205020404" pitchFamily="49" charset="0"/>
+                <a:cs typeface="Courier New" panose="02070309020205020404" pitchFamily="49" charset="0"/>
+              </a:rPr>
+              <a:t>p:group</a:t>
+            </a:r>
             <a:r>
               <a:rPr lang="en-US" dirty="0"/>
-              <a:t>p:group</a:t>
+              <a:t>: Grouping of instructions</a:t>
             </a:r>
           </a:p>
           <a:p>
@@ -28094,6 +29176,176 @@
   <p:clrMapOvr>
     <a:masterClrMapping/>
   </p:clrMapOvr>
+  <p:timing>
+    <p:tnLst>
+      <p:par>
+        <p:cTn id="1" dur="indefinite" restart="never" nodeType="tmRoot">
+          <p:childTnLst>
+            <p:seq concurrent="1" nextAc="seek">
+              <p:cTn id="2" dur="indefinite" nodeType="mainSeq">
+                <p:childTnLst>
+                  <p:par>
+                    <p:cTn id="3" fill="hold">
+                      <p:stCondLst>
+                        <p:cond delay="indefinite"/>
+                      </p:stCondLst>
+                      <p:childTnLst>
+                        <p:par>
+                          <p:cTn id="4" fill="hold">
+                            <p:stCondLst>
+                              <p:cond delay="0"/>
+                            </p:stCondLst>
+                            <p:childTnLst>
+                              <p:par>
+                                <p:cTn id="5" presetID="1" presetClass="entr" presetSubtype="0" fill="hold" grpId="0" nodeType="clickEffect">
+                                  <p:stCondLst>
+                                    <p:cond delay="0"/>
+                                  </p:stCondLst>
+                                  <p:childTnLst>
+                                    <p:set>
+                                      <p:cBhvr>
+                                        <p:cTn id="6" dur="1" fill="hold">
+                                          <p:stCondLst>
+                                            <p:cond delay="0"/>
+                                          </p:stCondLst>
+                                        </p:cTn>
+                                        <p:tgtEl>
+                                          <p:spTgt spid="9"/>
+                                        </p:tgtEl>
+                                        <p:attrNameLst>
+                                          <p:attrName>style.visibility</p:attrName>
+                                        </p:attrNameLst>
+                                      </p:cBhvr>
+                                      <p:to>
+                                        <p:strVal val="visible"/>
+                                      </p:to>
+                                    </p:set>
+                                  </p:childTnLst>
+                                </p:cTn>
+                              </p:par>
+                            </p:childTnLst>
+                          </p:cTn>
+                        </p:par>
+                      </p:childTnLst>
+                    </p:cTn>
+                  </p:par>
+                  <p:par>
+                    <p:cTn id="7" fill="hold">
+                      <p:stCondLst>
+                        <p:cond delay="indefinite"/>
+                      </p:stCondLst>
+                      <p:childTnLst>
+                        <p:par>
+                          <p:cTn id="8" fill="hold">
+                            <p:stCondLst>
+                              <p:cond delay="0"/>
+                            </p:stCondLst>
+                            <p:childTnLst>
+                              <p:par>
+                                <p:cTn id="9" presetID="1" presetClass="entr" presetSubtype="0" fill="hold" grpId="0" nodeType="clickEffect">
+                                  <p:stCondLst>
+                                    <p:cond delay="0"/>
+                                  </p:stCondLst>
+                                  <p:childTnLst>
+                                    <p:set>
+                                      <p:cBhvr>
+                                        <p:cTn id="10" dur="1" fill="hold">
+                                          <p:stCondLst>
+                                            <p:cond delay="0"/>
+                                          </p:stCondLst>
+                                        </p:cTn>
+                                        <p:tgtEl>
+                                          <p:spTgt spid="8"/>
+                                        </p:tgtEl>
+                                        <p:attrNameLst>
+                                          <p:attrName>style.visibility</p:attrName>
+                                        </p:attrNameLst>
+                                      </p:cBhvr>
+                                      <p:to>
+                                        <p:strVal val="visible"/>
+                                      </p:to>
+                                    </p:set>
+                                  </p:childTnLst>
+                                </p:cTn>
+                              </p:par>
+                            </p:childTnLst>
+                          </p:cTn>
+                        </p:par>
+                      </p:childTnLst>
+                    </p:cTn>
+                  </p:par>
+                  <p:par>
+                    <p:cTn id="11" fill="hold">
+                      <p:stCondLst>
+                        <p:cond delay="indefinite"/>
+                      </p:stCondLst>
+                      <p:childTnLst>
+                        <p:par>
+                          <p:cTn id="12" fill="hold">
+                            <p:stCondLst>
+                              <p:cond delay="0"/>
+                            </p:stCondLst>
+                            <p:childTnLst>
+                              <p:par>
+                                <p:cTn id="13" presetID="1" presetClass="entr" presetSubtype="0" fill="hold" grpId="0" nodeType="clickEffect">
+                                  <p:stCondLst>
+                                    <p:cond delay="0"/>
+                                  </p:stCondLst>
+                                  <p:childTnLst>
+                                    <p:set>
+                                      <p:cBhvr>
+                                        <p:cTn id="14" dur="1" fill="hold">
+                                          <p:stCondLst>
+                                            <p:cond delay="0"/>
+                                          </p:stCondLst>
+                                        </p:cTn>
+                                        <p:tgtEl>
+                                          <p:spTgt spid="11"/>
+                                        </p:tgtEl>
+                                        <p:attrNameLst>
+                                          <p:attrName>style.visibility</p:attrName>
+                                        </p:attrNameLst>
+                                      </p:cBhvr>
+                                      <p:to>
+                                        <p:strVal val="visible"/>
+                                      </p:to>
+                                    </p:set>
+                                  </p:childTnLst>
+                                </p:cTn>
+                              </p:par>
+                            </p:childTnLst>
+                          </p:cTn>
+                        </p:par>
+                      </p:childTnLst>
+                    </p:cTn>
+                  </p:par>
+                </p:childTnLst>
+              </p:cTn>
+              <p:prevCondLst>
+                <p:cond evt="onPrev" delay="0">
+                  <p:tgtEl>
+                    <p:sldTgt/>
+                  </p:tgtEl>
+                </p:cond>
+              </p:prevCondLst>
+              <p:nextCondLst>
+                <p:cond evt="onNext" delay="0">
+                  <p:tgtEl>
+                    <p:sldTgt/>
+                  </p:tgtEl>
+                </p:cond>
+              </p:nextCondLst>
+            </p:seq>
+          </p:childTnLst>
+        </p:cTn>
+      </p:par>
+    </p:tnLst>
+    <p:bldLst>
+      <p:bldP spid="8" grpId="0" animBg="1"/>
+      <p:bldP spid="9" grpId="0" animBg="1"/>
+      <p:bldP spid="11" grpId="0" animBg="1"/>
+    </p:bldLst>
+  </p:timing>
 </p:sld>
 </file>
 
@@ -31028,20 +32280,35 @@
             <a:pPr algn="ctr"/>
             <a:r>
               <a:rPr lang="en-US" sz="1600" dirty="0"/>
-              <a:t>Goodbye,</a:t>
+              <a:t>Goodbye!</a:t>
             </a:r>
           </a:p>
           <a:p>
             <a:pPr algn="ctr"/>
             <a:r>
-              <a:rPr lang="en-US" dirty="0"/>
+              <a:rPr lang="en-US" sz="1600" dirty="0"/>
+              <a:t>And remember,</a:t>
+            </a:r>
+          </a:p>
+          <a:p>
+            <a:pPr algn="ctr"/>
+            <a:r>
+              <a:rPr lang="en-US" b="1" i="1" dirty="0"/>
               <a:t>XProc</a:t>
             </a:r>
             <a:r>
-              <a:rPr lang="en-US" sz="1600" dirty="0"/>
-              <a:t> rocks!</a:t>
-            </a:r>
-            <a:endParaRPr lang="en-NL" sz="1600" dirty="0"/>
+              <a:rPr lang="en-US" sz="1600" b="1" i="1" dirty="0"/>
+              <a:t> </a:t>
+            </a:r>
+            <a:r>
+              <a:rPr lang="en-US" b="1" i="1" dirty="0"/>
+              <a:t>rocks…</a:t>
+            </a:r>
+            <a:r>
+              <a:rPr lang="en-US" sz="1600" b="1" i="1" dirty="0"/>
+              <a:t> </a:t>
+            </a:r>
+            <a:endParaRPr lang="en-NL" sz="1600" b="1" i="1" dirty="0"/>
           </a:p>
         </p:txBody>
       </p:sp>
@@ -31148,6 +32415,208 @@
 </file>
 
 <file path=ppt/slides/slide5.xml><?xml version="1.0" encoding="utf-8"?>
+<p:sld xmlns:a="http://schemas.openxmlformats.org/drawingml/2006/main" xmlns:r="http://schemas.openxmlformats.org/officeDocument/2006/relationships" xmlns:p="http://schemas.openxmlformats.org/presentationml/2006/main">
+  <p:cSld>
+    <p:spTree>
+      <p:nvGrpSpPr>
+        <p:cNvPr id="1" name=""/>
+        <p:cNvGrpSpPr/>
+        <p:nvPr/>
+      </p:nvGrpSpPr>
+      <p:grpSpPr>
+        <a:xfrm>
+          <a:off x="0" y="0"/>
+          <a:ext cx="0" cy="0"/>
+          <a:chOff x="0" y="0"/>
+          <a:chExt cx="0" cy="0"/>
+        </a:xfrm>
+      </p:grpSpPr>
+      <p:sp>
+        <p:nvSpPr>
+          <p:cNvPr id="2" name="Titel 1">
+            <a:extLst>
+              <a:ext uri="{FF2B5EF4-FFF2-40B4-BE49-F238E27FC236}">
+                <a16:creationId xmlns:a16="http://schemas.microsoft.com/office/drawing/2014/main" id="{C9B9EEED-95C7-4E0A-A6C4-175591825244}"/>
+              </a:ext>
+            </a:extLst>
+          </p:cNvPr>
+          <p:cNvSpPr>
+            <a:spLocks noGrp="1"/>
+          </p:cNvSpPr>
+          <p:nvPr>
+            <p:ph type="title"/>
+          </p:nvPr>
+        </p:nvSpPr>
+        <p:spPr>
+          <a:xfrm>
+            <a:off x="226322" y="137787"/>
+            <a:ext cx="10515600" cy="1033397"/>
+          </a:xfrm>
+        </p:spPr>
+        <p:txBody>
+          <a:bodyPr/>
+          <a:lstStyle/>
+          <a:p>
+            <a:r>
+              <a:rPr lang="en-US" b="1" dirty="0"/>
+              <a:t>History and status 1</a:t>
+            </a:r>
+          </a:p>
+        </p:txBody>
+      </p:sp>
+      <p:sp>
+        <p:nvSpPr>
+          <p:cNvPr id="3" name="Tijdelijke aanduiding voor inhoud 2">
+            <a:extLst>
+              <a:ext uri="{FF2B5EF4-FFF2-40B4-BE49-F238E27FC236}">
+                <a16:creationId xmlns:a16="http://schemas.microsoft.com/office/drawing/2014/main" id="{A68F1236-684E-498D-BA85-B79575DEE565}"/>
+              </a:ext>
+            </a:extLst>
+          </p:cNvPr>
+          <p:cNvSpPr>
+            <a:spLocks noGrp="1"/>
+          </p:cNvSpPr>
+          <p:nvPr>
+            <p:ph idx="1"/>
+          </p:nvPr>
+        </p:nvSpPr>
+        <p:spPr>
+          <a:xfrm>
+            <a:off x="538018" y="1253330"/>
+            <a:ext cx="10515600" cy="5092051"/>
+          </a:xfrm>
+        </p:spPr>
+        <p:txBody>
+          <a:bodyPr>
+            <a:normAutofit fontScale="92500" lnSpcReduction="10000"/>
+          </a:bodyPr>
+          <a:lstStyle/>
+          <a:p>
+            <a:r>
+              <a:rPr lang="en-US" dirty="0"/>
+              <a:t>V1 (2010) turned out to be </a:t>
+            </a:r>
+          </a:p>
+          <a:p>
+            <a:pPr lvl="1"/>
+            <a:r>
+              <a:rPr lang="en-US" dirty="0"/>
+              <a:t>hard to use and understand</a:t>
+            </a:r>
+          </a:p>
+          <a:p>
+            <a:pPr lvl="1"/>
+            <a:r>
+              <a:rPr lang="en-US" dirty="0"/>
+              <a:t>verbose</a:t>
+            </a:r>
+          </a:p>
+          <a:p>
+            <a:pPr lvl="1"/>
+            <a:r>
+              <a:rPr lang="en-US" dirty="0"/>
+              <a:t>Became outdated with respect to underlying standards</a:t>
+            </a:r>
+          </a:p>
+          <a:p>
+            <a:r>
+              <a:rPr lang="en-US" dirty="0"/>
+              <a:t>V2 Initiative (non-XML) – not enough support	</a:t>
+            </a:r>
+          </a:p>
+          <a:p>
+            <a:pPr lvl="1"/>
+            <a:r>
+              <a:rPr lang="en-US" dirty="0"/>
+              <a:t>And, besides, all the important XML standards used 3.x …</a:t>
+            </a:r>
+          </a:p>
+          <a:p>
+            <a:r>
+              <a:rPr lang="en-US" dirty="0"/>
+              <a:t>V3 Initiative (2016) - W3C Community Group</a:t>
+            </a:r>
+          </a:p>
+          <a:p>
+            <a:pPr lvl="1"/>
+            <a:r>
+              <a:rPr lang="en-US" dirty="0"/>
+              <a:t>Stay close to existing syntax</a:t>
+            </a:r>
+          </a:p>
+          <a:p>
+            <a:pPr lvl="1"/>
+            <a:r>
+              <a:rPr lang="en-US" dirty="0"/>
+              <a:t>Make language more usable, understandable and concise</a:t>
+            </a:r>
+          </a:p>
+          <a:p>
+            <a:pPr lvl="1"/>
+            <a:r>
+              <a:rPr lang="en-US" dirty="0"/>
+              <a:t>Update underlying standards</a:t>
+            </a:r>
+          </a:p>
+          <a:p>
+            <a:pPr lvl="1"/>
+            <a:r>
+              <a:rPr lang="en-US" dirty="0"/>
+              <a:t>Allow other document types to flow through</a:t>
+            </a:r>
+          </a:p>
+          <a:p>
+            <a:pPr lvl="1"/>
+            <a:r>
+              <a:rPr lang="en-US" dirty="0"/>
+              <a:t>Clean up loose ends </a:t>
+            </a:r>
+          </a:p>
+          <a:p>
+            <a:r>
+              <a:rPr lang="en-US" dirty="0"/>
+              <a:t>Editors</a:t>
+            </a:r>
+          </a:p>
+          <a:p>
+            <a:pPr lvl="1"/>
+            <a:r>
+              <a:rPr lang="en-US" dirty="0"/>
+              <a:t>Norman Walsh, Achim </a:t>
+            </a:r>
+            <a:r>
+              <a:rPr lang="en-US" dirty="0" err="1"/>
+              <a:t>Berndzen</a:t>
+            </a:r>
+            <a:r>
+              <a:rPr lang="en-US" dirty="0"/>
+              <a:t>, Gerrit </a:t>
+            </a:r>
+            <a:r>
+              <a:rPr lang="en-US" dirty="0" err="1"/>
+              <a:t>Imsieke</a:t>
+            </a:r>
+            <a:r>
+              <a:rPr lang="en-US" dirty="0"/>
+              <a:t>, Erik Siegel</a:t>
+            </a:r>
+          </a:p>
+        </p:txBody>
+      </p:sp>
+    </p:spTree>
+    <p:extLst>
+      <p:ext uri="{BB962C8B-B14F-4D97-AF65-F5344CB8AC3E}">
+        <p14:creationId xmlns:p14="http://schemas.microsoft.com/office/powerpoint/2010/main" val="1116302824"/>
+      </p:ext>
+    </p:extLst>
+  </p:cSld>
+  <p:clrMapOvr>
+    <a:masterClrMapping/>
+  </p:clrMapOvr>
+</p:sld>
+</file>
+
+<file path=ppt/slides/slide6.xml><?xml version="1.0" encoding="utf-8"?>
 <p:sld xmlns:a="http://schemas.openxmlformats.org/drawingml/2006/main" xmlns:r="http://schemas.openxmlformats.org/officeDocument/2006/relationships" xmlns:p="http://schemas.openxmlformats.org/presentationml/2006/main">
   <p:cSld>
     <p:spTree>
@@ -31743,221 +33212,6 @@
 </p:sld>
 </file>
 
-<file path=ppt/slides/slide6.xml><?xml version="1.0" encoding="utf-8"?>
-<p:sld xmlns:a="http://schemas.openxmlformats.org/drawingml/2006/main" xmlns:r="http://schemas.openxmlformats.org/officeDocument/2006/relationships" xmlns:p="http://schemas.openxmlformats.org/presentationml/2006/main">
-  <p:cSld>
-    <p:spTree>
-      <p:nvGrpSpPr>
-        <p:cNvPr id="1" name=""/>
-        <p:cNvGrpSpPr/>
-        <p:nvPr/>
-      </p:nvGrpSpPr>
-      <p:grpSpPr>
-        <a:xfrm>
-          <a:off x="0" y="0"/>
-          <a:ext cx="0" cy="0"/>
-          <a:chOff x="0" y="0"/>
-          <a:chExt cx="0" cy="0"/>
-        </a:xfrm>
-      </p:grpSpPr>
-      <p:sp>
-        <p:nvSpPr>
-          <p:cNvPr id="2" name="Title 1">
-            <a:extLst>
-              <a:ext uri="{FF2B5EF4-FFF2-40B4-BE49-F238E27FC236}">
-                <a16:creationId xmlns:a16="http://schemas.microsoft.com/office/drawing/2014/main" id="{9C7D9E39-AC31-4065-84F2-01C2DA93A3CD}"/>
-              </a:ext>
-            </a:extLst>
-          </p:cNvPr>
-          <p:cNvSpPr>
-            <a:spLocks noGrp="1"/>
-          </p:cNvSpPr>
-          <p:nvPr>
-            <p:ph type="title"/>
-          </p:nvPr>
-        </p:nvSpPr>
-        <p:spPr>
-          <a:xfrm>
-            <a:off x="838200" y="365126"/>
-            <a:ext cx="10515600" cy="948902"/>
-          </a:xfrm>
-        </p:spPr>
-        <p:txBody>
-          <a:bodyPr/>
-          <a:lstStyle/>
-          <a:p>
-            <a:r>
-              <a:rPr lang="en-US" b="1" dirty="0"/>
-              <a:t>Who Am I?</a:t>
-            </a:r>
-            <a:endParaRPr lang="en-NL" b="1" dirty="0"/>
-          </a:p>
-        </p:txBody>
-      </p:sp>
-      <p:sp>
-        <p:nvSpPr>
-          <p:cNvPr id="3" name="Content Placeholder 2">
-            <a:extLst>
-              <a:ext uri="{FF2B5EF4-FFF2-40B4-BE49-F238E27FC236}">
-                <a16:creationId xmlns:a16="http://schemas.microsoft.com/office/drawing/2014/main" id="{110338D2-8565-4AF9-91CE-CD583FB0EBFE}"/>
-              </a:ext>
-            </a:extLst>
-          </p:cNvPr>
-          <p:cNvSpPr>
-            <a:spLocks noGrp="1"/>
-          </p:cNvSpPr>
-          <p:nvPr>
-            <p:ph idx="1"/>
-          </p:nvPr>
-        </p:nvSpPr>
-        <p:spPr>
-          <a:xfrm>
-            <a:off x="397933" y="1314028"/>
-            <a:ext cx="10515600" cy="4351338"/>
-          </a:xfrm>
-        </p:spPr>
-        <p:txBody>
-          <a:bodyPr>
-            <a:normAutofit fontScale="92500" lnSpcReduction="10000"/>
-          </a:bodyPr>
-          <a:lstStyle/>
-          <a:p>
-            <a:r>
-              <a:rPr lang="en-US" dirty="0"/>
-              <a:t>Erik Siegel</a:t>
-            </a:r>
-          </a:p>
-          <a:p>
-            <a:r>
-              <a:rPr lang="en-US" dirty="0"/>
-              <a:t>Content Engineer and XML specialist</a:t>
-            </a:r>
-          </a:p>
-          <a:p>
-            <a:r>
-              <a:rPr lang="en-US" dirty="0"/>
-              <a:t>One-man company: Xatapult</a:t>
-            </a:r>
-          </a:p>
-          <a:p>
-            <a:pPr lvl="1"/>
-            <a:r>
-              <a:rPr lang="en-US" dirty="0"/>
-              <a:t>Groningen, The Netherlands</a:t>
-            </a:r>
-          </a:p>
-          <a:p>
-            <a:r>
-              <a:rPr lang="en-US" dirty="0"/>
-              <a:t>Customers mostly in publishing and standardization</a:t>
-            </a:r>
-          </a:p>
-          <a:p>
-            <a:r>
-              <a:rPr lang="en-US" dirty="0"/>
-              <a:t>Part of the XProc 3.0 editing committee</a:t>
-            </a:r>
-          </a:p>
-          <a:p>
-            <a:r>
-              <a:rPr lang="en-US" dirty="0"/>
-              <a:t>Contact:</a:t>
-            </a:r>
-          </a:p>
-          <a:p>
-            <a:pPr marL="457200" lvl="1" indent="0">
-              <a:buNone/>
-            </a:pPr>
-            <a:r>
-              <a:rPr lang="en-US" dirty="0">
-                <a:hlinkClick r:id="rId2"/>
-              </a:rPr>
-              <a:t>erik@xatapult.nl</a:t>
-            </a:r>
-            <a:br>
-              <a:rPr lang="en-US" dirty="0"/>
-            </a:br>
-            <a:r>
-              <a:rPr lang="en-US" dirty="0">
-                <a:hlinkClick r:id="rId3"/>
-              </a:rPr>
-              <a:t>www.xatapult.com</a:t>
-            </a:r>
-            <a:br>
-              <a:rPr lang="en-US" dirty="0"/>
-            </a:br>
-            <a:r>
-              <a:rPr lang="nl-NL" dirty="0">
-                <a:hlinkClick r:id="rId4"/>
-              </a:rPr>
-              <a:t>www.linkedin.com/in/esiegel/</a:t>
-            </a:r>
-            <a:br>
-              <a:rPr lang="en-US" dirty="0"/>
-            </a:br>
-            <a:r>
-              <a:rPr lang="en-US" sz="2200" dirty="0"/>
-              <a:t>+31 6 53260792</a:t>
-            </a:r>
-            <a:endParaRPr lang="en-NL" dirty="0"/>
-          </a:p>
-        </p:txBody>
-      </p:sp>
-      <p:pic>
-        <p:nvPicPr>
-          <p:cNvPr id="5" name="Picture 4" descr="A picture containing person, tree, outdoor, plant&#10;&#10;Description automatically generated">
-            <a:extLst>
-              <a:ext uri="{FF2B5EF4-FFF2-40B4-BE49-F238E27FC236}">
-                <a16:creationId xmlns:a16="http://schemas.microsoft.com/office/drawing/2014/main" id="{3FF018FF-B684-4C34-8584-00C9F7DBB523}"/>
-              </a:ext>
-            </a:extLst>
-          </p:cNvPr>
-          <p:cNvPicPr>
-            <a:picLocks noChangeAspect="1"/>
-          </p:cNvPicPr>
-          <p:nvPr/>
-        </p:nvPicPr>
-        <p:blipFill>
-          <a:blip r:embed="rId5">
-            <a:extLst>
-              <a:ext uri="{28A0092B-C50C-407E-A947-70E740481C1C}">
-                <a14:useLocalDpi xmlns:a14="http://schemas.microsoft.com/office/drawing/2010/main" val="0"/>
-              </a:ext>
-            </a:extLst>
-          </a:blip>
-          <a:stretch>
-            <a:fillRect/>
-          </a:stretch>
-        </p:blipFill>
-        <p:spPr>
-          <a:xfrm rot="5400000">
-            <a:off x="7598268" y="901631"/>
-            <a:ext cx="4292039" cy="3219029"/>
-          </a:xfrm>
-          <a:prstGeom prst="rect">
-            <a:avLst/>
-          </a:prstGeom>
-          <a:ln>
-            <a:noFill/>
-          </a:ln>
-          <a:effectLst>
-            <a:softEdge rad="112500"/>
-          </a:effectLst>
-        </p:spPr>
-      </p:pic>
-    </p:spTree>
-    <p:extLst>
-      <p:ext uri="{BB962C8B-B14F-4D97-AF65-F5344CB8AC3E}">
-        <p14:creationId xmlns:p14="http://schemas.microsoft.com/office/powerpoint/2010/main" val="372394686"/>
-      </p:ext>
-    </p:extLst>
-  </p:cSld>
-  <p:clrMapOvr>
-    <a:masterClrMapping/>
-  </p:clrMapOvr>
-</p:sld>
-</file>
-
 <file path=ppt/slides/slide7.xml><?xml version="1.0" encoding="utf-8"?>
 <p:sld xmlns:a="http://schemas.openxmlformats.org/drawingml/2006/main" xmlns:r="http://schemas.openxmlformats.org/officeDocument/2006/relationships" xmlns:p="http://schemas.openxmlformats.org/presentationml/2006/main">
   <p:cSld>
@@ -32099,12 +33353,12 @@
               <a:t>Specification: </a:t>
             </a:r>
             <a:r>
-              <a:rPr lang="en-US" dirty="0">
+              <a:rPr lang="en-US" sz="2800" b="1" dirty="0">
                 <a:hlinkClick r:id="rId6"/>
               </a:rPr>
               <a:t>http://spec.xproc.org</a:t>
             </a:r>
-            <a:endParaRPr lang="en-US" dirty="0"/>
+            <a:endParaRPr lang="en-US" b="1" dirty="0"/>
           </a:p>
           <a:p>
             <a:pPr lvl="1"/>
@@ -32238,6 +33492,62 @@
           </a:p>
         </p:txBody>
       </p:sp>
+      <p:sp>
+        <p:nvSpPr>
+          <p:cNvPr id="5" name="Oval 4">
+            <a:extLst>
+              <a:ext uri="{FF2B5EF4-FFF2-40B4-BE49-F238E27FC236}">
+                <a16:creationId xmlns:a16="http://schemas.microsoft.com/office/drawing/2014/main" id="{500C0B11-8C08-47AD-B619-F9BD9A5DDCAD}"/>
+              </a:ext>
+            </a:extLst>
+          </p:cNvPr>
+          <p:cNvSpPr/>
+          <p:nvPr/>
+        </p:nvSpPr>
+        <p:spPr>
+          <a:xfrm>
+            <a:off x="2331882" y="2819892"/>
+            <a:ext cx="4499571" cy="1120877"/>
+          </a:xfrm>
+          <a:prstGeom prst="ellipse">
+            <a:avLst/>
+          </a:prstGeom>
+          <a:solidFill>
+            <a:srgbClr val="FFFF00">
+              <a:alpha val="32000"/>
+            </a:srgbClr>
+          </a:solidFill>
+          <a:ln w="47625">
+            <a:solidFill>
+              <a:schemeClr val="tx1"/>
+            </a:solidFill>
+          </a:ln>
+        </p:spPr>
+        <p:style>
+          <a:lnRef idx="2">
+            <a:schemeClr val="accent1">
+              <a:shade val="50000"/>
+            </a:schemeClr>
+          </a:lnRef>
+          <a:fillRef idx="1">
+            <a:schemeClr val="accent1"/>
+          </a:fillRef>
+          <a:effectRef idx="0">
+            <a:schemeClr val="accent1"/>
+          </a:effectRef>
+          <a:fontRef idx="minor">
+            <a:schemeClr val="lt1"/>
+          </a:fontRef>
+        </p:style>
+        <p:txBody>
+          <a:bodyPr rtlCol="0" anchor="ctr"/>
+          <a:lstStyle/>
+          <a:p>
+            <a:pPr algn="ctr"/>
+            <a:endParaRPr lang="en-NL"/>
+          </a:p>
+        </p:txBody>
+      </p:sp>
     </p:spTree>
     <p:extLst>
       <p:ext uri="{BB962C8B-B14F-4D97-AF65-F5344CB8AC3E}">
@@ -32248,6 +33558,84 @@
   <p:clrMapOvr>
     <a:masterClrMapping/>
   </p:clrMapOvr>
+  <p:timing>
+    <p:tnLst>
+      <p:par>
+        <p:cTn id="1" dur="indefinite" restart="never" nodeType="tmRoot">
+          <p:childTnLst>
+            <p:seq concurrent="1" nextAc="seek">
+              <p:cTn id="2" dur="indefinite" nodeType="mainSeq">
+                <p:childTnLst>
+                  <p:par>
+                    <p:cTn id="3" fill="hold">
+                      <p:stCondLst>
+                        <p:cond delay="indefinite"/>
+                      </p:stCondLst>
+                      <p:childTnLst>
+                        <p:par>
+                          <p:cTn id="4" fill="hold">
+                            <p:stCondLst>
+                              <p:cond delay="0"/>
+                            </p:stCondLst>
+                            <p:childTnLst>
+                              <p:par>
+                                <p:cTn id="5" presetID="1" presetClass="entr" presetSubtype="0" fill="hold" grpId="0" nodeType="clickEffect">
+                                  <p:stCondLst>
+                                    <p:cond delay="0"/>
+                                  </p:stCondLst>
+                                  <p:childTnLst>
+                                    <p:set>
+                                      <p:cBhvr>
+                                        <p:cTn id="6" dur="1" fill="hold">
+                                          <p:stCondLst>
+                                            <p:cond delay="0"/>
+                                          </p:stCondLst>
+                                        </p:cTn>
+                                        <p:tgtEl>
+                                          <p:spTgt spid="5"/>
+                                        </p:tgtEl>
+                                        <p:attrNameLst>
+                                          <p:attrName>style.visibility</p:attrName>
+                                        </p:attrNameLst>
+                                      </p:cBhvr>
+                                      <p:to>
+                                        <p:strVal val="visible"/>
+                                      </p:to>
+                                    </p:set>
+                                  </p:childTnLst>
+                                </p:cTn>
+                              </p:par>
+                            </p:childTnLst>
+                          </p:cTn>
+                        </p:par>
+                      </p:childTnLst>
+                    </p:cTn>
+                  </p:par>
+                </p:childTnLst>
+              </p:cTn>
+              <p:prevCondLst>
+                <p:cond evt="onPrev" delay="0">
+                  <p:tgtEl>
+                    <p:sldTgt/>
+                  </p:tgtEl>
+                </p:cond>
+              </p:prevCondLst>
+              <p:nextCondLst>
+                <p:cond evt="onNext" delay="0">
+                  <p:tgtEl>
+                    <p:sldTgt/>
+                  </p:tgtEl>
+                </p:cond>
+              </p:nextCondLst>
+            </p:seq>
+          </p:childTnLst>
+        </p:cTn>
+      </p:par>
+    </p:tnLst>
+    <p:bldLst>
+      <p:bldP spid="5" grpId="0" animBg="1"/>
+    </p:bldLst>
+  </p:timing>
 </p:sld>
 </file>
 
@@ -32785,6 +34173,53 @@
           </a:p>
         </p:txBody>
       </p:sp>
+      <p:pic>
+        <p:nvPicPr>
+          <p:cNvPr id="1026" name="Picture 2">
+            <a:extLst>
+              <a:ext uri="{FF2B5EF4-FFF2-40B4-BE49-F238E27FC236}">
+                <a16:creationId xmlns:a16="http://schemas.microsoft.com/office/drawing/2014/main" id="{8E4F4E14-D642-436F-BCD7-8C86DCC1E5E3}"/>
+              </a:ext>
+            </a:extLst>
+          </p:cNvPr>
+          <p:cNvPicPr>
+            <a:picLocks noChangeAspect="1" noChangeArrowheads="1"/>
+          </p:cNvPicPr>
+          <p:nvPr/>
+        </p:nvPicPr>
+        <p:blipFill>
+          <a:blip r:embed="rId2">
+            <a:extLst>
+              <a:ext uri="{28A0092B-C50C-407E-A947-70E740481C1C}">
+                <a14:useLocalDpi xmlns:a14="http://schemas.microsoft.com/office/drawing/2010/main" val="0"/>
+              </a:ext>
+            </a:extLst>
+          </a:blip>
+          <a:srcRect/>
+          <a:stretch>
+            <a:fillRect/>
+          </a:stretch>
+        </p:blipFill>
+        <p:spPr bwMode="auto">
+          <a:xfrm>
+            <a:off x="897562" y="1901681"/>
+            <a:ext cx="2857500" cy="2476500"/>
+          </a:xfrm>
+          <a:prstGeom prst="rect">
+            <a:avLst/>
+          </a:prstGeom>
+          <a:noFill/>
+          <a:extLst>
+            <a:ext uri="{909E8E84-426E-40DD-AFC4-6F175D3DCCD1}">
+              <a14:hiddenFill xmlns:a14="http://schemas.microsoft.com/office/drawing/2010/main">
+                <a:solidFill>
+                  <a:srgbClr val="FFFFFF"/>
+                </a:solidFill>
+              </a14:hiddenFill>
+            </a:ext>
+          </a:extLst>
+        </p:spPr>
+      </p:pic>
     </p:spTree>
     <p:extLst>
       <p:ext uri="{BB962C8B-B14F-4D97-AF65-F5344CB8AC3E}">

--- a/presentation/Introduction to XProc 3.0.pptx
+++ b/presentation/Introduction to XProc 3.0.pptx
@@ -5,10 +5,10 @@
     <p:sldMasterId id="2147483648" r:id="rId1"/>
   </p:sldMasterIdLst>
   <p:notesMasterIdLst>
-    <p:notesMasterId r:id="rId51"/>
+    <p:notesMasterId r:id="rId53"/>
   </p:notesMasterIdLst>
   <p:handoutMasterIdLst>
-    <p:handoutMasterId r:id="rId52"/>
+    <p:handoutMasterId r:id="rId54"/>
   </p:handoutMasterIdLst>
   <p:sldIdLst>
     <p:sldId id="256" r:id="rId2"/>
@@ -47,19 +47,21 @@
     <p:sldId id="315" r:id="rId35"/>
     <p:sldId id="316" r:id="rId36"/>
     <p:sldId id="317" r:id="rId37"/>
-    <p:sldId id="318" r:id="rId38"/>
-    <p:sldId id="319" r:id="rId39"/>
-    <p:sldId id="279" r:id="rId40"/>
-    <p:sldId id="331" r:id="rId41"/>
-    <p:sldId id="322" r:id="rId42"/>
-    <p:sldId id="324" r:id="rId43"/>
-    <p:sldId id="323" r:id="rId44"/>
-    <p:sldId id="325" r:id="rId45"/>
-    <p:sldId id="326" r:id="rId46"/>
-    <p:sldId id="329" r:id="rId47"/>
-    <p:sldId id="327" r:id="rId48"/>
-    <p:sldId id="328" r:id="rId49"/>
-    <p:sldId id="330" r:id="rId50"/>
+    <p:sldId id="332" r:id="rId38"/>
+    <p:sldId id="318" r:id="rId39"/>
+    <p:sldId id="319" r:id="rId40"/>
+    <p:sldId id="333" r:id="rId41"/>
+    <p:sldId id="279" r:id="rId42"/>
+    <p:sldId id="331" r:id="rId43"/>
+    <p:sldId id="322" r:id="rId44"/>
+    <p:sldId id="324" r:id="rId45"/>
+    <p:sldId id="323" r:id="rId46"/>
+    <p:sldId id="325" r:id="rId47"/>
+    <p:sldId id="326" r:id="rId48"/>
+    <p:sldId id="329" r:id="rId49"/>
+    <p:sldId id="327" r:id="rId50"/>
+    <p:sldId id="328" r:id="rId51"/>
+    <p:sldId id="330" r:id="rId52"/>
   </p:sldIdLst>
   <p:sldSz cx="12192000" cy="6858000"/>
   <p:notesSz cx="6858000" cy="9144000"/>
@@ -263,7 +265,7 @@
           <a:p>
             <a:fld id="{0AAE6376-87C4-4D16-82D1-D37904F930BA}" type="datetimeFigureOut">
               <a:rPr lang="en-NL" smtClean="0"/>
-              <a:t>03/09/2019</a:t>
+              <a:t>18/09/2019</a:t>
             </a:fld>
             <a:endParaRPr lang="en-NL"/>
           </a:p>
@@ -440,7 +442,7 @@
           <a:p>
             <a:fld id="{3FA52A83-AFF0-44B5-B0CB-BF1EF92BF110}" type="datetimeFigureOut">
               <a:rPr lang="en-NL" smtClean="0"/>
-              <a:t>03/09/2019</a:t>
+              <a:t>18/09/2019</a:t>
             </a:fld>
             <a:endParaRPr lang="en-NL"/>
           </a:p>
@@ -1874,7 +1876,7 @@
     </p:spTree>
     <p:extLst>
       <p:ext uri="{BB962C8B-B14F-4D97-AF65-F5344CB8AC3E}">
-        <p14:creationId xmlns:p14="http://schemas.microsoft.com/office/powerpoint/2010/main" val="2417638270"/>
+        <p14:creationId xmlns:p14="http://schemas.microsoft.com/office/powerpoint/2010/main" val="2705038226"/>
       </p:ext>
     </p:extLst>
   </p:cSld>
@@ -1958,7 +1960,7 @@
     </p:spTree>
     <p:extLst>
       <p:ext uri="{BB962C8B-B14F-4D97-AF65-F5344CB8AC3E}">
-        <p14:creationId xmlns:p14="http://schemas.microsoft.com/office/powerpoint/2010/main" val="569488289"/>
+        <p14:creationId xmlns:p14="http://schemas.microsoft.com/office/powerpoint/2010/main" val="2417638270"/>
       </p:ext>
     </p:extLst>
   </p:cSld>
@@ -2042,7 +2044,7 @@
     </p:spTree>
     <p:extLst>
       <p:ext uri="{BB962C8B-B14F-4D97-AF65-F5344CB8AC3E}">
-        <p14:creationId xmlns:p14="http://schemas.microsoft.com/office/powerpoint/2010/main" val="4190854933"/>
+        <p14:creationId xmlns:p14="http://schemas.microsoft.com/office/powerpoint/2010/main" val="569488289"/>
       </p:ext>
     </p:extLst>
   </p:cSld>
@@ -2126,7 +2128,7 @@
     </p:spTree>
     <p:extLst>
       <p:ext uri="{BB962C8B-B14F-4D97-AF65-F5344CB8AC3E}">
-        <p14:creationId xmlns:p14="http://schemas.microsoft.com/office/powerpoint/2010/main" val="3271088514"/>
+        <p14:creationId xmlns:p14="http://schemas.microsoft.com/office/powerpoint/2010/main" val="4106851198"/>
       </p:ext>
     </p:extLst>
   </p:cSld>
@@ -2201,7 +2203,7 @@
           <a:p>
             <a:fld id="{210C85D1-D769-4E3C-BD67-6FCFE11EFBEA}" type="slidenum">
               <a:rPr lang="en-NL" smtClean="0"/>
-              <a:t>42</a:t>
+              <a:t>41</a:t>
             </a:fld>
             <a:endParaRPr lang="en-NL"/>
           </a:p>
@@ -2210,7 +2212,7 @@
     </p:spTree>
     <p:extLst>
       <p:ext uri="{BB962C8B-B14F-4D97-AF65-F5344CB8AC3E}">
-        <p14:creationId xmlns:p14="http://schemas.microsoft.com/office/powerpoint/2010/main" val="2413318873"/>
+        <p14:creationId xmlns:p14="http://schemas.microsoft.com/office/powerpoint/2010/main" val="4190854933"/>
       </p:ext>
     </p:extLst>
   </p:cSld>
@@ -2285,7 +2287,7 @@
           <a:p>
             <a:fld id="{210C85D1-D769-4E3C-BD67-6FCFE11EFBEA}" type="slidenum">
               <a:rPr lang="en-NL" smtClean="0"/>
-              <a:t>43</a:t>
+              <a:t>42</a:t>
             </a:fld>
             <a:endParaRPr lang="en-NL"/>
           </a:p>
@@ -2294,7 +2296,7 @@
     </p:spTree>
     <p:extLst>
       <p:ext uri="{BB962C8B-B14F-4D97-AF65-F5344CB8AC3E}">
-        <p14:creationId xmlns:p14="http://schemas.microsoft.com/office/powerpoint/2010/main" val="560483706"/>
+        <p14:creationId xmlns:p14="http://schemas.microsoft.com/office/powerpoint/2010/main" val="3271088514"/>
       </p:ext>
     </p:extLst>
   </p:cSld>
@@ -2378,7 +2380,7 @@
     </p:spTree>
     <p:extLst>
       <p:ext uri="{BB962C8B-B14F-4D97-AF65-F5344CB8AC3E}">
-        <p14:creationId xmlns:p14="http://schemas.microsoft.com/office/powerpoint/2010/main" val="1100069351"/>
+        <p14:creationId xmlns:p14="http://schemas.microsoft.com/office/powerpoint/2010/main" val="2413318873"/>
       </p:ext>
     </p:extLst>
   </p:cSld>
@@ -2462,7 +2464,7 @@
     </p:spTree>
     <p:extLst>
       <p:ext uri="{BB962C8B-B14F-4D97-AF65-F5344CB8AC3E}">
-        <p14:creationId xmlns:p14="http://schemas.microsoft.com/office/powerpoint/2010/main" val="1715813653"/>
+        <p14:creationId xmlns:p14="http://schemas.microsoft.com/office/powerpoint/2010/main" val="560483706"/>
       </p:ext>
     </p:extLst>
   </p:cSld>
@@ -2537,7 +2539,7 @@
           <a:p>
             <a:fld id="{210C85D1-D769-4E3C-BD67-6FCFE11EFBEA}" type="slidenum">
               <a:rPr lang="en-NL" smtClean="0"/>
-              <a:t>47</a:t>
+              <a:t>46</a:t>
             </a:fld>
             <a:endParaRPr lang="en-NL"/>
           </a:p>
@@ -2546,7 +2548,7 @@
     </p:spTree>
     <p:extLst>
       <p:ext uri="{BB962C8B-B14F-4D97-AF65-F5344CB8AC3E}">
-        <p14:creationId xmlns:p14="http://schemas.microsoft.com/office/powerpoint/2010/main" val="3065958474"/>
+        <p14:creationId xmlns:p14="http://schemas.microsoft.com/office/powerpoint/2010/main" val="1100069351"/>
       </p:ext>
     </p:extLst>
   </p:cSld>
@@ -2705,7 +2707,175 @@
           <a:p>
             <a:fld id="{210C85D1-D769-4E3C-BD67-6FCFE11EFBEA}" type="slidenum">
               <a:rPr lang="en-NL" smtClean="0"/>
-              <a:t>48</a:t>
+              <a:t>47</a:t>
+            </a:fld>
+            <a:endParaRPr lang="en-NL"/>
+          </a:p>
+        </p:txBody>
+      </p:sp>
+    </p:spTree>
+    <p:extLst>
+      <p:ext uri="{BB962C8B-B14F-4D97-AF65-F5344CB8AC3E}">
+        <p14:creationId xmlns:p14="http://schemas.microsoft.com/office/powerpoint/2010/main" val="1715813653"/>
+      </p:ext>
+    </p:extLst>
+  </p:cSld>
+  <p:clrMapOvr>
+    <a:masterClrMapping/>
+  </p:clrMapOvr>
+</p:notes>
+</file>
+
+<file path=ppt/notesSlides/notesSlide31.xml><?xml version="1.0" encoding="utf-8"?>
+<p:notes xmlns:a="http://schemas.openxmlformats.org/drawingml/2006/main" xmlns:r="http://schemas.openxmlformats.org/officeDocument/2006/relationships" xmlns:p="http://schemas.openxmlformats.org/presentationml/2006/main">
+  <p:cSld>
+    <p:spTree>
+      <p:nvGrpSpPr>
+        <p:cNvPr id="1" name=""/>
+        <p:cNvGrpSpPr/>
+        <p:nvPr/>
+      </p:nvGrpSpPr>
+      <p:grpSpPr>
+        <a:xfrm>
+          <a:off x="0" y="0"/>
+          <a:ext cx="0" cy="0"/>
+          <a:chOff x="0" y="0"/>
+          <a:chExt cx="0" cy="0"/>
+        </a:xfrm>
+      </p:grpSpPr>
+      <p:sp>
+        <p:nvSpPr>
+          <p:cNvPr id="2" name="Slide Image Placeholder 1"/>
+          <p:cNvSpPr>
+            <a:spLocks noGrp="1" noRot="1" noChangeAspect="1"/>
+          </p:cNvSpPr>
+          <p:nvPr>
+            <p:ph type="sldImg"/>
+          </p:nvPr>
+        </p:nvSpPr>
+        <p:spPr/>
+      </p:sp>
+      <p:sp>
+        <p:nvSpPr>
+          <p:cNvPr id="3" name="Notes Placeholder 2"/>
+          <p:cNvSpPr>
+            <a:spLocks noGrp="1"/>
+          </p:cNvSpPr>
+          <p:nvPr>
+            <p:ph type="body" idx="1"/>
+          </p:nvPr>
+        </p:nvSpPr>
+        <p:spPr/>
+        <p:txBody>
+          <a:bodyPr/>
+          <a:lstStyle/>
+          <a:p>
+            <a:endParaRPr lang="en-NL" dirty="0"/>
+          </a:p>
+        </p:txBody>
+      </p:sp>
+      <p:sp>
+        <p:nvSpPr>
+          <p:cNvPr id="4" name="Slide Number Placeholder 3"/>
+          <p:cNvSpPr>
+            <a:spLocks noGrp="1"/>
+          </p:cNvSpPr>
+          <p:nvPr>
+            <p:ph type="sldNum" sz="quarter" idx="5"/>
+          </p:nvPr>
+        </p:nvSpPr>
+        <p:spPr/>
+        <p:txBody>
+          <a:bodyPr/>
+          <a:lstStyle/>
+          <a:p>
+            <a:fld id="{210C85D1-D769-4E3C-BD67-6FCFE11EFBEA}" type="slidenum">
+              <a:rPr lang="en-NL" smtClean="0"/>
+              <a:t>49</a:t>
+            </a:fld>
+            <a:endParaRPr lang="en-NL"/>
+          </a:p>
+        </p:txBody>
+      </p:sp>
+    </p:spTree>
+    <p:extLst>
+      <p:ext uri="{BB962C8B-B14F-4D97-AF65-F5344CB8AC3E}">
+        <p14:creationId xmlns:p14="http://schemas.microsoft.com/office/powerpoint/2010/main" val="3065958474"/>
+      </p:ext>
+    </p:extLst>
+  </p:cSld>
+  <p:clrMapOvr>
+    <a:masterClrMapping/>
+  </p:clrMapOvr>
+</p:notes>
+</file>
+
+<file path=ppt/notesSlides/notesSlide32.xml><?xml version="1.0" encoding="utf-8"?>
+<p:notes xmlns:a="http://schemas.openxmlformats.org/drawingml/2006/main" xmlns:r="http://schemas.openxmlformats.org/officeDocument/2006/relationships" xmlns:p="http://schemas.openxmlformats.org/presentationml/2006/main">
+  <p:cSld>
+    <p:spTree>
+      <p:nvGrpSpPr>
+        <p:cNvPr id="1" name=""/>
+        <p:cNvGrpSpPr/>
+        <p:nvPr/>
+      </p:nvGrpSpPr>
+      <p:grpSpPr>
+        <a:xfrm>
+          <a:off x="0" y="0"/>
+          <a:ext cx="0" cy="0"/>
+          <a:chOff x="0" y="0"/>
+          <a:chExt cx="0" cy="0"/>
+        </a:xfrm>
+      </p:grpSpPr>
+      <p:sp>
+        <p:nvSpPr>
+          <p:cNvPr id="2" name="Slide Image Placeholder 1"/>
+          <p:cNvSpPr>
+            <a:spLocks noGrp="1" noRot="1" noChangeAspect="1"/>
+          </p:cNvSpPr>
+          <p:nvPr>
+            <p:ph type="sldImg"/>
+          </p:nvPr>
+        </p:nvSpPr>
+        <p:spPr/>
+      </p:sp>
+      <p:sp>
+        <p:nvSpPr>
+          <p:cNvPr id="3" name="Notes Placeholder 2"/>
+          <p:cNvSpPr>
+            <a:spLocks noGrp="1"/>
+          </p:cNvSpPr>
+          <p:nvPr>
+            <p:ph type="body" idx="1"/>
+          </p:nvPr>
+        </p:nvSpPr>
+        <p:spPr/>
+        <p:txBody>
+          <a:bodyPr/>
+          <a:lstStyle/>
+          <a:p>
+            <a:endParaRPr lang="en-NL" dirty="0"/>
+          </a:p>
+        </p:txBody>
+      </p:sp>
+      <p:sp>
+        <p:nvSpPr>
+          <p:cNvPr id="4" name="Slide Number Placeholder 3"/>
+          <p:cNvSpPr>
+            <a:spLocks noGrp="1"/>
+          </p:cNvSpPr>
+          <p:nvPr>
+            <p:ph type="sldNum" sz="quarter" idx="5"/>
+          </p:nvPr>
+        </p:nvSpPr>
+        <p:spPr/>
+        <p:txBody>
+          <a:bodyPr/>
+          <a:lstStyle/>
+          <a:p>
+            <a:fld id="{210C85D1-D769-4E3C-BD67-6FCFE11EFBEA}" type="slidenum">
+              <a:rPr lang="en-NL" smtClean="0"/>
+              <a:t>50</a:t>
             </a:fld>
             <a:endParaRPr lang="en-NL"/>
           </a:p>
@@ -3377,7 +3547,7 @@
           <a:p>
             <a:fld id="{9446F294-FC6D-4658-8D72-6C175CC4BEDF}" type="datetimeFigureOut">
               <a:rPr lang="en-US" smtClean="0"/>
-              <a:t>9/3/2019</a:t>
+              <a:t>9/18/2019</a:t>
             </a:fld>
             <a:endParaRPr lang="en-US"/>
           </a:p>
@@ -3577,7 +3747,7 @@
           <a:p>
             <a:fld id="{9446F294-FC6D-4658-8D72-6C175CC4BEDF}" type="datetimeFigureOut">
               <a:rPr lang="en-US" smtClean="0"/>
-              <a:t>9/3/2019</a:t>
+              <a:t>9/18/2019</a:t>
             </a:fld>
             <a:endParaRPr lang="en-US"/>
           </a:p>
@@ -3787,7 +3957,7 @@
           <a:p>
             <a:fld id="{9446F294-FC6D-4658-8D72-6C175CC4BEDF}" type="datetimeFigureOut">
               <a:rPr lang="en-US" smtClean="0"/>
-              <a:t>9/3/2019</a:t>
+              <a:t>9/18/2019</a:t>
             </a:fld>
             <a:endParaRPr lang="en-US"/>
           </a:p>
@@ -3987,7 +4157,7 @@
           <a:p>
             <a:fld id="{9446F294-FC6D-4658-8D72-6C175CC4BEDF}" type="datetimeFigureOut">
               <a:rPr lang="en-US" smtClean="0"/>
-              <a:t>9/3/2019</a:t>
+              <a:t>9/18/2019</a:t>
             </a:fld>
             <a:endParaRPr lang="en-US"/>
           </a:p>
@@ -4263,7 +4433,7 @@
           <a:p>
             <a:fld id="{9446F294-FC6D-4658-8D72-6C175CC4BEDF}" type="datetimeFigureOut">
               <a:rPr lang="en-US" smtClean="0"/>
-              <a:t>9/3/2019</a:t>
+              <a:t>9/18/2019</a:t>
             </a:fld>
             <a:endParaRPr lang="en-US"/>
           </a:p>
@@ -4531,7 +4701,7 @@
           <a:p>
             <a:fld id="{9446F294-FC6D-4658-8D72-6C175CC4BEDF}" type="datetimeFigureOut">
               <a:rPr lang="en-US" smtClean="0"/>
-              <a:t>9/3/2019</a:t>
+              <a:t>9/18/2019</a:t>
             </a:fld>
             <a:endParaRPr lang="en-US"/>
           </a:p>
@@ -4946,7 +5116,7 @@
           <a:p>
             <a:fld id="{9446F294-FC6D-4658-8D72-6C175CC4BEDF}" type="datetimeFigureOut">
               <a:rPr lang="en-US" smtClean="0"/>
-              <a:t>9/3/2019</a:t>
+              <a:t>9/18/2019</a:t>
             </a:fld>
             <a:endParaRPr lang="en-US"/>
           </a:p>
@@ -5088,7 +5258,7 @@
           <a:p>
             <a:fld id="{9446F294-FC6D-4658-8D72-6C175CC4BEDF}" type="datetimeFigureOut">
               <a:rPr lang="en-US" smtClean="0"/>
-              <a:t>9/3/2019</a:t>
+              <a:t>9/18/2019</a:t>
             </a:fld>
             <a:endParaRPr lang="en-US"/>
           </a:p>
@@ -5201,7 +5371,7 @@
           <a:p>
             <a:fld id="{9446F294-FC6D-4658-8D72-6C175CC4BEDF}" type="datetimeFigureOut">
               <a:rPr lang="en-US" smtClean="0"/>
-              <a:t>9/3/2019</a:t>
+              <a:t>9/18/2019</a:t>
             </a:fld>
             <a:endParaRPr lang="en-US"/>
           </a:p>
@@ -5514,7 +5684,7 @@
           <a:p>
             <a:fld id="{9446F294-FC6D-4658-8D72-6C175CC4BEDF}" type="datetimeFigureOut">
               <a:rPr lang="en-US" smtClean="0"/>
-              <a:t>9/3/2019</a:t>
+              <a:t>9/18/2019</a:t>
             </a:fld>
             <a:endParaRPr lang="en-US"/>
           </a:p>
@@ -5803,7 +5973,7 @@
           <a:p>
             <a:fld id="{9446F294-FC6D-4658-8D72-6C175CC4BEDF}" type="datetimeFigureOut">
               <a:rPr lang="en-US" smtClean="0"/>
-              <a:t>9/3/2019</a:t>
+              <a:t>9/18/2019</a:t>
             </a:fld>
             <a:endParaRPr lang="en-US"/>
           </a:p>
@@ -6046,7 +6216,7 @@
           <a:p>
             <a:fld id="{9446F294-FC6D-4658-8D72-6C175CC4BEDF}" type="datetimeFigureOut">
               <a:rPr lang="en-US" smtClean="0"/>
-              <a:t>9/3/2019</a:t>
+              <a:t>9/18/2019</a:t>
             </a:fld>
             <a:endParaRPr lang="en-US"/>
           </a:p>
@@ -6560,7 +6730,7 @@
         </p:blipFill>
         <p:spPr>
           <a:xfrm>
-            <a:off x="5455005" y="2248597"/>
+            <a:off x="5751520" y="1671631"/>
             <a:ext cx="5698320" cy="3986040"/>
           </a:xfrm>
           <a:prstGeom prst="rect">
@@ -6587,8 +6757,8 @@
           </a:xfrm>
           <a:prstGeom prst="wedgeEllipseCallout">
             <a:avLst>
-              <a:gd name="adj1" fmla="val 53371"/>
-              <a:gd name="adj2" fmla="val 91343"/>
+              <a:gd name="adj1" fmla="val 58071"/>
+              <a:gd name="adj2" fmla="val 61518"/>
             </a:avLst>
           </a:prstGeom>
         </p:spPr>
@@ -6624,6 +6794,253 @@
               <a:rPr lang="en-US" dirty="0"/>
               <a:t>September 26-29 2019, Berlin</a:t>
             </a:r>
+            <a:endParaRPr lang="en-NL" dirty="0"/>
+          </a:p>
+        </p:txBody>
+      </p:sp>
+      <p:sp>
+        <p:nvSpPr>
+          <p:cNvPr id="4" name="TextBox 3">
+            <a:extLst>
+              <a:ext uri="{FF2B5EF4-FFF2-40B4-BE49-F238E27FC236}">
+                <a16:creationId xmlns:a16="http://schemas.microsoft.com/office/drawing/2014/main" id="{DCDD625E-D54E-4A39-9811-DEFB80395E6A}"/>
+              </a:ext>
+            </a:extLst>
+          </p:cNvPr>
+          <p:cNvSpPr txBox="1"/>
+          <p:nvPr/>
+        </p:nvSpPr>
+        <p:spPr>
+          <a:xfrm>
+            <a:off x="253781" y="5535907"/>
+            <a:ext cx="10139562" cy="1200329"/>
+          </a:xfrm>
+          <a:prstGeom prst="rect">
+            <a:avLst/>
+          </a:prstGeom>
+        </p:spPr>
+        <p:style>
+          <a:lnRef idx="2">
+            <a:schemeClr val="accent1">
+              <a:shade val="50000"/>
+            </a:schemeClr>
+          </a:lnRef>
+          <a:fillRef idx="1">
+            <a:schemeClr val="accent1"/>
+          </a:fillRef>
+          <a:effectRef idx="0">
+            <a:schemeClr val="accent1"/>
+          </a:effectRef>
+          <a:fontRef idx="minor">
+            <a:schemeClr val="lt1"/>
+          </a:fontRef>
+        </p:style>
+        <p:txBody>
+          <a:bodyPr rtlCol="0" anchor="ctr"/>
+          <a:lstStyle>
+            <a:defPPr>
+              <a:defRPr lang="en-US"/>
+            </a:defPPr>
+            <a:lvl1pPr algn="ctr">
+              <a:defRPr>
+                <a:solidFill>
+                  <a:schemeClr val="lt1"/>
+                </a:solidFill>
+              </a:defRPr>
+            </a:lvl1pPr>
+            <a:lvl2pPr>
+              <a:defRPr>
+                <a:solidFill>
+                  <a:schemeClr val="lt1"/>
+                </a:solidFill>
+              </a:defRPr>
+            </a:lvl2pPr>
+            <a:lvl3pPr>
+              <a:defRPr>
+                <a:solidFill>
+                  <a:schemeClr val="lt1"/>
+                </a:solidFill>
+              </a:defRPr>
+            </a:lvl3pPr>
+            <a:lvl4pPr>
+              <a:defRPr>
+                <a:solidFill>
+                  <a:schemeClr val="lt1"/>
+                </a:solidFill>
+              </a:defRPr>
+            </a:lvl4pPr>
+            <a:lvl5pPr>
+              <a:defRPr>
+                <a:solidFill>
+                  <a:schemeClr val="lt1"/>
+                </a:solidFill>
+              </a:defRPr>
+            </a:lvl5pPr>
+            <a:lvl6pPr>
+              <a:defRPr>
+                <a:solidFill>
+                  <a:schemeClr val="lt1"/>
+                </a:solidFill>
+              </a:defRPr>
+            </a:lvl6pPr>
+            <a:lvl7pPr>
+              <a:defRPr>
+                <a:solidFill>
+                  <a:schemeClr val="lt1"/>
+                </a:solidFill>
+              </a:defRPr>
+            </a:lvl7pPr>
+            <a:lvl8pPr>
+              <a:defRPr>
+                <a:solidFill>
+                  <a:schemeClr val="lt1"/>
+                </a:solidFill>
+              </a:defRPr>
+            </a:lvl8pPr>
+            <a:lvl9pPr>
+              <a:defRPr>
+                <a:solidFill>
+                  <a:schemeClr val="lt1"/>
+                </a:solidFill>
+              </a:defRPr>
+            </a:lvl9pPr>
+          </a:lstStyle>
+          <a:p>
+            <a:pPr algn="l"/>
+            <a:r>
+              <a:rPr lang="en-US" dirty="0"/>
+              <a:t>While waiting, maybe you can:</a:t>
+            </a:r>
+          </a:p>
+          <a:p>
+            <a:pPr marL="285750" indent="-285750" algn="l">
+              <a:buFont typeface="Arial" panose="020B0604020202020204" pitchFamily="34" charset="0"/>
+              <a:buChar char="•"/>
+            </a:pPr>
+            <a:r>
+              <a:rPr lang="en-US" dirty="0"/>
+              <a:t>Install (or check) the Java JRE (1.8.x): </a:t>
+            </a:r>
+            <a:r>
+              <a:rPr lang="nl-NL" dirty="0">
+                <a:solidFill>
+                  <a:schemeClr val="bg1"/>
+                </a:solidFill>
+                <a:hlinkClick r:id="rId4">
+                  <a:extLst>
+                    <a:ext uri="{A12FA001-AC4F-418D-AE19-62706E023703}">
+                      <ahyp:hlinkClr xmlns:ahyp="http://schemas.microsoft.com/office/drawing/2018/hyperlinkcolor" val="tx"/>
+                    </a:ext>
+                  </a:extLst>
+                </a:hlinkClick>
+              </a:rPr>
+              <a:t>https://www.java.com/en/download/</a:t>
+            </a:r>
+            <a:endParaRPr lang="nl-NL" dirty="0">
+              <a:solidFill>
+                <a:schemeClr val="bg1"/>
+              </a:solidFill>
+            </a:endParaRPr>
+          </a:p>
+          <a:p>
+            <a:pPr marL="285750" indent="-285750" algn="l">
+              <a:buFont typeface="Arial" panose="020B0604020202020204" pitchFamily="34" charset="0"/>
+              <a:buChar char="•"/>
+            </a:pPr>
+            <a:r>
+              <a:rPr lang="nl-NL" dirty="0">
+                <a:solidFill>
+                  <a:schemeClr val="bg1"/>
+                </a:solidFill>
+              </a:rPr>
+              <a:t>Download </a:t>
+            </a:r>
+            <a:r>
+              <a:rPr lang="nl-NL" dirty="0" err="1">
+                <a:solidFill>
+                  <a:schemeClr val="bg1"/>
+                </a:solidFill>
+              </a:rPr>
+              <a:t>and</a:t>
+            </a:r>
+            <a:r>
+              <a:rPr lang="nl-NL" dirty="0">
+                <a:solidFill>
+                  <a:schemeClr val="bg1"/>
+                </a:solidFill>
+              </a:rPr>
+              <a:t> </a:t>
+            </a:r>
+            <a:r>
+              <a:rPr lang="nl-NL" dirty="0" err="1">
+                <a:solidFill>
+                  <a:schemeClr val="bg1"/>
+                </a:solidFill>
+              </a:rPr>
+              <a:t>unpack</a:t>
+            </a:r>
+            <a:r>
+              <a:rPr lang="nl-NL" dirty="0">
+                <a:solidFill>
+                  <a:schemeClr val="bg1"/>
+                </a:solidFill>
+              </a:rPr>
+              <a:t> </a:t>
+            </a:r>
+            <a:r>
+              <a:rPr lang="nl-NL" dirty="0" err="1">
+                <a:solidFill>
+                  <a:schemeClr val="bg1"/>
+                </a:solidFill>
+              </a:rPr>
+              <a:t>the</a:t>
+            </a:r>
+            <a:r>
+              <a:rPr lang="nl-NL" dirty="0">
+                <a:solidFill>
+                  <a:schemeClr val="bg1"/>
+                </a:solidFill>
+              </a:rPr>
+              <a:t> course </a:t>
+            </a:r>
+            <a:r>
+              <a:rPr lang="nl-NL" dirty="0" err="1">
+                <a:solidFill>
+                  <a:schemeClr val="bg1"/>
+                </a:solidFill>
+              </a:rPr>
+              <a:t>materials</a:t>
+            </a:r>
+            <a:r>
+              <a:rPr lang="nl-NL" dirty="0">
+                <a:solidFill>
+                  <a:schemeClr val="bg1"/>
+                </a:solidFill>
+              </a:rPr>
+              <a:t>: </a:t>
+            </a:r>
+            <a:r>
+              <a:rPr lang="nl-NL" dirty="0">
+                <a:solidFill>
+                  <a:schemeClr val="bg1"/>
+                </a:solidFill>
+                <a:hlinkClick r:id="rId5">
+                  <a:extLst>
+                    <a:ext uri="{A12FA001-AC4F-418D-AE19-62706E023703}">
+                      <ahyp:hlinkClr xmlns:ahyp="http://schemas.microsoft.com/office/drawing/2018/hyperlinkcolor" val="tx"/>
+                    </a:ext>
+                  </a:extLst>
+                </a:hlinkClick>
+              </a:rPr>
+              <a:t>https://github.com/eriksiegel/DocEng-2019-XProc/releases</a:t>
+            </a:r>
+            <a:endParaRPr lang="nl-NL" dirty="0">
+              <a:solidFill>
+                <a:schemeClr val="bg1"/>
+              </a:solidFill>
+            </a:endParaRPr>
+          </a:p>
+          <a:p>
             <a:endParaRPr lang="en-NL" dirty="0"/>
           </a:p>
         </p:txBody>
@@ -7049,7 +7466,7 @@
         </p:blipFill>
         <p:spPr>
           <a:xfrm>
-            <a:off x="5122701" y="665365"/>
+            <a:off x="6704613" y="833764"/>
             <a:ext cx="2293972" cy="2742020"/>
           </a:xfrm>
           <a:prstGeom prst="rect">
@@ -7661,13 +8078,13 @@
         </p:nvSpPr>
         <p:spPr>
           <a:xfrm>
-            <a:off x="7273905" y="4890564"/>
-            <a:ext cx="4633614" cy="1205435"/>
+            <a:off x="6007608" y="4890564"/>
+            <a:ext cx="5899911" cy="1205435"/>
           </a:xfrm>
           <a:prstGeom prst="wedgeEllipseCallout">
             <a:avLst>
-              <a:gd name="adj1" fmla="val 43516"/>
-              <a:gd name="adj2" fmla="val 87796"/>
+              <a:gd name="adj1" fmla="val 44601"/>
+              <a:gd name="adj2" fmla="val 91589"/>
             </a:avLst>
           </a:prstGeom>
         </p:spPr>
@@ -7694,67 +8111,13 @@
             <a:pPr algn="ctr"/>
             <a:r>
               <a:rPr lang="en-US" dirty="0"/>
-              <a:t>You can specify what types of documents are valid if you write a step of your own</a:t>
+              <a:t>Have a look ate the step specification: http://spec.xproc.org/master/head/steps/#c.add-attribute</a:t>
             </a:r>
             <a:endParaRPr lang="en-NL" dirty="0">
               <a:solidFill>
                 <a:schemeClr val="bg1"/>
               </a:solidFill>
             </a:endParaRPr>
-          </a:p>
-        </p:txBody>
-      </p:sp>
-      <p:sp>
-        <p:nvSpPr>
-          <p:cNvPr id="6" name="TextBox 5">
-            <a:extLst>
-              <a:ext uri="{FF2B5EF4-FFF2-40B4-BE49-F238E27FC236}">
-                <a16:creationId xmlns:a16="http://schemas.microsoft.com/office/drawing/2014/main" id="{27966E09-7CAC-4D47-8AA2-F259F8A69A95}"/>
-              </a:ext>
-            </a:extLst>
-          </p:cNvPr>
-          <p:cNvSpPr txBox="1"/>
-          <p:nvPr/>
-        </p:nvSpPr>
-        <p:spPr>
-          <a:xfrm>
-            <a:off x="8088015" y="542741"/>
-            <a:ext cx="3079464" cy="1200329"/>
-          </a:xfrm>
-          <a:prstGeom prst="rect">
-            <a:avLst/>
-          </a:prstGeom>
-          <a:noFill/>
-        </p:spPr>
-        <p:txBody>
-          <a:bodyPr wrap="square" rtlCol="0">
-            <a:spAutoFit/>
-          </a:bodyPr>
-          <a:lstStyle/>
-          <a:p>
-            <a:r>
-              <a:rPr lang="en-US" dirty="0"/>
-              <a:t>Step specification:</a:t>
-            </a:r>
-            <a:br>
-              <a:rPr lang="en-US" dirty="0"/>
-            </a:br>
-            <a:r>
-              <a:rPr lang="nl-NL" dirty="0">
-                <a:hlinkClick r:id="rId3">
-                  <a:extLst>
-                    <a:ext uri="{A12FA001-AC4F-418D-AE19-62706E023703}">
-                      <ahyp:hlinkClr xmlns:ahyp="http://schemas.microsoft.com/office/drawing/2018/hyperlinkcolor" val="tx"/>
-                    </a:ext>
-                  </a:extLst>
-                </a:hlinkClick>
-              </a:rPr>
-              <a:t>http://spec.xproc.org/master/head/steps/#c.add-attribute</a:t>
-            </a:r>
-            <a:endParaRPr lang="en-NL" dirty="0"/>
-          </a:p>
-          <a:p>
-            <a:endParaRPr lang="en-NL" dirty="0"/>
           </a:p>
         </p:txBody>
       </p:sp>
@@ -9201,6 +9564,60 @@
           </a:p>
         </p:txBody>
       </p:sp>
+      <p:sp>
+        <p:nvSpPr>
+          <p:cNvPr id="7" name="Speech Bubble: Rectangle with Corners Rounded 6">
+            <a:extLst>
+              <a:ext uri="{FF2B5EF4-FFF2-40B4-BE49-F238E27FC236}">
+                <a16:creationId xmlns:a16="http://schemas.microsoft.com/office/drawing/2014/main" id="{540A147F-A51E-4148-9103-075A0C27E8E7}"/>
+              </a:ext>
+            </a:extLst>
+          </p:cNvPr>
+          <p:cNvSpPr/>
+          <p:nvPr/>
+        </p:nvSpPr>
+        <p:spPr>
+          <a:xfrm>
+            <a:off x="281093" y="1301091"/>
+            <a:ext cx="1706880" cy="430424"/>
+          </a:xfrm>
+          <a:prstGeom prst="wedgeRoundRectCallout">
+            <a:avLst>
+              <a:gd name="adj1" fmla="val -20833"/>
+              <a:gd name="adj2" fmla="val 101841"/>
+              <a:gd name="adj3" fmla="val 16667"/>
+            </a:avLst>
+          </a:prstGeom>
+        </p:spPr>
+        <p:style>
+          <a:lnRef idx="2">
+            <a:schemeClr val="accent1">
+              <a:shade val="50000"/>
+            </a:schemeClr>
+          </a:lnRef>
+          <a:fillRef idx="1">
+            <a:schemeClr val="accent1"/>
+          </a:fillRef>
+          <a:effectRef idx="0">
+            <a:schemeClr val="accent1"/>
+          </a:effectRef>
+          <a:fontRef idx="minor">
+            <a:schemeClr val="lt1"/>
+          </a:fontRef>
+        </p:style>
+        <p:txBody>
+          <a:bodyPr rtlCol="0" anchor="ctr"/>
+          <a:lstStyle/>
+          <a:p>
+            <a:pPr algn="ctr"/>
+            <a:r>
+              <a:rPr lang="en-US" sz="1400" dirty="0"/>
+              <a:t>Root p:declare-step element</a:t>
+            </a:r>
+            <a:endParaRPr lang="en-NL" sz="1400" dirty="0"/>
+          </a:p>
+        </p:txBody>
+      </p:sp>
     </p:spTree>
     <p:extLst>
       <p:ext uri="{BB962C8B-B14F-4D97-AF65-F5344CB8AC3E}">
@@ -9245,7 +9662,7 @@
                                           </p:stCondLst>
                                         </p:cTn>
                                         <p:tgtEl>
-                                          <p:spTgt spid="5"/>
+                                          <p:spTgt spid="7"/>
                                         </p:tgtEl>
                                         <p:attrNameLst>
                                           <p:attrName>style.visibility</p:attrName>
@@ -9285,6 +9702,51 @@
                                     <p:set>
                                       <p:cBhvr>
                                         <p:cTn id="10" dur="1" fill="hold">
+                                          <p:stCondLst>
+                                            <p:cond delay="0"/>
+                                          </p:stCondLst>
+                                        </p:cTn>
+                                        <p:tgtEl>
+                                          <p:spTgt spid="5"/>
+                                        </p:tgtEl>
+                                        <p:attrNameLst>
+                                          <p:attrName>style.visibility</p:attrName>
+                                        </p:attrNameLst>
+                                      </p:cBhvr>
+                                      <p:to>
+                                        <p:strVal val="visible"/>
+                                      </p:to>
+                                    </p:set>
+                                  </p:childTnLst>
+                                </p:cTn>
+                              </p:par>
+                            </p:childTnLst>
+                          </p:cTn>
+                        </p:par>
+                      </p:childTnLst>
+                    </p:cTn>
+                  </p:par>
+                  <p:par>
+                    <p:cTn id="11" fill="hold">
+                      <p:stCondLst>
+                        <p:cond delay="indefinite"/>
+                      </p:stCondLst>
+                      <p:childTnLst>
+                        <p:par>
+                          <p:cTn id="12" fill="hold">
+                            <p:stCondLst>
+                              <p:cond delay="0"/>
+                            </p:stCondLst>
+                            <p:childTnLst>
+                              <p:par>
+                                <p:cTn id="13" presetID="1" presetClass="entr" presetSubtype="0" fill="hold" grpId="0" nodeType="clickEffect">
+                                  <p:stCondLst>
+                                    <p:cond delay="0"/>
+                                  </p:stCondLst>
+                                  <p:childTnLst>
+                                    <p:set>
+                                      <p:cBhvr>
+                                        <p:cTn id="14" dur="1" fill="hold">
                                           <p:stCondLst>
                                             <p:cond delay="0"/>
                                           </p:stCondLst>
@@ -9333,6 +9795,7 @@
     <p:bldLst>
       <p:bldP spid="5" grpId="0" animBg="1"/>
       <p:bldP spid="6" grpId="0" animBg="1"/>
+      <p:bldP spid="7" grpId="0" animBg="1"/>
     </p:bldLst>
   </p:timing>
 </p:sld>
@@ -11406,7 +11869,7 @@
                             </p:stCondLst>
                             <p:childTnLst>
                               <p:par>
-                                <p:cTn id="5" presetID="1" presetClass="entr" presetSubtype="0" fill="hold" nodeType="clickEffect">
+                                <p:cTn id="5" presetID="1" presetClass="entr" presetSubtype="0" fill="hold" grpId="0" nodeType="clickEffect">
                                   <p:stCondLst>
                                     <p:cond delay="0"/>
                                   </p:stCondLst>
@@ -11414,6 +11877,86 @@
                                     <p:set>
                                       <p:cBhvr>
                                         <p:cTn id="6" dur="1" fill="hold">
+                                          <p:stCondLst>
+                                            <p:cond delay="0"/>
+                                          </p:stCondLst>
+                                        </p:cTn>
+                                        <p:tgtEl>
+                                          <p:spTgt spid="8"/>
+                                        </p:tgtEl>
+                                        <p:attrNameLst>
+                                          <p:attrName>style.visibility</p:attrName>
+                                        </p:attrNameLst>
+                                      </p:cBhvr>
+                                      <p:to>
+                                        <p:strVal val="visible"/>
+                                      </p:to>
+                                    </p:set>
+                                  </p:childTnLst>
+                                </p:cTn>
+                              </p:par>
+                              <p:par>
+                                <p:cTn id="7" presetID="10" presetClass="entr" presetSubtype="0" fill="hold" grpId="0" nodeType="withEffect">
+                                  <p:stCondLst>
+                                    <p:cond delay="2000"/>
+                                  </p:stCondLst>
+                                  <p:childTnLst>
+                                    <p:set>
+                                      <p:cBhvr>
+                                        <p:cTn id="8" dur="1" fill="hold">
+                                          <p:stCondLst>
+                                            <p:cond delay="0"/>
+                                          </p:stCondLst>
+                                        </p:cTn>
+                                        <p:tgtEl>
+                                          <p:spTgt spid="12"/>
+                                        </p:tgtEl>
+                                        <p:attrNameLst>
+                                          <p:attrName>style.visibility</p:attrName>
+                                        </p:attrNameLst>
+                                      </p:cBhvr>
+                                      <p:to>
+                                        <p:strVal val="visible"/>
+                                      </p:to>
+                                    </p:set>
+                                    <p:animEffect transition="in" filter="fade">
+                                      <p:cBhvr>
+                                        <p:cTn id="9" dur="500"/>
+                                        <p:tgtEl>
+                                          <p:spTgt spid="12"/>
+                                        </p:tgtEl>
+                                      </p:cBhvr>
+                                    </p:animEffect>
+                                  </p:childTnLst>
+                                </p:cTn>
+                              </p:par>
+                            </p:childTnLst>
+                          </p:cTn>
+                        </p:par>
+                      </p:childTnLst>
+                    </p:cTn>
+                  </p:par>
+                  <p:par>
+                    <p:cTn id="10" fill="hold">
+                      <p:stCondLst>
+                        <p:cond delay="indefinite"/>
+                      </p:stCondLst>
+                      <p:childTnLst>
+                        <p:par>
+                          <p:cTn id="11" fill="hold">
+                            <p:stCondLst>
+                              <p:cond delay="0"/>
+                            </p:stCondLst>
+                            <p:childTnLst>
+                              <p:par>
+                                <p:cTn id="12" presetID="1" presetClass="entr" presetSubtype="0" fill="hold" nodeType="clickEffect">
+                                  <p:stCondLst>
+                                    <p:cond delay="0"/>
+                                  </p:stCondLst>
+                                  <p:childTnLst>
+                                    <p:set>
+                                      <p:cBhvr>
+                                        <p:cTn id="13" dur="1" fill="hold">
                                           <p:stCondLst>
                                             <p:cond delay="0"/>
                                           </p:stCondLst>
@@ -11439,26 +11982,26 @@
                     </p:cTn>
                   </p:par>
                   <p:par>
-                    <p:cTn id="7" fill="hold">
+                    <p:cTn id="14" fill="hold">
                       <p:stCondLst>
                         <p:cond delay="indefinite"/>
                       </p:stCondLst>
                       <p:childTnLst>
                         <p:par>
-                          <p:cTn id="8" fill="hold">
+                          <p:cTn id="15" fill="hold">
                             <p:stCondLst>
                               <p:cond delay="0"/>
                             </p:stCondLst>
                             <p:childTnLst>
                               <p:par>
-                                <p:cTn id="9" presetID="1" presetClass="entr" presetSubtype="0" fill="hold" nodeType="clickEffect">
+                                <p:cTn id="16" presetID="1" presetClass="entr" presetSubtype="0" fill="hold" nodeType="clickEffect">
                                   <p:stCondLst>
                                     <p:cond delay="0"/>
                                   </p:stCondLst>
                                   <p:childTnLst>
                                     <p:set>
                                       <p:cBhvr>
-                                        <p:cTn id="10" dur="1" fill="hold">
+                                        <p:cTn id="17" dur="1" fill="hold">
                                           <p:stCondLst>
                                             <p:cond delay="0"/>
                                           </p:stCondLst>
@@ -11504,6 +12047,10 @@
         </p:cTn>
       </p:par>
     </p:tnLst>
+    <p:bldLst>
+      <p:bldP spid="8" grpId="0" animBg="1"/>
+      <p:bldP spid="12" grpId="0" animBg="1"/>
+    </p:bldLst>
   </p:timing>
 </p:sld>
 </file>
@@ -12603,7 +13150,7 @@
                 <a:latin typeface="Courier New" panose="02070309020205020404" pitchFamily="49" charset="0"/>
                 <a:cs typeface="Courier New" panose="02070309020205020404" pitchFamily="49" charset="0"/>
               </a:rPr>
-              <a:t>p:attribute </a:t>
+              <a:t>p:add-attribute </a:t>
             </a:r>
             <a:r>
               <a:rPr lang="en-GB" dirty="0"/>
@@ -12643,7 +13190,7 @@
                 <a:latin typeface="Courier New" panose="02070309020205020404" pitchFamily="49" charset="0"/>
                 <a:cs typeface="Courier New" panose="02070309020205020404" pitchFamily="49" charset="0"/>
               </a:rPr>
-              <a:t>p:attribute </a:t>
+              <a:t>p:add-attribute </a:t>
             </a:r>
             <a:r>
               <a:rPr lang="en-GB" dirty="0"/>
@@ -13729,6 +14276,96 @@
                                           </p:stCondLst>
                                         </p:cTn>
                                         <p:tgtEl>
+                                          <p:spTgt spid="8"/>
+                                        </p:tgtEl>
+                                        <p:attrNameLst>
+                                          <p:attrName>style.visibility</p:attrName>
+                                        </p:attrNameLst>
+                                      </p:cBhvr>
+                                      <p:to>
+                                        <p:strVal val="visible"/>
+                                      </p:to>
+                                    </p:set>
+                                  </p:childTnLst>
+                                </p:cTn>
+                              </p:par>
+                            </p:childTnLst>
+                          </p:cTn>
+                        </p:par>
+                      </p:childTnLst>
+                    </p:cTn>
+                  </p:par>
+                  <p:par>
+                    <p:cTn id="7" fill="hold">
+                      <p:stCondLst>
+                        <p:cond delay="indefinite"/>
+                      </p:stCondLst>
+                      <p:childTnLst>
+                        <p:par>
+                          <p:cTn id="8" fill="hold">
+                            <p:stCondLst>
+                              <p:cond delay="0"/>
+                            </p:stCondLst>
+                            <p:childTnLst>
+                              <p:par>
+                                <p:cTn id="9" presetID="1" presetClass="entr" presetSubtype="0" fill="hold" grpId="0" nodeType="clickEffect">
+                                  <p:stCondLst>
+                                    <p:cond delay="0"/>
+                                  </p:stCondLst>
+                                  <p:childTnLst>
+                                    <p:set>
+                                      <p:cBhvr>
+                                        <p:cTn id="10" dur="1" fill="hold">
+                                          <p:stCondLst>
+                                            <p:cond delay="0"/>
+                                          </p:stCondLst>
+                                        </p:cTn>
+                                        <p:tgtEl>
+                                          <p:spTgt spid="6"/>
+                                        </p:tgtEl>
+                                        <p:attrNameLst>
+                                          <p:attrName>style.visibility</p:attrName>
+                                        </p:attrNameLst>
+                                      </p:cBhvr>
+                                      <p:to>
+                                        <p:strVal val="visible"/>
+                                      </p:to>
+                                    </p:set>
+                                  </p:childTnLst>
+                                </p:cTn>
+                              </p:par>
+                            </p:childTnLst>
+                          </p:cTn>
+                        </p:par>
+                      </p:childTnLst>
+                    </p:cTn>
+                  </p:par>
+                  <p:par>
+                    <p:cTn id="11" fill="hold">
+                      <p:stCondLst>
+                        <p:cond delay="indefinite"/>
+                      </p:stCondLst>
+                      <p:childTnLst>
+                        <p:par>
+                          <p:cTn id="12" fill="hold">
+                            <p:stCondLst>
+                              <p:cond delay="0"/>
+                            </p:stCondLst>
+                            <p:childTnLst>
+                              <p:par>
+                                <p:cTn id="13" presetID="1" presetClass="entr" presetSubtype="0" fill="hold" grpId="0" nodeType="clickEffect">
+                                  <p:stCondLst>
+                                    <p:cond delay="0"/>
+                                  </p:stCondLst>
+                                  <p:childTnLst>
+                                    <p:set>
+                                      <p:cBhvr>
+                                        <p:cTn id="14" dur="1" fill="hold">
+                                          <p:stCondLst>
+                                            <p:cond delay="0"/>
+                                          </p:stCondLst>
+                                        </p:cTn>
+                                        <p:tgtEl>
                                           <p:spTgt spid="7"/>
                                         </p:tgtEl>
                                         <p:attrNameLst>
@@ -13739,6 +14376,41 @@
                                         <p:strVal val="visible"/>
                                       </p:to>
                                     </p:set>
+                                  </p:childTnLst>
+                                </p:cTn>
+                              </p:par>
+                              <p:par>
+                                <p:cTn id="15" presetID="10" presetClass="entr" presetSubtype="0" fill="hold" grpId="0" nodeType="withEffect">
+                                  <p:stCondLst>
+                                    <p:cond delay="2000"/>
+                                  </p:stCondLst>
+                                  <p:childTnLst>
+                                    <p:set>
+                                      <p:cBhvr>
+                                        <p:cTn id="16" dur="1" fill="hold">
+                                          <p:stCondLst>
+                                            <p:cond delay="0"/>
+                                          </p:stCondLst>
+                                        </p:cTn>
+                                        <p:tgtEl>
+                                          <p:spTgt spid="9"/>
+                                        </p:tgtEl>
+                                        <p:attrNameLst>
+                                          <p:attrName>style.visibility</p:attrName>
+                                        </p:attrNameLst>
+                                      </p:cBhvr>
+                                      <p:to>
+                                        <p:strVal val="visible"/>
+                                      </p:to>
+                                    </p:set>
+                                    <p:animEffect transition="in" filter="fade">
+                                      <p:cBhvr>
+                                        <p:cTn id="17" dur="500"/>
+                                        <p:tgtEl>
+                                          <p:spTgt spid="9"/>
+                                        </p:tgtEl>
+                                      </p:cBhvr>
+                                    </p:animEffect>
                                   </p:childTnLst>
                                 </p:cTn>
                               </p:par>
@@ -13770,7 +14442,10 @@
       </p:par>
     </p:tnLst>
     <p:bldLst>
+      <p:bldP spid="8" grpId="0" animBg="1"/>
+      <p:bldP spid="6" grpId="0" animBg="1"/>
       <p:bldP spid="7" grpId="0" animBg="1"/>
+      <p:bldP spid="9" grpId="0" animBg="1"/>
     </p:bldLst>
   </p:timing>
 </p:sld>
@@ -14418,7 +15093,7 @@
                               <p:par>
                                 <p:cTn id="7" presetID="1" presetClass="entr" presetSubtype="0" fill="hold" grpId="0" nodeType="withEffect">
                                   <p:stCondLst>
-                                    <p:cond delay="0"/>
+                                    <p:cond delay="2000"/>
                                   </p:stCondLst>
                                   <p:childTnLst>
                                     <p:set>
@@ -14817,7 +15492,7 @@
                 <a:latin typeface="Courier New" panose="02070309020205020404" pitchFamily="49" charset="0"/>
                 <a:cs typeface="Courier New" panose="02070309020205020404" pitchFamily="49" charset="0"/>
               </a:rPr>
-              <a:t>p:attribute </a:t>
+              <a:t>p:add-attribute </a:t>
             </a:r>
             <a:r>
               <a:rPr lang="en-GB" dirty="0"/>
@@ -14857,7 +15532,7 @@
                 <a:latin typeface="Courier New" panose="02070309020205020404" pitchFamily="49" charset="0"/>
                 <a:cs typeface="Courier New" panose="02070309020205020404" pitchFamily="49" charset="0"/>
               </a:rPr>
-              <a:t>p:attribute </a:t>
+              <a:t>p:add-attribute </a:t>
             </a:r>
             <a:r>
               <a:rPr lang="en-GB" dirty="0"/>
@@ -15709,6 +16384,95 @@
   <p:clrMapOvr>
     <a:masterClrMapping/>
   </p:clrMapOvr>
+  <p:timing>
+    <p:tnLst>
+      <p:par>
+        <p:cTn id="1" dur="indefinite" restart="never" nodeType="tmRoot">
+          <p:childTnLst>
+            <p:seq concurrent="1" nextAc="seek">
+              <p:cTn id="2" dur="indefinite" nodeType="mainSeq">
+                <p:childTnLst>
+                  <p:par>
+                    <p:cTn id="3" fill="hold">
+                      <p:stCondLst>
+                        <p:cond delay="indefinite"/>
+                        <p:cond evt="onBegin" delay="0">
+                          <p:tn val="2"/>
+                        </p:cond>
+                      </p:stCondLst>
+                      <p:childTnLst>
+                        <p:par>
+                          <p:cTn id="4" fill="hold">
+                            <p:stCondLst>
+                              <p:cond delay="0"/>
+                            </p:stCondLst>
+                            <p:childTnLst>
+                              <p:par>
+                                <p:cTn id="5" presetID="10" presetClass="entr" presetSubtype="0" fill="hold" grpId="0" nodeType="withEffect">
+                                  <p:stCondLst>
+                                    <p:cond delay="3000"/>
+                                  </p:stCondLst>
+                                  <p:childTnLst>
+                                    <p:set>
+                                      <p:cBhvr>
+                                        <p:cTn id="6" dur="1" fill="hold">
+                                          <p:stCondLst>
+                                            <p:cond delay="0"/>
+                                          </p:stCondLst>
+                                        </p:cTn>
+                                        <p:tgtEl>
+                                          <p:spTgt spid="9"/>
+                                        </p:tgtEl>
+                                        <p:attrNameLst>
+                                          <p:attrName>style.visibility</p:attrName>
+                                        </p:attrNameLst>
+                                      </p:cBhvr>
+                                      <p:to>
+                                        <p:strVal val="visible"/>
+                                      </p:to>
+                                    </p:set>
+                                    <p:animEffect transition="in" filter="fade">
+                                      <p:cBhvr>
+                                        <p:cTn id="7" dur="1000"/>
+                                        <p:tgtEl>
+                                          <p:spTgt spid="9"/>
+                                        </p:tgtEl>
+                                      </p:cBhvr>
+                                    </p:animEffect>
+                                  </p:childTnLst>
+                                </p:cTn>
+                              </p:par>
+                            </p:childTnLst>
+                          </p:cTn>
+                        </p:par>
+                      </p:childTnLst>
+                    </p:cTn>
+                  </p:par>
+                </p:childTnLst>
+              </p:cTn>
+              <p:prevCondLst>
+                <p:cond evt="onPrev" delay="0">
+                  <p:tgtEl>
+                    <p:sldTgt/>
+                  </p:tgtEl>
+                </p:cond>
+              </p:prevCondLst>
+              <p:nextCondLst>
+                <p:cond evt="onNext" delay="0">
+                  <p:tgtEl>
+                    <p:sldTgt/>
+                  </p:tgtEl>
+                </p:cond>
+              </p:nextCondLst>
+            </p:seq>
+          </p:childTnLst>
+        </p:cTn>
+      </p:par>
+    </p:tnLst>
+    <p:bldLst>
+      <p:bldP spid="9" grpId="0" animBg="1"/>
+    </p:bldLst>
+  </p:timing>
 </p:sld>
 </file>
 
@@ -17231,6 +17995,41 @@
                                   </p:childTnLst>
                                 </p:cTn>
                               </p:par>
+                              <p:par>
+                                <p:cTn id="12" presetID="10" presetClass="entr" presetSubtype="0" fill="hold" grpId="0" nodeType="withEffect">
+                                  <p:stCondLst>
+                                    <p:cond delay="2250"/>
+                                  </p:stCondLst>
+                                  <p:childTnLst>
+                                    <p:set>
+                                      <p:cBhvr>
+                                        <p:cTn id="13" dur="1" fill="hold">
+                                          <p:stCondLst>
+                                            <p:cond delay="0"/>
+                                          </p:stCondLst>
+                                        </p:cTn>
+                                        <p:tgtEl>
+                                          <p:spTgt spid="15"/>
+                                        </p:tgtEl>
+                                        <p:attrNameLst>
+                                          <p:attrName>style.visibility</p:attrName>
+                                        </p:attrNameLst>
+                                      </p:cBhvr>
+                                      <p:to>
+                                        <p:strVal val="visible"/>
+                                      </p:to>
+                                    </p:set>
+                                    <p:animEffect transition="in" filter="fade">
+                                      <p:cBhvr>
+                                        <p:cTn id="14" dur="500"/>
+                                        <p:tgtEl>
+                                          <p:spTgt spid="15"/>
+                                        </p:tgtEl>
+                                      </p:cBhvr>
+                                    </p:animEffect>
+                                  </p:childTnLst>
+                                </p:cTn>
+                              </p:par>
                             </p:childTnLst>
                           </p:cTn>
                         </p:par>
@@ -17261,6 +18060,7 @@
     <p:bldLst>
       <p:bldP spid="6" grpId="0" animBg="1"/>
       <p:bldP spid="22" grpId="0" animBg="1"/>
+      <p:bldP spid="15" grpId="0" animBg="1"/>
     </p:bldLst>
   </p:timing>
 </p:sld>
@@ -17969,7 +18769,7 @@
                             </p:stCondLst>
                             <p:childTnLst>
                               <p:par>
-                                <p:cTn id="5" presetID="10" presetClass="entr" presetSubtype="0" fill="hold" grpId="0" nodeType="clickEffect">
+                                <p:cTn id="5" presetID="1" presetClass="entr" presetSubtype="0" fill="hold" grpId="0" nodeType="clickEffect">
                                   <p:stCondLst>
                                     <p:cond delay="0"/>
                                   </p:stCondLst>
@@ -17977,6 +18777,51 @@
                                     <p:set>
                                       <p:cBhvr>
                                         <p:cTn id="6" dur="1" fill="hold">
+                                          <p:stCondLst>
+                                            <p:cond delay="0"/>
+                                          </p:stCondLst>
+                                        </p:cTn>
+                                        <p:tgtEl>
+                                          <p:spTgt spid="10"/>
+                                        </p:tgtEl>
+                                        <p:attrNameLst>
+                                          <p:attrName>style.visibility</p:attrName>
+                                        </p:attrNameLst>
+                                      </p:cBhvr>
+                                      <p:to>
+                                        <p:strVal val="visible"/>
+                                      </p:to>
+                                    </p:set>
+                                  </p:childTnLst>
+                                </p:cTn>
+                              </p:par>
+                            </p:childTnLst>
+                          </p:cTn>
+                        </p:par>
+                      </p:childTnLst>
+                    </p:cTn>
+                  </p:par>
+                  <p:par>
+                    <p:cTn id="7" fill="hold">
+                      <p:stCondLst>
+                        <p:cond delay="indefinite"/>
+                      </p:stCondLst>
+                      <p:childTnLst>
+                        <p:par>
+                          <p:cTn id="8" fill="hold">
+                            <p:stCondLst>
+                              <p:cond delay="0"/>
+                            </p:stCondLst>
+                            <p:childTnLst>
+                              <p:par>
+                                <p:cTn id="9" presetID="10" presetClass="entr" presetSubtype="0" fill="hold" grpId="0" nodeType="clickEffect">
+                                  <p:stCondLst>
+                                    <p:cond delay="0"/>
+                                  </p:stCondLst>
+                                  <p:childTnLst>
+                                    <p:set>
+                                      <p:cBhvr>
+                                        <p:cTn id="10" dur="1" fill="hold">
                                           <p:stCondLst>
                                             <p:cond delay="0"/>
                                           </p:stCondLst>
@@ -17994,7 +18839,7 @@
                                     </p:set>
                                     <p:animEffect transition="in" filter="fade">
                                       <p:cBhvr>
-                                        <p:cTn id="7" dur="2000"/>
+                                        <p:cTn id="11" dur="2000"/>
                                         <p:tgtEl>
                                           <p:spTgt spid="12"/>
                                         </p:tgtEl>
@@ -18004,14 +18849,14 @@
                                 </p:cTn>
                               </p:par>
                               <p:par>
-                                <p:cTn id="8" presetID="10" presetClass="entr" presetSubtype="0" fill="hold" grpId="0" nodeType="withEffect">
+                                <p:cTn id="12" presetID="10" presetClass="entr" presetSubtype="0" fill="hold" grpId="0" nodeType="withEffect">
                                   <p:stCondLst>
                                     <p:cond delay="0"/>
                                   </p:stCondLst>
                                   <p:childTnLst>
                                     <p:set>
                                       <p:cBhvr>
-                                        <p:cTn id="9" dur="1" fill="hold">
+                                        <p:cTn id="13" dur="1" fill="hold">
                                           <p:stCondLst>
                                             <p:cond delay="0"/>
                                           </p:stCondLst>
@@ -18029,7 +18874,7 @@
                                     </p:set>
                                     <p:animEffect transition="in" filter="fade">
                                       <p:cBhvr>
-                                        <p:cTn id="10" dur="2000"/>
+                                        <p:cTn id="14" dur="2000"/>
                                         <p:tgtEl>
                                           <p:spTgt spid="9"/>
                                         </p:tgtEl>
@@ -18045,26 +18890,26 @@
                     </p:cTn>
                   </p:par>
                   <p:par>
-                    <p:cTn id="11" fill="hold">
+                    <p:cTn id="15" fill="hold">
                       <p:stCondLst>
                         <p:cond delay="indefinite"/>
                       </p:stCondLst>
                       <p:childTnLst>
                         <p:par>
-                          <p:cTn id="12" fill="hold">
+                          <p:cTn id="16" fill="hold">
                             <p:stCondLst>
                               <p:cond delay="0"/>
                             </p:stCondLst>
                             <p:childTnLst>
                               <p:par>
-                                <p:cTn id="13" presetID="10" presetClass="entr" presetSubtype="0" fill="hold" grpId="0" nodeType="clickEffect">
+                                <p:cTn id="17" presetID="10" presetClass="entr" presetSubtype="0" fill="hold" grpId="0" nodeType="clickEffect">
                                   <p:stCondLst>
                                     <p:cond delay="0"/>
                                   </p:stCondLst>
                                   <p:childTnLst>
                                     <p:set>
                                       <p:cBhvr>
-                                        <p:cTn id="14" dur="1" fill="hold">
+                                        <p:cTn id="18" dur="1" fill="hold">
                                           <p:stCondLst>
                                             <p:cond delay="0"/>
                                           </p:stCondLst>
@@ -18082,7 +18927,7 @@
                                     </p:set>
                                     <p:animEffect transition="in" filter="fade">
                                       <p:cBhvr>
-                                        <p:cTn id="15" dur="2000"/>
+                                        <p:cTn id="19" dur="2000"/>
                                         <p:tgtEl>
                                           <p:spTgt spid="5"/>
                                         </p:tgtEl>
@@ -18092,14 +18937,14 @@
                                 </p:cTn>
                               </p:par>
                               <p:par>
-                                <p:cTn id="16" presetID="10" presetClass="entr" presetSubtype="0" fill="hold" grpId="0" nodeType="withEffect">
+                                <p:cTn id="20" presetID="10" presetClass="entr" presetSubtype="0" fill="hold" grpId="0" nodeType="withEffect">
                                   <p:stCondLst>
                                     <p:cond delay="0"/>
                                   </p:stCondLst>
                                   <p:childTnLst>
                                     <p:set>
                                       <p:cBhvr>
-                                        <p:cTn id="17" dur="1" fill="hold">
+                                        <p:cTn id="21" dur="1" fill="hold">
                                           <p:stCondLst>
                                             <p:cond delay="0"/>
                                           </p:stCondLst>
@@ -18117,7 +18962,7 @@
                                     </p:set>
                                     <p:animEffect transition="in" filter="fade">
                                       <p:cBhvr>
-                                        <p:cTn id="18" dur="2000"/>
+                                        <p:cTn id="22" dur="2000"/>
                                         <p:tgtEl>
                                           <p:spTgt spid="7"/>
                                         </p:tgtEl>
@@ -18133,26 +18978,26 @@
                     </p:cTn>
                   </p:par>
                   <p:par>
-                    <p:cTn id="19" fill="hold">
+                    <p:cTn id="23" fill="hold">
                       <p:stCondLst>
                         <p:cond delay="indefinite"/>
                       </p:stCondLst>
                       <p:childTnLst>
                         <p:par>
-                          <p:cTn id="20" fill="hold">
+                          <p:cTn id="24" fill="hold">
                             <p:stCondLst>
                               <p:cond delay="0"/>
                             </p:stCondLst>
                             <p:childTnLst>
                               <p:par>
-                                <p:cTn id="21" presetID="10" presetClass="entr" presetSubtype="0" fill="hold" grpId="0" nodeType="clickEffect">
+                                <p:cTn id="25" presetID="10" presetClass="entr" presetSubtype="0" fill="hold" grpId="0" nodeType="clickEffect">
                                   <p:stCondLst>
                                     <p:cond delay="0"/>
                                   </p:stCondLst>
                                   <p:childTnLst>
                                     <p:set>
                                       <p:cBhvr>
-                                        <p:cTn id="22" dur="1" fill="hold">
+                                        <p:cTn id="26" dur="1" fill="hold">
                                           <p:stCondLst>
                                             <p:cond delay="0"/>
                                           </p:stCondLst>
@@ -18170,7 +19015,7 @@
                                     </p:set>
                                     <p:animEffect transition="in" filter="fade">
                                       <p:cBhvr>
-                                        <p:cTn id="23" dur="2000"/>
+                                        <p:cTn id="27" dur="2000"/>
                                         <p:tgtEl>
                                           <p:spTgt spid="6"/>
                                         </p:tgtEl>
@@ -18180,14 +19025,14 @@
                                 </p:cTn>
                               </p:par>
                               <p:par>
-                                <p:cTn id="24" presetID="10" presetClass="entr" presetSubtype="0" fill="hold" grpId="0" nodeType="withEffect">
+                                <p:cTn id="28" presetID="10" presetClass="entr" presetSubtype="0" fill="hold" grpId="0" nodeType="withEffect">
                                   <p:stCondLst>
                                     <p:cond delay="0"/>
                                   </p:stCondLst>
                                   <p:childTnLst>
                                     <p:set>
                                       <p:cBhvr>
-                                        <p:cTn id="25" dur="1" fill="hold">
+                                        <p:cTn id="29" dur="1" fill="hold">
                                           <p:stCondLst>
                                             <p:cond delay="0"/>
                                           </p:stCondLst>
@@ -18205,57 +19050,12 @@
                                     </p:set>
                                     <p:animEffect transition="in" filter="fade">
                                       <p:cBhvr>
-                                        <p:cTn id="26" dur="2000"/>
+                                        <p:cTn id="30" dur="2000"/>
                                         <p:tgtEl>
                                           <p:spTgt spid="8"/>
                                         </p:tgtEl>
                                       </p:cBhvr>
                                     </p:animEffect>
-                                  </p:childTnLst>
-                                </p:cTn>
-                              </p:par>
-                            </p:childTnLst>
-                          </p:cTn>
-                        </p:par>
-                      </p:childTnLst>
-                    </p:cTn>
-                  </p:par>
-                  <p:par>
-                    <p:cTn id="27" fill="hold">
-                      <p:stCondLst>
-                        <p:cond delay="indefinite"/>
-                      </p:stCondLst>
-                      <p:childTnLst>
-                        <p:par>
-                          <p:cTn id="28" fill="hold">
-                            <p:stCondLst>
-                              <p:cond delay="0"/>
-                            </p:stCondLst>
-                            <p:childTnLst>
-                              <p:par>
-                                <p:cTn id="29" presetID="1" presetClass="entr" presetSubtype="0" fill="hold" grpId="0" nodeType="clickEffect">
-                                  <p:stCondLst>
-                                    <p:cond delay="0"/>
-                                  </p:stCondLst>
-                                  <p:childTnLst>
-                                    <p:set>
-                                      <p:cBhvr>
-                                        <p:cTn id="30" dur="1" fill="hold">
-                                          <p:stCondLst>
-                                            <p:cond delay="0"/>
-                                          </p:stCondLst>
-                                        </p:cTn>
-                                        <p:tgtEl>
-                                          <p:spTgt spid="10"/>
-                                        </p:tgtEl>
-                                        <p:attrNameLst>
-                                          <p:attrName>style.visibility</p:attrName>
-                                        </p:attrNameLst>
-                                      </p:cBhvr>
-                                      <p:to>
-                                        <p:strVal val="visible"/>
-                                      </p:to>
-                                    </p:set>
                                   </p:childTnLst>
                                 </p:cTn>
                               </p:par>
@@ -18763,6 +19563,95 @@
   <p:clrMapOvr>
     <a:masterClrMapping/>
   </p:clrMapOvr>
+  <p:timing>
+    <p:tnLst>
+      <p:par>
+        <p:cTn id="1" dur="indefinite" restart="never" nodeType="tmRoot">
+          <p:childTnLst>
+            <p:seq concurrent="1" nextAc="seek">
+              <p:cTn id="2" dur="indefinite" nodeType="mainSeq">
+                <p:childTnLst>
+                  <p:par>
+                    <p:cTn id="3" fill="hold">
+                      <p:stCondLst>
+                        <p:cond delay="indefinite"/>
+                        <p:cond evt="onBegin" delay="0">
+                          <p:tn val="2"/>
+                        </p:cond>
+                      </p:stCondLst>
+                      <p:childTnLst>
+                        <p:par>
+                          <p:cTn id="4" fill="hold">
+                            <p:stCondLst>
+                              <p:cond delay="0"/>
+                            </p:stCondLst>
+                            <p:childTnLst>
+                              <p:par>
+                                <p:cTn id="5" presetID="10" presetClass="entr" presetSubtype="0" fill="hold" grpId="0" nodeType="withEffect">
+                                  <p:stCondLst>
+                                    <p:cond delay="2000"/>
+                                  </p:stCondLst>
+                                  <p:childTnLst>
+                                    <p:set>
+                                      <p:cBhvr>
+                                        <p:cTn id="6" dur="1" fill="hold">
+                                          <p:stCondLst>
+                                            <p:cond delay="0"/>
+                                          </p:stCondLst>
+                                        </p:cTn>
+                                        <p:tgtEl>
+                                          <p:spTgt spid="10"/>
+                                        </p:tgtEl>
+                                        <p:attrNameLst>
+                                          <p:attrName>style.visibility</p:attrName>
+                                        </p:attrNameLst>
+                                      </p:cBhvr>
+                                      <p:to>
+                                        <p:strVal val="visible"/>
+                                      </p:to>
+                                    </p:set>
+                                    <p:animEffect transition="in" filter="fade">
+                                      <p:cBhvr>
+                                        <p:cTn id="7" dur="500"/>
+                                        <p:tgtEl>
+                                          <p:spTgt spid="10"/>
+                                        </p:tgtEl>
+                                      </p:cBhvr>
+                                    </p:animEffect>
+                                  </p:childTnLst>
+                                </p:cTn>
+                              </p:par>
+                            </p:childTnLst>
+                          </p:cTn>
+                        </p:par>
+                      </p:childTnLst>
+                    </p:cTn>
+                  </p:par>
+                </p:childTnLst>
+              </p:cTn>
+              <p:prevCondLst>
+                <p:cond evt="onPrev" delay="0">
+                  <p:tgtEl>
+                    <p:sldTgt/>
+                  </p:tgtEl>
+                </p:cond>
+              </p:prevCondLst>
+              <p:nextCondLst>
+                <p:cond evt="onNext" delay="0">
+                  <p:tgtEl>
+                    <p:sldTgt/>
+                  </p:tgtEl>
+                </p:cond>
+              </p:nextCondLst>
+            </p:seq>
+          </p:childTnLst>
+        </p:cTn>
+      </p:par>
+    </p:tnLst>
+    <p:bldLst>
+      <p:bldP spid="10" grpId="0" animBg="1"/>
+    </p:bldLst>
+  </p:timing>
 </p:sld>
 </file>
 
@@ -18913,7 +19802,15 @@
             <a:pPr lvl="1"/>
             <a:r>
               <a:rPr lang="en-GB" dirty="0"/>
-              <a:t>Use the primary ports implicit connections</a:t>
+              <a:t>Use the primary ports </a:t>
+            </a:r>
+            <a:r>
+              <a:rPr lang="en-GB" i="1" dirty="0"/>
+              <a:t>implicit</a:t>
+            </a:r>
+            <a:r>
+              <a:rPr lang="en-GB" dirty="0"/>
+              <a:t> connections</a:t>
             </a:r>
           </a:p>
           <a:p>
@@ -19565,6 +20462,95 @@
   <p:clrMapOvr>
     <a:masterClrMapping/>
   </p:clrMapOvr>
+  <p:timing>
+    <p:tnLst>
+      <p:par>
+        <p:cTn id="1" dur="indefinite" restart="never" nodeType="tmRoot">
+          <p:childTnLst>
+            <p:seq concurrent="1" nextAc="seek">
+              <p:cTn id="2" dur="indefinite" nodeType="mainSeq">
+                <p:childTnLst>
+                  <p:par>
+                    <p:cTn id="3" fill="hold">
+                      <p:stCondLst>
+                        <p:cond delay="indefinite"/>
+                        <p:cond evt="onBegin" delay="0">
+                          <p:tn val="2"/>
+                        </p:cond>
+                      </p:stCondLst>
+                      <p:childTnLst>
+                        <p:par>
+                          <p:cTn id="4" fill="hold">
+                            <p:stCondLst>
+                              <p:cond delay="0"/>
+                            </p:stCondLst>
+                            <p:childTnLst>
+                              <p:par>
+                                <p:cTn id="5" presetID="10" presetClass="entr" presetSubtype="0" fill="hold" grpId="0" nodeType="withEffect">
+                                  <p:stCondLst>
+                                    <p:cond delay="2000"/>
+                                  </p:stCondLst>
+                                  <p:childTnLst>
+                                    <p:set>
+                                      <p:cBhvr>
+                                        <p:cTn id="6" dur="1" fill="hold">
+                                          <p:stCondLst>
+                                            <p:cond delay="0"/>
+                                          </p:stCondLst>
+                                        </p:cTn>
+                                        <p:tgtEl>
+                                          <p:spTgt spid="10"/>
+                                        </p:tgtEl>
+                                        <p:attrNameLst>
+                                          <p:attrName>style.visibility</p:attrName>
+                                        </p:attrNameLst>
+                                      </p:cBhvr>
+                                      <p:to>
+                                        <p:strVal val="visible"/>
+                                      </p:to>
+                                    </p:set>
+                                    <p:animEffect transition="in" filter="fade">
+                                      <p:cBhvr>
+                                        <p:cTn id="7" dur="500"/>
+                                        <p:tgtEl>
+                                          <p:spTgt spid="10"/>
+                                        </p:tgtEl>
+                                      </p:cBhvr>
+                                    </p:animEffect>
+                                  </p:childTnLst>
+                                </p:cTn>
+                              </p:par>
+                            </p:childTnLst>
+                          </p:cTn>
+                        </p:par>
+                      </p:childTnLst>
+                    </p:cTn>
+                  </p:par>
+                </p:childTnLst>
+              </p:cTn>
+              <p:prevCondLst>
+                <p:cond evt="onPrev" delay="0">
+                  <p:tgtEl>
+                    <p:sldTgt/>
+                  </p:tgtEl>
+                </p:cond>
+              </p:prevCondLst>
+              <p:nextCondLst>
+                <p:cond evt="onNext" delay="0">
+                  <p:tgtEl>
+                    <p:sldTgt/>
+                  </p:tgtEl>
+                </p:cond>
+              </p:nextCondLst>
+            </p:seq>
+          </p:childTnLst>
+        </p:cTn>
+      </p:par>
+    </p:tnLst>
+    <p:bldLst>
+      <p:bldP spid="10" grpId="0" animBg="1"/>
+    </p:bldLst>
+  </p:timing>
 </p:sld>
 </file>
 
@@ -20098,7 +21084,7 @@
                                           </p:stCondLst>
                                         </p:cTn>
                                         <p:tgtEl>
-                                          <p:spTgt spid="7"/>
+                                          <p:spTgt spid="6"/>
                                         </p:tgtEl>
                                         <p:attrNameLst>
                                           <p:attrName>style.visibility</p:attrName>
@@ -20138,6 +21124,51 @@
                                     <p:set>
                                       <p:cBhvr>
                                         <p:cTn id="10" dur="1" fill="hold">
+                                          <p:stCondLst>
+                                            <p:cond delay="0"/>
+                                          </p:stCondLst>
+                                        </p:cTn>
+                                        <p:tgtEl>
+                                          <p:spTgt spid="7"/>
+                                        </p:tgtEl>
+                                        <p:attrNameLst>
+                                          <p:attrName>style.visibility</p:attrName>
+                                        </p:attrNameLst>
+                                      </p:cBhvr>
+                                      <p:to>
+                                        <p:strVal val="visible"/>
+                                      </p:to>
+                                    </p:set>
+                                  </p:childTnLst>
+                                </p:cTn>
+                              </p:par>
+                            </p:childTnLst>
+                          </p:cTn>
+                        </p:par>
+                      </p:childTnLst>
+                    </p:cTn>
+                  </p:par>
+                  <p:par>
+                    <p:cTn id="11" fill="hold">
+                      <p:stCondLst>
+                        <p:cond delay="indefinite"/>
+                      </p:stCondLst>
+                      <p:childTnLst>
+                        <p:par>
+                          <p:cTn id="12" fill="hold">
+                            <p:stCondLst>
+                              <p:cond delay="0"/>
+                            </p:stCondLst>
+                            <p:childTnLst>
+                              <p:par>
+                                <p:cTn id="13" presetID="1" presetClass="entr" presetSubtype="0" fill="hold" grpId="0" nodeType="clickEffect">
+                                  <p:stCondLst>
+                                    <p:cond delay="0"/>
+                                  </p:stCondLst>
+                                  <p:childTnLst>
+                                    <p:set>
+                                      <p:cBhvr>
+                                        <p:cTn id="14" dur="1" fill="hold">
                                           <p:stCondLst>
                                             <p:cond delay="0"/>
                                           </p:stCondLst>
@@ -20184,6 +21215,7 @@
       </p:par>
     </p:tnLst>
     <p:bldLst>
+      <p:bldP spid="6" grpId="0" animBg="1"/>
       <p:bldP spid="7" grpId="0" animBg="1"/>
       <p:bldP spid="8" grpId="0" animBg="1"/>
     </p:bldLst>
@@ -20316,7 +21348,7 @@
                 <a:latin typeface="Courier New" panose="02070309020205020404" pitchFamily="49" charset="0"/>
                 <a:cs typeface="Courier New" panose="02070309020205020404" pitchFamily="49" charset="0"/>
               </a:rPr>
-              <a:t>p:attribute </a:t>
+              <a:t>p:add-attribute </a:t>
             </a:r>
             <a:r>
               <a:rPr lang="en-GB" dirty="0"/>
@@ -21134,6 +22166,95 @@
   <p:clrMapOvr>
     <a:masterClrMapping/>
   </p:clrMapOvr>
+  <p:timing>
+    <p:tnLst>
+      <p:par>
+        <p:cTn id="1" dur="indefinite" restart="never" nodeType="tmRoot">
+          <p:childTnLst>
+            <p:seq concurrent="1" nextAc="seek">
+              <p:cTn id="2" dur="indefinite" nodeType="mainSeq">
+                <p:childTnLst>
+                  <p:par>
+                    <p:cTn id="3" fill="hold">
+                      <p:stCondLst>
+                        <p:cond delay="indefinite"/>
+                        <p:cond evt="onBegin" delay="0">
+                          <p:tn val="2"/>
+                        </p:cond>
+                      </p:stCondLst>
+                      <p:childTnLst>
+                        <p:par>
+                          <p:cTn id="4" fill="hold">
+                            <p:stCondLst>
+                              <p:cond delay="0"/>
+                            </p:stCondLst>
+                            <p:childTnLst>
+                              <p:par>
+                                <p:cTn id="5" presetID="10" presetClass="entr" presetSubtype="0" fill="hold" grpId="0" nodeType="withEffect">
+                                  <p:stCondLst>
+                                    <p:cond delay="2000"/>
+                                  </p:stCondLst>
+                                  <p:childTnLst>
+                                    <p:set>
+                                      <p:cBhvr>
+                                        <p:cTn id="6" dur="1" fill="hold">
+                                          <p:stCondLst>
+                                            <p:cond delay="0"/>
+                                          </p:stCondLst>
+                                        </p:cTn>
+                                        <p:tgtEl>
+                                          <p:spTgt spid="10"/>
+                                        </p:tgtEl>
+                                        <p:attrNameLst>
+                                          <p:attrName>style.visibility</p:attrName>
+                                        </p:attrNameLst>
+                                      </p:cBhvr>
+                                      <p:to>
+                                        <p:strVal val="visible"/>
+                                      </p:to>
+                                    </p:set>
+                                    <p:animEffect transition="in" filter="fade">
+                                      <p:cBhvr>
+                                        <p:cTn id="7" dur="500"/>
+                                        <p:tgtEl>
+                                          <p:spTgt spid="10"/>
+                                        </p:tgtEl>
+                                      </p:cBhvr>
+                                    </p:animEffect>
+                                  </p:childTnLst>
+                                </p:cTn>
+                              </p:par>
+                            </p:childTnLst>
+                          </p:cTn>
+                        </p:par>
+                      </p:childTnLst>
+                    </p:cTn>
+                  </p:par>
+                </p:childTnLst>
+              </p:cTn>
+              <p:prevCondLst>
+                <p:cond evt="onPrev" delay="0">
+                  <p:tgtEl>
+                    <p:sldTgt/>
+                  </p:tgtEl>
+                </p:cond>
+              </p:prevCondLst>
+              <p:nextCondLst>
+                <p:cond evt="onNext" delay="0">
+                  <p:tgtEl>
+                    <p:sldTgt/>
+                  </p:tgtEl>
+                </p:cond>
+              </p:nextCondLst>
+            </p:seq>
+          </p:childTnLst>
+        </p:cTn>
+      </p:par>
+    </p:tnLst>
+    <p:bldLst>
+      <p:bldP spid="10" grpId="0" animBg="1"/>
+    </p:bldLst>
+  </p:timing>
 </p:sld>
 </file>
 
@@ -21820,6 +22941,41 @@
                                   </p:childTnLst>
                                 </p:cTn>
                               </p:par>
+                              <p:par>
+                                <p:cTn id="7" presetID="10" presetClass="entr" presetSubtype="0" fill="hold" grpId="0" nodeType="withEffect">
+                                  <p:stCondLst>
+                                    <p:cond delay="500"/>
+                                  </p:stCondLst>
+                                  <p:childTnLst>
+                                    <p:set>
+                                      <p:cBhvr>
+                                        <p:cTn id="8" dur="1" fill="hold">
+                                          <p:stCondLst>
+                                            <p:cond delay="0"/>
+                                          </p:stCondLst>
+                                        </p:cTn>
+                                        <p:tgtEl>
+                                          <p:spTgt spid="9"/>
+                                        </p:tgtEl>
+                                        <p:attrNameLst>
+                                          <p:attrName>style.visibility</p:attrName>
+                                        </p:attrNameLst>
+                                      </p:cBhvr>
+                                      <p:to>
+                                        <p:strVal val="visible"/>
+                                      </p:to>
+                                    </p:set>
+                                    <p:animEffect transition="in" filter="fade">
+                                      <p:cBhvr>
+                                        <p:cTn id="9" dur="500"/>
+                                        <p:tgtEl>
+                                          <p:spTgt spid="9"/>
+                                        </p:tgtEl>
+                                      </p:cBhvr>
+                                    </p:animEffect>
+                                  </p:childTnLst>
+                                </p:cTn>
+                              </p:par>
                             </p:childTnLst>
                           </p:cTn>
                         </p:par>
@@ -21827,26 +22983,26 @@
                     </p:cTn>
                   </p:par>
                   <p:par>
-                    <p:cTn id="7" fill="hold">
+                    <p:cTn id="10" fill="hold">
                       <p:stCondLst>
                         <p:cond delay="indefinite"/>
                       </p:stCondLst>
                       <p:childTnLst>
                         <p:par>
-                          <p:cTn id="8" fill="hold">
+                          <p:cTn id="11" fill="hold">
                             <p:stCondLst>
                               <p:cond delay="0"/>
                             </p:stCondLst>
                             <p:childTnLst>
                               <p:par>
-                                <p:cTn id="9" presetID="1" presetClass="entr" presetSubtype="0" fill="hold" grpId="0" nodeType="clickEffect">
+                                <p:cTn id="12" presetID="1" presetClass="entr" presetSubtype="0" fill="hold" grpId="0" nodeType="clickEffect">
                                   <p:stCondLst>
                                     <p:cond delay="0"/>
                                   </p:stCondLst>
                                   <p:childTnLst>
                                     <p:set>
                                       <p:cBhvr>
-                                        <p:cTn id="10" dur="1" fill="hold">
+                                        <p:cTn id="13" dur="1" fill="hold">
                                           <p:stCondLst>
                                             <p:cond delay="0"/>
                                           </p:stCondLst>
@@ -21895,6 +23051,7 @@
     <p:bldLst>
       <p:bldP spid="5" grpId="0" animBg="1"/>
       <p:bldP spid="6" grpId="0" animBg="1"/>
+      <p:bldP spid="9" grpId="0" animBg="1"/>
     </p:bldLst>
   </p:timing>
 </p:sld>
@@ -22646,6 +23803,41 @@
                                   </p:childTnLst>
                                 </p:cTn>
                               </p:par>
+                              <p:par>
+                                <p:cTn id="7" presetID="10" presetClass="entr" presetSubtype="0" fill="hold" grpId="0" nodeType="withEffect">
+                                  <p:stCondLst>
+                                    <p:cond delay="500"/>
+                                  </p:stCondLst>
+                                  <p:childTnLst>
+                                    <p:set>
+                                      <p:cBhvr>
+                                        <p:cTn id="8" dur="1" fill="hold">
+                                          <p:stCondLst>
+                                            <p:cond delay="0"/>
+                                          </p:stCondLst>
+                                        </p:cTn>
+                                        <p:tgtEl>
+                                          <p:spTgt spid="9"/>
+                                        </p:tgtEl>
+                                        <p:attrNameLst>
+                                          <p:attrName>style.visibility</p:attrName>
+                                        </p:attrNameLst>
+                                      </p:cBhvr>
+                                      <p:to>
+                                        <p:strVal val="visible"/>
+                                      </p:to>
+                                    </p:set>
+                                    <p:animEffect transition="in" filter="fade">
+                                      <p:cBhvr>
+                                        <p:cTn id="9" dur="500"/>
+                                        <p:tgtEl>
+                                          <p:spTgt spid="9"/>
+                                        </p:tgtEl>
+                                      </p:cBhvr>
+                                    </p:animEffect>
+                                  </p:childTnLst>
+                                </p:cTn>
+                              </p:par>
                             </p:childTnLst>
                           </p:cTn>
                         </p:par>
@@ -22653,26 +23845,26 @@
                     </p:cTn>
                   </p:par>
                   <p:par>
-                    <p:cTn id="7" fill="hold">
+                    <p:cTn id="10" fill="hold">
                       <p:stCondLst>
                         <p:cond delay="indefinite"/>
                       </p:stCondLst>
                       <p:childTnLst>
                         <p:par>
-                          <p:cTn id="8" fill="hold">
+                          <p:cTn id="11" fill="hold">
                             <p:stCondLst>
                               <p:cond delay="0"/>
                             </p:stCondLst>
                             <p:childTnLst>
                               <p:par>
-                                <p:cTn id="9" presetID="1" presetClass="entr" presetSubtype="0" fill="hold" grpId="0" nodeType="clickEffect">
+                                <p:cTn id="12" presetID="1" presetClass="entr" presetSubtype="0" fill="hold" grpId="0" nodeType="clickEffect">
                                   <p:stCondLst>
                                     <p:cond delay="0"/>
                                   </p:stCondLst>
                                   <p:childTnLst>
                                     <p:set>
                                       <p:cBhvr>
-                                        <p:cTn id="10" dur="1" fill="hold">
+                                        <p:cTn id="13" dur="1" fill="hold">
                                           <p:stCondLst>
                                             <p:cond delay="0"/>
                                           </p:stCondLst>
@@ -22698,26 +23890,26 @@
                     </p:cTn>
                   </p:par>
                   <p:par>
-                    <p:cTn id="11" fill="hold">
+                    <p:cTn id="14" fill="hold">
                       <p:stCondLst>
                         <p:cond delay="indefinite"/>
                       </p:stCondLst>
                       <p:childTnLst>
                         <p:par>
-                          <p:cTn id="12" fill="hold">
+                          <p:cTn id="15" fill="hold">
                             <p:stCondLst>
                               <p:cond delay="0"/>
                             </p:stCondLst>
                             <p:childTnLst>
                               <p:par>
-                                <p:cTn id="13" presetID="1" presetClass="entr" presetSubtype="0" fill="hold" grpId="0" nodeType="clickEffect">
+                                <p:cTn id="16" presetID="1" presetClass="entr" presetSubtype="0" fill="hold" grpId="0" nodeType="clickEffect">
                                   <p:stCondLst>
                                     <p:cond delay="0"/>
                                   </p:stCondLst>
                                   <p:childTnLst>
                                     <p:set>
                                       <p:cBhvr>
-                                        <p:cTn id="14" dur="1" fill="hold">
+                                        <p:cTn id="17" dur="1" fill="hold">
                                           <p:stCondLst>
                                             <p:cond delay="0"/>
                                           </p:stCondLst>
@@ -22766,6 +23958,7 @@
     <p:bldLst>
       <p:bldP spid="5" grpId="0" animBg="1"/>
       <p:bldP spid="6" grpId="0" animBg="1"/>
+      <p:bldP spid="9" grpId="0" animBg="1"/>
       <p:bldP spid="11" grpId="0" animBg="1"/>
     </p:bldLst>
   </p:timing>
@@ -23144,6 +24337,120 @@
   <p:clrMapOvr>
     <a:masterClrMapping/>
   </p:clrMapOvr>
+  <p:timing>
+    <p:tnLst>
+      <p:par>
+        <p:cTn id="1" dur="indefinite" restart="never" nodeType="tmRoot">
+          <p:childTnLst>
+            <p:seq concurrent="1" nextAc="seek">
+              <p:cTn id="2" dur="indefinite" nodeType="mainSeq">
+                <p:childTnLst>
+                  <p:par>
+                    <p:cTn id="3" fill="hold">
+                      <p:stCondLst>
+                        <p:cond delay="indefinite"/>
+                      </p:stCondLst>
+                      <p:childTnLst>
+                        <p:par>
+                          <p:cTn id="4" fill="hold">
+                            <p:stCondLst>
+                              <p:cond delay="0"/>
+                            </p:stCondLst>
+                            <p:childTnLst>
+                              <p:par>
+                                <p:cTn id="5" presetID="1" presetClass="entr" presetSubtype="0" fill="hold" grpId="0" nodeType="clickEffect">
+                                  <p:stCondLst>
+                                    <p:cond delay="0"/>
+                                  </p:stCondLst>
+                                  <p:childTnLst>
+                                    <p:set>
+                                      <p:cBhvr>
+                                        <p:cTn id="6" dur="1" fill="hold">
+                                          <p:stCondLst>
+                                            <p:cond delay="0"/>
+                                          </p:stCondLst>
+                                        </p:cTn>
+                                        <p:tgtEl>
+                                          <p:spTgt spid="5"/>
+                                        </p:tgtEl>
+                                        <p:attrNameLst>
+                                          <p:attrName>style.visibility</p:attrName>
+                                        </p:attrNameLst>
+                                      </p:cBhvr>
+                                      <p:to>
+                                        <p:strVal val="visible"/>
+                                      </p:to>
+                                    </p:set>
+                                  </p:childTnLst>
+                                </p:cTn>
+                              </p:par>
+                              <p:par>
+                                <p:cTn id="7" presetID="10" presetClass="entr" presetSubtype="0" fill="hold" grpId="0" nodeType="withEffect">
+                                  <p:stCondLst>
+                                    <p:cond delay="500"/>
+                                  </p:stCondLst>
+                                  <p:childTnLst>
+                                    <p:set>
+                                      <p:cBhvr>
+                                        <p:cTn id="8" dur="1" fill="hold">
+                                          <p:stCondLst>
+                                            <p:cond delay="0"/>
+                                          </p:stCondLst>
+                                        </p:cTn>
+                                        <p:tgtEl>
+                                          <p:spTgt spid="10"/>
+                                        </p:tgtEl>
+                                        <p:attrNameLst>
+                                          <p:attrName>style.visibility</p:attrName>
+                                        </p:attrNameLst>
+                                      </p:cBhvr>
+                                      <p:to>
+                                        <p:strVal val="visible"/>
+                                      </p:to>
+                                    </p:set>
+                                    <p:animEffect transition="in" filter="fade">
+                                      <p:cBhvr>
+                                        <p:cTn id="9" dur="500"/>
+                                        <p:tgtEl>
+                                          <p:spTgt spid="10"/>
+                                        </p:tgtEl>
+                                      </p:cBhvr>
+                                    </p:animEffect>
+                                  </p:childTnLst>
+                                </p:cTn>
+                              </p:par>
+                            </p:childTnLst>
+                          </p:cTn>
+                        </p:par>
+                      </p:childTnLst>
+                    </p:cTn>
+                  </p:par>
+                </p:childTnLst>
+              </p:cTn>
+              <p:prevCondLst>
+                <p:cond evt="onPrev" delay="0">
+                  <p:tgtEl>
+                    <p:sldTgt/>
+                  </p:tgtEl>
+                </p:cond>
+              </p:prevCondLst>
+              <p:nextCondLst>
+                <p:cond evt="onNext" delay="0">
+                  <p:tgtEl>
+                    <p:sldTgt/>
+                  </p:tgtEl>
+                </p:cond>
+              </p:nextCondLst>
+            </p:seq>
+          </p:childTnLst>
+        </p:cTn>
+      </p:par>
+    </p:tnLst>
+    <p:bldLst>
+      <p:bldP spid="5" grpId="0" animBg="1"/>
+      <p:bldP spid="10" grpId="0" animBg="1"/>
+    </p:bldLst>
+  </p:timing>
 </p:sld>
 </file>
 
@@ -25295,7 +26602,7 @@
                               <p:par>
                                 <p:cTn id="11" presetID="10" presetClass="entr" presetSubtype="0" fill="hold" grpId="0" nodeType="withEffect">
                                   <p:stCondLst>
-                                    <p:cond delay="0"/>
+                                    <p:cond delay="1000"/>
                                   </p:stCondLst>
                                   <p:childTnLst>
                                     <p:set>
@@ -25790,6 +27097,516 @@
         </p:nvSpPr>
         <p:spPr>
           <a:xfrm>
+            <a:off x="377614" y="109433"/>
+            <a:ext cx="11617960" cy="860848"/>
+          </a:xfrm>
+        </p:spPr>
+        <p:txBody>
+          <a:bodyPr>
+            <a:normAutofit/>
+          </a:bodyPr>
+          <a:lstStyle/>
+          <a:p>
+            <a:r>
+              <a:rPr lang="en-US" b="1" dirty="0"/>
+              <a:t>Insert inline document - solution</a:t>
+            </a:r>
+            <a:endParaRPr lang="en-NL" b="1" dirty="0"/>
+          </a:p>
+        </p:txBody>
+      </p:sp>
+      <p:sp>
+        <p:nvSpPr>
+          <p:cNvPr id="4" name="TextBox 3">
+            <a:extLst>
+              <a:ext uri="{FF2B5EF4-FFF2-40B4-BE49-F238E27FC236}">
+                <a16:creationId xmlns:a16="http://schemas.microsoft.com/office/drawing/2014/main" id="{E614C84A-45C6-4C95-859B-4E28BD47CA0C}"/>
+              </a:ext>
+            </a:extLst>
+          </p:cNvPr>
+          <p:cNvSpPr txBox="1"/>
+          <p:nvPr/>
+        </p:nvSpPr>
+        <p:spPr>
+          <a:xfrm>
+            <a:off x="867155" y="1857253"/>
+            <a:ext cx="9069493" cy="3539430"/>
+          </a:xfrm>
+          <a:prstGeom prst="rect">
+            <a:avLst/>
+          </a:prstGeom>
+          <a:solidFill>
+            <a:schemeClr val="bg1">
+              <a:lumMod val="85000"/>
+            </a:schemeClr>
+          </a:solidFill>
+        </p:spPr>
+        <p:txBody>
+          <a:bodyPr wrap="square" rtlCol="0">
+            <a:spAutoFit/>
+          </a:bodyPr>
+          <a:lstStyle/>
+          <a:p>
+            <a:r>
+              <a:rPr lang="nl-NL" sz="1600" b="1" dirty="0">
+                <a:latin typeface="Courier New" panose="02070309020205020404" pitchFamily="49" charset="0"/>
+                <a:cs typeface="Courier New" panose="02070309020205020404" pitchFamily="49" charset="0"/>
+              </a:rPr>
+              <a:t>&lt;</a:t>
+            </a:r>
+            <a:r>
+              <a:rPr lang="nl-NL" sz="1600" b="1" dirty="0" err="1">
+                <a:latin typeface="Courier New" panose="02070309020205020404" pitchFamily="49" charset="0"/>
+                <a:cs typeface="Courier New" panose="02070309020205020404" pitchFamily="49" charset="0"/>
+              </a:rPr>
+              <a:t>p:declare-step</a:t>
+            </a:r>
+            <a:r>
+              <a:rPr lang="nl-NL" sz="1600" b="1" dirty="0">
+                <a:latin typeface="Courier New" panose="02070309020205020404" pitchFamily="49" charset="0"/>
+                <a:cs typeface="Courier New" panose="02070309020205020404" pitchFamily="49" charset="0"/>
+              </a:rPr>
+              <a:t> </a:t>
+            </a:r>
+            <a:r>
+              <a:rPr lang="nl-NL" sz="1600" b="1" dirty="0" err="1">
+                <a:latin typeface="Courier New" panose="02070309020205020404" pitchFamily="49" charset="0"/>
+                <a:cs typeface="Courier New" panose="02070309020205020404" pitchFamily="49" charset="0"/>
+              </a:rPr>
+              <a:t>xmlns:p</a:t>
+            </a:r>
+            <a:r>
+              <a:rPr lang="nl-NL" sz="1600" b="1" dirty="0">
+                <a:latin typeface="Courier New" panose="02070309020205020404" pitchFamily="49" charset="0"/>
+                <a:cs typeface="Courier New" panose="02070309020205020404" pitchFamily="49" charset="0"/>
+              </a:rPr>
+              <a:t>="http://www.w3.org/ns/xproc" </a:t>
+            </a:r>
+            <a:r>
+              <a:rPr lang="nl-NL" sz="1600" b="1" dirty="0" err="1">
+                <a:latin typeface="Courier New" panose="02070309020205020404" pitchFamily="49" charset="0"/>
+                <a:cs typeface="Courier New" panose="02070309020205020404" pitchFamily="49" charset="0"/>
+              </a:rPr>
+              <a:t>version</a:t>
+            </a:r>
+            <a:r>
+              <a:rPr lang="nl-NL" sz="1600" b="1" dirty="0">
+                <a:latin typeface="Courier New" panose="02070309020205020404" pitchFamily="49" charset="0"/>
+                <a:cs typeface="Courier New" panose="02070309020205020404" pitchFamily="49" charset="0"/>
+              </a:rPr>
+              <a:t>="3.0"&gt;</a:t>
+            </a:r>
+          </a:p>
+          <a:p>
+            <a:endParaRPr lang="nl-NL" sz="1600" b="1" dirty="0">
+              <a:latin typeface="Courier New" panose="02070309020205020404" pitchFamily="49" charset="0"/>
+              <a:cs typeface="Courier New" panose="02070309020205020404" pitchFamily="49" charset="0"/>
+            </a:endParaRPr>
+          </a:p>
+          <a:p>
+            <a:r>
+              <a:rPr lang="nl-NL" sz="1600" b="1" dirty="0">
+                <a:latin typeface="Courier New" panose="02070309020205020404" pitchFamily="49" charset="0"/>
+                <a:cs typeface="Courier New" panose="02070309020205020404" pitchFamily="49" charset="0"/>
+              </a:rPr>
+              <a:t>  &lt;</a:t>
+            </a:r>
+            <a:r>
+              <a:rPr lang="nl-NL" sz="1600" b="1" dirty="0" err="1">
+                <a:latin typeface="Courier New" panose="02070309020205020404" pitchFamily="49" charset="0"/>
+                <a:cs typeface="Courier New" panose="02070309020205020404" pitchFamily="49" charset="0"/>
+              </a:rPr>
+              <a:t>p:input</a:t>
+            </a:r>
+            <a:r>
+              <a:rPr lang="nl-NL" sz="1600" b="1" dirty="0">
+                <a:latin typeface="Courier New" panose="02070309020205020404" pitchFamily="49" charset="0"/>
+                <a:cs typeface="Courier New" panose="02070309020205020404" pitchFamily="49" charset="0"/>
+              </a:rPr>
+              <a:t> port="source"/&gt;</a:t>
+            </a:r>
+          </a:p>
+          <a:p>
+            <a:r>
+              <a:rPr lang="nl-NL" sz="1600" b="1" dirty="0">
+                <a:latin typeface="Courier New" panose="02070309020205020404" pitchFamily="49" charset="0"/>
+                <a:cs typeface="Courier New" panose="02070309020205020404" pitchFamily="49" charset="0"/>
+              </a:rPr>
+              <a:t>  &lt;</a:t>
+            </a:r>
+            <a:r>
+              <a:rPr lang="nl-NL" sz="1600" b="1" dirty="0" err="1">
+                <a:latin typeface="Courier New" panose="02070309020205020404" pitchFamily="49" charset="0"/>
+                <a:cs typeface="Courier New" panose="02070309020205020404" pitchFamily="49" charset="0"/>
+              </a:rPr>
+              <a:t>p:output</a:t>
+            </a:r>
+            <a:r>
+              <a:rPr lang="nl-NL" sz="1600" b="1" dirty="0">
+                <a:latin typeface="Courier New" panose="02070309020205020404" pitchFamily="49" charset="0"/>
+                <a:cs typeface="Courier New" panose="02070309020205020404" pitchFamily="49" charset="0"/>
+              </a:rPr>
+              <a:t> port="</a:t>
+            </a:r>
+            <a:r>
+              <a:rPr lang="nl-NL" sz="1600" b="1" dirty="0" err="1">
+                <a:latin typeface="Courier New" panose="02070309020205020404" pitchFamily="49" charset="0"/>
+                <a:cs typeface="Courier New" panose="02070309020205020404" pitchFamily="49" charset="0"/>
+              </a:rPr>
+              <a:t>result</a:t>
+            </a:r>
+            <a:r>
+              <a:rPr lang="nl-NL" sz="1600" b="1" dirty="0">
+                <a:latin typeface="Courier New" panose="02070309020205020404" pitchFamily="49" charset="0"/>
+                <a:cs typeface="Courier New" panose="02070309020205020404" pitchFamily="49" charset="0"/>
+              </a:rPr>
+              <a:t>"/&gt;</a:t>
+            </a:r>
+          </a:p>
+          <a:p>
+            <a:endParaRPr lang="nl-NL" sz="1600" b="1" dirty="0">
+              <a:latin typeface="Courier New" panose="02070309020205020404" pitchFamily="49" charset="0"/>
+              <a:cs typeface="Courier New" panose="02070309020205020404" pitchFamily="49" charset="0"/>
+            </a:endParaRPr>
+          </a:p>
+          <a:p>
+            <a:r>
+              <a:rPr lang="nl-NL" sz="1600" b="1" dirty="0">
+                <a:latin typeface="Courier New" panose="02070309020205020404" pitchFamily="49" charset="0"/>
+                <a:cs typeface="Courier New" panose="02070309020205020404" pitchFamily="49" charset="0"/>
+              </a:rPr>
+              <a:t>  &lt;</a:t>
+            </a:r>
+            <a:r>
+              <a:rPr lang="nl-NL" sz="1600" b="1" dirty="0" err="1">
+                <a:latin typeface="Courier New" panose="02070309020205020404" pitchFamily="49" charset="0"/>
+                <a:cs typeface="Courier New" panose="02070309020205020404" pitchFamily="49" charset="0"/>
+              </a:rPr>
+              <a:t>p:insert</a:t>
+            </a:r>
+            <a:r>
+              <a:rPr lang="nl-NL" sz="1600" b="1" dirty="0">
+                <a:latin typeface="Courier New" panose="02070309020205020404" pitchFamily="49" charset="0"/>
+                <a:cs typeface="Courier New" panose="02070309020205020404" pitchFamily="49" charset="0"/>
+              </a:rPr>
+              <a:t> match="/*" </a:t>
+            </a:r>
+            <a:r>
+              <a:rPr lang="nl-NL" sz="1600" b="1" dirty="0" err="1">
+                <a:latin typeface="Courier New" panose="02070309020205020404" pitchFamily="49" charset="0"/>
+                <a:cs typeface="Courier New" panose="02070309020205020404" pitchFamily="49" charset="0"/>
+              </a:rPr>
+              <a:t>position</a:t>
+            </a:r>
+            <a:r>
+              <a:rPr lang="nl-NL" sz="1600" b="1" dirty="0">
+                <a:latin typeface="Courier New" panose="02070309020205020404" pitchFamily="49" charset="0"/>
+                <a:cs typeface="Courier New" panose="02070309020205020404" pitchFamily="49" charset="0"/>
+              </a:rPr>
+              <a:t>="last-</a:t>
+            </a:r>
+            <a:r>
+              <a:rPr lang="nl-NL" sz="1600" b="1" dirty="0" err="1">
+                <a:latin typeface="Courier New" panose="02070309020205020404" pitchFamily="49" charset="0"/>
+                <a:cs typeface="Courier New" panose="02070309020205020404" pitchFamily="49" charset="0"/>
+              </a:rPr>
+              <a:t>child</a:t>
+            </a:r>
+            <a:r>
+              <a:rPr lang="nl-NL" sz="1600" b="1" dirty="0">
+                <a:latin typeface="Courier New" panose="02070309020205020404" pitchFamily="49" charset="0"/>
+                <a:cs typeface="Courier New" panose="02070309020205020404" pitchFamily="49" charset="0"/>
+              </a:rPr>
+              <a:t>"&gt;</a:t>
+            </a:r>
+          </a:p>
+          <a:p>
+            <a:r>
+              <a:rPr lang="nl-NL" sz="1600" b="1" dirty="0">
+                <a:latin typeface="Courier New" panose="02070309020205020404" pitchFamily="49" charset="0"/>
+                <a:cs typeface="Courier New" panose="02070309020205020404" pitchFamily="49" charset="0"/>
+              </a:rPr>
+              <a:t>    &lt;</a:t>
+            </a:r>
+            <a:r>
+              <a:rPr lang="nl-NL" sz="1600" b="1" dirty="0" err="1">
+                <a:latin typeface="Courier New" panose="02070309020205020404" pitchFamily="49" charset="0"/>
+                <a:cs typeface="Courier New" panose="02070309020205020404" pitchFamily="49" charset="0"/>
+              </a:rPr>
+              <a:t>p:with-input</a:t>
+            </a:r>
+            <a:r>
+              <a:rPr lang="nl-NL" sz="1600" b="1" dirty="0">
+                <a:latin typeface="Courier New" panose="02070309020205020404" pitchFamily="49" charset="0"/>
+                <a:cs typeface="Courier New" panose="02070309020205020404" pitchFamily="49" charset="0"/>
+              </a:rPr>
+              <a:t> port="</a:t>
+            </a:r>
+            <a:r>
+              <a:rPr lang="nl-NL" sz="1600" b="1" dirty="0" err="1">
+                <a:latin typeface="Courier New" panose="02070309020205020404" pitchFamily="49" charset="0"/>
+                <a:cs typeface="Courier New" panose="02070309020205020404" pitchFamily="49" charset="0"/>
+              </a:rPr>
+              <a:t>insertion</a:t>
+            </a:r>
+            <a:r>
+              <a:rPr lang="nl-NL" sz="1600" b="1" dirty="0">
+                <a:latin typeface="Courier New" panose="02070309020205020404" pitchFamily="49" charset="0"/>
+                <a:cs typeface="Courier New" panose="02070309020205020404" pitchFamily="49" charset="0"/>
+              </a:rPr>
+              <a:t>"&gt;</a:t>
+            </a:r>
+          </a:p>
+          <a:p>
+            <a:r>
+              <a:rPr lang="nl-NL" sz="1600" b="1" dirty="0">
+                <a:latin typeface="Courier New" panose="02070309020205020404" pitchFamily="49" charset="0"/>
+                <a:cs typeface="Courier New" panose="02070309020205020404" pitchFamily="49" charset="0"/>
+              </a:rPr>
+              <a:t>      &lt;</a:t>
+            </a:r>
+            <a:r>
+              <a:rPr lang="nl-NL" sz="1600" b="1" dirty="0" err="1">
+                <a:latin typeface="Courier New" panose="02070309020205020404" pitchFamily="49" charset="0"/>
+                <a:cs typeface="Courier New" panose="02070309020205020404" pitchFamily="49" charset="0"/>
+              </a:rPr>
+              <a:t>p:inline</a:t>
+            </a:r>
+            <a:r>
+              <a:rPr lang="nl-NL" sz="1600" b="1" dirty="0">
+                <a:latin typeface="Courier New" panose="02070309020205020404" pitchFamily="49" charset="0"/>
+                <a:cs typeface="Courier New" panose="02070309020205020404" pitchFamily="49" charset="0"/>
+              </a:rPr>
+              <a:t>&gt;</a:t>
+            </a:r>
+          </a:p>
+          <a:p>
+            <a:r>
+              <a:rPr lang="nl-NL" sz="1600" b="1" dirty="0">
+                <a:latin typeface="Courier New" panose="02070309020205020404" pitchFamily="49" charset="0"/>
+                <a:cs typeface="Courier New" panose="02070309020205020404" pitchFamily="49" charset="0"/>
+              </a:rPr>
+              <a:t>        &lt;</a:t>
+            </a:r>
+            <a:r>
+              <a:rPr lang="nl-NL" sz="1600" b="1" dirty="0" err="1">
+                <a:latin typeface="Courier New" panose="02070309020205020404" pitchFamily="49" charset="0"/>
+                <a:cs typeface="Courier New" panose="02070309020205020404" pitchFamily="49" charset="0"/>
+              </a:rPr>
+              <a:t>location</a:t>
+            </a:r>
+            <a:r>
+              <a:rPr lang="nl-NL" sz="1600" b="1" dirty="0">
+                <a:latin typeface="Courier New" panose="02070309020205020404" pitchFamily="49" charset="0"/>
+                <a:cs typeface="Courier New" panose="02070309020205020404" pitchFamily="49" charset="0"/>
+              </a:rPr>
+              <a:t>&gt;Berlin {</a:t>
+            </a:r>
+            <a:r>
+              <a:rPr lang="nl-NL" sz="1600" b="1" dirty="0" err="1">
+                <a:latin typeface="Courier New" panose="02070309020205020404" pitchFamily="49" charset="0"/>
+                <a:cs typeface="Courier New" panose="02070309020205020404" pitchFamily="49" charset="0"/>
+              </a:rPr>
+              <a:t>year</a:t>
+            </a:r>
+            <a:r>
+              <a:rPr lang="nl-NL" sz="1600" b="1" dirty="0">
+                <a:latin typeface="Courier New" panose="02070309020205020404" pitchFamily="49" charset="0"/>
+                <a:cs typeface="Courier New" panose="02070309020205020404" pitchFamily="49" charset="0"/>
+              </a:rPr>
+              <a:t>-</a:t>
+            </a:r>
+            <a:r>
+              <a:rPr lang="nl-NL" sz="1600" b="1" dirty="0" err="1">
+                <a:latin typeface="Courier New" panose="02070309020205020404" pitchFamily="49" charset="0"/>
+                <a:cs typeface="Courier New" panose="02070309020205020404" pitchFamily="49" charset="0"/>
+              </a:rPr>
+              <a:t>from</a:t>
+            </a:r>
+            <a:r>
+              <a:rPr lang="nl-NL" sz="1600" b="1" dirty="0">
+                <a:latin typeface="Courier New" panose="02070309020205020404" pitchFamily="49" charset="0"/>
+                <a:cs typeface="Courier New" panose="02070309020205020404" pitchFamily="49" charset="0"/>
+              </a:rPr>
+              <a:t>-date(</a:t>
+            </a:r>
+            <a:r>
+              <a:rPr lang="nl-NL" sz="1600" b="1" dirty="0" err="1">
+                <a:latin typeface="Courier New" panose="02070309020205020404" pitchFamily="49" charset="0"/>
+                <a:cs typeface="Courier New" panose="02070309020205020404" pitchFamily="49" charset="0"/>
+              </a:rPr>
+              <a:t>current</a:t>
+            </a:r>
+            <a:r>
+              <a:rPr lang="nl-NL" sz="1600" b="1" dirty="0">
+                <a:latin typeface="Courier New" panose="02070309020205020404" pitchFamily="49" charset="0"/>
+                <a:cs typeface="Courier New" panose="02070309020205020404" pitchFamily="49" charset="0"/>
+              </a:rPr>
+              <a:t>-date())}&lt;/</a:t>
+            </a:r>
+            <a:r>
+              <a:rPr lang="nl-NL" sz="1600" b="1" dirty="0" err="1">
+                <a:latin typeface="Courier New" panose="02070309020205020404" pitchFamily="49" charset="0"/>
+                <a:cs typeface="Courier New" panose="02070309020205020404" pitchFamily="49" charset="0"/>
+              </a:rPr>
+              <a:t>location</a:t>
+            </a:r>
+            <a:r>
+              <a:rPr lang="nl-NL" sz="1600" b="1" dirty="0">
+                <a:latin typeface="Courier New" panose="02070309020205020404" pitchFamily="49" charset="0"/>
+                <a:cs typeface="Courier New" panose="02070309020205020404" pitchFamily="49" charset="0"/>
+              </a:rPr>
+              <a:t>&gt;</a:t>
+            </a:r>
+          </a:p>
+          <a:p>
+            <a:r>
+              <a:rPr lang="nl-NL" sz="1600" b="1" dirty="0">
+                <a:latin typeface="Courier New" panose="02070309020205020404" pitchFamily="49" charset="0"/>
+                <a:cs typeface="Courier New" panose="02070309020205020404" pitchFamily="49" charset="0"/>
+              </a:rPr>
+              <a:t>      &lt;/</a:t>
+            </a:r>
+            <a:r>
+              <a:rPr lang="nl-NL" sz="1600" b="1" dirty="0" err="1">
+                <a:latin typeface="Courier New" panose="02070309020205020404" pitchFamily="49" charset="0"/>
+                <a:cs typeface="Courier New" panose="02070309020205020404" pitchFamily="49" charset="0"/>
+              </a:rPr>
+              <a:t>p:inline</a:t>
+            </a:r>
+            <a:r>
+              <a:rPr lang="nl-NL" sz="1600" b="1" dirty="0">
+                <a:latin typeface="Courier New" panose="02070309020205020404" pitchFamily="49" charset="0"/>
+                <a:cs typeface="Courier New" panose="02070309020205020404" pitchFamily="49" charset="0"/>
+              </a:rPr>
+              <a:t>&gt;</a:t>
+            </a:r>
+          </a:p>
+          <a:p>
+            <a:r>
+              <a:rPr lang="nl-NL" sz="1600" b="1" dirty="0">
+                <a:latin typeface="Courier New" panose="02070309020205020404" pitchFamily="49" charset="0"/>
+                <a:cs typeface="Courier New" panose="02070309020205020404" pitchFamily="49" charset="0"/>
+              </a:rPr>
+              <a:t>    &lt;/</a:t>
+            </a:r>
+            <a:r>
+              <a:rPr lang="nl-NL" sz="1600" b="1" dirty="0" err="1">
+                <a:latin typeface="Courier New" panose="02070309020205020404" pitchFamily="49" charset="0"/>
+                <a:cs typeface="Courier New" panose="02070309020205020404" pitchFamily="49" charset="0"/>
+              </a:rPr>
+              <a:t>p:with-input</a:t>
+            </a:r>
+            <a:r>
+              <a:rPr lang="nl-NL" sz="1600" b="1" dirty="0">
+                <a:latin typeface="Courier New" panose="02070309020205020404" pitchFamily="49" charset="0"/>
+                <a:cs typeface="Courier New" panose="02070309020205020404" pitchFamily="49" charset="0"/>
+              </a:rPr>
+              <a:t>&gt;</a:t>
+            </a:r>
+          </a:p>
+          <a:p>
+            <a:r>
+              <a:rPr lang="nl-NL" sz="1600" b="1" dirty="0">
+                <a:latin typeface="Courier New" panose="02070309020205020404" pitchFamily="49" charset="0"/>
+                <a:cs typeface="Courier New" panose="02070309020205020404" pitchFamily="49" charset="0"/>
+              </a:rPr>
+              <a:t>  &lt;/</a:t>
+            </a:r>
+            <a:r>
+              <a:rPr lang="nl-NL" sz="1600" b="1" dirty="0" err="1">
+                <a:latin typeface="Courier New" panose="02070309020205020404" pitchFamily="49" charset="0"/>
+                <a:cs typeface="Courier New" panose="02070309020205020404" pitchFamily="49" charset="0"/>
+              </a:rPr>
+              <a:t>p:insert</a:t>
+            </a:r>
+            <a:r>
+              <a:rPr lang="nl-NL" sz="1600" b="1" dirty="0">
+                <a:latin typeface="Courier New" panose="02070309020205020404" pitchFamily="49" charset="0"/>
+                <a:cs typeface="Courier New" panose="02070309020205020404" pitchFamily="49" charset="0"/>
+              </a:rPr>
+              <a:t>&gt;</a:t>
+            </a:r>
+          </a:p>
+          <a:p>
+            <a:endParaRPr lang="nl-NL" sz="1600" b="1" dirty="0">
+              <a:latin typeface="Courier New" panose="02070309020205020404" pitchFamily="49" charset="0"/>
+              <a:cs typeface="Courier New" panose="02070309020205020404" pitchFamily="49" charset="0"/>
+            </a:endParaRPr>
+          </a:p>
+          <a:p>
+            <a:r>
+              <a:rPr lang="nl-NL" sz="1600" b="1" dirty="0">
+                <a:latin typeface="Courier New" panose="02070309020205020404" pitchFamily="49" charset="0"/>
+                <a:cs typeface="Courier New" panose="02070309020205020404" pitchFamily="49" charset="0"/>
+              </a:rPr>
+              <a:t>&lt;/</a:t>
+            </a:r>
+            <a:r>
+              <a:rPr lang="nl-NL" sz="1600" b="1" dirty="0" err="1">
+                <a:latin typeface="Courier New" panose="02070309020205020404" pitchFamily="49" charset="0"/>
+                <a:cs typeface="Courier New" panose="02070309020205020404" pitchFamily="49" charset="0"/>
+              </a:rPr>
+              <a:t>p:declare-step</a:t>
+            </a:r>
+            <a:r>
+              <a:rPr lang="nl-NL" sz="1600" b="1" dirty="0">
+                <a:latin typeface="Courier New" panose="02070309020205020404" pitchFamily="49" charset="0"/>
+                <a:cs typeface="Courier New" panose="02070309020205020404" pitchFamily="49" charset="0"/>
+              </a:rPr>
+              <a:t>&gt;</a:t>
+            </a:r>
+          </a:p>
+        </p:txBody>
+      </p:sp>
+    </p:spTree>
+    <p:extLst>
+      <p:ext uri="{BB962C8B-B14F-4D97-AF65-F5344CB8AC3E}">
+        <p14:creationId xmlns:p14="http://schemas.microsoft.com/office/powerpoint/2010/main" val="183766483"/>
+      </p:ext>
+    </p:extLst>
+  </p:cSld>
+  <p:clrMapOvr>
+    <a:masterClrMapping/>
+  </p:clrMapOvr>
+</p:sld>
+</file>
+
+<file path=ppt/slides/slide38.xml><?xml version="1.0" encoding="utf-8"?>
+<p:sld xmlns:a="http://schemas.openxmlformats.org/drawingml/2006/main" xmlns:r="http://schemas.openxmlformats.org/officeDocument/2006/relationships" xmlns:p="http://schemas.openxmlformats.org/presentationml/2006/main">
+  <p:cSld>
+    <p:spTree>
+      <p:nvGrpSpPr>
+        <p:cNvPr id="1" name=""/>
+        <p:cNvGrpSpPr/>
+        <p:nvPr/>
+      </p:nvGrpSpPr>
+      <p:grpSpPr>
+        <a:xfrm>
+          <a:off x="0" y="0"/>
+          <a:ext cx="0" cy="0"/>
+          <a:chOff x="0" y="0"/>
+          <a:chExt cx="0" cy="0"/>
+        </a:xfrm>
+      </p:grpSpPr>
+      <p:sp>
+        <p:nvSpPr>
+          <p:cNvPr id="2" name="Title 1">
+            <a:extLst>
+              <a:ext uri="{FF2B5EF4-FFF2-40B4-BE49-F238E27FC236}">
+                <a16:creationId xmlns:a16="http://schemas.microsoft.com/office/drawing/2014/main" id="{4123861A-F328-4BB9-8F10-4F9FB0F7E245}"/>
+              </a:ext>
+            </a:extLst>
+          </p:cNvPr>
+          <p:cNvSpPr>
+            <a:spLocks noGrp="1"/>
+          </p:cNvSpPr>
+          <p:nvPr>
+            <p:ph type="title"/>
+          </p:nvPr>
+        </p:nvSpPr>
+        <p:spPr>
+          <a:xfrm>
             <a:off x="287020" y="182438"/>
             <a:ext cx="11617960" cy="860848"/>
           </a:xfrm>
@@ -26204,10 +28021,170 @@
   <p:clrMapOvr>
     <a:masterClrMapping/>
   </p:clrMapOvr>
+  <p:timing>
+    <p:tnLst>
+      <p:par>
+        <p:cTn id="1" dur="indefinite" restart="never" nodeType="tmRoot">
+          <p:childTnLst>
+            <p:seq concurrent="1" nextAc="seek">
+              <p:cTn id="2" dur="indefinite" nodeType="mainSeq">
+                <p:childTnLst>
+                  <p:par>
+                    <p:cTn id="3" fill="hold">
+                      <p:stCondLst>
+                        <p:cond delay="indefinite"/>
+                      </p:stCondLst>
+                      <p:childTnLst>
+                        <p:par>
+                          <p:cTn id="4" fill="hold">
+                            <p:stCondLst>
+                              <p:cond delay="0"/>
+                            </p:stCondLst>
+                            <p:childTnLst>
+                              <p:par>
+                                <p:cTn id="5" presetID="1" presetClass="entr" presetSubtype="0" fill="hold" grpId="0" nodeType="clickEffect">
+                                  <p:stCondLst>
+                                    <p:cond delay="0"/>
+                                  </p:stCondLst>
+                                  <p:childTnLst>
+                                    <p:set>
+                                      <p:cBhvr>
+                                        <p:cTn id="6" dur="1" fill="hold">
+                                          <p:stCondLst>
+                                            <p:cond delay="0"/>
+                                          </p:stCondLst>
+                                        </p:cTn>
+                                        <p:tgtEl>
+                                          <p:spTgt spid="9"/>
+                                        </p:tgtEl>
+                                        <p:attrNameLst>
+                                          <p:attrName>style.visibility</p:attrName>
+                                        </p:attrNameLst>
+                                      </p:cBhvr>
+                                      <p:to>
+                                        <p:strVal val="visible"/>
+                                      </p:to>
+                                    </p:set>
+                                  </p:childTnLst>
+                                </p:cTn>
+                              </p:par>
+                            </p:childTnLst>
+                          </p:cTn>
+                        </p:par>
+                      </p:childTnLst>
+                    </p:cTn>
+                  </p:par>
+                  <p:par>
+                    <p:cTn id="7" fill="hold">
+                      <p:stCondLst>
+                        <p:cond delay="indefinite"/>
+                      </p:stCondLst>
+                      <p:childTnLst>
+                        <p:par>
+                          <p:cTn id="8" fill="hold">
+                            <p:stCondLst>
+                              <p:cond delay="0"/>
+                            </p:stCondLst>
+                            <p:childTnLst>
+                              <p:par>
+                                <p:cTn id="9" presetID="1" presetClass="entr" presetSubtype="0" fill="hold" grpId="0" nodeType="clickEffect">
+                                  <p:stCondLst>
+                                    <p:cond delay="0"/>
+                                  </p:stCondLst>
+                                  <p:childTnLst>
+                                    <p:set>
+                                      <p:cBhvr>
+                                        <p:cTn id="10" dur="1" fill="hold">
+                                          <p:stCondLst>
+                                            <p:cond delay="0"/>
+                                          </p:stCondLst>
+                                        </p:cTn>
+                                        <p:tgtEl>
+                                          <p:spTgt spid="8"/>
+                                        </p:tgtEl>
+                                        <p:attrNameLst>
+                                          <p:attrName>style.visibility</p:attrName>
+                                        </p:attrNameLst>
+                                      </p:cBhvr>
+                                      <p:to>
+                                        <p:strVal val="visible"/>
+                                      </p:to>
+                                    </p:set>
+                                  </p:childTnLst>
+                                </p:cTn>
+                              </p:par>
+                              <p:par>
+                                <p:cTn id="11" presetID="10" presetClass="entr" presetSubtype="0" fill="hold" grpId="0" nodeType="withEffect">
+                                  <p:stCondLst>
+                                    <p:cond delay="2000"/>
+                                  </p:stCondLst>
+                                  <p:childTnLst>
+                                    <p:set>
+                                      <p:cBhvr>
+                                        <p:cTn id="12" dur="1" fill="hold">
+                                          <p:stCondLst>
+                                            <p:cond delay="0"/>
+                                          </p:stCondLst>
+                                        </p:cTn>
+                                        <p:tgtEl>
+                                          <p:spTgt spid="10"/>
+                                        </p:tgtEl>
+                                        <p:attrNameLst>
+                                          <p:attrName>style.visibility</p:attrName>
+                                        </p:attrNameLst>
+                                      </p:cBhvr>
+                                      <p:to>
+                                        <p:strVal val="visible"/>
+                                      </p:to>
+                                    </p:set>
+                                    <p:animEffect transition="in" filter="fade">
+                                      <p:cBhvr>
+                                        <p:cTn id="13" dur="500"/>
+                                        <p:tgtEl>
+                                          <p:spTgt spid="10"/>
+                                        </p:tgtEl>
+                                      </p:cBhvr>
+                                    </p:animEffect>
+                                  </p:childTnLst>
+                                </p:cTn>
+                              </p:par>
+                            </p:childTnLst>
+                          </p:cTn>
+                        </p:par>
+                      </p:childTnLst>
+                    </p:cTn>
+                  </p:par>
+                </p:childTnLst>
+              </p:cTn>
+              <p:prevCondLst>
+                <p:cond evt="onPrev" delay="0">
+                  <p:tgtEl>
+                    <p:sldTgt/>
+                  </p:tgtEl>
+                </p:cond>
+              </p:prevCondLst>
+              <p:nextCondLst>
+                <p:cond evt="onNext" delay="0">
+                  <p:tgtEl>
+                    <p:sldTgt/>
+                  </p:tgtEl>
+                </p:cond>
+              </p:nextCondLst>
+            </p:seq>
+          </p:childTnLst>
+        </p:cTn>
+      </p:par>
+    </p:tnLst>
+    <p:bldLst>
+      <p:bldP spid="8" grpId="0" animBg="1"/>
+      <p:bldP spid="9" grpId="0" animBg="1"/>
+      <p:bldP spid="10" grpId="0" animBg="1"/>
+    </p:bldLst>
+  </p:timing>
 </p:sld>
 </file>
 
-<file path=ppt/slides/slide38.xml><?xml version="1.0" encoding="utf-8"?>
+<file path=ppt/slides/slide39.xml><?xml version="1.0" encoding="utf-8"?>
 <p:sld xmlns:a="http://schemas.openxmlformats.org/drawingml/2006/main" xmlns:r="http://schemas.openxmlformats.org/officeDocument/2006/relationships" xmlns:p="http://schemas.openxmlformats.org/presentationml/2006/main">
   <p:cSld>
     <p:spTree>
@@ -26523,7 +28500,801 @@
 </p:sld>
 </file>
 
-<file path=ppt/slides/slide39.xml><?xml version="1.0" encoding="utf-8"?>
+<file path=ppt/slides/slide4.xml><?xml version="1.0" encoding="utf-8"?>
+<p:sld xmlns:a="http://schemas.openxmlformats.org/drawingml/2006/main" xmlns:r="http://schemas.openxmlformats.org/officeDocument/2006/relationships" xmlns:p="http://schemas.openxmlformats.org/presentationml/2006/main">
+  <p:cSld>
+    <p:spTree>
+      <p:nvGrpSpPr>
+        <p:cNvPr id="1" name=""/>
+        <p:cNvGrpSpPr/>
+        <p:nvPr/>
+      </p:nvGrpSpPr>
+      <p:grpSpPr>
+        <a:xfrm>
+          <a:off x="0" y="0"/>
+          <a:ext cx="0" cy="0"/>
+          <a:chOff x="0" y="0"/>
+          <a:chExt cx="0" cy="0"/>
+        </a:xfrm>
+      </p:grpSpPr>
+      <p:sp>
+        <p:nvSpPr>
+          <p:cNvPr id="2" name="Title 1">
+            <a:extLst>
+              <a:ext uri="{FF2B5EF4-FFF2-40B4-BE49-F238E27FC236}">
+                <a16:creationId xmlns:a16="http://schemas.microsoft.com/office/drawing/2014/main" id="{5932F04C-64E6-4073-BD78-F756A1AF117C}"/>
+              </a:ext>
+            </a:extLst>
+          </p:cNvPr>
+          <p:cNvSpPr>
+            <a:spLocks noGrp="1"/>
+          </p:cNvSpPr>
+          <p:nvPr>
+            <p:ph type="title"/>
+          </p:nvPr>
+        </p:nvSpPr>
+        <p:spPr>
+          <a:xfrm>
+            <a:off x="437367" y="89552"/>
+            <a:ext cx="10515600" cy="1325563"/>
+          </a:xfrm>
+        </p:spPr>
+        <p:txBody>
+          <a:bodyPr/>
+          <a:lstStyle/>
+          <a:p>
+            <a:r>
+              <a:rPr lang="en-US" b="1" dirty="0"/>
+              <a:t>Why should I bother?</a:t>
+            </a:r>
+            <a:endParaRPr lang="en-NL" b="1" dirty="0"/>
+          </a:p>
+        </p:txBody>
+      </p:sp>
+      <p:sp>
+        <p:nvSpPr>
+          <p:cNvPr id="3" name="Content Placeholder 2">
+            <a:extLst>
+              <a:ext uri="{FF2B5EF4-FFF2-40B4-BE49-F238E27FC236}">
+                <a16:creationId xmlns:a16="http://schemas.microsoft.com/office/drawing/2014/main" id="{FF031072-9F3A-4533-98E6-F13BF85D65CC}"/>
+              </a:ext>
+            </a:extLst>
+          </p:cNvPr>
+          <p:cNvSpPr>
+            <a:spLocks noGrp="1"/>
+          </p:cNvSpPr>
+          <p:nvPr>
+            <p:ph idx="1"/>
+          </p:nvPr>
+        </p:nvSpPr>
+        <p:spPr>
+          <a:xfrm>
+            <a:off x="806885" y="1656524"/>
+            <a:ext cx="8869471" cy="4351338"/>
+          </a:xfrm>
+        </p:spPr>
+        <p:txBody>
+          <a:bodyPr/>
+          <a:lstStyle/>
+          <a:p>
+            <a:r>
+              <a:rPr lang="en-US" dirty="0"/>
+              <a:t>Pipelines are ubiquitous all around us</a:t>
+            </a:r>
+          </a:p>
+          <a:p>
+            <a:r>
+              <a:rPr lang="en-US" dirty="0"/>
+              <a:t>Solve problems with a set of small, sharp tools that combine in many ways</a:t>
+            </a:r>
+          </a:p>
+          <a:p>
+            <a:pPr lvl="1"/>
+            <a:r>
+              <a:rPr lang="en-US" dirty="0"/>
+              <a:t>Like the UNIX command line</a:t>
+            </a:r>
+          </a:p>
+          <a:p>
+            <a:r>
+              <a:rPr lang="en-US" dirty="0"/>
+              <a:t>Very natural choice for document processing</a:t>
+            </a:r>
+          </a:p>
+          <a:p>
+            <a:r>
+              <a:rPr lang="en-US" dirty="0"/>
+              <a:t>Compose small tools into something bigger, pipelines…</a:t>
+            </a:r>
+          </a:p>
+          <a:p>
+            <a:r>
+              <a:rPr lang="en-US" dirty="0"/>
+              <a:t>XProc beats the alternatives</a:t>
+            </a:r>
+            <a:endParaRPr lang="en-NL" dirty="0"/>
+          </a:p>
+        </p:txBody>
+      </p:sp>
+      <p:pic>
+        <p:nvPicPr>
+          <p:cNvPr id="7" name="Picture 6" descr="A factory next to a fence&#10;&#10;Description automatically generated">
+            <a:extLst>
+              <a:ext uri="{FF2B5EF4-FFF2-40B4-BE49-F238E27FC236}">
+                <a16:creationId xmlns:a16="http://schemas.microsoft.com/office/drawing/2014/main" id="{5A6F02A3-55AE-406D-9533-E86CE4C49388}"/>
+              </a:ext>
+            </a:extLst>
+          </p:cNvPr>
+          <p:cNvPicPr>
+            <a:picLocks noChangeAspect="1"/>
+          </p:cNvPicPr>
+          <p:nvPr/>
+        </p:nvPicPr>
+        <p:blipFill>
+          <a:blip r:embed="rId2">
+            <a:extLst>
+              <a:ext uri="{28A0092B-C50C-407E-A947-70E740481C1C}">
+                <a14:useLocalDpi xmlns:a14="http://schemas.microsoft.com/office/drawing/2010/main" val="0"/>
+              </a:ext>
+            </a:extLst>
+          </a:blip>
+          <a:stretch>
+            <a:fillRect/>
+          </a:stretch>
+        </p:blipFill>
+        <p:spPr>
+          <a:xfrm>
+            <a:off x="6683913" y="70437"/>
+            <a:ext cx="3270144" cy="1839456"/>
+          </a:xfrm>
+          <a:prstGeom prst="roundRect">
+            <a:avLst>
+              <a:gd name="adj" fmla="val 16667"/>
+            </a:avLst>
+          </a:prstGeom>
+          <a:ln>
+            <a:noFill/>
+          </a:ln>
+          <a:effectLst>
+            <a:outerShdw blurRad="76200" dist="38100" dir="7800000" algn="tl" rotWithShape="0">
+              <a:srgbClr val="000000">
+                <a:alpha val="40000"/>
+              </a:srgbClr>
+            </a:outerShdw>
+          </a:effectLst>
+          <a:scene3d>
+            <a:camera prst="orthographicFront"/>
+            <a:lightRig rig="contrasting" dir="t">
+              <a:rot lat="0" lon="0" rev="4200000"/>
+            </a:lightRig>
+          </a:scene3d>
+          <a:sp3d prstMaterial="plastic">
+            <a:bevelT w="381000" h="114300" prst="relaxedInset"/>
+            <a:contourClr>
+              <a:srgbClr val="969696"/>
+            </a:contourClr>
+          </a:sp3d>
+        </p:spPr>
+      </p:pic>
+      <p:pic>
+        <p:nvPicPr>
+          <p:cNvPr id="1026" name="Picture 2">
+            <a:extLst>
+              <a:ext uri="{FF2B5EF4-FFF2-40B4-BE49-F238E27FC236}">
+                <a16:creationId xmlns:a16="http://schemas.microsoft.com/office/drawing/2014/main" id="{3FE5053B-0583-41D9-8FB2-4432BE4FB7E2}"/>
+              </a:ext>
+            </a:extLst>
+          </p:cNvPr>
+          <p:cNvPicPr>
+            <a:picLocks noChangeAspect="1" noChangeArrowheads="1"/>
+          </p:cNvPicPr>
+          <p:nvPr/>
+        </p:nvPicPr>
+        <p:blipFill>
+          <a:blip r:embed="rId3">
+            <a:extLst>
+              <a:ext uri="{28A0092B-C50C-407E-A947-70E740481C1C}">
+                <a14:useLocalDpi xmlns:a14="http://schemas.microsoft.com/office/drawing/2010/main" val="0"/>
+              </a:ext>
+            </a:extLst>
+          </a:blip>
+          <a:srcRect/>
+          <a:stretch>
+            <a:fillRect/>
+          </a:stretch>
+        </p:blipFill>
+        <p:spPr bwMode="auto">
+          <a:xfrm>
+            <a:off x="9954057" y="1596134"/>
+            <a:ext cx="2170576" cy="1358302"/>
+          </a:xfrm>
+          <a:prstGeom prst="rect">
+            <a:avLst/>
+          </a:prstGeom>
+          <a:noFill/>
+          <a:extLst>
+            <a:ext uri="{909E8E84-426E-40DD-AFC4-6F175D3DCCD1}">
+              <a14:hiddenFill xmlns:a14="http://schemas.microsoft.com/office/drawing/2010/main">
+                <a:solidFill>
+                  <a:srgbClr val="FFFFFF"/>
+                </a:solidFill>
+              </a14:hiddenFill>
+            </a:ext>
+          </a:extLst>
+        </p:spPr>
+      </p:pic>
+      <p:sp>
+        <p:nvSpPr>
+          <p:cNvPr id="8" name="Speech Bubble: Oval 7">
+            <a:extLst>
+              <a:ext uri="{FF2B5EF4-FFF2-40B4-BE49-F238E27FC236}">
+                <a16:creationId xmlns:a16="http://schemas.microsoft.com/office/drawing/2014/main" id="{BBE5BE1E-FB12-471A-88C9-6C5F44060095}"/>
+              </a:ext>
+            </a:extLst>
+          </p:cNvPr>
+          <p:cNvSpPr/>
+          <p:nvPr/>
+        </p:nvSpPr>
+        <p:spPr>
+          <a:xfrm>
+            <a:off x="3720231" y="5505189"/>
+            <a:ext cx="7478038" cy="1213111"/>
+          </a:xfrm>
+          <a:prstGeom prst="wedgeEllipseCallout">
+            <a:avLst>
+              <a:gd name="adj1" fmla="val 55382"/>
+              <a:gd name="adj2" fmla="val 42179"/>
+            </a:avLst>
+          </a:prstGeom>
+        </p:spPr>
+        <p:style>
+          <a:lnRef idx="2">
+            <a:schemeClr val="accent1">
+              <a:shade val="50000"/>
+            </a:schemeClr>
+          </a:lnRef>
+          <a:fillRef idx="1">
+            <a:schemeClr val="accent1"/>
+          </a:fillRef>
+          <a:effectRef idx="0">
+            <a:schemeClr val="accent1"/>
+          </a:effectRef>
+          <a:fontRef idx="minor">
+            <a:schemeClr val="lt1"/>
+          </a:fontRef>
+        </p:style>
+        <p:txBody>
+          <a:bodyPr rtlCol="0" anchor="ctr"/>
+          <a:lstStyle/>
+          <a:p>
+            <a:pPr algn="ctr"/>
+            <a:r>
+              <a:rPr lang="en-US" sz="1600" dirty="0"/>
+              <a:t>A successful example of large-scale application of XProc (1.0) pipelines doing document engineering: </a:t>
+            </a:r>
+          </a:p>
+          <a:p>
+            <a:pPr algn="ctr"/>
+            <a:r>
+              <a:rPr lang="en-US" sz="1600" dirty="0"/>
+              <a:t>https://www.le-tex.de/en/transpect.html</a:t>
+            </a:r>
+            <a:endParaRPr lang="en-NL" sz="1600" dirty="0"/>
+          </a:p>
+        </p:txBody>
+      </p:sp>
+      <p:pic>
+        <p:nvPicPr>
+          <p:cNvPr id="1028" name="Picture 4" descr="Afbeeldingsresultaat voor automotive industry">
+            <a:extLst>
+              <a:ext uri="{FF2B5EF4-FFF2-40B4-BE49-F238E27FC236}">
+                <a16:creationId xmlns:a16="http://schemas.microsoft.com/office/drawing/2014/main" id="{9AED3A8E-A72F-4225-9963-5DFF255EEC9E}"/>
+              </a:ext>
+            </a:extLst>
+          </p:cNvPr>
+          <p:cNvPicPr>
+            <a:picLocks noChangeAspect="1" noChangeArrowheads="1"/>
+          </p:cNvPicPr>
+          <p:nvPr/>
+        </p:nvPicPr>
+        <p:blipFill>
+          <a:blip r:embed="rId4">
+            <a:extLst>
+              <a:ext uri="{28A0092B-C50C-407E-A947-70E740481C1C}">
+                <a14:useLocalDpi xmlns:a14="http://schemas.microsoft.com/office/drawing/2010/main" val="0"/>
+              </a:ext>
+            </a:extLst>
+          </a:blip>
+          <a:srcRect/>
+          <a:stretch>
+            <a:fillRect/>
+          </a:stretch>
+        </p:blipFill>
+        <p:spPr bwMode="auto">
+          <a:xfrm>
+            <a:off x="9344938" y="2990665"/>
+            <a:ext cx="2464301" cy="1642867"/>
+          </a:xfrm>
+          <a:prstGeom prst="roundRect">
+            <a:avLst>
+              <a:gd name="adj" fmla="val 16667"/>
+            </a:avLst>
+          </a:prstGeom>
+          <a:ln>
+            <a:noFill/>
+          </a:ln>
+          <a:effectLst>
+            <a:outerShdw blurRad="76200" dist="38100" dir="7800000" algn="tl" rotWithShape="0">
+              <a:srgbClr val="000000">
+                <a:alpha val="40000"/>
+              </a:srgbClr>
+            </a:outerShdw>
+          </a:effectLst>
+          <a:scene3d>
+            <a:camera prst="orthographicFront"/>
+            <a:lightRig rig="contrasting" dir="t">
+              <a:rot lat="0" lon="0" rev="4200000"/>
+            </a:lightRig>
+          </a:scene3d>
+          <a:sp3d prstMaterial="plastic">
+            <a:bevelT w="381000" h="114300" prst="relaxedInset"/>
+            <a:contourClr>
+              <a:srgbClr val="969696"/>
+            </a:contourClr>
+          </a:sp3d>
+          <a:extLst>
+            <a:ext uri="{909E8E84-426E-40DD-AFC4-6F175D3DCCD1}">
+              <a14:hiddenFill xmlns:a14="http://schemas.microsoft.com/office/drawing/2010/main">
+                <a:solidFill>
+                  <a:srgbClr val="FFFFFF"/>
+                </a:solidFill>
+              </a14:hiddenFill>
+            </a:ext>
+          </a:extLst>
+        </p:spPr>
+      </p:pic>
+    </p:spTree>
+    <p:extLst>
+      <p:ext uri="{BB962C8B-B14F-4D97-AF65-F5344CB8AC3E}">
+        <p14:creationId xmlns:p14="http://schemas.microsoft.com/office/powerpoint/2010/main" val="3310173582"/>
+      </p:ext>
+    </p:extLst>
+  </p:cSld>
+  <p:clrMapOvr>
+    <a:masterClrMapping/>
+  </p:clrMapOvr>
+</p:sld>
+</file>
+
+<file path=ppt/slides/slide40.xml><?xml version="1.0" encoding="utf-8"?>
+<p:sld xmlns:a="http://schemas.openxmlformats.org/drawingml/2006/main" xmlns:r="http://schemas.openxmlformats.org/officeDocument/2006/relationships" xmlns:p="http://schemas.openxmlformats.org/presentationml/2006/main">
+  <p:cSld>
+    <p:spTree>
+      <p:nvGrpSpPr>
+        <p:cNvPr id="1" name=""/>
+        <p:cNvGrpSpPr/>
+        <p:nvPr/>
+      </p:nvGrpSpPr>
+      <p:grpSpPr>
+        <a:xfrm>
+          <a:off x="0" y="0"/>
+          <a:ext cx="0" cy="0"/>
+          <a:chOff x="0" y="0"/>
+          <a:chExt cx="0" cy="0"/>
+        </a:xfrm>
+      </p:grpSpPr>
+      <p:sp>
+        <p:nvSpPr>
+          <p:cNvPr id="2" name="Title 1">
+            <a:extLst>
+              <a:ext uri="{FF2B5EF4-FFF2-40B4-BE49-F238E27FC236}">
+                <a16:creationId xmlns:a16="http://schemas.microsoft.com/office/drawing/2014/main" id="{4123861A-F328-4BB9-8F10-4F9FB0F7E245}"/>
+              </a:ext>
+            </a:extLst>
+          </p:cNvPr>
+          <p:cNvSpPr>
+            <a:spLocks noGrp="1"/>
+          </p:cNvSpPr>
+          <p:nvPr>
+            <p:ph type="title"/>
+          </p:nvPr>
+        </p:nvSpPr>
+        <p:spPr>
+          <a:xfrm>
+            <a:off x="377614" y="109433"/>
+            <a:ext cx="11617960" cy="860848"/>
+          </a:xfrm>
+        </p:spPr>
+        <p:txBody>
+          <a:bodyPr>
+            <a:normAutofit/>
+          </a:bodyPr>
+          <a:lstStyle/>
+          <a:p>
+            <a:r>
+              <a:rPr lang="en-US" b="1" dirty="0"/>
+              <a:t>Insert external document - solution</a:t>
+            </a:r>
+            <a:endParaRPr lang="en-NL" b="1" dirty="0"/>
+          </a:p>
+        </p:txBody>
+      </p:sp>
+      <p:sp>
+        <p:nvSpPr>
+          <p:cNvPr id="4" name="TextBox 3">
+            <a:extLst>
+              <a:ext uri="{FF2B5EF4-FFF2-40B4-BE49-F238E27FC236}">
+                <a16:creationId xmlns:a16="http://schemas.microsoft.com/office/drawing/2014/main" id="{E614C84A-45C6-4C95-859B-4E28BD47CA0C}"/>
+              </a:ext>
+            </a:extLst>
+          </p:cNvPr>
+          <p:cNvSpPr txBox="1"/>
+          <p:nvPr/>
+        </p:nvSpPr>
+        <p:spPr>
+          <a:xfrm>
+            <a:off x="867155" y="1857253"/>
+            <a:ext cx="9069493" cy="3293209"/>
+          </a:xfrm>
+          <a:prstGeom prst="rect">
+            <a:avLst/>
+          </a:prstGeom>
+          <a:solidFill>
+            <a:schemeClr val="bg1">
+              <a:lumMod val="85000"/>
+            </a:schemeClr>
+          </a:solidFill>
+        </p:spPr>
+        <p:txBody>
+          <a:bodyPr wrap="square" rtlCol="0">
+            <a:spAutoFit/>
+          </a:bodyPr>
+          <a:lstStyle/>
+          <a:p>
+            <a:r>
+              <a:rPr lang="nl-NL" sz="1600" b="1" dirty="0">
+                <a:latin typeface="Courier New" panose="02070309020205020404" pitchFamily="49" charset="0"/>
+                <a:cs typeface="Courier New" panose="02070309020205020404" pitchFamily="49" charset="0"/>
+              </a:rPr>
+              <a:t>&lt;</a:t>
+            </a:r>
+            <a:r>
+              <a:rPr lang="nl-NL" sz="1600" b="1" dirty="0" err="1">
+                <a:latin typeface="Courier New" panose="02070309020205020404" pitchFamily="49" charset="0"/>
+                <a:cs typeface="Courier New" panose="02070309020205020404" pitchFamily="49" charset="0"/>
+              </a:rPr>
+              <a:t>p:declare-step</a:t>
+            </a:r>
+            <a:r>
+              <a:rPr lang="nl-NL" sz="1600" b="1" dirty="0">
+                <a:latin typeface="Courier New" panose="02070309020205020404" pitchFamily="49" charset="0"/>
+                <a:cs typeface="Courier New" panose="02070309020205020404" pitchFamily="49" charset="0"/>
+              </a:rPr>
+              <a:t> </a:t>
+            </a:r>
+            <a:r>
+              <a:rPr lang="nl-NL" sz="1600" b="1" dirty="0" err="1">
+                <a:latin typeface="Courier New" panose="02070309020205020404" pitchFamily="49" charset="0"/>
+                <a:cs typeface="Courier New" panose="02070309020205020404" pitchFamily="49" charset="0"/>
+              </a:rPr>
+              <a:t>xmlns:p</a:t>
+            </a:r>
+            <a:r>
+              <a:rPr lang="nl-NL" sz="1600" b="1" dirty="0">
+                <a:latin typeface="Courier New" panose="02070309020205020404" pitchFamily="49" charset="0"/>
+                <a:cs typeface="Courier New" panose="02070309020205020404" pitchFamily="49" charset="0"/>
+              </a:rPr>
+              <a:t>="http://www.w3.org/ns/xproc" </a:t>
+            </a:r>
+            <a:r>
+              <a:rPr lang="nl-NL" sz="1600" b="1" dirty="0" err="1">
+                <a:latin typeface="Courier New" panose="02070309020205020404" pitchFamily="49" charset="0"/>
+                <a:cs typeface="Courier New" panose="02070309020205020404" pitchFamily="49" charset="0"/>
+              </a:rPr>
+              <a:t>version</a:t>
+            </a:r>
+            <a:r>
+              <a:rPr lang="nl-NL" sz="1600" b="1" dirty="0">
+                <a:latin typeface="Courier New" panose="02070309020205020404" pitchFamily="49" charset="0"/>
+                <a:cs typeface="Courier New" panose="02070309020205020404" pitchFamily="49" charset="0"/>
+              </a:rPr>
+              <a:t>="3.0"&gt;</a:t>
+            </a:r>
+          </a:p>
+          <a:p>
+            <a:endParaRPr lang="nl-NL" sz="1600" b="1" dirty="0">
+              <a:latin typeface="Courier New" panose="02070309020205020404" pitchFamily="49" charset="0"/>
+              <a:cs typeface="Courier New" panose="02070309020205020404" pitchFamily="49" charset="0"/>
+            </a:endParaRPr>
+          </a:p>
+          <a:p>
+            <a:r>
+              <a:rPr lang="nl-NL" sz="1600" b="1" dirty="0">
+                <a:latin typeface="Courier New" panose="02070309020205020404" pitchFamily="49" charset="0"/>
+                <a:cs typeface="Courier New" panose="02070309020205020404" pitchFamily="49" charset="0"/>
+              </a:rPr>
+              <a:t>  &lt;</a:t>
+            </a:r>
+            <a:r>
+              <a:rPr lang="nl-NL" sz="1600" b="1" dirty="0" err="1">
+                <a:latin typeface="Courier New" panose="02070309020205020404" pitchFamily="49" charset="0"/>
+                <a:cs typeface="Courier New" panose="02070309020205020404" pitchFamily="49" charset="0"/>
+              </a:rPr>
+              <a:t>p:input</a:t>
+            </a:r>
+            <a:r>
+              <a:rPr lang="nl-NL" sz="1600" b="1" dirty="0">
+                <a:latin typeface="Courier New" panose="02070309020205020404" pitchFamily="49" charset="0"/>
+                <a:cs typeface="Courier New" panose="02070309020205020404" pitchFamily="49" charset="0"/>
+              </a:rPr>
+              <a:t> port="source"/&gt;</a:t>
+            </a:r>
+          </a:p>
+          <a:p>
+            <a:r>
+              <a:rPr lang="nl-NL" sz="1600" b="1" dirty="0">
+                <a:latin typeface="Courier New" panose="02070309020205020404" pitchFamily="49" charset="0"/>
+                <a:cs typeface="Courier New" panose="02070309020205020404" pitchFamily="49" charset="0"/>
+              </a:rPr>
+              <a:t>  &lt;</a:t>
+            </a:r>
+            <a:r>
+              <a:rPr lang="nl-NL" sz="1600" b="1" dirty="0" err="1">
+                <a:latin typeface="Courier New" panose="02070309020205020404" pitchFamily="49" charset="0"/>
+                <a:cs typeface="Courier New" panose="02070309020205020404" pitchFamily="49" charset="0"/>
+              </a:rPr>
+              <a:t>p:output</a:t>
+            </a:r>
+            <a:r>
+              <a:rPr lang="nl-NL" sz="1600" b="1" dirty="0">
+                <a:latin typeface="Courier New" panose="02070309020205020404" pitchFamily="49" charset="0"/>
+                <a:cs typeface="Courier New" panose="02070309020205020404" pitchFamily="49" charset="0"/>
+              </a:rPr>
+              <a:t> port="</a:t>
+            </a:r>
+            <a:r>
+              <a:rPr lang="nl-NL" sz="1600" b="1" dirty="0" err="1">
+                <a:latin typeface="Courier New" panose="02070309020205020404" pitchFamily="49" charset="0"/>
+                <a:cs typeface="Courier New" panose="02070309020205020404" pitchFamily="49" charset="0"/>
+              </a:rPr>
+              <a:t>result</a:t>
+            </a:r>
+            <a:r>
+              <a:rPr lang="nl-NL" sz="1600" b="1" dirty="0">
+                <a:latin typeface="Courier New" panose="02070309020205020404" pitchFamily="49" charset="0"/>
+                <a:cs typeface="Courier New" panose="02070309020205020404" pitchFamily="49" charset="0"/>
+              </a:rPr>
+              <a:t>"/&gt;</a:t>
+            </a:r>
+          </a:p>
+          <a:p>
+            <a:endParaRPr lang="nl-NL" sz="1600" b="1" dirty="0">
+              <a:latin typeface="Courier New" panose="02070309020205020404" pitchFamily="49" charset="0"/>
+              <a:cs typeface="Courier New" panose="02070309020205020404" pitchFamily="49" charset="0"/>
+            </a:endParaRPr>
+          </a:p>
+          <a:p>
+            <a:r>
+              <a:rPr lang="nl-NL" sz="1600" b="1" dirty="0">
+                <a:latin typeface="Courier New" panose="02070309020205020404" pitchFamily="49" charset="0"/>
+                <a:cs typeface="Courier New" panose="02070309020205020404" pitchFamily="49" charset="0"/>
+              </a:rPr>
+              <a:t>  &lt;</a:t>
+            </a:r>
+            <a:r>
+              <a:rPr lang="nl-NL" sz="1600" b="1" dirty="0" err="1">
+                <a:latin typeface="Courier New" panose="02070309020205020404" pitchFamily="49" charset="0"/>
+                <a:cs typeface="Courier New" panose="02070309020205020404" pitchFamily="49" charset="0"/>
+              </a:rPr>
+              <a:t>p:insert</a:t>
+            </a:r>
+            <a:r>
+              <a:rPr lang="nl-NL" sz="1600" b="1" dirty="0">
+                <a:latin typeface="Courier New" panose="02070309020205020404" pitchFamily="49" charset="0"/>
+                <a:cs typeface="Courier New" panose="02070309020205020404" pitchFamily="49" charset="0"/>
+              </a:rPr>
+              <a:t> match="/*" </a:t>
+            </a:r>
+            <a:r>
+              <a:rPr lang="nl-NL" sz="1600" b="1" dirty="0" err="1">
+                <a:latin typeface="Courier New" panose="02070309020205020404" pitchFamily="49" charset="0"/>
+                <a:cs typeface="Courier New" panose="02070309020205020404" pitchFamily="49" charset="0"/>
+              </a:rPr>
+              <a:t>position</a:t>
+            </a:r>
+            <a:r>
+              <a:rPr lang="nl-NL" sz="1600" b="1" dirty="0">
+                <a:latin typeface="Courier New" panose="02070309020205020404" pitchFamily="49" charset="0"/>
+                <a:cs typeface="Courier New" panose="02070309020205020404" pitchFamily="49" charset="0"/>
+              </a:rPr>
+              <a:t>="last-</a:t>
+            </a:r>
+            <a:r>
+              <a:rPr lang="nl-NL" sz="1600" b="1" dirty="0" err="1">
+                <a:latin typeface="Courier New" panose="02070309020205020404" pitchFamily="49" charset="0"/>
+                <a:cs typeface="Courier New" panose="02070309020205020404" pitchFamily="49" charset="0"/>
+              </a:rPr>
+              <a:t>child</a:t>
+            </a:r>
+            <a:r>
+              <a:rPr lang="nl-NL" sz="1600" b="1" dirty="0">
+                <a:latin typeface="Courier New" panose="02070309020205020404" pitchFamily="49" charset="0"/>
+                <a:cs typeface="Courier New" panose="02070309020205020404" pitchFamily="49" charset="0"/>
+              </a:rPr>
+              <a:t>"&gt;</a:t>
+            </a:r>
+          </a:p>
+          <a:p>
+            <a:r>
+              <a:rPr lang="nl-NL" sz="1600" b="1" dirty="0">
+                <a:latin typeface="Courier New" panose="02070309020205020404" pitchFamily="49" charset="0"/>
+                <a:cs typeface="Courier New" panose="02070309020205020404" pitchFamily="49" charset="0"/>
+              </a:rPr>
+              <a:t>    &lt;</a:t>
+            </a:r>
+            <a:r>
+              <a:rPr lang="nl-NL" sz="1600" b="1" dirty="0" err="1">
+                <a:latin typeface="Courier New" panose="02070309020205020404" pitchFamily="49" charset="0"/>
+                <a:cs typeface="Courier New" panose="02070309020205020404" pitchFamily="49" charset="0"/>
+              </a:rPr>
+              <a:t>p:with-input</a:t>
+            </a:r>
+            <a:r>
+              <a:rPr lang="nl-NL" sz="1600" b="1" dirty="0">
+                <a:latin typeface="Courier New" panose="02070309020205020404" pitchFamily="49" charset="0"/>
+                <a:cs typeface="Courier New" panose="02070309020205020404" pitchFamily="49" charset="0"/>
+              </a:rPr>
+              <a:t> port="</a:t>
+            </a:r>
+            <a:r>
+              <a:rPr lang="nl-NL" sz="1600" b="1" dirty="0" err="1">
+                <a:latin typeface="Courier New" panose="02070309020205020404" pitchFamily="49" charset="0"/>
+                <a:cs typeface="Courier New" panose="02070309020205020404" pitchFamily="49" charset="0"/>
+              </a:rPr>
+              <a:t>insertion</a:t>
+            </a:r>
+            <a:r>
+              <a:rPr lang="nl-NL" sz="1600" b="1" dirty="0">
+                <a:latin typeface="Courier New" panose="02070309020205020404" pitchFamily="49" charset="0"/>
+                <a:cs typeface="Courier New" panose="02070309020205020404" pitchFamily="49" charset="0"/>
+              </a:rPr>
+              <a:t>"&gt;</a:t>
+            </a:r>
+          </a:p>
+          <a:p>
+            <a:r>
+              <a:rPr lang="nl-NL" sz="1600" b="1" dirty="0">
+                <a:latin typeface="Courier New" panose="02070309020205020404" pitchFamily="49" charset="0"/>
+                <a:cs typeface="Courier New" panose="02070309020205020404" pitchFamily="49" charset="0"/>
+              </a:rPr>
+              <a:t>      &lt;</a:t>
+            </a:r>
+            <a:r>
+              <a:rPr lang="nl-NL" sz="1600" b="1" dirty="0" err="1">
+                <a:latin typeface="Courier New" panose="02070309020205020404" pitchFamily="49" charset="0"/>
+                <a:cs typeface="Courier New" panose="02070309020205020404" pitchFamily="49" charset="0"/>
+              </a:rPr>
+              <a:t>p:document</a:t>
+            </a:r>
+            <a:r>
+              <a:rPr lang="nl-NL" sz="1600" b="1" dirty="0">
+                <a:latin typeface="Courier New" panose="02070309020205020404" pitchFamily="49" charset="0"/>
+                <a:cs typeface="Courier New" panose="02070309020205020404" pitchFamily="49" charset="0"/>
+              </a:rPr>
+              <a:t> </a:t>
+            </a:r>
+            <a:r>
+              <a:rPr lang="nl-NL" sz="1600" b="1" dirty="0" err="1">
+                <a:latin typeface="Courier New" panose="02070309020205020404" pitchFamily="49" charset="0"/>
+                <a:cs typeface="Courier New" panose="02070309020205020404" pitchFamily="49" charset="0"/>
+              </a:rPr>
+              <a:t>href</a:t>
+            </a:r>
+            <a:r>
+              <a:rPr lang="nl-NL" sz="1600" b="1" dirty="0">
+                <a:latin typeface="Courier New" panose="02070309020205020404" pitchFamily="49" charset="0"/>
+                <a:cs typeface="Courier New" panose="02070309020205020404" pitchFamily="49" charset="0"/>
+              </a:rPr>
+              <a:t>="insert.xml"/&gt;</a:t>
+            </a:r>
+          </a:p>
+          <a:p>
+            <a:r>
+              <a:rPr lang="nl-NL" sz="1600" b="1" dirty="0">
+                <a:latin typeface="Courier New" panose="02070309020205020404" pitchFamily="49" charset="0"/>
+                <a:cs typeface="Courier New" panose="02070309020205020404" pitchFamily="49" charset="0"/>
+              </a:rPr>
+              <a:t>    &lt;/</a:t>
+            </a:r>
+            <a:r>
+              <a:rPr lang="nl-NL" sz="1600" b="1" dirty="0" err="1">
+                <a:latin typeface="Courier New" panose="02070309020205020404" pitchFamily="49" charset="0"/>
+                <a:cs typeface="Courier New" panose="02070309020205020404" pitchFamily="49" charset="0"/>
+              </a:rPr>
+              <a:t>p:with-input</a:t>
+            </a:r>
+            <a:r>
+              <a:rPr lang="nl-NL" sz="1600" b="1" dirty="0">
+                <a:latin typeface="Courier New" panose="02070309020205020404" pitchFamily="49" charset="0"/>
+                <a:cs typeface="Courier New" panose="02070309020205020404" pitchFamily="49" charset="0"/>
+              </a:rPr>
+              <a:t>&gt;</a:t>
+            </a:r>
+          </a:p>
+          <a:p>
+            <a:r>
+              <a:rPr lang="nl-NL" sz="1600" b="1" dirty="0">
+                <a:latin typeface="Courier New" panose="02070309020205020404" pitchFamily="49" charset="0"/>
+                <a:cs typeface="Courier New" panose="02070309020205020404" pitchFamily="49" charset="0"/>
+              </a:rPr>
+              <a:t>  &lt;/</a:t>
+            </a:r>
+            <a:r>
+              <a:rPr lang="nl-NL" sz="1600" b="1" dirty="0" err="1">
+                <a:latin typeface="Courier New" panose="02070309020205020404" pitchFamily="49" charset="0"/>
+                <a:cs typeface="Courier New" panose="02070309020205020404" pitchFamily="49" charset="0"/>
+              </a:rPr>
+              <a:t>p:insert</a:t>
+            </a:r>
+            <a:r>
+              <a:rPr lang="nl-NL" sz="1600" b="1" dirty="0">
+                <a:latin typeface="Courier New" panose="02070309020205020404" pitchFamily="49" charset="0"/>
+                <a:cs typeface="Courier New" panose="02070309020205020404" pitchFamily="49" charset="0"/>
+              </a:rPr>
+              <a:t>&gt;</a:t>
+            </a:r>
+          </a:p>
+          <a:p>
+            <a:endParaRPr lang="nl-NL" sz="1600" b="1" dirty="0">
+              <a:latin typeface="Courier New" panose="02070309020205020404" pitchFamily="49" charset="0"/>
+              <a:cs typeface="Courier New" panose="02070309020205020404" pitchFamily="49" charset="0"/>
+            </a:endParaRPr>
+          </a:p>
+          <a:p>
+            <a:r>
+              <a:rPr lang="nl-NL" sz="1600" b="1" dirty="0">
+                <a:latin typeface="Courier New" panose="02070309020205020404" pitchFamily="49" charset="0"/>
+                <a:cs typeface="Courier New" panose="02070309020205020404" pitchFamily="49" charset="0"/>
+              </a:rPr>
+              <a:t>&lt;/</a:t>
+            </a:r>
+            <a:r>
+              <a:rPr lang="nl-NL" sz="1600" b="1" dirty="0" err="1">
+                <a:latin typeface="Courier New" panose="02070309020205020404" pitchFamily="49" charset="0"/>
+                <a:cs typeface="Courier New" panose="02070309020205020404" pitchFamily="49" charset="0"/>
+              </a:rPr>
+              <a:t>p:declare-step</a:t>
+            </a:r>
+            <a:r>
+              <a:rPr lang="nl-NL" sz="1600" b="1" dirty="0">
+                <a:latin typeface="Courier New" panose="02070309020205020404" pitchFamily="49" charset="0"/>
+                <a:cs typeface="Courier New" panose="02070309020205020404" pitchFamily="49" charset="0"/>
+              </a:rPr>
+              <a:t>&gt;</a:t>
+            </a:r>
+          </a:p>
+          <a:p>
+            <a:endParaRPr lang="nl-NL" sz="1600" b="1" dirty="0">
+              <a:latin typeface="Courier New" panose="02070309020205020404" pitchFamily="49" charset="0"/>
+              <a:cs typeface="Courier New" panose="02070309020205020404" pitchFamily="49" charset="0"/>
+            </a:endParaRPr>
+          </a:p>
+        </p:txBody>
+      </p:sp>
+    </p:spTree>
+    <p:extLst>
+      <p:ext uri="{BB962C8B-B14F-4D97-AF65-F5344CB8AC3E}">
+        <p14:creationId xmlns:p14="http://schemas.microsoft.com/office/powerpoint/2010/main" val="2066473817"/>
+      </p:ext>
+    </p:extLst>
+  </p:cSld>
+  <p:clrMapOvr>
+    <a:masterClrMapping/>
+  </p:clrMapOvr>
+</p:sld>
+</file>
+
+<file path=ppt/slides/slide41.xml><?xml version="1.0" encoding="utf-8"?>
 <p:sld xmlns:a="http://schemas.openxmlformats.org/drawingml/2006/main" xmlns:r="http://schemas.openxmlformats.org/officeDocument/2006/relationships" xmlns:p="http://schemas.openxmlformats.org/presentationml/2006/main">
   <p:cSld>
     <p:spTree>
@@ -26752,6 +29523,17 @@
                 </a:solidFill>
               </a:rPr>
               <a:t>Representation</a:t>
+            </a:r>
+          </a:p>
+          <a:p>
+            <a:pPr algn="ctr"/>
+            <a:r>
+              <a:rPr lang="en-US" sz="2400" b="1" dirty="0">
+                <a:solidFill>
+                  <a:schemeClr val="bg1"/>
+                </a:solidFill>
+              </a:rPr>
+              <a:t>(contents)</a:t>
             </a:r>
           </a:p>
           <a:p>
@@ -27343,376 +30125,289 @@
   <p:clrMapOvr>
     <a:masterClrMapping/>
   </p:clrMapOvr>
+  <p:timing>
+    <p:tnLst>
+      <p:par>
+        <p:cTn id="1" dur="indefinite" restart="never" nodeType="tmRoot">
+          <p:childTnLst>
+            <p:seq concurrent="1" nextAc="seek">
+              <p:cTn id="2" dur="indefinite" nodeType="mainSeq">
+                <p:childTnLst>
+                  <p:par>
+                    <p:cTn id="3" fill="hold">
+                      <p:stCondLst>
+                        <p:cond delay="indefinite"/>
+                      </p:stCondLst>
+                      <p:childTnLst>
+                        <p:par>
+                          <p:cTn id="4" fill="hold">
+                            <p:stCondLst>
+                              <p:cond delay="0"/>
+                            </p:stCondLst>
+                            <p:childTnLst>
+                              <p:par>
+                                <p:cTn id="5" presetID="1" presetClass="entr" presetSubtype="0" fill="hold" grpId="0" nodeType="clickEffect">
+                                  <p:stCondLst>
+                                    <p:cond delay="0"/>
+                                  </p:stCondLst>
+                                  <p:childTnLst>
+                                    <p:set>
+                                      <p:cBhvr>
+                                        <p:cTn id="6" dur="1" fill="hold">
+                                          <p:stCondLst>
+                                            <p:cond delay="0"/>
+                                          </p:stCondLst>
+                                        </p:cTn>
+                                        <p:tgtEl>
+                                          <p:spTgt spid="15"/>
+                                        </p:tgtEl>
+                                        <p:attrNameLst>
+                                          <p:attrName>style.visibility</p:attrName>
+                                        </p:attrNameLst>
+                                      </p:cBhvr>
+                                      <p:to>
+                                        <p:strVal val="visible"/>
+                                      </p:to>
+                                    </p:set>
+                                  </p:childTnLst>
+                                </p:cTn>
+                              </p:par>
+                            </p:childTnLst>
+                          </p:cTn>
+                        </p:par>
+                      </p:childTnLst>
+                    </p:cTn>
+                  </p:par>
+                  <p:par>
+                    <p:cTn id="7" fill="hold">
+                      <p:stCondLst>
+                        <p:cond delay="indefinite"/>
+                      </p:stCondLst>
+                      <p:childTnLst>
+                        <p:par>
+                          <p:cTn id="8" fill="hold">
+                            <p:stCondLst>
+                              <p:cond delay="0"/>
+                            </p:stCondLst>
+                            <p:childTnLst>
+                              <p:par>
+                                <p:cTn id="9" presetID="1" presetClass="entr" presetSubtype="0" fill="hold" nodeType="clickEffect">
+                                  <p:stCondLst>
+                                    <p:cond delay="0"/>
+                                  </p:stCondLst>
+                                  <p:childTnLst>
+                                    <p:set>
+                                      <p:cBhvr>
+                                        <p:cTn id="10" dur="1" fill="hold">
+                                          <p:stCondLst>
+                                            <p:cond delay="0"/>
+                                          </p:stCondLst>
+                                        </p:cTn>
+                                        <p:tgtEl>
+                                          <p:spTgt spid="9"/>
+                                        </p:tgtEl>
+                                        <p:attrNameLst>
+                                          <p:attrName>style.visibility</p:attrName>
+                                        </p:attrNameLst>
+                                      </p:cBhvr>
+                                      <p:to>
+                                        <p:strVal val="visible"/>
+                                      </p:to>
+                                    </p:set>
+                                  </p:childTnLst>
+                                </p:cTn>
+                              </p:par>
+                              <p:par>
+                                <p:cTn id="11" presetID="1" presetClass="entr" presetSubtype="0" fill="hold" grpId="0" nodeType="withEffect">
+                                  <p:stCondLst>
+                                    <p:cond delay="0"/>
+                                  </p:stCondLst>
+                                  <p:childTnLst>
+                                    <p:set>
+                                      <p:cBhvr>
+                                        <p:cTn id="12" dur="1" fill="hold">
+                                          <p:stCondLst>
+                                            <p:cond delay="0"/>
+                                          </p:stCondLst>
+                                        </p:cTn>
+                                        <p:tgtEl>
+                                          <p:spTgt spid="10"/>
+                                        </p:tgtEl>
+                                        <p:attrNameLst>
+                                          <p:attrName>style.visibility</p:attrName>
+                                        </p:attrNameLst>
+                                      </p:cBhvr>
+                                      <p:to>
+                                        <p:strVal val="visible"/>
+                                      </p:to>
+                                    </p:set>
+                                  </p:childTnLst>
+                                </p:cTn>
+                              </p:par>
+                              <p:par>
+                                <p:cTn id="13" presetID="1" presetClass="entr" presetSubtype="0" fill="hold" nodeType="withEffect">
+                                  <p:stCondLst>
+                                    <p:cond delay="0"/>
+                                  </p:stCondLst>
+                                  <p:childTnLst>
+                                    <p:set>
+                                      <p:cBhvr>
+                                        <p:cTn id="14" dur="1" fill="hold">
+                                          <p:stCondLst>
+                                            <p:cond delay="0"/>
+                                          </p:stCondLst>
+                                        </p:cTn>
+                                        <p:tgtEl>
+                                          <p:spTgt spid="8"/>
+                                        </p:tgtEl>
+                                        <p:attrNameLst>
+                                          <p:attrName>style.visibility</p:attrName>
+                                        </p:attrNameLst>
+                                      </p:cBhvr>
+                                      <p:to>
+                                        <p:strVal val="visible"/>
+                                      </p:to>
+                                    </p:set>
+                                  </p:childTnLst>
+                                </p:cTn>
+                              </p:par>
+                              <p:par>
+                                <p:cTn id="15" presetID="1" presetClass="entr" presetSubtype="0" fill="hold" grpId="0" nodeType="withEffect">
+                                  <p:stCondLst>
+                                    <p:cond delay="0"/>
+                                  </p:stCondLst>
+                                  <p:childTnLst>
+                                    <p:set>
+                                      <p:cBhvr>
+                                        <p:cTn id="16" dur="1" fill="hold">
+                                          <p:stCondLst>
+                                            <p:cond delay="0"/>
+                                          </p:stCondLst>
+                                        </p:cTn>
+                                        <p:tgtEl>
+                                          <p:spTgt spid="12"/>
+                                        </p:tgtEl>
+                                        <p:attrNameLst>
+                                          <p:attrName>style.visibility</p:attrName>
+                                        </p:attrNameLst>
+                                      </p:cBhvr>
+                                      <p:to>
+                                        <p:strVal val="visible"/>
+                                      </p:to>
+                                    </p:set>
+                                  </p:childTnLst>
+                                </p:cTn>
+                              </p:par>
+                              <p:par>
+                                <p:cTn id="17" presetID="1" presetClass="entr" presetSubtype="0" fill="hold" nodeType="withEffect">
+                                  <p:stCondLst>
+                                    <p:cond delay="0"/>
+                                  </p:stCondLst>
+                                  <p:childTnLst>
+                                    <p:set>
+                                      <p:cBhvr>
+                                        <p:cTn id="18" dur="1" fill="hold">
+                                          <p:stCondLst>
+                                            <p:cond delay="0"/>
+                                          </p:stCondLst>
+                                        </p:cTn>
+                                        <p:tgtEl>
+                                          <p:spTgt spid="13"/>
+                                        </p:tgtEl>
+                                        <p:attrNameLst>
+                                          <p:attrName>style.visibility</p:attrName>
+                                        </p:attrNameLst>
+                                      </p:cBhvr>
+                                      <p:to>
+                                        <p:strVal val="visible"/>
+                                      </p:to>
+                                    </p:set>
+                                  </p:childTnLst>
+                                </p:cTn>
+                              </p:par>
+                            </p:childTnLst>
+                          </p:cTn>
+                        </p:par>
+                      </p:childTnLst>
+                    </p:cTn>
+                  </p:par>
+                  <p:par>
+                    <p:cTn id="19" fill="hold">
+                      <p:stCondLst>
+                        <p:cond delay="indefinite"/>
+                      </p:stCondLst>
+                      <p:childTnLst>
+                        <p:par>
+                          <p:cTn id="20" fill="hold">
+                            <p:stCondLst>
+                              <p:cond delay="0"/>
+                            </p:stCondLst>
+                            <p:childTnLst>
+                              <p:par>
+                                <p:cTn id="21" presetID="1" presetClass="entr" presetSubtype="0" fill="hold" grpId="0" nodeType="clickEffect">
+                                  <p:stCondLst>
+                                    <p:cond delay="0"/>
+                                  </p:stCondLst>
+                                  <p:childTnLst>
+                                    <p:set>
+                                      <p:cBhvr>
+                                        <p:cTn id="22" dur="1" fill="hold">
+                                          <p:stCondLst>
+                                            <p:cond delay="0"/>
+                                          </p:stCondLst>
+                                        </p:cTn>
+                                        <p:tgtEl>
+                                          <p:spTgt spid="14"/>
+                                        </p:tgtEl>
+                                        <p:attrNameLst>
+                                          <p:attrName>style.visibility</p:attrName>
+                                        </p:attrNameLst>
+                                      </p:cBhvr>
+                                      <p:to>
+                                        <p:strVal val="visible"/>
+                                      </p:to>
+                                    </p:set>
+                                  </p:childTnLst>
+                                </p:cTn>
+                              </p:par>
+                            </p:childTnLst>
+                          </p:cTn>
+                        </p:par>
+                      </p:childTnLst>
+                    </p:cTn>
+                  </p:par>
+                </p:childTnLst>
+              </p:cTn>
+              <p:prevCondLst>
+                <p:cond evt="onPrev" delay="0">
+                  <p:tgtEl>
+                    <p:sldTgt/>
+                  </p:tgtEl>
+                </p:cond>
+              </p:prevCondLst>
+              <p:nextCondLst>
+                <p:cond evt="onNext" delay="0">
+                  <p:tgtEl>
+                    <p:sldTgt/>
+                  </p:tgtEl>
+                </p:cond>
+              </p:nextCondLst>
+            </p:seq>
+          </p:childTnLst>
+        </p:cTn>
+      </p:par>
+    </p:tnLst>
+    <p:bldLst>
+      <p:bldP spid="10" grpId="0"/>
+      <p:bldP spid="12" grpId="0"/>
+      <p:bldP spid="15" grpId="0"/>
+      <p:bldP spid="14" grpId="0"/>
+    </p:bldLst>
+  </p:timing>
 </p:sld>
 </file>
 
-<file path=ppt/slides/slide4.xml><?xml version="1.0" encoding="utf-8"?>
-<p:sld xmlns:a="http://schemas.openxmlformats.org/drawingml/2006/main" xmlns:r="http://schemas.openxmlformats.org/officeDocument/2006/relationships" xmlns:p="http://schemas.openxmlformats.org/presentationml/2006/main">
-  <p:cSld>
-    <p:spTree>
-      <p:nvGrpSpPr>
-        <p:cNvPr id="1" name=""/>
-        <p:cNvGrpSpPr/>
-        <p:nvPr/>
-      </p:nvGrpSpPr>
-      <p:grpSpPr>
-        <a:xfrm>
-          <a:off x="0" y="0"/>
-          <a:ext cx="0" cy="0"/>
-          <a:chOff x="0" y="0"/>
-          <a:chExt cx="0" cy="0"/>
-        </a:xfrm>
-      </p:grpSpPr>
-      <p:sp>
-        <p:nvSpPr>
-          <p:cNvPr id="2" name="Title 1">
-            <a:extLst>
-              <a:ext uri="{FF2B5EF4-FFF2-40B4-BE49-F238E27FC236}">
-                <a16:creationId xmlns:a16="http://schemas.microsoft.com/office/drawing/2014/main" id="{5932F04C-64E6-4073-BD78-F756A1AF117C}"/>
-              </a:ext>
-            </a:extLst>
-          </p:cNvPr>
-          <p:cNvSpPr>
-            <a:spLocks noGrp="1"/>
-          </p:cNvSpPr>
-          <p:nvPr>
-            <p:ph type="title"/>
-          </p:nvPr>
-        </p:nvSpPr>
-        <p:spPr>
-          <a:xfrm>
-            <a:off x="437367" y="89552"/>
-            <a:ext cx="10515600" cy="1325563"/>
-          </a:xfrm>
-        </p:spPr>
-        <p:txBody>
-          <a:bodyPr/>
-          <a:lstStyle/>
-          <a:p>
-            <a:r>
-              <a:rPr lang="en-US" b="1" dirty="0"/>
-              <a:t>Why should I bother?</a:t>
-            </a:r>
-            <a:endParaRPr lang="en-NL" b="1" dirty="0"/>
-          </a:p>
-        </p:txBody>
-      </p:sp>
-      <p:sp>
-        <p:nvSpPr>
-          <p:cNvPr id="3" name="Content Placeholder 2">
-            <a:extLst>
-              <a:ext uri="{FF2B5EF4-FFF2-40B4-BE49-F238E27FC236}">
-                <a16:creationId xmlns:a16="http://schemas.microsoft.com/office/drawing/2014/main" id="{FF031072-9F3A-4533-98E6-F13BF85D65CC}"/>
-              </a:ext>
-            </a:extLst>
-          </p:cNvPr>
-          <p:cNvSpPr>
-            <a:spLocks noGrp="1"/>
-          </p:cNvSpPr>
-          <p:nvPr>
-            <p:ph idx="1"/>
-          </p:nvPr>
-        </p:nvSpPr>
-        <p:spPr>
-          <a:xfrm>
-            <a:off x="806885" y="1656524"/>
-            <a:ext cx="8869471" cy="4351338"/>
-          </a:xfrm>
-        </p:spPr>
-        <p:txBody>
-          <a:bodyPr/>
-          <a:lstStyle/>
-          <a:p>
-            <a:r>
-              <a:rPr lang="en-US" dirty="0"/>
-              <a:t>Pipelines are ubiquitous all around us</a:t>
-            </a:r>
-          </a:p>
-          <a:p>
-            <a:r>
-              <a:rPr lang="en-US" dirty="0"/>
-              <a:t>Solve problems with a set of small, sharp tools that combine in many ways</a:t>
-            </a:r>
-          </a:p>
-          <a:p>
-            <a:pPr lvl="1"/>
-            <a:r>
-              <a:rPr lang="en-US" dirty="0"/>
-              <a:t>Like the UNIX command line</a:t>
-            </a:r>
-          </a:p>
-          <a:p>
-            <a:r>
-              <a:rPr lang="en-US" dirty="0"/>
-              <a:t>Very natural choice for document processing</a:t>
-            </a:r>
-          </a:p>
-          <a:p>
-            <a:r>
-              <a:rPr lang="en-US" dirty="0"/>
-              <a:t>Compose small tools into something bigger, pipelines…</a:t>
-            </a:r>
-          </a:p>
-          <a:p>
-            <a:r>
-              <a:rPr lang="en-US" dirty="0"/>
-              <a:t>XProc beats the alternatives</a:t>
-            </a:r>
-            <a:endParaRPr lang="en-NL" dirty="0"/>
-          </a:p>
-        </p:txBody>
-      </p:sp>
-      <p:pic>
-        <p:nvPicPr>
-          <p:cNvPr id="7" name="Picture 6" descr="A factory next to a fence&#10;&#10;Description automatically generated">
-            <a:extLst>
-              <a:ext uri="{FF2B5EF4-FFF2-40B4-BE49-F238E27FC236}">
-                <a16:creationId xmlns:a16="http://schemas.microsoft.com/office/drawing/2014/main" id="{5A6F02A3-55AE-406D-9533-E86CE4C49388}"/>
-              </a:ext>
-            </a:extLst>
-          </p:cNvPr>
-          <p:cNvPicPr>
-            <a:picLocks noChangeAspect="1"/>
-          </p:cNvPicPr>
-          <p:nvPr/>
-        </p:nvPicPr>
-        <p:blipFill>
-          <a:blip r:embed="rId2">
-            <a:extLst>
-              <a:ext uri="{28A0092B-C50C-407E-A947-70E740481C1C}">
-                <a14:useLocalDpi xmlns:a14="http://schemas.microsoft.com/office/drawing/2010/main" val="0"/>
-              </a:ext>
-            </a:extLst>
-          </a:blip>
-          <a:stretch>
-            <a:fillRect/>
-          </a:stretch>
-        </p:blipFill>
-        <p:spPr>
-          <a:xfrm>
-            <a:off x="6683913" y="70437"/>
-            <a:ext cx="3270144" cy="1839456"/>
-          </a:xfrm>
-          <a:prstGeom prst="roundRect">
-            <a:avLst>
-              <a:gd name="adj" fmla="val 16667"/>
-            </a:avLst>
-          </a:prstGeom>
-          <a:ln>
-            <a:noFill/>
-          </a:ln>
-          <a:effectLst>
-            <a:outerShdw blurRad="76200" dist="38100" dir="7800000" algn="tl" rotWithShape="0">
-              <a:srgbClr val="000000">
-                <a:alpha val="40000"/>
-              </a:srgbClr>
-            </a:outerShdw>
-          </a:effectLst>
-          <a:scene3d>
-            <a:camera prst="orthographicFront"/>
-            <a:lightRig rig="contrasting" dir="t">
-              <a:rot lat="0" lon="0" rev="4200000"/>
-            </a:lightRig>
-          </a:scene3d>
-          <a:sp3d prstMaterial="plastic">
-            <a:bevelT w="381000" h="114300" prst="relaxedInset"/>
-            <a:contourClr>
-              <a:srgbClr val="969696"/>
-            </a:contourClr>
-          </a:sp3d>
-        </p:spPr>
-      </p:pic>
-      <p:pic>
-        <p:nvPicPr>
-          <p:cNvPr id="1026" name="Picture 2">
-            <a:extLst>
-              <a:ext uri="{FF2B5EF4-FFF2-40B4-BE49-F238E27FC236}">
-                <a16:creationId xmlns:a16="http://schemas.microsoft.com/office/drawing/2014/main" id="{3FE5053B-0583-41D9-8FB2-4432BE4FB7E2}"/>
-              </a:ext>
-            </a:extLst>
-          </p:cNvPr>
-          <p:cNvPicPr>
-            <a:picLocks noChangeAspect="1" noChangeArrowheads="1"/>
-          </p:cNvPicPr>
-          <p:nvPr/>
-        </p:nvPicPr>
-        <p:blipFill>
-          <a:blip r:embed="rId3">
-            <a:extLst>
-              <a:ext uri="{28A0092B-C50C-407E-A947-70E740481C1C}">
-                <a14:useLocalDpi xmlns:a14="http://schemas.microsoft.com/office/drawing/2010/main" val="0"/>
-              </a:ext>
-            </a:extLst>
-          </a:blip>
-          <a:srcRect/>
-          <a:stretch>
-            <a:fillRect/>
-          </a:stretch>
-        </p:blipFill>
-        <p:spPr bwMode="auto">
-          <a:xfrm>
-            <a:off x="9954057" y="1596134"/>
-            <a:ext cx="2170576" cy="1358302"/>
-          </a:xfrm>
-          <a:prstGeom prst="rect">
-            <a:avLst/>
-          </a:prstGeom>
-          <a:noFill/>
-          <a:extLst>
-            <a:ext uri="{909E8E84-426E-40DD-AFC4-6F175D3DCCD1}">
-              <a14:hiddenFill xmlns:a14="http://schemas.microsoft.com/office/drawing/2010/main">
-                <a:solidFill>
-                  <a:srgbClr val="FFFFFF"/>
-                </a:solidFill>
-              </a14:hiddenFill>
-            </a:ext>
-          </a:extLst>
-        </p:spPr>
-      </p:pic>
-      <p:sp>
-        <p:nvSpPr>
-          <p:cNvPr id="8" name="Speech Bubble: Oval 7">
-            <a:extLst>
-              <a:ext uri="{FF2B5EF4-FFF2-40B4-BE49-F238E27FC236}">
-                <a16:creationId xmlns:a16="http://schemas.microsoft.com/office/drawing/2014/main" id="{BBE5BE1E-FB12-471A-88C9-6C5F44060095}"/>
-              </a:ext>
-            </a:extLst>
-          </p:cNvPr>
-          <p:cNvSpPr/>
-          <p:nvPr/>
-        </p:nvSpPr>
-        <p:spPr>
-          <a:xfrm>
-            <a:off x="3720231" y="5505189"/>
-            <a:ext cx="7478038" cy="1213111"/>
-          </a:xfrm>
-          <a:prstGeom prst="wedgeEllipseCallout">
-            <a:avLst>
-              <a:gd name="adj1" fmla="val 55382"/>
-              <a:gd name="adj2" fmla="val 42179"/>
-            </a:avLst>
-          </a:prstGeom>
-        </p:spPr>
-        <p:style>
-          <a:lnRef idx="2">
-            <a:schemeClr val="accent1">
-              <a:shade val="50000"/>
-            </a:schemeClr>
-          </a:lnRef>
-          <a:fillRef idx="1">
-            <a:schemeClr val="accent1"/>
-          </a:fillRef>
-          <a:effectRef idx="0">
-            <a:schemeClr val="accent1"/>
-          </a:effectRef>
-          <a:fontRef idx="minor">
-            <a:schemeClr val="lt1"/>
-          </a:fontRef>
-        </p:style>
-        <p:txBody>
-          <a:bodyPr rtlCol="0" anchor="ctr"/>
-          <a:lstStyle/>
-          <a:p>
-            <a:pPr algn="ctr"/>
-            <a:r>
-              <a:rPr lang="en-US" sz="1600" dirty="0"/>
-              <a:t>A successful example of large-scale application of XProc (1.0) pipelines doing document engineering: </a:t>
-            </a:r>
-          </a:p>
-          <a:p>
-            <a:pPr algn="ctr"/>
-            <a:r>
-              <a:rPr lang="en-US" sz="1600" dirty="0"/>
-              <a:t>https://www.le-tex.de/en/transpect.html</a:t>
-            </a:r>
-            <a:endParaRPr lang="en-NL" sz="1600" dirty="0"/>
-          </a:p>
-        </p:txBody>
-      </p:sp>
-      <p:pic>
-        <p:nvPicPr>
-          <p:cNvPr id="1028" name="Picture 4" descr="Afbeeldingsresultaat voor automotive industry">
-            <a:extLst>
-              <a:ext uri="{FF2B5EF4-FFF2-40B4-BE49-F238E27FC236}">
-                <a16:creationId xmlns:a16="http://schemas.microsoft.com/office/drawing/2014/main" id="{9AED3A8E-A72F-4225-9963-5DFF255EEC9E}"/>
-              </a:ext>
-            </a:extLst>
-          </p:cNvPr>
-          <p:cNvPicPr>
-            <a:picLocks noChangeAspect="1" noChangeArrowheads="1"/>
-          </p:cNvPicPr>
-          <p:nvPr/>
-        </p:nvPicPr>
-        <p:blipFill>
-          <a:blip r:embed="rId4">
-            <a:extLst>
-              <a:ext uri="{28A0092B-C50C-407E-A947-70E740481C1C}">
-                <a14:useLocalDpi xmlns:a14="http://schemas.microsoft.com/office/drawing/2010/main" val="0"/>
-              </a:ext>
-            </a:extLst>
-          </a:blip>
-          <a:srcRect/>
-          <a:stretch>
-            <a:fillRect/>
-          </a:stretch>
-        </p:blipFill>
-        <p:spPr bwMode="auto">
-          <a:xfrm>
-            <a:off x="9344938" y="2990665"/>
-            <a:ext cx="2464301" cy="1642867"/>
-          </a:xfrm>
-          <a:prstGeom prst="roundRect">
-            <a:avLst>
-              <a:gd name="adj" fmla="val 16667"/>
-            </a:avLst>
-          </a:prstGeom>
-          <a:ln>
-            <a:noFill/>
-          </a:ln>
-          <a:effectLst>
-            <a:outerShdw blurRad="76200" dist="38100" dir="7800000" algn="tl" rotWithShape="0">
-              <a:srgbClr val="000000">
-                <a:alpha val="40000"/>
-              </a:srgbClr>
-            </a:outerShdw>
-          </a:effectLst>
-          <a:scene3d>
-            <a:camera prst="orthographicFront"/>
-            <a:lightRig rig="contrasting" dir="t">
-              <a:rot lat="0" lon="0" rev="4200000"/>
-            </a:lightRig>
-          </a:scene3d>
-          <a:sp3d prstMaterial="plastic">
-            <a:bevelT w="381000" h="114300" prst="relaxedInset"/>
-            <a:contourClr>
-              <a:srgbClr val="969696"/>
-            </a:contourClr>
-          </a:sp3d>
-          <a:extLst>
-            <a:ext uri="{909E8E84-426E-40DD-AFC4-6F175D3DCCD1}">
-              <a14:hiddenFill xmlns:a14="http://schemas.microsoft.com/office/drawing/2010/main">
-                <a:solidFill>
-                  <a:srgbClr val="FFFFFF"/>
-                </a:solidFill>
-              </a14:hiddenFill>
-            </a:ext>
-          </a:extLst>
-        </p:spPr>
-      </p:pic>
-    </p:spTree>
-    <p:extLst>
-      <p:ext uri="{BB962C8B-B14F-4D97-AF65-F5344CB8AC3E}">
-        <p14:creationId xmlns:p14="http://schemas.microsoft.com/office/powerpoint/2010/main" val="3310173582"/>
-      </p:ext>
-    </p:extLst>
-  </p:cSld>
-  <p:clrMapOvr>
-    <a:masterClrMapping/>
-  </p:clrMapOvr>
-</p:sld>
-</file>
-
-<file path=ppt/slides/slide40.xml><?xml version="1.0" encoding="utf-8"?>
+<file path=ppt/slides/slide42.xml><?xml version="1.0" encoding="utf-8"?>
 <p:sld xmlns:a="http://schemas.openxmlformats.org/drawingml/2006/main" xmlns:r="http://schemas.openxmlformats.org/officeDocument/2006/relationships" xmlns:p="http://schemas.openxmlformats.org/presentationml/2006/main">
   <p:cSld>
     <p:spTree>
@@ -28028,7 +30723,7 @@
 </p:sld>
 </file>
 
-<file path=ppt/slides/slide41.xml><?xml version="1.0" encoding="utf-8"?>
+<file path=ppt/slides/slide43.xml><?xml version="1.0" encoding="utf-8"?>
 <p:sld xmlns:a="http://schemas.openxmlformats.org/drawingml/2006/main" xmlns:r="http://schemas.openxmlformats.org/officeDocument/2006/relationships" xmlns:p="http://schemas.openxmlformats.org/presentationml/2006/main">
   <p:cSld>
     <p:spTree>
@@ -28248,7 +30943,7 @@
 </p:sld>
 </file>
 
-<file path=ppt/slides/slide42.xml><?xml version="1.0" encoding="utf-8"?>
+<file path=ppt/slides/slide44.xml><?xml version="1.0" encoding="utf-8"?>
 <p:sld xmlns:a="http://schemas.openxmlformats.org/drawingml/2006/main" xmlns:r="http://schemas.openxmlformats.org/officeDocument/2006/relationships" xmlns:p="http://schemas.openxmlformats.org/presentationml/2006/main">
   <p:cSld>
     <p:spTree>
@@ -28602,574 +31297,6 @@
     <p:extLst>
       <p:ext uri="{BB962C8B-B14F-4D97-AF65-F5344CB8AC3E}">
         <p14:creationId xmlns:p14="http://schemas.microsoft.com/office/powerpoint/2010/main" val="3069415140"/>
-      </p:ext>
-    </p:extLst>
-  </p:cSld>
-  <p:clrMapOvr>
-    <a:masterClrMapping/>
-  </p:clrMapOvr>
-</p:sld>
-</file>
-
-<file path=ppt/slides/slide43.xml><?xml version="1.0" encoding="utf-8"?>
-<p:sld xmlns:a="http://schemas.openxmlformats.org/drawingml/2006/main" xmlns:r="http://schemas.openxmlformats.org/officeDocument/2006/relationships" xmlns:p="http://schemas.openxmlformats.org/presentationml/2006/main">
-  <p:cSld>
-    <p:spTree>
-      <p:nvGrpSpPr>
-        <p:cNvPr id="1" name=""/>
-        <p:cNvGrpSpPr/>
-        <p:nvPr/>
-      </p:nvGrpSpPr>
-      <p:grpSpPr>
-        <a:xfrm>
-          <a:off x="0" y="0"/>
-          <a:ext cx="0" cy="0"/>
-          <a:chOff x="0" y="0"/>
-          <a:chExt cx="0" cy="0"/>
-        </a:xfrm>
-      </p:grpSpPr>
-      <p:sp>
-        <p:nvSpPr>
-          <p:cNvPr id="2" name="Title 1">
-            <a:extLst>
-              <a:ext uri="{FF2B5EF4-FFF2-40B4-BE49-F238E27FC236}">
-                <a16:creationId xmlns:a16="http://schemas.microsoft.com/office/drawing/2014/main" id="{4123861A-F328-4BB9-8F10-4F9FB0F7E245}"/>
-              </a:ext>
-            </a:extLst>
-          </p:cNvPr>
-          <p:cNvSpPr>
-            <a:spLocks noGrp="1"/>
-          </p:cNvSpPr>
-          <p:nvPr>
-            <p:ph type="title"/>
-          </p:nvPr>
-        </p:nvSpPr>
-        <p:spPr>
-          <a:xfrm>
-            <a:off x="287020" y="182438"/>
-            <a:ext cx="11617960" cy="860848"/>
-          </a:xfrm>
-        </p:spPr>
-        <p:txBody>
-          <a:bodyPr>
-            <a:normAutofit/>
-          </a:bodyPr>
-          <a:lstStyle/>
-          <a:p>
-            <a:r>
-              <a:rPr lang="en-US" b="1" dirty="0"/>
-              <a:t>Use p:for-each to split a document – Basic pipeline</a:t>
-            </a:r>
-            <a:endParaRPr lang="en-NL" b="1" dirty="0"/>
-          </a:p>
-        </p:txBody>
-      </p:sp>
-      <p:sp>
-        <p:nvSpPr>
-          <p:cNvPr id="4" name="TextBox 3">
-            <a:extLst>
-              <a:ext uri="{FF2B5EF4-FFF2-40B4-BE49-F238E27FC236}">
-                <a16:creationId xmlns:a16="http://schemas.microsoft.com/office/drawing/2014/main" id="{E614C84A-45C6-4C95-859B-4E28BD47CA0C}"/>
-              </a:ext>
-            </a:extLst>
-          </p:cNvPr>
-          <p:cNvSpPr txBox="1"/>
-          <p:nvPr/>
-        </p:nvSpPr>
-        <p:spPr>
-          <a:xfrm>
-            <a:off x="287020" y="1905506"/>
-            <a:ext cx="8824714" cy="3046988"/>
-          </a:xfrm>
-          <a:prstGeom prst="rect">
-            <a:avLst/>
-          </a:prstGeom>
-          <a:solidFill>
-            <a:schemeClr val="bg1">
-              <a:lumMod val="85000"/>
-            </a:schemeClr>
-          </a:solidFill>
-        </p:spPr>
-        <p:txBody>
-          <a:bodyPr wrap="square" rtlCol="0">
-            <a:spAutoFit/>
-          </a:bodyPr>
-          <a:lstStyle/>
-          <a:p>
-            <a:r>
-              <a:rPr lang="en-US" sz="1600" b="1" dirty="0">
-                <a:latin typeface="Courier New" panose="02070309020205020404" pitchFamily="49" charset="0"/>
-                <a:cs typeface="Courier New" panose="02070309020205020404" pitchFamily="49" charset="0"/>
-              </a:rPr>
-              <a:t>&lt;</a:t>
-            </a:r>
-            <a:r>
-              <a:rPr lang="en-US" sz="1600" b="1" dirty="0" err="1">
-                <a:latin typeface="Courier New" panose="02070309020205020404" pitchFamily="49" charset="0"/>
-                <a:cs typeface="Courier New" panose="02070309020205020404" pitchFamily="49" charset="0"/>
-              </a:rPr>
-              <a:t>p:declare-step</a:t>
-            </a:r>
-            <a:r>
-              <a:rPr lang="en-US" sz="1600" b="1" dirty="0">
-                <a:latin typeface="Courier New" panose="02070309020205020404" pitchFamily="49" charset="0"/>
-                <a:cs typeface="Courier New" panose="02070309020205020404" pitchFamily="49" charset="0"/>
-              </a:rPr>
-              <a:t> </a:t>
-            </a:r>
-            <a:r>
-              <a:rPr lang="en-US" sz="1600" b="1" dirty="0" err="1">
-                <a:latin typeface="Courier New" panose="02070309020205020404" pitchFamily="49" charset="0"/>
-                <a:cs typeface="Courier New" panose="02070309020205020404" pitchFamily="49" charset="0"/>
-              </a:rPr>
-              <a:t>xmlns:p</a:t>
-            </a:r>
-            <a:r>
-              <a:rPr lang="en-US" sz="1600" b="1" dirty="0">
-                <a:latin typeface="Courier New" panose="02070309020205020404" pitchFamily="49" charset="0"/>
-                <a:cs typeface="Courier New" panose="02070309020205020404" pitchFamily="49" charset="0"/>
-              </a:rPr>
-              <a:t>="http://www.w3.org/ns/xproc" version="3.0"&gt;</a:t>
-            </a:r>
-          </a:p>
-          <a:p>
-            <a:endParaRPr lang="en-US" sz="1600" b="1" dirty="0">
-              <a:latin typeface="Courier New" panose="02070309020205020404" pitchFamily="49" charset="0"/>
-              <a:cs typeface="Courier New" panose="02070309020205020404" pitchFamily="49" charset="0"/>
-            </a:endParaRPr>
-          </a:p>
-          <a:p>
-            <a:r>
-              <a:rPr lang="en-US" sz="1600" b="1" dirty="0">
-                <a:latin typeface="Courier New" panose="02070309020205020404" pitchFamily="49" charset="0"/>
-                <a:cs typeface="Courier New" panose="02070309020205020404" pitchFamily="49" charset="0"/>
-              </a:rPr>
-              <a:t>  &lt;</a:t>
-            </a:r>
-            <a:r>
-              <a:rPr lang="en-US" sz="1600" b="1" dirty="0" err="1">
-                <a:latin typeface="Courier New" panose="02070309020205020404" pitchFamily="49" charset="0"/>
-                <a:cs typeface="Courier New" panose="02070309020205020404" pitchFamily="49" charset="0"/>
-              </a:rPr>
-              <a:t>p:input</a:t>
-            </a:r>
-            <a:r>
-              <a:rPr lang="en-US" sz="1600" b="1" dirty="0">
-                <a:latin typeface="Courier New" panose="02070309020205020404" pitchFamily="49" charset="0"/>
-                <a:cs typeface="Courier New" panose="02070309020205020404" pitchFamily="49" charset="0"/>
-              </a:rPr>
-              <a:t> port="source"/&gt;</a:t>
-            </a:r>
-          </a:p>
-          <a:p>
-            <a:r>
-              <a:rPr lang="en-US" sz="1600" b="1" dirty="0">
-                <a:latin typeface="Courier New" panose="02070309020205020404" pitchFamily="49" charset="0"/>
-                <a:cs typeface="Courier New" panose="02070309020205020404" pitchFamily="49" charset="0"/>
-              </a:rPr>
-              <a:t>  &lt;</a:t>
-            </a:r>
-            <a:r>
-              <a:rPr lang="en-US" sz="1600" b="1" dirty="0" err="1">
-                <a:latin typeface="Courier New" panose="02070309020205020404" pitchFamily="49" charset="0"/>
-                <a:cs typeface="Courier New" panose="02070309020205020404" pitchFamily="49" charset="0"/>
-              </a:rPr>
-              <a:t>p:output</a:t>
-            </a:r>
-            <a:r>
-              <a:rPr lang="en-US" sz="1600" b="1" dirty="0">
-                <a:latin typeface="Courier New" panose="02070309020205020404" pitchFamily="49" charset="0"/>
-                <a:cs typeface="Courier New" panose="02070309020205020404" pitchFamily="49" charset="0"/>
-              </a:rPr>
-              <a:t> port="result"/&gt;</a:t>
-            </a:r>
-          </a:p>
-          <a:p>
-            <a:endParaRPr lang="en-US" sz="1600" b="1" dirty="0">
-              <a:latin typeface="Courier New" panose="02070309020205020404" pitchFamily="49" charset="0"/>
-              <a:cs typeface="Courier New" panose="02070309020205020404" pitchFamily="49" charset="0"/>
-            </a:endParaRPr>
-          </a:p>
-          <a:p>
-            <a:r>
-              <a:rPr lang="en-US" sz="1600" b="1" dirty="0">
-                <a:latin typeface="Courier New" panose="02070309020205020404" pitchFamily="49" charset="0"/>
-                <a:cs typeface="Courier New" panose="02070309020205020404" pitchFamily="49" charset="0"/>
-              </a:rPr>
-              <a:t>  &lt;</a:t>
-            </a:r>
-            <a:r>
-              <a:rPr lang="en-US" sz="1600" b="1" dirty="0" err="1">
-                <a:latin typeface="Courier New" panose="02070309020205020404" pitchFamily="49" charset="0"/>
-                <a:cs typeface="Courier New" panose="02070309020205020404" pitchFamily="49" charset="0"/>
-              </a:rPr>
-              <a:t>p:for-each</a:t>
-            </a:r>
-            <a:r>
-              <a:rPr lang="en-US" sz="1600" b="1" dirty="0">
-                <a:latin typeface="Courier New" panose="02070309020205020404" pitchFamily="49" charset="0"/>
-                <a:cs typeface="Courier New" panose="02070309020205020404" pitchFamily="49" charset="0"/>
-              </a:rPr>
-              <a:t>&gt;</a:t>
-            </a:r>
-          </a:p>
-          <a:p>
-            <a:r>
-              <a:rPr lang="en-US" sz="1600" b="1" dirty="0">
-                <a:latin typeface="Courier New" panose="02070309020205020404" pitchFamily="49" charset="0"/>
-                <a:cs typeface="Courier New" panose="02070309020205020404" pitchFamily="49" charset="0"/>
-              </a:rPr>
-              <a:t>    &lt;</a:t>
-            </a:r>
-            <a:r>
-              <a:rPr lang="en-US" sz="1600" b="1" dirty="0" err="1">
-                <a:latin typeface="Courier New" panose="02070309020205020404" pitchFamily="49" charset="0"/>
-                <a:cs typeface="Courier New" panose="02070309020205020404" pitchFamily="49" charset="0"/>
-              </a:rPr>
-              <a:t>p:with-input</a:t>
-            </a:r>
-            <a:r>
-              <a:rPr lang="en-US" sz="1600" b="1" dirty="0">
-                <a:latin typeface="Courier New" panose="02070309020205020404" pitchFamily="49" charset="0"/>
-                <a:cs typeface="Courier New" panose="02070309020205020404" pitchFamily="49" charset="0"/>
-              </a:rPr>
-              <a:t> select="//doc"/&gt;</a:t>
-            </a:r>
-          </a:p>
-          <a:p>
-            <a:r>
-              <a:rPr lang="en-US" sz="1600" b="1" dirty="0">
-                <a:latin typeface="Courier New" panose="02070309020205020404" pitchFamily="49" charset="0"/>
-                <a:cs typeface="Courier New" panose="02070309020205020404" pitchFamily="49" charset="0"/>
-              </a:rPr>
-              <a:t>    </a:t>
-            </a:r>
-          </a:p>
-          <a:p>
-            <a:r>
-              <a:rPr lang="en-US" sz="1600" b="1" dirty="0">
-                <a:latin typeface="Courier New" panose="02070309020205020404" pitchFamily="49" charset="0"/>
-                <a:cs typeface="Courier New" panose="02070309020205020404" pitchFamily="49" charset="0"/>
-              </a:rPr>
-              <a:t>    &lt;</a:t>
-            </a:r>
-            <a:r>
-              <a:rPr lang="en-US" sz="1600" b="1" dirty="0" err="1">
-                <a:latin typeface="Courier New" panose="02070309020205020404" pitchFamily="49" charset="0"/>
-                <a:cs typeface="Courier New" panose="02070309020205020404" pitchFamily="49" charset="0"/>
-              </a:rPr>
-              <a:t>p:store</a:t>
-            </a:r>
-            <a:r>
-              <a:rPr lang="en-US" sz="1600" b="1" dirty="0">
-                <a:latin typeface="Courier New" panose="02070309020205020404" pitchFamily="49" charset="0"/>
-                <a:cs typeface="Courier New" panose="02070309020205020404" pitchFamily="49" charset="0"/>
-              </a:rPr>
-              <a:t> </a:t>
-            </a:r>
-            <a:r>
-              <a:rPr lang="en-US" sz="1600" b="1" dirty="0" err="1">
-                <a:latin typeface="Courier New" panose="02070309020205020404" pitchFamily="49" charset="0"/>
-                <a:cs typeface="Courier New" panose="02070309020205020404" pitchFamily="49" charset="0"/>
-              </a:rPr>
-              <a:t>href</a:t>
-            </a:r>
-            <a:r>
-              <a:rPr lang="en-US" sz="1600" b="1" dirty="0">
-                <a:latin typeface="Courier New" panose="02070309020205020404" pitchFamily="49" charset="0"/>
-                <a:cs typeface="Courier New" panose="02070309020205020404" pitchFamily="49" charset="0"/>
-              </a:rPr>
-              <a:t>="{/*/@filename}"/&gt;</a:t>
-            </a:r>
-          </a:p>
-          <a:p>
-            <a:r>
-              <a:rPr lang="en-US" sz="1600" b="1" dirty="0">
-                <a:latin typeface="Courier New" panose="02070309020205020404" pitchFamily="49" charset="0"/>
-                <a:cs typeface="Courier New" panose="02070309020205020404" pitchFamily="49" charset="0"/>
-              </a:rPr>
-              <a:t>  &lt;/</a:t>
-            </a:r>
-            <a:r>
-              <a:rPr lang="en-US" sz="1600" b="1" dirty="0" err="1">
-                <a:latin typeface="Courier New" panose="02070309020205020404" pitchFamily="49" charset="0"/>
-                <a:cs typeface="Courier New" panose="02070309020205020404" pitchFamily="49" charset="0"/>
-              </a:rPr>
-              <a:t>p:for-each</a:t>
-            </a:r>
-            <a:r>
-              <a:rPr lang="en-US" sz="1600" b="1" dirty="0">
-                <a:latin typeface="Courier New" panose="02070309020205020404" pitchFamily="49" charset="0"/>
-                <a:cs typeface="Courier New" panose="02070309020205020404" pitchFamily="49" charset="0"/>
-              </a:rPr>
-              <a:t>&gt;</a:t>
-            </a:r>
-          </a:p>
-          <a:p>
-            <a:r>
-              <a:rPr lang="en-US" sz="1600" b="1" dirty="0">
-                <a:latin typeface="Courier New" panose="02070309020205020404" pitchFamily="49" charset="0"/>
-                <a:cs typeface="Courier New" panose="02070309020205020404" pitchFamily="49" charset="0"/>
-              </a:rPr>
-              <a:t>  </a:t>
-            </a:r>
-          </a:p>
-          <a:p>
-            <a:r>
-              <a:rPr lang="en-US" sz="1600" b="1" dirty="0">
-                <a:latin typeface="Courier New" panose="02070309020205020404" pitchFamily="49" charset="0"/>
-                <a:cs typeface="Courier New" panose="02070309020205020404" pitchFamily="49" charset="0"/>
-              </a:rPr>
-              <a:t>&lt;/</a:t>
-            </a:r>
-            <a:r>
-              <a:rPr lang="en-US" sz="1600" b="1" dirty="0" err="1">
-                <a:latin typeface="Courier New" panose="02070309020205020404" pitchFamily="49" charset="0"/>
-                <a:cs typeface="Courier New" panose="02070309020205020404" pitchFamily="49" charset="0"/>
-              </a:rPr>
-              <a:t>p:declare-step</a:t>
-            </a:r>
-            <a:r>
-              <a:rPr lang="en-US" sz="1600" b="1" dirty="0">
-                <a:latin typeface="Courier New" panose="02070309020205020404" pitchFamily="49" charset="0"/>
-                <a:cs typeface="Courier New" panose="02070309020205020404" pitchFamily="49" charset="0"/>
-              </a:rPr>
-              <a:t>&gt;</a:t>
-            </a:r>
-            <a:endParaRPr lang="nl-NL" sz="1600" b="1" dirty="0">
-              <a:latin typeface="Courier New" panose="02070309020205020404" pitchFamily="49" charset="0"/>
-              <a:cs typeface="Courier New" panose="02070309020205020404" pitchFamily="49" charset="0"/>
-            </a:endParaRPr>
-          </a:p>
-        </p:txBody>
-      </p:sp>
-      <p:sp>
-        <p:nvSpPr>
-          <p:cNvPr id="8" name="Speech Bubble: Rectangle with Corners Rounded 7">
-            <a:extLst>
-              <a:ext uri="{FF2B5EF4-FFF2-40B4-BE49-F238E27FC236}">
-                <a16:creationId xmlns:a16="http://schemas.microsoft.com/office/drawing/2014/main" id="{3AEEC5B8-E8AA-4B9B-A99C-2D140DDFCBEE}"/>
-              </a:ext>
-            </a:extLst>
-          </p:cNvPr>
-          <p:cNvSpPr/>
-          <p:nvPr/>
-        </p:nvSpPr>
-        <p:spPr>
-          <a:xfrm>
-            <a:off x="6714037" y="5115678"/>
-            <a:ext cx="2665651" cy="818535"/>
-          </a:xfrm>
-          <a:prstGeom prst="wedgeRoundRectCallout">
-            <a:avLst>
-              <a:gd name="adj1" fmla="val -203766"/>
-              <a:gd name="adj2" fmla="val -165029"/>
-              <a:gd name="adj3" fmla="val 16667"/>
-            </a:avLst>
-          </a:prstGeom>
-        </p:spPr>
-        <p:style>
-          <a:lnRef idx="2">
-            <a:schemeClr val="accent1">
-              <a:shade val="50000"/>
-            </a:schemeClr>
-          </a:lnRef>
-          <a:fillRef idx="1">
-            <a:schemeClr val="accent1"/>
-          </a:fillRef>
-          <a:effectRef idx="0">
-            <a:schemeClr val="accent1"/>
-          </a:effectRef>
-          <a:fontRef idx="minor">
-            <a:schemeClr val="lt1"/>
-          </a:fontRef>
-        </p:style>
-        <p:txBody>
-          <a:bodyPr rtlCol="0" anchor="ctr"/>
-          <a:lstStyle/>
-          <a:p>
-            <a:pPr algn="ctr"/>
-            <a:r>
-              <a:rPr lang="en-US" sz="1400" dirty="0"/>
-              <a:t>p:store stores a document to disk. The </a:t>
-            </a:r>
-            <a:r>
-              <a:rPr lang="en-US" sz="1400" dirty="0" err="1"/>
-              <a:t>href</a:t>
-            </a:r>
-            <a:r>
-              <a:rPr lang="en-US" sz="1400" dirty="0"/>
-              <a:t> attribute tells it where</a:t>
-            </a:r>
-            <a:endParaRPr lang="en-NL" sz="1400" dirty="0"/>
-          </a:p>
-        </p:txBody>
-      </p:sp>
-      <p:sp>
-        <p:nvSpPr>
-          <p:cNvPr id="9" name="Speech Bubble: Rectangle with Corners Rounded 8">
-            <a:extLst>
-              <a:ext uri="{FF2B5EF4-FFF2-40B4-BE49-F238E27FC236}">
-                <a16:creationId xmlns:a16="http://schemas.microsoft.com/office/drawing/2014/main" id="{BD286900-9124-480C-8C6A-40F68541E6EF}"/>
-              </a:ext>
-            </a:extLst>
-          </p:cNvPr>
-          <p:cNvSpPr/>
-          <p:nvPr/>
-        </p:nvSpPr>
-        <p:spPr>
-          <a:xfrm>
-            <a:off x="7317677" y="2341337"/>
-            <a:ext cx="2194247" cy="475343"/>
-          </a:xfrm>
-          <a:prstGeom prst="wedgeRoundRectCallout">
-            <a:avLst>
-              <a:gd name="adj1" fmla="val -210751"/>
-              <a:gd name="adj2" fmla="val 179984"/>
-              <a:gd name="adj3" fmla="val 16667"/>
-            </a:avLst>
-          </a:prstGeom>
-        </p:spPr>
-        <p:style>
-          <a:lnRef idx="2">
-            <a:schemeClr val="accent1">
-              <a:shade val="50000"/>
-            </a:schemeClr>
-          </a:lnRef>
-          <a:fillRef idx="1">
-            <a:schemeClr val="accent1"/>
-          </a:fillRef>
-          <a:effectRef idx="0">
-            <a:schemeClr val="accent1"/>
-          </a:effectRef>
-          <a:fontRef idx="minor">
-            <a:schemeClr val="lt1"/>
-          </a:fontRef>
-        </p:style>
-        <p:txBody>
-          <a:bodyPr rtlCol="0" anchor="ctr"/>
-          <a:lstStyle/>
-          <a:p>
-            <a:pPr algn="ctr"/>
-            <a:r>
-              <a:rPr lang="en-US" sz="1400" dirty="0"/>
-              <a:t>p:for-each has an anonymous input port…</a:t>
-            </a:r>
-            <a:endParaRPr lang="en-NL" sz="1400" dirty="0"/>
-          </a:p>
-        </p:txBody>
-      </p:sp>
-      <p:sp>
-        <p:nvSpPr>
-          <p:cNvPr id="10" name="Speech Bubble: Oval 9">
-            <a:extLst>
-              <a:ext uri="{FF2B5EF4-FFF2-40B4-BE49-F238E27FC236}">
-                <a16:creationId xmlns:a16="http://schemas.microsoft.com/office/drawing/2014/main" id="{9F9F4853-1F17-4E02-BB3B-0A659F25AE56}"/>
-              </a:ext>
-            </a:extLst>
-          </p:cNvPr>
-          <p:cNvSpPr/>
-          <p:nvPr/>
-        </p:nvSpPr>
-        <p:spPr>
-          <a:xfrm>
-            <a:off x="9663143" y="4952494"/>
-            <a:ext cx="2278245" cy="1333161"/>
-          </a:xfrm>
-          <a:prstGeom prst="wedgeEllipseCallout">
-            <a:avLst>
-              <a:gd name="adj1" fmla="val 36634"/>
-              <a:gd name="adj2" fmla="val 76902"/>
-            </a:avLst>
-          </a:prstGeom>
-        </p:spPr>
-        <p:style>
-          <a:lnRef idx="2">
-            <a:schemeClr val="accent1">
-              <a:shade val="50000"/>
-            </a:schemeClr>
-          </a:lnRef>
-          <a:fillRef idx="1">
-            <a:schemeClr val="accent1"/>
-          </a:fillRef>
-          <a:effectRef idx="0">
-            <a:schemeClr val="accent1"/>
-          </a:effectRef>
-          <a:fontRef idx="minor">
-            <a:schemeClr val="lt1"/>
-          </a:fontRef>
-        </p:style>
-        <p:txBody>
-          <a:bodyPr rtlCol="0" anchor="ctr"/>
-          <a:lstStyle/>
-          <a:p>
-            <a:pPr algn="ctr"/>
-            <a:r>
-              <a:rPr lang="en-US" sz="1600" dirty="0"/>
-              <a:t>select is a standard attribute of p:with-input</a:t>
-            </a:r>
-            <a:endParaRPr lang="en-NL" sz="1600" dirty="0"/>
-          </a:p>
-        </p:txBody>
-      </p:sp>
-      <p:sp>
-        <p:nvSpPr>
-          <p:cNvPr id="11" name="Speech Bubble: Rectangle with Corners Rounded 10">
-            <a:extLst>
-              <a:ext uri="{FF2B5EF4-FFF2-40B4-BE49-F238E27FC236}">
-                <a16:creationId xmlns:a16="http://schemas.microsoft.com/office/drawing/2014/main" id="{42CC2B54-345D-4527-9A09-ADB8A79E0969}"/>
-              </a:ext>
-            </a:extLst>
-          </p:cNvPr>
-          <p:cNvSpPr/>
-          <p:nvPr/>
-        </p:nvSpPr>
-        <p:spPr>
-          <a:xfrm>
-            <a:off x="2630550" y="5733973"/>
-            <a:ext cx="2665651" cy="818535"/>
-          </a:xfrm>
-          <a:prstGeom prst="wedgeRoundRectCallout">
-            <a:avLst>
-              <a:gd name="adj1" fmla="val -83604"/>
-              <a:gd name="adj2" fmla="val -240385"/>
-              <a:gd name="adj3" fmla="val 16667"/>
-            </a:avLst>
-          </a:prstGeom>
-        </p:spPr>
-        <p:style>
-          <a:lnRef idx="2">
-            <a:schemeClr val="accent1">
-              <a:shade val="50000"/>
-            </a:schemeClr>
-          </a:lnRef>
-          <a:fillRef idx="1">
-            <a:schemeClr val="accent1"/>
-          </a:fillRef>
-          <a:effectRef idx="0">
-            <a:schemeClr val="accent1"/>
-          </a:effectRef>
-          <a:fontRef idx="minor">
-            <a:schemeClr val="lt1"/>
-          </a:fontRef>
-        </p:style>
-        <p:txBody>
-          <a:bodyPr rtlCol="0" anchor="ctr"/>
-          <a:lstStyle/>
-          <a:p>
-            <a:pPr algn="ctr"/>
-            <a:r>
-              <a:rPr lang="en-US" sz="1400" dirty="0"/>
-              <a:t>p:store emits on its result port the same document as it received on its source port</a:t>
-            </a:r>
-            <a:endParaRPr lang="en-NL" sz="1400" dirty="0"/>
-          </a:p>
-        </p:txBody>
-      </p:sp>
-    </p:spTree>
-    <p:extLst>
-      <p:ext uri="{BB962C8B-B14F-4D97-AF65-F5344CB8AC3E}">
-        <p14:creationId xmlns:p14="http://schemas.microsoft.com/office/powerpoint/2010/main" val="393105558"/>
       </p:ext>
     </p:extLst>
   </p:cSld>
@@ -29268,6 +31395,724 @@
                                   </p:childTnLst>
                                 </p:cTn>
                               </p:par>
+                              <p:par>
+                                <p:cTn id="11" presetID="10" presetClass="entr" presetSubtype="0" fill="hold" grpId="0" nodeType="withEffect">
+                                  <p:stCondLst>
+                                    <p:cond delay="2000"/>
+                                  </p:stCondLst>
+                                  <p:childTnLst>
+                                    <p:set>
+                                      <p:cBhvr>
+                                        <p:cTn id="12" dur="1" fill="hold">
+                                          <p:stCondLst>
+                                            <p:cond delay="0"/>
+                                          </p:stCondLst>
+                                        </p:cTn>
+                                        <p:tgtEl>
+                                          <p:spTgt spid="10"/>
+                                        </p:tgtEl>
+                                        <p:attrNameLst>
+                                          <p:attrName>style.visibility</p:attrName>
+                                        </p:attrNameLst>
+                                      </p:cBhvr>
+                                      <p:to>
+                                        <p:strVal val="visible"/>
+                                      </p:to>
+                                    </p:set>
+                                    <p:animEffect transition="in" filter="fade">
+                                      <p:cBhvr>
+                                        <p:cTn id="13" dur="500"/>
+                                        <p:tgtEl>
+                                          <p:spTgt spid="10"/>
+                                        </p:tgtEl>
+                                      </p:cBhvr>
+                                    </p:animEffect>
+                                  </p:childTnLst>
+                                </p:cTn>
+                              </p:par>
+                            </p:childTnLst>
+                          </p:cTn>
+                        </p:par>
+                      </p:childTnLst>
+                    </p:cTn>
+                  </p:par>
+                </p:childTnLst>
+              </p:cTn>
+              <p:prevCondLst>
+                <p:cond evt="onPrev" delay="0">
+                  <p:tgtEl>
+                    <p:sldTgt/>
+                  </p:tgtEl>
+                </p:cond>
+              </p:prevCondLst>
+              <p:nextCondLst>
+                <p:cond evt="onNext" delay="0">
+                  <p:tgtEl>
+                    <p:sldTgt/>
+                  </p:tgtEl>
+                </p:cond>
+              </p:nextCondLst>
+            </p:seq>
+          </p:childTnLst>
+        </p:cTn>
+      </p:par>
+    </p:tnLst>
+    <p:bldLst>
+      <p:bldP spid="8" grpId="0" animBg="1"/>
+      <p:bldP spid="9" grpId="0" animBg="1"/>
+      <p:bldP spid="10" grpId="0" animBg="1"/>
+    </p:bldLst>
+  </p:timing>
+</p:sld>
+</file>
+
+<file path=ppt/slides/slide45.xml><?xml version="1.0" encoding="utf-8"?>
+<p:sld xmlns:a="http://schemas.openxmlformats.org/drawingml/2006/main" xmlns:r="http://schemas.openxmlformats.org/officeDocument/2006/relationships" xmlns:p="http://schemas.openxmlformats.org/presentationml/2006/main">
+  <p:cSld>
+    <p:spTree>
+      <p:nvGrpSpPr>
+        <p:cNvPr id="1" name=""/>
+        <p:cNvGrpSpPr/>
+        <p:nvPr/>
+      </p:nvGrpSpPr>
+      <p:grpSpPr>
+        <a:xfrm>
+          <a:off x="0" y="0"/>
+          <a:ext cx="0" cy="0"/>
+          <a:chOff x="0" y="0"/>
+          <a:chExt cx="0" cy="0"/>
+        </a:xfrm>
+      </p:grpSpPr>
+      <p:sp>
+        <p:nvSpPr>
+          <p:cNvPr id="2" name="Title 1">
+            <a:extLst>
+              <a:ext uri="{FF2B5EF4-FFF2-40B4-BE49-F238E27FC236}">
+                <a16:creationId xmlns:a16="http://schemas.microsoft.com/office/drawing/2014/main" id="{4123861A-F328-4BB9-8F10-4F9FB0F7E245}"/>
+              </a:ext>
+            </a:extLst>
+          </p:cNvPr>
+          <p:cNvSpPr>
+            <a:spLocks noGrp="1"/>
+          </p:cNvSpPr>
+          <p:nvPr>
+            <p:ph type="title"/>
+          </p:nvPr>
+        </p:nvSpPr>
+        <p:spPr>
+          <a:xfrm>
+            <a:off x="287020" y="182438"/>
+            <a:ext cx="11617960" cy="860848"/>
+          </a:xfrm>
+        </p:spPr>
+        <p:txBody>
+          <a:bodyPr>
+            <a:normAutofit/>
+          </a:bodyPr>
+          <a:lstStyle/>
+          <a:p>
+            <a:r>
+              <a:rPr lang="en-US" b="1" dirty="0"/>
+              <a:t>Use p:for-each to split a document – Basic pipeline</a:t>
+            </a:r>
+            <a:endParaRPr lang="en-NL" b="1" dirty="0"/>
+          </a:p>
+        </p:txBody>
+      </p:sp>
+      <p:sp>
+        <p:nvSpPr>
+          <p:cNvPr id="4" name="TextBox 3">
+            <a:extLst>
+              <a:ext uri="{FF2B5EF4-FFF2-40B4-BE49-F238E27FC236}">
+                <a16:creationId xmlns:a16="http://schemas.microsoft.com/office/drawing/2014/main" id="{E614C84A-45C6-4C95-859B-4E28BD47CA0C}"/>
+              </a:ext>
+            </a:extLst>
+          </p:cNvPr>
+          <p:cNvSpPr txBox="1"/>
+          <p:nvPr/>
+        </p:nvSpPr>
+        <p:spPr>
+          <a:xfrm>
+            <a:off x="287020" y="1905506"/>
+            <a:ext cx="8824714" cy="3046988"/>
+          </a:xfrm>
+          <a:prstGeom prst="rect">
+            <a:avLst/>
+          </a:prstGeom>
+          <a:solidFill>
+            <a:schemeClr val="bg1">
+              <a:lumMod val="85000"/>
+            </a:schemeClr>
+          </a:solidFill>
+        </p:spPr>
+        <p:txBody>
+          <a:bodyPr wrap="square" rtlCol="0">
+            <a:spAutoFit/>
+          </a:bodyPr>
+          <a:lstStyle/>
+          <a:p>
+            <a:r>
+              <a:rPr lang="en-US" sz="1600" b="1" dirty="0">
+                <a:latin typeface="Courier New" panose="02070309020205020404" pitchFamily="49" charset="0"/>
+                <a:cs typeface="Courier New" panose="02070309020205020404" pitchFamily="49" charset="0"/>
+              </a:rPr>
+              <a:t>&lt;</a:t>
+            </a:r>
+            <a:r>
+              <a:rPr lang="en-US" sz="1600" b="1" dirty="0" err="1">
+                <a:latin typeface="Courier New" panose="02070309020205020404" pitchFamily="49" charset="0"/>
+                <a:cs typeface="Courier New" panose="02070309020205020404" pitchFamily="49" charset="0"/>
+              </a:rPr>
+              <a:t>p:declare-step</a:t>
+            </a:r>
+            <a:r>
+              <a:rPr lang="en-US" sz="1600" b="1" dirty="0">
+                <a:latin typeface="Courier New" panose="02070309020205020404" pitchFamily="49" charset="0"/>
+                <a:cs typeface="Courier New" panose="02070309020205020404" pitchFamily="49" charset="0"/>
+              </a:rPr>
+              <a:t> </a:t>
+            </a:r>
+            <a:r>
+              <a:rPr lang="en-US" sz="1600" b="1" dirty="0" err="1">
+                <a:latin typeface="Courier New" panose="02070309020205020404" pitchFamily="49" charset="0"/>
+                <a:cs typeface="Courier New" panose="02070309020205020404" pitchFamily="49" charset="0"/>
+              </a:rPr>
+              <a:t>xmlns:p</a:t>
+            </a:r>
+            <a:r>
+              <a:rPr lang="en-US" sz="1600" b="1" dirty="0">
+                <a:latin typeface="Courier New" panose="02070309020205020404" pitchFamily="49" charset="0"/>
+                <a:cs typeface="Courier New" panose="02070309020205020404" pitchFamily="49" charset="0"/>
+              </a:rPr>
+              <a:t>="http://www.w3.org/ns/xproc" version="3.0"&gt;</a:t>
+            </a:r>
+          </a:p>
+          <a:p>
+            <a:endParaRPr lang="en-US" sz="1600" b="1" dirty="0">
+              <a:latin typeface="Courier New" panose="02070309020205020404" pitchFamily="49" charset="0"/>
+              <a:cs typeface="Courier New" panose="02070309020205020404" pitchFamily="49" charset="0"/>
+            </a:endParaRPr>
+          </a:p>
+          <a:p>
+            <a:r>
+              <a:rPr lang="en-US" sz="1600" b="1" dirty="0">
+                <a:latin typeface="Courier New" panose="02070309020205020404" pitchFamily="49" charset="0"/>
+                <a:cs typeface="Courier New" panose="02070309020205020404" pitchFamily="49" charset="0"/>
+              </a:rPr>
+              <a:t>  &lt;</a:t>
+            </a:r>
+            <a:r>
+              <a:rPr lang="en-US" sz="1600" b="1" dirty="0" err="1">
+                <a:latin typeface="Courier New" panose="02070309020205020404" pitchFamily="49" charset="0"/>
+                <a:cs typeface="Courier New" panose="02070309020205020404" pitchFamily="49" charset="0"/>
+              </a:rPr>
+              <a:t>p:input</a:t>
+            </a:r>
+            <a:r>
+              <a:rPr lang="en-US" sz="1600" b="1" dirty="0">
+                <a:latin typeface="Courier New" panose="02070309020205020404" pitchFamily="49" charset="0"/>
+                <a:cs typeface="Courier New" panose="02070309020205020404" pitchFamily="49" charset="0"/>
+              </a:rPr>
+              <a:t> port="source"/&gt;</a:t>
+            </a:r>
+          </a:p>
+          <a:p>
+            <a:r>
+              <a:rPr lang="en-US" sz="1600" b="1" dirty="0">
+                <a:latin typeface="Courier New" panose="02070309020205020404" pitchFamily="49" charset="0"/>
+                <a:cs typeface="Courier New" panose="02070309020205020404" pitchFamily="49" charset="0"/>
+              </a:rPr>
+              <a:t>  &lt;</a:t>
+            </a:r>
+            <a:r>
+              <a:rPr lang="en-US" sz="1600" b="1" dirty="0" err="1">
+                <a:latin typeface="Courier New" panose="02070309020205020404" pitchFamily="49" charset="0"/>
+                <a:cs typeface="Courier New" panose="02070309020205020404" pitchFamily="49" charset="0"/>
+              </a:rPr>
+              <a:t>p:output</a:t>
+            </a:r>
+            <a:r>
+              <a:rPr lang="en-US" sz="1600" b="1" dirty="0">
+                <a:latin typeface="Courier New" panose="02070309020205020404" pitchFamily="49" charset="0"/>
+                <a:cs typeface="Courier New" panose="02070309020205020404" pitchFamily="49" charset="0"/>
+              </a:rPr>
+              <a:t> port="result"/&gt;</a:t>
+            </a:r>
+          </a:p>
+          <a:p>
+            <a:endParaRPr lang="en-US" sz="1600" b="1" dirty="0">
+              <a:latin typeface="Courier New" panose="02070309020205020404" pitchFamily="49" charset="0"/>
+              <a:cs typeface="Courier New" panose="02070309020205020404" pitchFamily="49" charset="0"/>
+            </a:endParaRPr>
+          </a:p>
+          <a:p>
+            <a:r>
+              <a:rPr lang="en-US" sz="1600" b="1" dirty="0">
+                <a:latin typeface="Courier New" panose="02070309020205020404" pitchFamily="49" charset="0"/>
+                <a:cs typeface="Courier New" panose="02070309020205020404" pitchFamily="49" charset="0"/>
+              </a:rPr>
+              <a:t>  &lt;</a:t>
+            </a:r>
+            <a:r>
+              <a:rPr lang="en-US" sz="1600" b="1" dirty="0" err="1">
+                <a:latin typeface="Courier New" panose="02070309020205020404" pitchFamily="49" charset="0"/>
+                <a:cs typeface="Courier New" panose="02070309020205020404" pitchFamily="49" charset="0"/>
+              </a:rPr>
+              <a:t>p:for-each</a:t>
+            </a:r>
+            <a:r>
+              <a:rPr lang="en-US" sz="1600" b="1" dirty="0">
+                <a:latin typeface="Courier New" panose="02070309020205020404" pitchFamily="49" charset="0"/>
+                <a:cs typeface="Courier New" panose="02070309020205020404" pitchFamily="49" charset="0"/>
+              </a:rPr>
+              <a:t>&gt;</a:t>
+            </a:r>
+          </a:p>
+          <a:p>
+            <a:r>
+              <a:rPr lang="en-US" sz="1600" b="1" dirty="0">
+                <a:latin typeface="Courier New" panose="02070309020205020404" pitchFamily="49" charset="0"/>
+                <a:cs typeface="Courier New" panose="02070309020205020404" pitchFamily="49" charset="0"/>
+              </a:rPr>
+              <a:t>    &lt;</a:t>
+            </a:r>
+            <a:r>
+              <a:rPr lang="en-US" sz="1600" b="1" dirty="0" err="1">
+                <a:latin typeface="Courier New" panose="02070309020205020404" pitchFamily="49" charset="0"/>
+                <a:cs typeface="Courier New" panose="02070309020205020404" pitchFamily="49" charset="0"/>
+              </a:rPr>
+              <a:t>p:with-input</a:t>
+            </a:r>
+            <a:r>
+              <a:rPr lang="en-US" sz="1600" b="1" dirty="0">
+                <a:latin typeface="Courier New" panose="02070309020205020404" pitchFamily="49" charset="0"/>
+                <a:cs typeface="Courier New" panose="02070309020205020404" pitchFamily="49" charset="0"/>
+              </a:rPr>
+              <a:t> select="//doc"/&gt;</a:t>
+            </a:r>
+          </a:p>
+          <a:p>
+            <a:r>
+              <a:rPr lang="en-US" sz="1600" b="1" dirty="0">
+                <a:latin typeface="Courier New" panose="02070309020205020404" pitchFamily="49" charset="0"/>
+                <a:cs typeface="Courier New" panose="02070309020205020404" pitchFamily="49" charset="0"/>
+              </a:rPr>
+              <a:t>    </a:t>
+            </a:r>
+          </a:p>
+          <a:p>
+            <a:r>
+              <a:rPr lang="en-US" sz="1600" b="1" dirty="0">
+                <a:latin typeface="Courier New" panose="02070309020205020404" pitchFamily="49" charset="0"/>
+                <a:cs typeface="Courier New" panose="02070309020205020404" pitchFamily="49" charset="0"/>
+              </a:rPr>
+              <a:t>    &lt;</a:t>
+            </a:r>
+            <a:r>
+              <a:rPr lang="en-US" sz="1600" b="1" dirty="0" err="1">
+                <a:latin typeface="Courier New" panose="02070309020205020404" pitchFamily="49" charset="0"/>
+                <a:cs typeface="Courier New" panose="02070309020205020404" pitchFamily="49" charset="0"/>
+              </a:rPr>
+              <a:t>p:store</a:t>
+            </a:r>
+            <a:r>
+              <a:rPr lang="en-US" sz="1600" b="1" dirty="0">
+                <a:latin typeface="Courier New" panose="02070309020205020404" pitchFamily="49" charset="0"/>
+                <a:cs typeface="Courier New" panose="02070309020205020404" pitchFamily="49" charset="0"/>
+              </a:rPr>
+              <a:t> </a:t>
+            </a:r>
+            <a:r>
+              <a:rPr lang="en-US" sz="1600" b="1" dirty="0" err="1">
+                <a:latin typeface="Courier New" panose="02070309020205020404" pitchFamily="49" charset="0"/>
+                <a:cs typeface="Courier New" panose="02070309020205020404" pitchFamily="49" charset="0"/>
+              </a:rPr>
+              <a:t>href</a:t>
+            </a:r>
+            <a:r>
+              <a:rPr lang="en-US" sz="1600" b="1" dirty="0">
+                <a:latin typeface="Courier New" panose="02070309020205020404" pitchFamily="49" charset="0"/>
+                <a:cs typeface="Courier New" panose="02070309020205020404" pitchFamily="49" charset="0"/>
+              </a:rPr>
+              <a:t>="{/*/@filename}"/&gt;</a:t>
+            </a:r>
+          </a:p>
+          <a:p>
+            <a:r>
+              <a:rPr lang="en-US" sz="1600" b="1" dirty="0">
+                <a:latin typeface="Courier New" panose="02070309020205020404" pitchFamily="49" charset="0"/>
+                <a:cs typeface="Courier New" panose="02070309020205020404" pitchFamily="49" charset="0"/>
+              </a:rPr>
+              <a:t>  &lt;/</a:t>
+            </a:r>
+            <a:r>
+              <a:rPr lang="en-US" sz="1600" b="1" dirty="0" err="1">
+                <a:latin typeface="Courier New" panose="02070309020205020404" pitchFamily="49" charset="0"/>
+                <a:cs typeface="Courier New" panose="02070309020205020404" pitchFamily="49" charset="0"/>
+              </a:rPr>
+              <a:t>p:for-each</a:t>
+            </a:r>
+            <a:r>
+              <a:rPr lang="en-US" sz="1600" b="1" dirty="0">
+                <a:latin typeface="Courier New" panose="02070309020205020404" pitchFamily="49" charset="0"/>
+                <a:cs typeface="Courier New" panose="02070309020205020404" pitchFamily="49" charset="0"/>
+              </a:rPr>
+              <a:t>&gt;</a:t>
+            </a:r>
+          </a:p>
+          <a:p>
+            <a:r>
+              <a:rPr lang="en-US" sz="1600" b="1" dirty="0">
+                <a:latin typeface="Courier New" panose="02070309020205020404" pitchFamily="49" charset="0"/>
+                <a:cs typeface="Courier New" panose="02070309020205020404" pitchFamily="49" charset="0"/>
+              </a:rPr>
+              <a:t>  </a:t>
+            </a:r>
+          </a:p>
+          <a:p>
+            <a:r>
+              <a:rPr lang="en-US" sz="1600" b="1" dirty="0">
+                <a:latin typeface="Courier New" panose="02070309020205020404" pitchFamily="49" charset="0"/>
+                <a:cs typeface="Courier New" panose="02070309020205020404" pitchFamily="49" charset="0"/>
+              </a:rPr>
+              <a:t>&lt;/</a:t>
+            </a:r>
+            <a:r>
+              <a:rPr lang="en-US" sz="1600" b="1" dirty="0" err="1">
+                <a:latin typeface="Courier New" panose="02070309020205020404" pitchFamily="49" charset="0"/>
+                <a:cs typeface="Courier New" panose="02070309020205020404" pitchFamily="49" charset="0"/>
+              </a:rPr>
+              <a:t>p:declare-step</a:t>
+            </a:r>
+            <a:r>
+              <a:rPr lang="en-US" sz="1600" b="1" dirty="0">
+                <a:latin typeface="Courier New" panose="02070309020205020404" pitchFamily="49" charset="0"/>
+                <a:cs typeface="Courier New" panose="02070309020205020404" pitchFamily="49" charset="0"/>
+              </a:rPr>
+              <a:t>&gt;</a:t>
+            </a:r>
+            <a:endParaRPr lang="nl-NL" sz="1600" b="1" dirty="0">
+              <a:latin typeface="Courier New" panose="02070309020205020404" pitchFamily="49" charset="0"/>
+              <a:cs typeface="Courier New" panose="02070309020205020404" pitchFamily="49" charset="0"/>
+            </a:endParaRPr>
+          </a:p>
+        </p:txBody>
+      </p:sp>
+      <p:sp>
+        <p:nvSpPr>
+          <p:cNvPr id="8" name="Speech Bubble: Rectangle with Corners Rounded 7">
+            <a:extLst>
+              <a:ext uri="{FF2B5EF4-FFF2-40B4-BE49-F238E27FC236}">
+                <a16:creationId xmlns:a16="http://schemas.microsoft.com/office/drawing/2014/main" id="{3AEEC5B8-E8AA-4B9B-A99C-2D140DDFCBEE}"/>
+              </a:ext>
+            </a:extLst>
+          </p:cNvPr>
+          <p:cNvSpPr/>
+          <p:nvPr/>
+        </p:nvSpPr>
+        <p:spPr>
+          <a:xfrm>
+            <a:off x="6714037" y="5115678"/>
+            <a:ext cx="2665651" cy="818535"/>
+          </a:xfrm>
+          <a:prstGeom prst="wedgeRoundRectCallout">
+            <a:avLst>
+              <a:gd name="adj1" fmla="val -203766"/>
+              <a:gd name="adj2" fmla="val -165029"/>
+              <a:gd name="adj3" fmla="val 16667"/>
+            </a:avLst>
+          </a:prstGeom>
+        </p:spPr>
+        <p:style>
+          <a:lnRef idx="2">
+            <a:schemeClr val="accent1">
+              <a:shade val="50000"/>
+            </a:schemeClr>
+          </a:lnRef>
+          <a:fillRef idx="1">
+            <a:schemeClr val="accent1"/>
+          </a:fillRef>
+          <a:effectRef idx="0">
+            <a:schemeClr val="accent1"/>
+          </a:effectRef>
+          <a:fontRef idx="minor">
+            <a:schemeClr val="lt1"/>
+          </a:fontRef>
+        </p:style>
+        <p:txBody>
+          <a:bodyPr rtlCol="0" anchor="ctr"/>
+          <a:lstStyle/>
+          <a:p>
+            <a:pPr algn="ctr"/>
+            <a:r>
+              <a:rPr lang="en-US" sz="1400" dirty="0"/>
+              <a:t>p:store stores a document to disk. The </a:t>
+            </a:r>
+            <a:r>
+              <a:rPr lang="en-US" sz="1400" dirty="0" err="1"/>
+              <a:t>href</a:t>
+            </a:r>
+            <a:r>
+              <a:rPr lang="en-US" sz="1400" dirty="0"/>
+              <a:t> attribute tells it where</a:t>
+            </a:r>
+            <a:endParaRPr lang="en-NL" sz="1400" dirty="0"/>
+          </a:p>
+        </p:txBody>
+      </p:sp>
+      <p:sp>
+        <p:nvSpPr>
+          <p:cNvPr id="9" name="Speech Bubble: Rectangle with Corners Rounded 8">
+            <a:extLst>
+              <a:ext uri="{FF2B5EF4-FFF2-40B4-BE49-F238E27FC236}">
+                <a16:creationId xmlns:a16="http://schemas.microsoft.com/office/drawing/2014/main" id="{BD286900-9124-480C-8C6A-40F68541E6EF}"/>
+              </a:ext>
+            </a:extLst>
+          </p:cNvPr>
+          <p:cNvSpPr/>
+          <p:nvPr/>
+        </p:nvSpPr>
+        <p:spPr>
+          <a:xfrm>
+            <a:off x="7317677" y="2341337"/>
+            <a:ext cx="2194247" cy="475343"/>
+          </a:xfrm>
+          <a:prstGeom prst="wedgeRoundRectCallout">
+            <a:avLst>
+              <a:gd name="adj1" fmla="val -210751"/>
+              <a:gd name="adj2" fmla="val 179984"/>
+              <a:gd name="adj3" fmla="val 16667"/>
+            </a:avLst>
+          </a:prstGeom>
+        </p:spPr>
+        <p:style>
+          <a:lnRef idx="2">
+            <a:schemeClr val="accent1">
+              <a:shade val="50000"/>
+            </a:schemeClr>
+          </a:lnRef>
+          <a:fillRef idx="1">
+            <a:schemeClr val="accent1"/>
+          </a:fillRef>
+          <a:effectRef idx="0">
+            <a:schemeClr val="accent1"/>
+          </a:effectRef>
+          <a:fontRef idx="minor">
+            <a:schemeClr val="lt1"/>
+          </a:fontRef>
+        </p:style>
+        <p:txBody>
+          <a:bodyPr rtlCol="0" anchor="ctr"/>
+          <a:lstStyle/>
+          <a:p>
+            <a:pPr algn="ctr"/>
+            <a:r>
+              <a:rPr lang="en-US" sz="1400" dirty="0"/>
+              <a:t>p:for-each has an anonymous input port…</a:t>
+            </a:r>
+            <a:endParaRPr lang="en-NL" sz="1400" dirty="0"/>
+          </a:p>
+        </p:txBody>
+      </p:sp>
+      <p:sp>
+        <p:nvSpPr>
+          <p:cNvPr id="10" name="Speech Bubble: Oval 9">
+            <a:extLst>
+              <a:ext uri="{FF2B5EF4-FFF2-40B4-BE49-F238E27FC236}">
+                <a16:creationId xmlns:a16="http://schemas.microsoft.com/office/drawing/2014/main" id="{9F9F4853-1F17-4E02-BB3B-0A659F25AE56}"/>
+              </a:ext>
+            </a:extLst>
+          </p:cNvPr>
+          <p:cNvSpPr/>
+          <p:nvPr/>
+        </p:nvSpPr>
+        <p:spPr>
+          <a:xfrm>
+            <a:off x="9663143" y="4952494"/>
+            <a:ext cx="2278245" cy="1333161"/>
+          </a:xfrm>
+          <a:prstGeom prst="wedgeEllipseCallout">
+            <a:avLst>
+              <a:gd name="adj1" fmla="val 36634"/>
+              <a:gd name="adj2" fmla="val 76902"/>
+            </a:avLst>
+          </a:prstGeom>
+        </p:spPr>
+        <p:style>
+          <a:lnRef idx="2">
+            <a:schemeClr val="accent1">
+              <a:shade val="50000"/>
+            </a:schemeClr>
+          </a:lnRef>
+          <a:fillRef idx="1">
+            <a:schemeClr val="accent1"/>
+          </a:fillRef>
+          <a:effectRef idx="0">
+            <a:schemeClr val="accent1"/>
+          </a:effectRef>
+          <a:fontRef idx="minor">
+            <a:schemeClr val="lt1"/>
+          </a:fontRef>
+        </p:style>
+        <p:txBody>
+          <a:bodyPr rtlCol="0" anchor="ctr"/>
+          <a:lstStyle/>
+          <a:p>
+            <a:pPr algn="ctr"/>
+            <a:r>
+              <a:rPr lang="en-US" sz="1600" dirty="0"/>
+              <a:t>select is a standard attribute of p:with-input</a:t>
+            </a:r>
+            <a:endParaRPr lang="en-NL" sz="1600" dirty="0"/>
+          </a:p>
+        </p:txBody>
+      </p:sp>
+      <p:sp>
+        <p:nvSpPr>
+          <p:cNvPr id="11" name="Speech Bubble: Rectangle with Corners Rounded 10">
+            <a:extLst>
+              <a:ext uri="{FF2B5EF4-FFF2-40B4-BE49-F238E27FC236}">
+                <a16:creationId xmlns:a16="http://schemas.microsoft.com/office/drawing/2014/main" id="{42CC2B54-345D-4527-9A09-ADB8A79E0969}"/>
+              </a:ext>
+            </a:extLst>
+          </p:cNvPr>
+          <p:cNvSpPr/>
+          <p:nvPr/>
+        </p:nvSpPr>
+        <p:spPr>
+          <a:xfrm>
+            <a:off x="2630550" y="5733973"/>
+            <a:ext cx="2665651" cy="818535"/>
+          </a:xfrm>
+          <a:prstGeom prst="wedgeRoundRectCallout">
+            <a:avLst>
+              <a:gd name="adj1" fmla="val -83604"/>
+              <a:gd name="adj2" fmla="val -240385"/>
+              <a:gd name="adj3" fmla="val 16667"/>
+            </a:avLst>
+          </a:prstGeom>
+        </p:spPr>
+        <p:style>
+          <a:lnRef idx="2">
+            <a:schemeClr val="accent1">
+              <a:shade val="50000"/>
+            </a:schemeClr>
+          </a:lnRef>
+          <a:fillRef idx="1">
+            <a:schemeClr val="accent1"/>
+          </a:fillRef>
+          <a:effectRef idx="0">
+            <a:schemeClr val="accent1"/>
+          </a:effectRef>
+          <a:fontRef idx="minor">
+            <a:schemeClr val="lt1"/>
+          </a:fontRef>
+        </p:style>
+        <p:txBody>
+          <a:bodyPr rtlCol="0" anchor="ctr"/>
+          <a:lstStyle/>
+          <a:p>
+            <a:pPr algn="ctr"/>
+            <a:r>
+              <a:rPr lang="en-US" sz="1400" dirty="0"/>
+              <a:t>p:store emits on its result port the same document as it received on its source port</a:t>
+            </a:r>
+            <a:endParaRPr lang="en-NL" sz="1400" dirty="0"/>
+          </a:p>
+        </p:txBody>
+      </p:sp>
+    </p:spTree>
+    <p:extLst>
+      <p:ext uri="{BB962C8B-B14F-4D97-AF65-F5344CB8AC3E}">
+        <p14:creationId xmlns:p14="http://schemas.microsoft.com/office/powerpoint/2010/main" val="393105558"/>
+      </p:ext>
+    </p:extLst>
+  </p:cSld>
+  <p:clrMapOvr>
+    <a:masterClrMapping/>
+  </p:clrMapOvr>
+  <p:timing>
+    <p:tnLst>
+      <p:par>
+        <p:cTn id="1" dur="indefinite" restart="never" nodeType="tmRoot">
+          <p:childTnLst>
+            <p:seq concurrent="1" nextAc="seek">
+              <p:cTn id="2" dur="indefinite" nodeType="mainSeq">
+                <p:childTnLst>
+                  <p:par>
+                    <p:cTn id="3" fill="hold">
+                      <p:stCondLst>
+                        <p:cond delay="indefinite"/>
+                      </p:stCondLst>
+                      <p:childTnLst>
+                        <p:par>
+                          <p:cTn id="4" fill="hold">
+                            <p:stCondLst>
+                              <p:cond delay="0"/>
+                            </p:stCondLst>
+                            <p:childTnLst>
+                              <p:par>
+                                <p:cTn id="5" presetID="1" presetClass="entr" presetSubtype="0" fill="hold" grpId="0" nodeType="clickEffect">
+                                  <p:stCondLst>
+                                    <p:cond delay="0"/>
+                                  </p:stCondLst>
+                                  <p:childTnLst>
+                                    <p:set>
+                                      <p:cBhvr>
+                                        <p:cTn id="6" dur="1" fill="hold">
+                                          <p:stCondLst>
+                                            <p:cond delay="0"/>
+                                          </p:stCondLst>
+                                        </p:cTn>
+                                        <p:tgtEl>
+                                          <p:spTgt spid="9"/>
+                                        </p:tgtEl>
+                                        <p:attrNameLst>
+                                          <p:attrName>style.visibility</p:attrName>
+                                        </p:attrNameLst>
+                                      </p:cBhvr>
+                                      <p:to>
+                                        <p:strVal val="visible"/>
+                                      </p:to>
+                                    </p:set>
+                                  </p:childTnLst>
+                                </p:cTn>
+                              </p:par>
+                              <p:par>
+                                <p:cTn id="7" presetID="10" presetClass="entr" presetSubtype="0" fill="hold" grpId="0" nodeType="withEffect">
+                                  <p:stCondLst>
+                                    <p:cond delay="1000"/>
+                                  </p:stCondLst>
+                                  <p:childTnLst>
+                                    <p:set>
+                                      <p:cBhvr>
+                                        <p:cTn id="8" dur="1" fill="hold">
+                                          <p:stCondLst>
+                                            <p:cond delay="0"/>
+                                          </p:stCondLst>
+                                        </p:cTn>
+                                        <p:tgtEl>
+                                          <p:spTgt spid="10"/>
+                                        </p:tgtEl>
+                                        <p:attrNameLst>
+                                          <p:attrName>style.visibility</p:attrName>
+                                        </p:attrNameLst>
+                                      </p:cBhvr>
+                                      <p:to>
+                                        <p:strVal val="visible"/>
+                                      </p:to>
+                                    </p:set>
+                                    <p:animEffect transition="in" filter="fade">
+                                      <p:cBhvr>
+                                        <p:cTn id="9" dur="500"/>
+                                        <p:tgtEl>
+                                          <p:spTgt spid="10"/>
+                                        </p:tgtEl>
+                                      </p:cBhvr>
+                                    </p:animEffect>
+                                  </p:childTnLst>
+                                </p:cTn>
+                              </p:par>
                             </p:childTnLst>
                           </p:cTn>
                         </p:par>
@@ -29275,26 +32120,71 @@
                     </p:cTn>
                   </p:par>
                   <p:par>
-                    <p:cTn id="11" fill="hold">
+                    <p:cTn id="10" fill="hold">
                       <p:stCondLst>
                         <p:cond delay="indefinite"/>
                       </p:stCondLst>
                       <p:childTnLst>
                         <p:par>
-                          <p:cTn id="12" fill="hold">
+                          <p:cTn id="11" fill="hold">
                             <p:stCondLst>
                               <p:cond delay="0"/>
                             </p:stCondLst>
                             <p:childTnLst>
                               <p:par>
-                                <p:cTn id="13" presetID="1" presetClass="entr" presetSubtype="0" fill="hold" grpId="0" nodeType="clickEffect">
+                                <p:cTn id="12" presetID="1" presetClass="entr" presetSubtype="0" fill="hold" grpId="0" nodeType="clickEffect">
                                   <p:stCondLst>
                                     <p:cond delay="0"/>
                                   </p:stCondLst>
                                   <p:childTnLst>
                                     <p:set>
                                       <p:cBhvr>
-                                        <p:cTn id="14" dur="1" fill="hold">
+                                        <p:cTn id="13" dur="1" fill="hold">
+                                          <p:stCondLst>
+                                            <p:cond delay="0"/>
+                                          </p:stCondLst>
+                                        </p:cTn>
+                                        <p:tgtEl>
+                                          <p:spTgt spid="8"/>
+                                        </p:tgtEl>
+                                        <p:attrNameLst>
+                                          <p:attrName>style.visibility</p:attrName>
+                                        </p:attrNameLst>
+                                      </p:cBhvr>
+                                      <p:to>
+                                        <p:strVal val="visible"/>
+                                      </p:to>
+                                    </p:set>
+                                  </p:childTnLst>
+                                </p:cTn>
+                              </p:par>
+                            </p:childTnLst>
+                          </p:cTn>
+                        </p:par>
+                      </p:childTnLst>
+                    </p:cTn>
+                  </p:par>
+                  <p:par>
+                    <p:cTn id="14" fill="hold">
+                      <p:stCondLst>
+                        <p:cond delay="indefinite"/>
+                      </p:stCondLst>
+                      <p:childTnLst>
+                        <p:par>
+                          <p:cTn id="15" fill="hold">
+                            <p:stCondLst>
+                              <p:cond delay="0"/>
+                            </p:stCondLst>
+                            <p:childTnLst>
+                              <p:par>
+                                <p:cTn id="16" presetID="1" presetClass="entr" presetSubtype="0" fill="hold" grpId="0" nodeType="clickEffect">
+                                  <p:stCondLst>
+                                    <p:cond delay="0"/>
+                                  </p:stCondLst>
+                                  <p:childTnLst>
+                                    <p:set>
+                                      <p:cBhvr>
+                                        <p:cTn id="17" dur="1" fill="hold">
                                           <p:stCondLst>
                                             <p:cond delay="0"/>
                                           </p:stCondLst>
@@ -29343,13 +32233,14 @@
     <p:bldLst>
       <p:bldP spid="8" grpId="0" animBg="1"/>
       <p:bldP spid="9" grpId="0" animBg="1"/>
+      <p:bldP spid="10" grpId="0" animBg="1"/>
       <p:bldP spid="11" grpId="0" animBg="1"/>
     </p:bldLst>
   </p:timing>
 </p:sld>
 </file>
 
-<file path=ppt/slides/slide44.xml><?xml version="1.0" encoding="utf-8"?>
+<file path=ppt/slides/slide46.xml><?xml version="1.0" encoding="utf-8"?>
 <p:sld xmlns:a="http://schemas.openxmlformats.org/drawingml/2006/main" xmlns:r="http://schemas.openxmlformats.org/officeDocument/2006/relationships" xmlns:p="http://schemas.openxmlformats.org/presentationml/2006/main">
   <p:cSld>
     <p:spTree>
@@ -29612,7 +32503,7 @@
 </p:sld>
 </file>
 
-<file path=ppt/slides/slide45.xml><?xml version="1.0" encoding="utf-8"?>
+<file path=ppt/slides/slide47.xml><?xml version="1.0" encoding="utf-8"?>
 <p:sld xmlns:a="http://schemas.openxmlformats.org/drawingml/2006/main" xmlns:r="http://schemas.openxmlformats.org/officeDocument/2006/relationships" xmlns:p="http://schemas.openxmlformats.org/presentationml/2006/main">
   <p:cSld>
     <p:spTree>
@@ -30061,10 +32952,124 @@
   <p:clrMapOvr>
     <a:masterClrMapping/>
   </p:clrMapOvr>
+  <p:timing>
+    <p:tnLst>
+      <p:par>
+        <p:cTn id="1" dur="indefinite" restart="never" nodeType="tmRoot">
+          <p:childTnLst>
+            <p:seq concurrent="1" nextAc="seek">
+              <p:cTn id="2" dur="indefinite" nodeType="mainSeq">
+                <p:childTnLst>
+                  <p:par>
+                    <p:cTn id="3" fill="hold">
+                      <p:stCondLst>
+                        <p:cond delay="indefinite"/>
+                      </p:stCondLst>
+                      <p:childTnLst>
+                        <p:par>
+                          <p:cTn id="4" fill="hold">
+                            <p:stCondLst>
+                              <p:cond delay="0"/>
+                            </p:stCondLst>
+                            <p:childTnLst>
+                              <p:par>
+                                <p:cTn id="5" presetID="1" presetClass="entr" presetSubtype="0" fill="hold" grpId="0" nodeType="clickEffect">
+                                  <p:stCondLst>
+                                    <p:cond delay="0"/>
+                                  </p:stCondLst>
+                                  <p:childTnLst>
+                                    <p:set>
+                                      <p:cBhvr>
+                                        <p:cTn id="6" dur="1" fill="hold">
+                                          <p:stCondLst>
+                                            <p:cond delay="0"/>
+                                          </p:stCondLst>
+                                        </p:cTn>
+                                        <p:tgtEl>
+                                          <p:spTgt spid="9"/>
+                                        </p:tgtEl>
+                                        <p:attrNameLst>
+                                          <p:attrName>style.visibility</p:attrName>
+                                        </p:attrNameLst>
+                                      </p:cBhvr>
+                                      <p:to>
+                                        <p:strVal val="visible"/>
+                                      </p:to>
+                                    </p:set>
+                                  </p:childTnLst>
+                                </p:cTn>
+                              </p:par>
+                              <p:par>
+                                <p:cTn id="7" presetID="10" presetClass="entr" presetSubtype="0" fill="hold" grpId="0" nodeType="withEffect">
+                                  <p:stCondLst>
+                                    <p:cond delay="2000"/>
+                                  </p:stCondLst>
+                                  <p:childTnLst>
+                                    <p:set>
+                                      <p:cBhvr>
+                                        <p:cTn id="8" dur="1" fill="hold">
+                                          <p:stCondLst>
+                                            <p:cond delay="0"/>
+                                          </p:stCondLst>
+                                        </p:cTn>
+                                        <p:tgtEl>
+                                          <p:spTgt spid="10"/>
+                                        </p:tgtEl>
+                                        <p:attrNameLst>
+                                          <p:attrName>style.visibility</p:attrName>
+                                        </p:attrNameLst>
+                                      </p:cBhvr>
+                                      <p:to>
+                                        <p:strVal val="visible"/>
+                                      </p:to>
+                                    </p:set>
+                                    <p:animEffect transition="in" filter="fade">
+                                      <p:cBhvr>
+                                        <p:cTn id="9" dur="500"/>
+                                        <p:tgtEl>
+                                          <p:spTgt spid="10"/>
+                                        </p:tgtEl>
+                                      </p:cBhvr>
+                                    </p:animEffect>
+                                  </p:childTnLst>
+                                </p:cTn>
+                              </p:par>
+                            </p:childTnLst>
+                          </p:cTn>
+                        </p:par>
+                      </p:childTnLst>
+                    </p:cTn>
+                  </p:par>
+                </p:childTnLst>
+              </p:cTn>
+              <p:prevCondLst>
+                <p:cond evt="onPrev" delay="0">
+                  <p:tgtEl>
+                    <p:sldTgt/>
+                  </p:tgtEl>
+                </p:cond>
+              </p:prevCondLst>
+              <p:nextCondLst>
+                <p:cond evt="onNext" delay="0">
+                  <p:tgtEl>
+                    <p:sldTgt/>
+                  </p:tgtEl>
+                </p:cond>
+              </p:nextCondLst>
+            </p:seq>
+          </p:childTnLst>
+        </p:cTn>
+      </p:par>
+    </p:tnLst>
+    <p:bldLst>
+      <p:bldP spid="9" grpId="0" animBg="1"/>
+      <p:bldP spid="10" grpId="0" animBg="1"/>
+    </p:bldLst>
+  </p:timing>
 </p:sld>
 </file>
 
-<file path=ppt/slides/slide46.xml><?xml version="1.0" encoding="utf-8"?>
+<file path=ppt/slides/slide48.xml><?xml version="1.0" encoding="utf-8"?>
 <p:sld xmlns:a="http://schemas.openxmlformats.org/drawingml/2006/main" xmlns:r="http://schemas.openxmlformats.org/officeDocument/2006/relationships" xmlns:p="http://schemas.openxmlformats.org/presentationml/2006/main">
   <p:cSld>
     <p:spTree>
@@ -31212,6 +34217,41 @@
                                   </p:childTnLst>
                                 </p:cTn>
                               </p:par>
+                              <p:par>
+                                <p:cTn id="31" presetID="10" presetClass="entr" presetSubtype="0" fill="hold" grpId="0" nodeType="withEffect">
+                                  <p:stCondLst>
+                                    <p:cond delay="500"/>
+                                  </p:stCondLst>
+                                  <p:childTnLst>
+                                    <p:set>
+                                      <p:cBhvr>
+                                        <p:cTn id="32" dur="1" fill="hold">
+                                          <p:stCondLst>
+                                            <p:cond delay="0"/>
+                                          </p:stCondLst>
+                                        </p:cTn>
+                                        <p:tgtEl>
+                                          <p:spTgt spid="44"/>
+                                        </p:tgtEl>
+                                        <p:attrNameLst>
+                                          <p:attrName>style.visibility</p:attrName>
+                                        </p:attrNameLst>
+                                      </p:cBhvr>
+                                      <p:to>
+                                        <p:strVal val="visible"/>
+                                      </p:to>
+                                    </p:set>
+                                    <p:animEffect transition="in" filter="fade">
+                                      <p:cBhvr>
+                                        <p:cTn id="33" dur="500"/>
+                                        <p:tgtEl>
+                                          <p:spTgt spid="44"/>
+                                        </p:tgtEl>
+                                      </p:cBhvr>
+                                    </p:animEffect>
+                                  </p:childTnLst>
+                                </p:cTn>
+                              </p:par>
                             </p:childTnLst>
                           </p:cTn>
                         </p:par>
@@ -31251,12 +34291,13 @@
       <p:bldP spid="53" grpId="0" animBg="1"/>
       <p:bldP spid="54" grpId="0" animBg="1"/>
       <p:bldP spid="55" grpId="0"/>
+      <p:bldP spid="44" grpId="0" animBg="1"/>
     </p:bldLst>
   </p:timing>
 </p:sld>
 </file>
 
-<file path=ppt/slides/slide47.xml><?xml version="1.0" encoding="utf-8"?>
+<file path=ppt/slides/slide49.xml><?xml version="1.0" encoding="utf-8"?>
 <p:sld xmlns:a="http://schemas.openxmlformats.org/drawingml/2006/main" xmlns:r="http://schemas.openxmlformats.org/officeDocument/2006/relationships" xmlns:p="http://schemas.openxmlformats.org/presentationml/2006/main">
   <p:cSld>
     <p:spTree>
@@ -31479,7 +34520,209 @@
 </p:sld>
 </file>
 
-<file path=ppt/slides/slide48.xml><?xml version="1.0" encoding="utf-8"?>
+<file path=ppt/slides/slide5.xml><?xml version="1.0" encoding="utf-8"?>
+<p:sld xmlns:a="http://schemas.openxmlformats.org/drawingml/2006/main" xmlns:r="http://schemas.openxmlformats.org/officeDocument/2006/relationships" xmlns:p="http://schemas.openxmlformats.org/presentationml/2006/main">
+  <p:cSld>
+    <p:spTree>
+      <p:nvGrpSpPr>
+        <p:cNvPr id="1" name=""/>
+        <p:cNvGrpSpPr/>
+        <p:nvPr/>
+      </p:nvGrpSpPr>
+      <p:grpSpPr>
+        <a:xfrm>
+          <a:off x="0" y="0"/>
+          <a:ext cx="0" cy="0"/>
+          <a:chOff x="0" y="0"/>
+          <a:chExt cx="0" cy="0"/>
+        </a:xfrm>
+      </p:grpSpPr>
+      <p:sp>
+        <p:nvSpPr>
+          <p:cNvPr id="2" name="Titel 1">
+            <a:extLst>
+              <a:ext uri="{FF2B5EF4-FFF2-40B4-BE49-F238E27FC236}">
+                <a16:creationId xmlns:a16="http://schemas.microsoft.com/office/drawing/2014/main" id="{C9B9EEED-95C7-4E0A-A6C4-175591825244}"/>
+              </a:ext>
+            </a:extLst>
+          </p:cNvPr>
+          <p:cNvSpPr>
+            <a:spLocks noGrp="1"/>
+          </p:cNvSpPr>
+          <p:nvPr>
+            <p:ph type="title"/>
+          </p:nvPr>
+        </p:nvSpPr>
+        <p:spPr>
+          <a:xfrm>
+            <a:off x="226322" y="137787"/>
+            <a:ext cx="10515600" cy="1033397"/>
+          </a:xfrm>
+        </p:spPr>
+        <p:txBody>
+          <a:bodyPr/>
+          <a:lstStyle/>
+          <a:p>
+            <a:r>
+              <a:rPr lang="en-US" b="1" dirty="0"/>
+              <a:t>History and status 1</a:t>
+            </a:r>
+          </a:p>
+        </p:txBody>
+      </p:sp>
+      <p:sp>
+        <p:nvSpPr>
+          <p:cNvPr id="3" name="Tijdelijke aanduiding voor inhoud 2">
+            <a:extLst>
+              <a:ext uri="{FF2B5EF4-FFF2-40B4-BE49-F238E27FC236}">
+                <a16:creationId xmlns:a16="http://schemas.microsoft.com/office/drawing/2014/main" id="{A68F1236-684E-498D-BA85-B79575DEE565}"/>
+              </a:ext>
+            </a:extLst>
+          </p:cNvPr>
+          <p:cNvSpPr>
+            <a:spLocks noGrp="1"/>
+          </p:cNvSpPr>
+          <p:nvPr>
+            <p:ph idx="1"/>
+          </p:nvPr>
+        </p:nvSpPr>
+        <p:spPr>
+          <a:xfrm>
+            <a:off x="538018" y="1253330"/>
+            <a:ext cx="10515600" cy="5092051"/>
+          </a:xfrm>
+        </p:spPr>
+        <p:txBody>
+          <a:bodyPr>
+            <a:normAutofit fontScale="92500" lnSpcReduction="10000"/>
+          </a:bodyPr>
+          <a:lstStyle/>
+          <a:p>
+            <a:r>
+              <a:rPr lang="en-US" dirty="0"/>
+              <a:t>V1 (2010) turned out to be </a:t>
+            </a:r>
+          </a:p>
+          <a:p>
+            <a:pPr lvl="1"/>
+            <a:r>
+              <a:rPr lang="en-US" dirty="0"/>
+              <a:t>hard to use and understand</a:t>
+            </a:r>
+          </a:p>
+          <a:p>
+            <a:pPr lvl="1"/>
+            <a:r>
+              <a:rPr lang="en-US" dirty="0"/>
+              <a:t>verbose</a:t>
+            </a:r>
+          </a:p>
+          <a:p>
+            <a:pPr lvl="1"/>
+            <a:r>
+              <a:rPr lang="en-US" dirty="0"/>
+              <a:t>Became outdated with respect to underlying standards</a:t>
+            </a:r>
+          </a:p>
+          <a:p>
+            <a:r>
+              <a:rPr lang="en-US" dirty="0"/>
+              <a:t>V2 Initiative (non-XML) – not enough support	</a:t>
+            </a:r>
+          </a:p>
+          <a:p>
+            <a:pPr lvl="1"/>
+            <a:r>
+              <a:rPr lang="en-US" dirty="0"/>
+              <a:t>And, besides, all the important XML standards used 3.x …</a:t>
+            </a:r>
+          </a:p>
+          <a:p>
+            <a:r>
+              <a:rPr lang="en-US" dirty="0"/>
+              <a:t>V3 Initiative (2016) - W3C Community Group</a:t>
+            </a:r>
+          </a:p>
+          <a:p>
+            <a:pPr lvl="1"/>
+            <a:r>
+              <a:rPr lang="en-US" dirty="0"/>
+              <a:t>Stay close to existing syntax</a:t>
+            </a:r>
+          </a:p>
+          <a:p>
+            <a:pPr lvl="1"/>
+            <a:r>
+              <a:rPr lang="en-US" dirty="0"/>
+              <a:t>Make language more usable, understandable and concise</a:t>
+            </a:r>
+          </a:p>
+          <a:p>
+            <a:pPr lvl="1"/>
+            <a:r>
+              <a:rPr lang="en-US" dirty="0"/>
+              <a:t>Update underlying standards</a:t>
+            </a:r>
+          </a:p>
+          <a:p>
+            <a:pPr lvl="1"/>
+            <a:r>
+              <a:rPr lang="en-US" dirty="0"/>
+              <a:t>Allow other document types to flow through</a:t>
+            </a:r>
+          </a:p>
+          <a:p>
+            <a:pPr lvl="1"/>
+            <a:r>
+              <a:rPr lang="en-US" dirty="0"/>
+              <a:t>Clean up loose ends </a:t>
+            </a:r>
+          </a:p>
+          <a:p>
+            <a:r>
+              <a:rPr lang="en-US" dirty="0"/>
+              <a:t>Editors</a:t>
+            </a:r>
+          </a:p>
+          <a:p>
+            <a:pPr lvl="1"/>
+            <a:r>
+              <a:rPr lang="en-US" dirty="0"/>
+              <a:t>Norman Walsh, Achim </a:t>
+            </a:r>
+            <a:r>
+              <a:rPr lang="en-US" dirty="0" err="1"/>
+              <a:t>Berndzen</a:t>
+            </a:r>
+            <a:r>
+              <a:rPr lang="en-US" dirty="0"/>
+              <a:t>, Gerrit </a:t>
+            </a:r>
+            <a:r>
+              <a:rPr lang="en-US" dirty="0" err="1"/>
+              <a:t>Imsieke</a:t>
+            </a:r>
+            <a:r>
+              <a:rPr lang="en-US" dirty="0"/>
+              <a:t>, Erik Siegel</a:t>
+            </a:r>
+          </a:p>
+        </p:txBody>
+      </p:sp>
+    </p:spTree>
+    <p:extLst>
+      <p:ext uri="{BB962C8B-B14F-4D97-AF65-F5344CB8AC3E}">
+        <p14:creationId xmlns:p14="http://schemas.microsoft.com/office/powerpoint/2010/main" val="1116302824"/>
+      </p:ext>
+    </p:extLst>
+  </p:cSld>
+  <p:clrMapOvr>
+    <a:masterClrMapping/>
+  </p:clrMapOvr>
+</p:sld>
+</file>
+
+<file path=ppt/slides/slide50.xml><?xml version="1.0" encoding="utf-8"?>
 <p:sld xmlns:a="http://schemas.openxmlformats.org/drawingml/2006/main" xmlns:r="http://schemas.openxmlformats.org/officeDocument/2006/relationships" xmlns:p="http://schemas.openxmlformats.org/presentationml/2006/main">
   <p:cSld>
     <p:spTree>
@@ -31907,7 +35150,7 @@
 </p:sld>
 </file>
 
-<file path=ppt/slides/slide49.xml><?xml version="1.0" encoding="utf-8"?>
+<file path=ppt/slides/slide51.xml><?xml version="1.0" encoding="utf-8"?>
 <p:sld xmlns:a="http://schemas.openxmlformats.org/drawingml/2006/main" xmlns:r="http://schemas.openxmlformats.org/officeDocument/2006/relationships" xmlns:p="http://schemas.openxmlformats.org/presentationml/2006/main">
   <p:cSld>
     <p:spTree>
@@ -32247,8 +35490,8 @@
         </p:nvSpPr>
         <p:spPr>
           <a:xfrm>
-            <a:off x="9079072" y="5272588"/>
-            <a:ext cx="2840673" cy="1020000"/>
+            <a:off x="9079072" y="4860036"/>
+            <a:ext cx="2840673" cy="1432552"/>
           </a:xfrm>
           <a:prstGeom prst="wedgeEllipseCallout">
             <a:avLst>
@@ -32287,7 +35530,15 @@
             <a:pPr algn="ctr"/>
             <a:r>
               <a:rPr lang="en-US" sz="1600" dirty="0"/>
-              <a:t>And remember,</a:t>
+              <a:t>And remember, </a:t>
+            </a:r>
+            <a:r>
+              <a:rPr lang="en-US" sz="1600" dirty="0" err="1"/>
+              <a:t>Kanava</a:t>
+            </a:r>
+            <a:r>
+              <a:rPr lang="en-US" sz="1600" dirty="0"/>
+              <a:t> says: </a:t>
             </a:r>
           </a:p>
           <a:p>
@@ -32411,208 +35662,6 @@
       <p:bldP spid="4" grpId="0" animBg="1"/>
     </p:bldLst>
   </p:timing>
-</p:sld>
-</file>
-
-<file path=ppt/slides/slide5.xml><?xml version="1.0" encoding="utf-8"?>
-<p:sld xmlns:a="http://schemas.openxmlformats.org/drawingml/2006/main" xmlns:r="http://schemas.openxmlformats.org/officeDocument/2006/relationships" xmlns:p="http://schemas.openxmlformats.org/presentationml/2006/main">
-  <p:cSld>
-    <p:spTree>
-      <p:nvGrpSpPr>
-        <p:cNvPr id="1" name=""/>
-        <p:cNvGrpSpPr/>
-        <p:nvPr/>
-      </p:nvGrpSpPr>
-      <p:grpSpPr>
-        <a:xfrm>
-          <a:off x="0" y="0"/>
-          <a:ext cx="0" cy="0"/>
-          <a:chOff x="0" y="0"/>
-          <a:chExt cx="0" cy="0"/>
-        </a:xfrm>
-      </p:grpSpPr>
-      <p:sp>
-        <p:nvSpPr>
-          <p:cNvPr id="2" name="Titel 1">
-            <a:extLst>
-              <a:ext uri="{FF2B5EF4-FFF2-40B4-BE49-F238E27FC236}">
-                <a16:creationId xmlns:a16="http://schemas.microsoft.com/office/drawing/2014/main" id="{C9B9EEED-95C7-4E0A-A6C4-175591825244}"/>
-              </a:ext>
-            </a:extLst>
-          </p:cNvPr>
-          <p:cNvSpPr>
-            <a:spLocks noGrp="1"/>
-          </p:cNvSpPr>
-          <p:nvPr>
-            <p:ph type="title"/>
-          </p:nvPr>
-        </p:nvSpPr>
-        <p:spPr>
-          <a:xfrm>
-            <a:off x="226322" y="137787"/>
-            <a:ext cx="10515600" cy="1033397"/>
-          </a:xfrm>
-        </p:spPr>
-        <p:txBody>
-          <a:bodyPr/>
-          <a:lstStyle/>
-          <a:p>
-            <a:r>
-              <a:rPr lang="en-US" b="1" dirty="0"/>
-              <a:t>History and status 1</a:t>
-            </a:r>
-          </a:p>
-        </p:txBody>
-      </p:sp>
-      <p:sp>
-        <p:nvSpPr>
-          <p:cNvPr id="3" name="Tijdelijke aanduiding voor inhoud 2">
-            <a:extLst>
-              <a:ext uri="{FF2B5EF4-FFF2-40B4-BE49-F238E27FC236}">
-                <a16:creationId xmlns:a16="http://schemas.microsoft.com/office/drawing/2014/main" id="{A68F1236-684E-498D-BA85-B79575DEE565}"/>
-              </a:ext>
-            </a:extLst>
-          </p:cNvPr>
-          <p:cNvSpPr>
-            <a:spLocks noGrp="1"/>
-          </p:cNvSpPr>
-          <p:nvPr>
-            <p:ph idx="1"/>
-          </p:nvPr>
-        </p:nvSpPr>
-        <p:spPr>
-          <a:xfrm>
-            <a:off x="538018" y="1253330"/>
-            <a:ext cx="10515600" cy="5092051"/>
-          </a:xfrm>
-        </p:spPr>
-        <p:txBody>
-          <a:bodyPr>
-            <a:normAutofit fontScale="92500" lnSpcReduction="10000"/>
-          </a:bodyPr>
-          <a:lstStyle/>
-          <a:p>
-            <a:r>
-              <a:rPr lang="en-US" dirty="0"/>
-              <a:t>V1 (2010) turned out to be </a:t>
-            </a:r>
-          </a:p>
-          <a:p>
-            <a:pPr lvl="1"/>
-            <a:r>
-              <a:rPr lang="en-US" dirty="0"/>
-              <a:t>hard to use and understand</a:t>
-            </a:r>
-          </a:p>
-          <a:p>
-            <a:pPr lvl="1"/>
-            <a:r>
-              <a:rPr lang="en-US" dirty="0"/>
-              <a:t>verbose</a:t>
-            </a:r>
-          </a:p>
-          <a:p>
-            <a:pPr lvl="1"/>
-            <a:r>
-              <a:rPr lang="en-US" dirty="0"/>
-              <a:t>Became outdated with respect to underlying standards</a:t>
-            </a:r>
-          </a:p>
-          <a:p>
-            <a:r>
-              <a:rPr lang="en-US" dirty="0"/>
-              <a:t>V2 Initiative (non-XML) – not enough support	</a:t>
-            </a:r>
-          </a:p>
-          <a:p>
-            <a:pPr lvl="1"/>
-            <a:r>
-              <a:rPr lang="en-US" dirty="0"/>
-              <a:t>And, besides, all the important XML standards used 3.x …</a:t>
-            </a:r>
-          </a:p>
-          <a:p>
-            <a:r>
-              <a:rPr lang="en-US" dirty="0"/>
-              <a:t>V3 Initiative (2016) - W3C Community Group</a:t>
-            </a:r>
-          </a:p>
-          <a:p>
-            <a:pPr lvl="1"/>
-            <a:r>
-              <a:rPr lang="en-US" dirty="0"/>
-              <a:t>Stay close to existing syntax</a:t>
-            </a:r>
-          </a:p>
-          <a:p>
-            <a:pPr lvl="1"/>
-            <a:r>
-              <a:rPr lang="en-US" dirty="0"/>
-              <a:t>Make language more usable, understandable and concise</a:t>
-            </a:r>
-          </a:p>
-          <a:p>
-            <a:pPr lvl="1"/>
-            <a:r>
-              <a:rPr lang="en-US" dirty="0"/>
-              <a:t>Update underlying standards</a:t>
-            </a:r>
-          </a:p>
-          <a:p>
-            <a:pPr lvl="1"/>
-            <a:r>
-              <a:rPr lang="en-US" dirty="0"/>
-              <a:t>Allow other document types to flow through</a:t>
-            </a:r>
-          </a:p>
-          <a:p>
-            <a:pPr lvl="1"/>
-            <a:r>
-              <a:rPr lang="en-US" dirty="0"/>
-              <a:t>Clean up loose ends </a:t>
-            </a:r>
-          </a:p>
-          <a:p>
-            <a:r>
-              <a:rPr lang="en-US" dirty="0"/>
-              <a:t>Editors</a:t>
-            </a:r>
-          </a:p>
-          <a:p>
-            <a:pPr lvl="1"/>
-            <a:r>
-              <a:rPr lang="en-US" dirty="0"/>
-              <a:t>Norman Walsh, Achim </a:t>
-            </a:r>
-            <a:r>
-              <a:rPr lang="en-US" dirty="0" err="1"/>
-              <a:t>Berndzen</a:t>
-            </a:r>
-            <a:r>
-              <a:rPr lang="en-US" dirty="0"/>
-              <a:t>, Gerrit </a:t>
-            </a:r>
-            <a:r>
-              <a:rPr lang="en-US" dirty="0" err="1"/>
-              <a:t>Imsieke</a:t>
-            </a:r>
-            <a:r>
-              <a:rPr lang="en-US" dirty="0"/>
-              <a:t>, Erik Siegel</a:t>
-            </a:r>
-          </a:p>
-        </p:txBody>
-      </p:sp>
-    </p:spTree>
-    <p:extLst>
-      <p:ext uri="{BB962C8B-B14F-4D97-AF65-F5344CB8AC3E}">
-        <p14:creationId xmlns:p14="http://schemas.microsoft.com/office/powerpoint/2010/main" val="1116302824"/>
-      </p:ext>
-    </p:extLst>
-  </p:cSld>
-  <p:clrMapOvr>
-    <a:masterClrMapping/>
-  </p:clrMapOvr>
 </p:sld>
 </file>
 
@@ -33708,12 +36757,14 @@
         </p:nvSpPr>
         <p:spPr>
           <a:xfrm>
-            <a:off x="838200" y="1825625"/>
+            <a:off x="838200" y="1568979"/>
             <a:ext cx="10515600" cy="3024082"/>
           </a:xfrm>
         </p:spPr>
         <p:txBody>
-          <a:bodyPr/>
+          <a:bodyPr>
+            <a:normAutofit fontScale="92500" lnSpcReduction="10000"/>
+          </a:bodyPr>
           <a:lstStyle/>
           <a:p>
             <a:r>
@@ -33764,8 +36815,15 @@
           <a:p>
             <a:r>
               <a:rPr lang="en-GB" dirty="0"/>
-              <a:t>JRE (V1.8.x works, maybe others too…) must be installed!</a:t>
-            </a:r>
+              <a:t>JRE (V1.8.x works, maybe others too…) must be installed! </a:t>
+            </a:r>
+            <a:r>
+              <a:rPr lang="en-GB" dirty="0">
+                <a:hlinkClick r:id="rId4"/>
+              </a:rPr>
+              <a:t>https://www.java.com/en/download/</a:t>
+            </a:r>
+            <a:endParaRPr lang="en-GB" dirty="0"/>
           </a:p>
           <a:p>
             <a:r>
@@ -33983,13 +37041,13 @@
           <p:nvPr/>
         </p:nvPicPr>
         <p:blipFill>
-          <a:blip r:embed="rId4">
+          <a:blip r:embed="rId5">
             <a:extLst>
               <a:ext uri="{28A0092B-C50C-407E-A947-70E740481C1C}">
                 <a14:useLocalDpi xmlns:a14="http://schemas.microsoft.com/office/drawing/2010/main" val="0"/>
               </a:ext>
               <a:ext uri="{96DAC541-7B7A-43D3-8B79-37D633B846F1}">
-                <asvg:svgBlip xmlns:asvg="http://schemas.microsoft.com/office/drawing/2016/SVG/main" r:embed="rId5"/>
+                <asvg:svgBlip xmlns:asvg="http://schemas.microsoft.com/office/drawing/2016/SVG/main" r:embed="rId6"/>
               </a:ext>
             </a:extLst>
           </a:blip>
